--- a/SOLID Principles.pptx
+++ b/SOLID Principles.pptx
@@ -44,6 +44,13 @@
     <p:sldId id="290" r:id="rId38"/>
     <p:sldId id="288" r:id="rId39"/>
     <p:sldId id="284" r:id="rId40"/>
+    <p:sldId id="308" r:id="rId41"/>
+    <p:sldId id="311" r:id="rId42"/>
+    <p:sldId id="312" r:id="rId43"/>
+    <p:sldId id="310" r:id="rId44"/>
+    <p:sldId id="313" r:id="rId45"/>
+    <p:sldId id="314" r:id="rId46"/>
+    <p:sldId id="309" r:id="rId47"/>
   </p:sldIdLst>
   <p:sldSz cx="12192000" cy="6858000"/>
   <p:notesSz cx="6858000" cy="9144000"/>
@@ -198,6 +205,13 @@
             <p14:sldId id="290"/>
             <p14:sldId id="288"/>
             <p14:sldId id="284"/>
+            <p14:sldId id="308"/>
+            <p14:sldId id="311"/>
+            <p14:sldId id="312"/>
+            <p14:sldId id="310"/>
+            <p14:sldId id="313"/>
+            <p14:sldId id="314"/>
+            <p14:sldId id="309"/>
           </p14:sldIdLst>
         </p14:section>
       </p14:sectionLst>
@@ -212,3346 +226,9 @@
 <file path=ppt/revisionInfo.xml><?xml version="1.0" encoding="utf-8"?>
 <p1510:revInfo xmlns:a="http://schemas.openxmlformats.org/drawingml/2006/main" xmlns:r="http://schemas.openxmlformats.org/officeDocument/2006/relationships" xmlns:p1510="http://schemas.microsoft.com/office/powerpoint/2015/10/main">
   <p1510:revLst>
-    <p1510:client id="{EAEB6841-D4F6-4DDF-9129-8C3CE68F3649}" v="3727" dt="2019-07-29T19:32:59.874"/>
+    <p1510:client id="{EAEB6841-D4F6-4DDF-9129-8C3CE68F3649}" v="3813" dt="2019-08-06T06:23:09.090"/>
   </p1510:revLst>
 </p1510:revInfo>
-</file>
-
-<file path=ppt/changesInfos/changesInfo1.xml><?xml version="1.0" encoding="utf-8"?>
-<pc:chgInfo xmlns:a="http://schemas.openxmlformats.org/drawingml/2006/main" xmlns:r="http://schemas.openxmlformats.org/officeDocument/2006/relationships" xmlns:ac="http://schemas.microsoft.com/office/drawing/2013/main/command" xmlns:pc="http://schemas.microsoft.com/office/powerpoint/2013/main/command">
-  <pc:docChgLst>
-    <pc:chgData name="Nadia-Simona Comanici" userId="5c8d8869465da292" providerId="LiveId" clId="{EAEB6841-D4F6-4DDF-9129-8C3CE68F3649}"/>
-    <pc:docChg chg="undo custSel mod addSld delSld modSld sldOrd modSection">
-      <pc:chgData name="Nadia-Simona Comanici" userId="5c8d8869465da292" providerId="LiveId" clId="{EAEB6841-D4F6-4DDF-9129-8C3CE68F3649}" dt="2019-07-29T19:33:10.766" v="5271" actId="2696"/>
-      <pc:docMkLst>
-        <pc:docMk/>
-      </pc:docMkLst>
-      <pc:sldChg chg="delSp modSp delDesignElem">
-        <pc:chgData name="Nadia-Simona Comanici" userId="5c8d8869465da292" providerId="LiveId" clId="{EAEB6841-D4F6-4DDF-9129-8C3CE68F3649}" dt="2019-07-15T20:40:18.497" v="2510" actId="14100"/>
-        <pc:sldMkLst>
-          <pc:docMk/>
-          <pc:sldMk cId="3784089036" sldId="256"/>
-        </pc:sldMkLst>
-        <pc:spChg chg="mod">
-          <ac:chgData name="Nadia-Simona Comanici" userId="5c8d8869465da292" providerId="LiveId" clId="{EAEB6841-D4F6-4DDF-9129-8C3CE68F3649}" dt="2019-07-15T20:40:18.497" v="2510" actId="14100"/>
-          <ac:spMkLst>
-            <pc:docMk/>
-            <pc:sldMk cId="3784089036" sldId="256"/>
-            <ac:spMk id="3" creationId="{00000000-0000-0000-0000-000000000000}"/>
-          </ac:spMkLst>
-        </pc:spChg>
-        <pc:spChg chg="del">
-          <ac:chgData name="Nadia-Simona Comanici" userId="5c8d8869465da292" providerId="LiveId" clId="{EAEB6841-D4F6-4DDF-9129-8C3CE68F3649}" dt="2019-06-26T08:52:15.850" v="2315"/>
-          <ac:spMkLst>
-            <pc:docMk/>
-            <pc:sldMk cId="3784089036" sldId="256"/>
-            <ac:spMk id="15" creationId="{4C0648FB-4388-443C-8D4E-4A9FF0336078}"/>
-          </ac:spMkLst>
-        </pc:spChg>
-        <pc:spChg chg="del">
-          <ac:chgData name="Nadia-Simona Comanici" userId="5c8d8869465da292" providerId="LiveId" clId="{EAEB6841-D4F6-4DDF-9129-8C3CE68F3649}" dt="2019-06-26T08:52:15.850" v="2315"/>
-          <ac:spMkLst>
-            <pc:docMk/>
-            <pc:sldMk cId="3784089036" sldId="256"/>
-            <ac:spMk id="17" creationId="{4A8D762E-DA8D-419A-BA44-68B93D3D92F8}"/>
-          </ac:spMkLst>
-        </pc:spChg>
-        <pc:cxnChg chg="del">
-          <ac:chgData name="Nadia-Simona Comanici" userId="5c8d8869465da292" providerId="LiveId" clId="{EAEB6841-D4F6-4DDF-9129-8C3CE68F3649}" dt="2019-06-26T08:52:15.850" v="2315"/>
-          <ac:cxnSpMkLst>
-            <pc:docMk/>
-            <pc:sldMk cId="3784089036" sldId="256"/>
-            <ac:cxnSpMk id="19" creationId="{47F95953-8E19-4C01-997F-0E959B52B7AB}"/>
-          </ac:cxnSpMkLst>
-        </pc:cxnChg>
-      </pc:sldChg>
-      <pc:sldChg chg="modAnim">
-        <pc:chgData name="Nadia-Simona Comanici" userId="5c8d8869465da292" providerId="LiveId" clId="{EAEB6841-D4F6-4DDF-9129-8C3CE68F3649}" dt="2019-07-29T18:53:00.693" v="5056"/>
-        <pc:sldMkLst>
-          <pc:docMk/>
-          <pc:sldMk cId="3988346118" sldId="257"/>
-        </pc:sldMkLst>
-      </pc:sldChg>
-      <pc:sldChg chg="addSp delSp modSp modAnim">
-        <pc:chgData name="Nadia-Simona Comanici" userId="5c8d8869465da292" providerId="LiveId" clId="{EAEB6841-D4F6-4DDF-9129-8C3CE68F3649}" dt="2019-07-29T18:54:08.262" v="5060" actId="11529"/>
-        <pc:sldMkLst>
-          <pc:docMk/>
-          <pc:sldMk cId="1480378111" sldId="259"/>
-        </pc:sldMkLst>
-        <pc:spChg chg="del">
-          <ac:chgData name="Nadia-Simona Comanici" userId="5c8d8869465da292" providerId="LiveId" clId="{EAEB6841-D4F6-4DDF-9129-8C3CE68F3649}" dt="2019-07-29T18:53:43.150" v="5057" actId="478"/>
-          <ac:spMkLst>
-            <pc:docMk/>
-            <pc:sldMk cId="1480378111" sldId="259"/>
-            <ac:spMk id="7" creationId="{E9C36705-6613-472E-AE6A-57B9E4898685}"/>
-          </ac:spMkLst>
-        </pc:spChg>
-        <pc:cxnChg chg="add mod">
-          <ac:chgData name="Nadia-Simona Comanici" userId="5c8d8869465da292" providerId="LiveId" clId="{EAEB6841-D4F6-4DDF-9129-8C3CE68F3649}" dt="2019-07-29T18:54:08.262" v="5060" actId="11529"/>
-          <ac:cxnSpMkLst>
-            <pc:docMk/>
-            <pc:sldMk cId="1480378111" sldId="259"/>
-            <ac:cxnSpMk id="9" creationId="{6283D1D0-99E1-467F-A9BC-BCEFD459A051}"/>
-          </ac:cxnSpMkLst>
-        </pc:cxnChg>
-      </pc:sldChg>
-      <pc:sldChg chg="addSp delSp modSp delDesignElem">
-        <pc:chgData name="Nadia-Simona Comanici" userId="5c8d8869465da292" providerId="LiveId" clId="{EAEB6841-D4F6-4DDF-9129-8C3CE68F3649}" dt="2019-07-15T20:42:02.543" v="2529" actId="1076"/>
-        <pc:sldMkLst>
-          <pc:docMk/>
-          <pc:sldMk cId="3032863794" sldId="260"/>
-        </pc:sldMkLst>
-        <pc:spChg chg="del">
-          <ac:chgData name="Nadia-Simona Comanici" userId="5c8d8869465da292" providerId="LiveId" clId="{EAEB6841-D4F6-4DDF-9129-8C3CE68F3649}" dt="2019-06-26T08:52:15.850" v="2315"/>
-          <ac:spMkLst>
-            <pc:docMk/>
-            <pc:sldMk cId="3032863794" sldId="260"/>
-            <ac:spMk id="15" creationId="{73834904-4D9B-41F7-8DA6-0709FD9F7E9D}"/>
-          </ac:spMkLst>
-        </pc:spChg>
-        <pc:spChg chg="del">
-          <ac:chgData name="Nadia-Simona Comanici" userId="5c8d8869465da292" providerId="LiveId" clId="{EAEB6841-D4F6-4DDF-9129-8C3CE68F3649}" dt="2019-06-26T08:52:15.850" v="2315"/>
-          <ac:spMkLst>
-            <pc:docMk/>
-            <pc:sldMk cId="3032863794" sldId="260"/>
-            <ac:spMk id="17" creationId="{C23416DF-B283-4D9F-A625-146552CA9EDB}"/>
-          </ac:spMkLst>
-        </pc:spChg>
-        <pc:spChg chg="del">
-          <ac:chgData name="Nadia-Simona Comanici" userId="5c8d8869465da292" providerId="LiveId" clId="{EAEB6841-D4F6-4DDF-9129-8C3CE68F3649}" dt="2019-06-26T08:52:15.850" v="2315"/>
-          <ac:spMkLst>
-            <pc:docMk/>
-            <pc:sldMk cId="3032863794" sldId="260"/>
-            <ac:spMk id="31" creationId="{1D2E3C52-528A-4049-BCAA-5460756BC033}"/>
-          </ac:spMkLst>
-        </pc:spChg>
-        <pc:spChg chg="del">
-          <ac:chgData name="Nadia-Simona Comanici" userId="5c8d8869465da292" providerId="LiveId" clId="{EAEB6841-D4F6-4DDF-9129-8C3CE68F3649}" dt="2019-06-26T08:52:15.850" v="2315"/>
-          <ac:spMkLst>
-            <pc:docMk/>
-            <pc:sldMk cId="3032863794" sldId="260"/>
-            <ac:spMk id="33" creationId="{CD5B542C-8183-4445-AF4D-B23AAE3299EE}"/>
-          </ac:spMkLst>
-        </pc:spChg>
-        <pc:spChg chg="add del">
-          <ac:chgData name="Nadia-Simona Comanici" userId="5c8d8869465da292" providerId="LiveId" clId="{EAEB6841-D4F6-4DDF-9129-8C3CE68F3649}" dt="2019-07-15T20:41:48.305" v="2522" actId="26606"/>
-          <ac:spMkLst>
-            <pc:docMk/>
-            <pc:sldMk cId="3032863794" sldId="260"/>
-            <ac:spMk id="40" creationId="{A62D483D-09D7-48C0-A931-9A81BE0286C3}"/>
-          </ac:spMkLst>
-        </pc:spChg>
-        <pc:spChg chg="add del">
-          <ac:chgData name="Nadia-Simona Comanici" userId="5c8d8869465da292" providerId="LiveId" clId="{EAEB6841-D4F6-4DDF-9129-8C3CE68F3649}" dt="2019-07-15T20:41:48.305" v="2522" actId="26606"/>
-          <ac:spMkLst>
-            <pc:docMk/>
-            <pc:sldMk cId="3032863794" sldId="260"/>
-            <ac:spMk id="44" creationId="{B4C49092-7E69-4D1D-9684-8A8C8E18D0FD}"/>
-          </ac:spMkLst>
-        </pc:spChg>
-        <pc:spChg chg="add del">
-          <ac:chgData name="Nadia-Simona Comanici" userId="5c8d8869465da292" providerId="LiveId" clId="{EAEB6841-D4F6-4DDF-9129-8C3CE68F3649}" dt="2019-07-15T20:41:48.305" v="2522" actId="26606"/>
-          <ac:spMkLst>
-            <pc:docMk/>
-            <pc:sldMk cId="3032863794" sldId="260"/>
-            <ac:spMk id="46" creationId="{F310048A-DABF-4984-BF4A-3E953FB42636}"/>
-          </ac:spMkLst>
-        </pc:spChg>
-        <pc:spChg chg="add">
-          <ac:chgData name="Nadia-Simona Comanici" userId="5c8d8869465da292" providerId="LiveId" clId="{EAEB6841-D4F6-4DDF-9129-8C3CE68F3649}" dt="2019-07-15T20:41:48.305" v="2522" actId="26606"/>
-          <ac:spMkLst>
-            <pc:docMk/>
-            <pc:sldMk cId="3032863794" sldId="260"/>
-            <ac:spMk id="57" creationId="{A2A507F1-2EB5-4798-A15F-A7C34A0A6684}"/>
-          </ac:spMkLst>
-        </pc:spChg>
-        <pc:spChg chg="add">
-          <ac:chgData name="Nadia-Simona Comanici" userId="5c8d8869465da292" providerId="LiveId" clId="{EAEB6841-D4F6-4DDF-9129-8C3CE68F3649}" dt="2019-07-15T20:41:48.305" v="2522" actId="26606"/>
-          <ac:spMkLst>
-            <pc:docMk/>
-            <pc:sldMk cId="3032863794" sldId="260"/>
-            <ac:spMk id="61" creationId="{E7CFC73E-3E90-4B19-A7DF-742374539963}"/>
-          </ac:spMkLst>
-        </pc:spChg>
-        <pc:spChg chg="add">
-          <ac:chgData name="Nadia-Simona Comanici" userId="5c8d8869465da292" providerId="LiveId" clId="{EAEB6841-D4F6-4DDF-9129-8C3CE68F3649}" dt="2019-07-15T20:41:48.305" v="2522" actId="26606"/>
-          <ac:spMkLst>
-            <pc:docMk/>
-            <pc:sldMk cId="3032863794" sldId="260"/>
-            <ac:spMk id="63" creationId="{777C5034-4CD2-4D41-9F8C-C90A0B9EA562}"/>
-          </ac:spMkLst>
-        </pc:spChg>
-        <pc:grpChg chg="add mod">
-          <ac:chgData name="Nadia-Simona Comanici" userId="5c8d8869465da292" providerId="LiveId" clId="{EAEB6841-D4F6-4DDF-9129-8C3CE68F3649}" dt="2019-07-15T20:41:06.172" v="2513" actId="164"/>
-          <ac:grpSpMkLst>
-            <pc:docMk/>
-            <pc:sldMk cId="3032863794" sldId="260"/>
-            <ac:grpSpMk id="3" creationId="{E6905DF2-BAEF-48AF-8A3C-41A2E1B39FE8}"/>
-          </ac:grpSpMkLst>
-        </pc:grpChg>
-        <pc:picChg chg="mod ord">
-          <ac:chgData name="Nadia-Simona Comanici" userId="5c8d8869465da292" providerId="LiveId" clId="{EAEB6841-D4F6-4DDF-9129-8C3CE68F3649}" dt="2019-07-15T20:41:48.305" v="2522" actId="26606"/>
-          <ac:picMkLst>
-            <pc:docMk/>
-            <pc:sldMk cId="3032863794" sldId="260"/>
-            <ac:picMk id="6" creationId="{F77A16AA-42C7-4EE8-8422-602DFCEEF0FE}"/>
-          </ac:picMkLst>
-        </pc:picChg>
-        <pc:picChg chg="mod ord">
-          <ac:chgData name="Nadia-Simona Comanici" userId="5c8d8869465da292" providerId="LiveId" clId="{EAEB6841-D4F6-4DDF-9129-8C3CE68F3649}" dt="2019-07-15T20:41:48.305" v="2522" actId="26606"/>
-          <ac:picMkLst>
-            <pc:docMk/>
-            <pc:sldMk cId="3032863794" sldId="260"/>
-            <ac:picMk id="12" creationId="{011B8397-8202-4B5E-AE16-06A9F438C823}"/>
-          </ac:picMkLst>
-        </pc:picChg>
-        <pc:picChg chg="add mod">
-          <ac:chgData name="Nadia-Simona Comanici" userId="5c8d8869465da292" providerId="LiveId" clId="{EAEB6841-D4F6-4DDF-9129-8C3CE68F3649}" dt="2019-07-15T20:42:02.543" v="2529" actId="1076"/>
-          <ac:picMkLst>
-            <pc:docMk/>
-            <pc:sldMk cId="3032863794" sldId="260"/>
-            <ac:picMk id="20" creationId="{8A2EE77E-1BA5-459B-A005-0B0775C082C0}"/>
-          </ac:picMkLst>
-        </pc:picChg>
-        <pc:picChg chg="del mod">
-          <ac:chgData name="Nadia-Simona Comanici" userId="5c8d8869465da292" providerId="LiveId" clId="{EAEB6841-D4F6-4DDF-9129-8C3CE68F3649}" dt="2019-07-15T20:41:43.750" v="2520"/>
-          <ac:picMkLst>
-            <pc:docMk/>
-            <pc:sldMk cId="3032863794" sldId="260"/>
-            <ac:picMk id="35" creationId="{43C0E4C1-1A60-4C21-910F-31522D0216DD}"/>
-          </ac:picMkLst>
-        </pc:picChg>
-        <pc:cxnChg chg="del">
-          <ac:chgData name="Nadia-Simona Comanici" userId="5c8d8869465da292" providerId="LiveId" clId="{EAEB6841-D4F6-4DDF-9129-8C3CE68F3649}" dt="2019-06-26T08:52:15.850" v="2315"/>
-          <ac:cxnSpMkLst>
-            <pc:docMk/>
-            <pc:sldMk cId="3032863794" sldId="260"/>
-            <ac:cxnSpMk id="27" creationId="{84ED9B5A-5577-4CA5-97AA-0E5E2EA9756F}"/>
-          </ac:cxnSpMkLst>
-        </pc:cxnChg>
-        <pc:cxnChg chg="del">
-          <ac:chgData name="Nadia-Simona Comanici" userId="5c8d8869465da292" providerId="LiveId" clId="{EAEB6841-D4F6-4DDF-9129-8C3CE68F3649}" dt="2019-06-26T08:52:15.850" v="2315"/>
-          <ac:cxnSpMkLst>
-            <pc:docMk/>
-            <pc:sldMk cId="3032863794" sldId="260"/>
-            <ac:cxnSpMk id="28" creationId="{C00D1207-ECAF-48E9-8834-2CE4D2198234}"/>
-          </ac:cxnSpMkLst>
-        </pc:cxnChg>
-        <pc:cxnChg chg="del">
-          <ac:chgData name="Nadia-Simona Comanici" userId="5c8d8869465da292" providerId="LiveId" clId="{EAEB6841-D4F6-4DDF-9129-8C3CE68F3649}" dt="2019-06-26T08:52:15.850" v="2315"/>
-          <ac:cxnSpMkLst>
-            <pc:docMk/>
-            <pc:sldMk cId="3032863794" sldId="260"/>
-            <ac:cxnSpMk id="29" creationId="{2724283B-587C-4A0E-A50E-B8914975B48A}"/>
-          </ac:cxnSpMkLst>
-        </pc:cxnChg>
-        <pc:cxnChg chg="add del">
-          <ac:chgData name="Nadia-Simona Comanici" userId="5c8d8869465da292" providerId="LiveId" clId="{EAEB6841-D4F6-4DDF-9129-8C3CE68F3649}" dt="2019-07-15T20:41:48.305" v="2522" actId="26606"/>
-          <ac:cxnSpMkLst>
-            <pc:docMk/>
-            <pc:sldMk cId="3032863794" sldId="260"/>
-            <ac:cxnSpMk id="42" creationId="{E929CC9D-81AB-4810-A406-71A29FDF0702}"/>
-          </ac:cxnSpMkLst>
-        </pc:cxnChg>
-        <pc:cxnChg chg="add del">
-          <ac:chgData name="Nadia-Simona Comanici" userId="5c8d8869465da292" providerId="LiveId" clId="{EAEB6841-D4F6-4DDF-9129-8C3CE68F3649}" dt="2019-07-15T20:41:48.305" v="2522" actId="26606"/>
-          <ac:cxnSpMkLst>
-            <pc:docMk/>
-            <pc:sldMk cId="3032863794" sldId="260"/>
-            <ac:cxnSpMk id="48" creationId="{9D77DE97-52FA-4310-AF1F-AD6EEACC616F}"/>
-          </ac:cxnSpMkLst>
-        </pc:cxnChg>
-        <pc:cxnChg chg="add del">
-          <ac:chgData name="Nadia-Simona Comanici" userId="5c8d8869465da292" providerId="LiveId" clId="{EAEB6841-D4F6-4DDF-9129-8C3CE68F3649}" dt="2019-07-15T20:41:48.305" v="2522" actId="26606"/>
-          <ac:cxnSpMkLst>
-            <pc:docMk/>
-            <pc:sldMk cId="3032863794" sldId="260"/>
-            <ac:cxnSpMk id="50" creationId="{AAF6691A-3D85-4BAE-8FDB-04DAA46EEE71}"/>
-          </ac:cxnSpMkLst>
-        </pc:cxnChg>
-        <pc:cxnChg chg="add del">
-          <ac:chgData name="Nadia-Simona Comanici" userId="5c8d8869465da292" providerId="LiveId" clId="{EAEB6841-D4F6-4DDF-9129-8C3CE68F3649}" dt="2019-07-15T20:41:48.305" v="2522" actId="26606"/>
-          <ac:cxnSpMkLst>
-            <pc:docMk/>
-            <pc:sldMk cId="3032863794" sldId="260"/>
-            <ac:cxnSpMk id="52" creationId="{A345CD8C-64B9-499A-B350-7001FBF4954B}"/>
-          </ac:cxnSpMkLst>
-        </pc:cxnChg>
-        <pc:cxnChg chg="add">
-          <ac:chgData name="Nadia-Simona Comanici" userId="5c8d8869465da292" providerId="LiveId" clId="{EAEB6841-D4F6-4DDF-9129-8C3CE68F3649}" dt="2019-07-15T20:41:48.305" v="2522" actId="26606"/>
-          <ac:cxnSpMkLst>
-            <pc:docMk/>
-            <pc:sldMk cId="3032863794" sldId="260"/>
-            <ac:cxnSpMk id="59" creationId="{24F53817-DA39-4DCE-ADDC-F84A3650E8E6}"/>
-          </ac:cxnSpMkLst>
-        </pc:cxnChg>
-        <pc:cxnChg chg="add">
-          <ac:chgData name="Nadia-Simona Comanici" userId="5c8d8869465da292" providerId="LiveId" clId="{EAEB6841-D4F6-4DDF-9129-8C3CE68F3649}" dt="2019-07-15T20:41:48.305" v="2522" actId="26606"/>
-          <ac:cxnSpMkLst>
-            <pc:docMk/>
-            <pc:sldMk cId="3032863794" sldId="260"/>
-            <ac:cxnSpMk id="65" creationId="{B5FB8C64-39D1-4D21-A1AE-7311CDAF9B96}"/>
-          </ac:cxnSpMkLst>
-        </pc:cxnChg>
-        <pc:cxnChg chg="add">
-          <ac:chgData name="Nadia-Simona Comanici" userId="5c8d8869465da292" providerId="LiveId" clId="{EAEB6841-D4F6-4DDF-9129-8C3CE68F3649}" dt="2019-07-15T20:41:48.305" v="2522" actId="26606"/>
-          <ac:cxnSpMkLst>
-            <pc:docMk/>
-            <pc:sldMk cId="3032863794" sldId="260"/>
-            <ac:cxnSpMk id="67" creationId="{92446F88-E03E-4F71-B62A-C8D25CA6EB3E}"/>
-          </ac:cxnSpMkLst>
-        </pc:cxnChg>
-      </pc:sldChg>
-      <pc:sldChg chg="addSp delSp modSp delDesignElem">
-        <pc:chgData name="Nadia-Simona Comanici" userId="5c8d8869465da292" providerId="LiveId" clId="{EAEB6841-D4F6-4DDF-9129-8C3CE68F3649}" dt="2019-07-15T20:41:50.888" v="2523"/>
-        <pc:sldMkLst>
-          <pc:docMk/>
-          <pc:sldMk cId="73697024" sldId="262"/>
-        </pc:sldMkLst>
-        <pc:spChg chg="mod">
-          <ac:chgData name="Nadia-Simona Comanici" userId="5c8d8869465da292" providerId="LiveId" clId="{EAEB6841-D4F6-4DDF-9129-8C3CE68F3649}" dt="2019-07-15T20:40:43.846" v="2511" actId="26606"/>
-          <ac:spMkLst>
-            <pc:docMk/>
-            <pc:sldMk cId="73697024" sldId="262"/>
-            <ac:spMk id="2" creationId="{1263B8D2-B23E-4376-8170-5F96E9E85051}"/>
-          </ac:spMkLst>
-        </pc:spChg>
-        <pc:spChg chg="add">
-          <ac:chgData name="Nadia-Simona Comanici" userId="5c8d8869465da292" providerId="LiveId" clId="{EAEB6841-D4F6-4DDF-9129-8C3CE68F3649}" dt="2019-07-15T20:40:43.846" v="2511" actId="26606"/>
-          <ac:spMkLst>
-            <pc:docMk/>
-            <pc:sldMk cId="73697024" sldId="262"/>
-            <ac:spMk id="5" creationId="{A540FAC9-3505-49ED-9B06-A0F8C1485394}"/>
-          </ac:spMkLst>
-        </pc:spChg>
-        <pc:spChg chg="add">
-          <ac:chgData name="Nadia-Simona Comanici" userId="5c8d8869465da292" providerId="LiveId" clId="{EAEB6841-D4F6-4DDF-9129-8C3CE68F3649}" dt="2019-07-15T20:40:43.846" v="2511" actId="26606"/>
-          <ac:spMkLst>
-            <pc:docMk/>
-            <pc:sldMk cId="73697024" sldId="262"/>
-            <ac:spMk id="6" creationId="{9879B3CD-E329-42F5-B136-BA1F37EC0532}"/>
-          </ac:spMkLst>
-        </pc:spChg>
-        <pc:spChg chg="add">
-          <ac:chgData name="Nadia-Simona Comanici" userId="5c8d8869465da292" providerId="LiveId" clId="{EAEB6841-D4F6-4DDF-9129-8C3CE68F3649}" dt="2019-07-15T20:40:43.846" v="2511" actId="26606"/>
-          <ac:spMkLst>
-            <pc:docMk/>
-            <pc:sldMk cId="73697024" sldId="262"/>
-            <ac:spMk id="7" creationId="{31E7C082-5B81-400A-A1DE-7CA9F26ED812}"/>
-          </ac:spMkLst>
-        </pc:spChg>
-        <pc:spChg chg="del">
-          <ac:chgData name="Nadia-Simona Comanici" userId="5c8d8869465da292" providerId="LiveId" clId="{EAEB6841-D4F6-4DDF-9129-8C3CE68F3649}" dt="2019-06-26T08:52:15.850" v="2315"/>
-          <ac:spMkLst>
-            <pc:docMk/>
-            <pc:sldMk cId="73697024" sldId="262"/>
-            <ac:spMk id="9" creationId="{BE194971-2F2D-44B0-8AE6-FF2DCCEE0A96}"/>
-          </ac:spMkLst>
-        </pc:spChg>
-        <pc:spChg chg="add">
-          <ac:chgData name="Nadia-Simona Comanici" userId="5c8d8869465da292" providerId="LiveId" clId="{EAEB6841-D4F6-4DDF-9129-8C3CE68F3649}" dt="2019-07-15T20:40:43.846" v="2511" actId="26606"/>
-          <ac:spMkLst>
-            <pc:docMk/>
-            <pc:sldMk cId="73697024" sldId="262"/>
-            <ac:spMk id="10" creationId="{EA0B4097-B645-43E0-A2B5-B8D688E74592}"/>
-          </ac:spMkLst>
-        </pc:spChg>
-        <pc:spChg chg="del">
-          <ac:chgData name="Nadia-Simona Comanici" userId="5c8d8869465da292" providerId="LiveId" clId="{EAEB6841-D4F6-4DDF-9129-8C3CE68F3649}" dt="2019-06-26T08:52:15.850" v="2315"/>
-          <ac:spMkLst>
-            <pc:docMk/>
-            <pc:sldMk cId="73697024" sldId="262"/>
-            <ac:spMk id="11" creationId="{1FF9A61E-EB11-4C46-82E1-3E00A3B4B4D6}"/>
-          </ac:spMkLst>
-        </pc:spChg>
-        <pc:spChg chg="del">
-          <ac:chgData name="Nadia-Simona Comanici" userId="5c8d8869465da292" providerId="LiveId" clId="{EAEB6841-D4F6-4DDF-9129-8C3CE68F3649}" dt="2019-06-26T08:52:15.850" v="2315"/>
-          <ac:spMkLst>
-            <pc:docMk/>
-            <pc:sldMk cId="73697024" sldId="262"/>
-            <ac:spMk id="15" creationId="{DF0ADB4E-94F7-4499-A048-25702426FADE}"/>
-          </ac:spMkLst>
-        </pc:spChg>
-        <pc:spChg chg="del">
-          <ac:chgData name="Nadia-Simona Comanici" userId="5c8d8869465da292" providerId="LiveId" clId="{EAEB6841-D4F6-4DDF-9129-8C3CE68F3649}" dt="2019-06-26T08:52:15.850" v="2315"/>
-          <ac:spMkLst>
-            <pc:docMk/>
-            <pc:sldMk cId="73697024" sldId="262"/>
-            <ac:spMk id="17" creationId="{6AD96B72-46E2-410D-AD3A-DA76EE628CF5}"/>
-          </ac:spMkLst>
-        </pc:spChg>
-        <pc:picChg chg="add del">
-          <ac:chgData name="Nadia-Simona Comanici" userId="5c8d8869465da292" providerId="LiveId" clId="{EAEB6841-D4F6-4DDF-9129-8C3CE68F3649}" dt="2019-07-15T20:41:50.888" v="2523"/>
-          <ac:picMkLst>
-            <pc:docMk/>
-            <pc:sldMk cId="73697024" sldId="262"/>
-            <ac:picMk id="9" creationId="{C9BBF011-43B7-44FF-8EF1-BDEBEBC0DF75}"/>
-          </ac:picMkLst>
-        </pc:picChg>
-        <pc:cxnChg chg="add">
-          <ac:chgData name="Nadia-Simona Comanici" userId="5c8d8869465da292" providerId="LiveId" clId="{EAEB6841-D4F6-4DDF-9129-8C3CE68F3649}" dt="2019-07-15T20:40:43.846" v="2511" actId="26606"/>
-          <ac:cxnSpMkLst>
-            <pc:docMk/>
-            <pc:sldMk cId="73697024" sldId="262"/>
-            <ac:cxnSpMk id="4" creationId="{08D54232-CDE1-4B53-B430-AB82206F6B55}"/>
-          </ac:cxnSpMkLst>
-        </pc:cxnChg>
-        <pc:cxnChg chg="add">
-          <ac:chgData name="Nadia-Simona Comanici" userId="5c8d8869465da292" providerId="LiveId" clId="{EAEB6841-D4F6-4DDF-9129-8C3CE68F3649}" dt="2019-07-15T20:40:43.846" v="2511" actId="26606"/>
-          <ac:cxnSpMkLst>
-            <pc:docMk/>
-            <pc:sldMk cId="73697024" sldId="262"/>
-            <ac:cxnSpMk id="8" creationId="{51B042EF-3024-4C57-B282-1B30607FB7C7}"/>
-          </ac:cxnSpMkLst>
-        </pc:cxnChg>
-        <pc:cxnChg chg="del">
-          <ac:chgData name="Nadia-Simona Comanici" userId="5c8d8869465da292" providerId="LiveId" clId="{EAEB6841-D4F6-4DDF-9129-8C3CE68F3649}" dt="2019-06-26T08:52:15.850" v="2315"/>
-          <ac:cxnSpMkLst>
-            <pc:docMk/>
-            <pc:sldMk cId="73697024" sldId="262"/>
-            <ac:cxnSpMk id="13" creationId="{5E564EB3-35F2-4EFF-87DC-642DC020526D}"/>
-          </ac:cxnSpMkLst>
-        </pc:cxnChg>
-        <pc:cxnChg chg="del">
-          <ac:chgData name="Nadia-Simona Comanici" userId="5c8d8869465da292" providerId="LiveId" clId="{EAEB6841-D4F6-4DDF-9129-8C3CE68F3649}" dt="2019-06-26T08:52:15.850" v="2315"/>
-          <ac:cxnSpMkLst>
-            <pc:docMk/>
-            <pc:sldMk cId="73697024" sldId="262"/>
-            <ac:cxnSpMk id="19" creationId="{218498B7-553E-4F59-A6D1-B7F56A185C38}"/>
-          </ac:cxnSpMkLst>
-        </pc:cxnChg>
-      </pc:sldChg>
-      <pc:sldChg chg="addSp delSp modSp delDesignElem">
-        <pc:chgData name="Nadia-Simona Comanici" userId="5c8d8869465da292" providerId="LiveId" clId="{EAEB6841-D4F6-4DDF-9129-8C3CE68F3649}" dt="2019-07-15T20:46:40.438" v="2595" actId="26606"/>
-        <pc:sldMkLst>
-          <pc:docMk/>
-          <pc:sldMk cId="689232033" sldId="263"/>
-        </pc:sldMkLst>
-        <pc:spChg chg="mod">
-          <ac:chgData name="Nadia-Simona Comanici" userId="5c8d8869465da292" providerId="LiveId" clId="{EAEB6841-D4F6-4DDF-9129-8C3CE68F3649}" dt="2019-07-15T20:46:40.438" v="2595" actId="26606"/>
-          <ac:spMkLst>
-            <pc:docMk/>
-            <pc:sldMk cId="689232033" sldId="263"/>
-            <ac:spMk id="2" creationId="{F3C9DF13-CCB0-487E-A013-FE22CA8DC64C}"/>
-          </ac:spMkLst>
-        </pc:spChg>
-        <pc:spChg chg="add">
-          <ac:chgData name="Nadia-Simona Comanici" userId="5c8d8869465da292" providerId="LiveId" clId="{EAEB6841-D4F6-4DDF-9129-8C3CE68F3649}" dt="2019-07-15T20:46:40.438" v="2595" actId="26606"/>
-          <ac:spMkLst>
-            <pc:docMk/>
-            <pc:sldMk cId="689232033" sldId="263"/>
-            <ac:spMk id="4" creationId="{31E7C082-5B81-400A-A1DE-7CA9F26ED812}"/>
-          </ac:spMkLst>
-        </pc:spChg>
-        <pc:spChg chg="add">
-          <ac:chgData name="Nadia-Simona Comanici" userId="5c8d8869465da292" providerId="LiveId" clId="{EAEB6841-D4F6-4DDF-9129-8C3CE68F3649}" dt="2019-07-15T20:46:40.438" v="2595" actId="26606"/>
-          <ac:spMkLst>
-            <pc:docMk/>
-            <pc:sldMk cId="689232033" sldId="263"/>
-            <ac:spMk id="6" creationId="{A540FAC9-3505-49ED-9B06-A0F8C1485394}"/>
-          </ac:spMkLst>
-        </pc:spChg>
-        <pc:spChg chg="del">
-          <ac:chgData name="Nadia-Simona Comanici" userId="5c8d8869465da292" providerId="LiveId" clId="{EAEB6841-D4F6-4DDF-9129-8C3CE68F3649}" dt="2019-06-26T08:52:15.850" v="2315"/>
-          <ac:spMkLst>
-            <pc:docMk/>
-            <pc:sldMk cId="689232033" sldId="263"/>
-            <ac:spMk id="7" creationId="{BE194971-2F2D-44B0-8AE6-FF2DCCEE0A96}"/>
-          </ac:spMkLst>
-        </pc:spChg>
-        <pc:spChg chg="add">
-          <ac:chgData name="Nadia-Simona Comanici" userId="5c8d8869465da292" providerId="LiveId" clId="{EAEB6841-D4F6-4DDF-9129-8C3CE68F3649}" dt="2019-07-15T20:46:40.438" v="2595" actId="26606"/>
-          <ac:spMkLst>
-            <pc:docMk/>
-            <pc:sldMk cId="689232033" sldId="263"/>
-            <ac:spMk id="8" creationId="{9879B3CD-E329-42F5-B136-BA1F37EC0532}"/>
-          </ac:spMkLst>
-        </pc:spChg>
-        <pc:spChg chg="del">
-          <ac:chgData name="Nadia-Simona Comanici" userId="5c8d8869465da292" providerId="LiveId" clId="{EAEB6841-D4F6-4DDF-9129-8C3CE68F3649}" dt="2019-06-26T08:52:15.850" v="2315"/>
-          <ac:spMkLst>
-            <pc:docMk/>
-            <pc:sldMk cId="689232033" sldId="263"/>
-            <ac:spMk id="9" creationId="{1FF9A61E-EB11-4C46-82E1-3E00A3B4B4D6}"/>
-          </ac:spMkLst>
-        </pc:spChg>
-        <pc:spChg chg="add">
-          <ac:chgData name="Nadia-Simona Comanici" userId="5c8d8869465da292" providerId="LiveId" clId="{EAEB6841-D4F6-4DDF-9129-8C3CE68F3649}" dt="2019-07-15T20:46:40.438" v="2595" actId="26606"/>
-          <ac:spMkLst>
-            <pc:docMk/>
-            <pc:sldMk cId="689232033" sldId="263"/>
-            <ac:spMk id="12" creationId="{EA0B4097-B645-43E0-A2B5-B8D688E74592}"/>
-          </ac:spMkLst>
-        </pc:spChg>
-        <pc:spChg chg="del">
-          <ac:chgData name="Nadia-Simona Comanici" userId="5c8d8869465da292" providerId="LiveId" clId="{EAEB6841-D4F6-4DDF-9129-8C3CE68F3649}" dt="2019-06-26T08:52:15.850" v="2315"/>
-          <ac:spMkLst>
-            <pc:docMk/>
-            <pc:sldMk cId="689232033" sldId="263"/>
-            <ac:spMk id="13" creationId="{DF0ADB4E-94F7-4499-A048-25702426FADE}"/>
-          </ac:spMkLst>
-        </pc:spChg>
-        <pc:spChg chg="del">
-          <ac:chgData name="Nadia-Simona Comanici" userId="5c8d8869465da292" providerId="LiveId" clId="{EAEB6841-D4F6-4DDF-9129-8C3CE68F3649}" dt="2019-06-26T08:52:15.850" v="2315"/>
-          <ac:spMkLst>
-            <pc:docMk/>
-            <pc:sldMk cId="689232033" sldId="263"/>
-            <ac:spMk id="15" creationId="{6AD96B72-46E2-410D-AD3A-DA76EE628CF5}"/>
-          </ac:spMkLst>
-        </pc:spChg>
-        <pc:cxnChg chg="add">
-          <ac:chgData name="Nadia-Simona Comanici" userId="5c8d8869465da292" providerId="LiveId" clId="{EAEB6841-D4F6-4DDF-9129-8C3CE68F3649}" dt="2019-07-15T20:46:40.438" v="2595" actId="26606"/>
-          <ac:cxnSpMkLst>
-            <pc:docMk/>
-            <pc:sldMk cId="689232033" sldId="263"/>
-            <ac:cxnSpMk id="5" creationId="{08D54232-CDE1-4B53-B430-AB82206F6B55}"/>
-          </ac:cxnSpMkLst>
-        </pc:cxnChg>
-        <pc:cxnChg chg="add">
-          <ac:chgData name="Nadia-Simona Comanici" userId="5c8d8869465da292" providerId="LiveId" clId="{EAEB6841-D4F6-4DDF-9129-8C3CE68F3649}" dt="2019-07-15T20:46:40.438" v="2595" actId="26606"/>
-          <ac:cxnSpMkLst>
-            <pc:docMk/>
-            <pc:sldMk cId="689232033" sldId="263"/>
-            <ac:cxnSpMk id="10" creationId="{51B042EF-3024-4C57-B282-1B30607FB7C7}"/>
-          </ac:cxnSpMkLst>
-        </pc:cxnChg>
-        <pc:cxnChg chg="del">
-          <ac:chgData name="Nadia-Simona Comanici" userId="5c8d8869465da292" providerId="LiveId" clId="{EAEB6841-D4F6-4DDF-9129-8C3CE68F3649}" dt="2019-06-26T08:52:15.850" v="2315"/>
-          <ac:cxnSpMkLst>
-            <pc:docMk/>
-            <pc:sldMk cId="689232033" sldId="263"/>
-            <ac:cxnSpMk id="11" creationId="{5E564EB3-35F2-4EFF-87DC-642DC020526D}"/>
-          </ac:cxnSpMkLst>
-        </pc:cxnChg>
-        <pc:cxnChg chg="del">
-          <ac:chgData name="Nadia-Simona Comanici" userId="5c8d8869465da292" providerId="LiveId" clId="{EAEB6841-D4F6-4DDF-9129-8C3CE68F3649}" dt="2019-06-26T08:52:15.850" v="2315"/>
-          <ac:cxnSpMkLst>
-            <pc:docMk/>
-            <pc:sldMk cId="689232033" sldId="263"/>
-            <ac:cxnSpMk id="17" creationId="{218498B7-553E-4F59-A6D1-B7F56A185C38}"/>
-          </ac:cxnSpMkLst>
-        </pc:cxnChg>
-      </pc:sldChg>
-      <pc:sldChg chg="addSp delSp modSp delDesignElem">
-        <pc:chgData name="Nadia-Simona Comanici" userId="5c8d8869465da292" providerId="LiveId" clId="{EAEB6841-D4F6-4DDF-9129-8C3CE68F3649}" dt="2019-07-15T20:47:45.387" v="2633" actId="26606"/>
-        <pc:sldMkLst>
-          <pc:docMk/>
-          <pc:sldMk cId="3548369294" sldId="265"/>
-        </pc:sldMkLst>
-        <pc:spChg chg="mod">
-          <ac:chgData name="Nadia-Simona Comanici" userId="5c8d8869465da292" providerId="LiveId" clId="{EAEB6841-D4F6-4DDF-9129-8C3CE68F3649}" dt="2019-07-15T20:47:45.387" v="2633" actId="26606"/>
-          <ac:spMkLst>
-            <pc:docMk/>
-            <pc:sldMk cId="3548369294" sldId="265"/>
-            <ac:spMk id="2" creationId="{9DDDB0B6-C4FD-4F10-AB2F-A40654CAE3EF}"/>
-          </ac:spMkLst>
-        </pc:spChg>
-        <pc:spChg chg="add del">
-          <ac:chgData name="Nadia-Simona Comanici" userId="5c8d8869465da292" providerId="LiveId" clId="{EAEB6841-D4F6-4DDF-9129-8C3CE68F3649}" dt="2019-07-15T20:47:45.378" v="2632" actId="26606"/>
-          <ac:spMkLst>
-            <pc:docMk/>
-            <pc:sldMk cId="3548369294" sldId="265"/>
-            <ac:spMk id="8" creationId="{6F7FAA46-F63C-45FE-B4F0-A7E677E9F4C8}"/>
-          </ac:spMkLst>
-        </pc:spChg>
-        <pc:spChg chg="add del">
-          <ac:chgData name="Nadia-Simona Comanici" userId="5c8d8869465da292" providerId="LiveId" clId="{EAEB6841-D4F6-4DDF-9129-8C3CE68F3649}" dt="2019-07-15T20:47:45.378" v="2632" actId="26606"/>
-          <ac:spMkLst>
-            <pc:docMk/>
-            <pc:sldMk cId="3548369294" sldId="265"/>
-            <ac:spMk id="12" creationId="{462F97DB-9183-4E6E-8155-7BC67242DF35}"/>
-          </ac:spMkLst>
-        </pc:spChg>
-        <pc:spChg chg="add">
-          <ac:chgData name="Nadia-Simona Comanici" userId="5c8d8869465da292" providerId="LiveId" clId="{EAEB6841-D4F6-4DDF-9129-8C3CE68F3649}" dt="2019-07-15T20:47:45.387" v="2633" actId="26606"/>
-          <ac:spMkLst>
-            <pc:docMk/>
-            <pc:sldMk cId="3548369294" sldId="265"/>
-            <ac:spMk id="16" creationId="{FD12A5BA-B063-4B33-AB08-86CF7D23F625}"/>
-          </ac:spMkLst>
-        </pc:spChg>
-        <pc:spChg chg="del">
-          <ac:chgData name="Nadia-Simona Comanici" userId="5c8d8869465da292" providerId="LiveId" clId="{EAEB6841-D4F6-4DDF-9129-8C3CE68F3649}" dt="2019-06-26T08:52:15.850" v="2315"/>
-          <ac:spMkLst>
-            <pc:docMk/>
-            <pc:sldMk cId="3548369294" sldId="265"/>
-            <ac:spMk id="17" creationId="{8CD2B798-7994-4548-A2BE-4AEF9C1A5FAE}"/>
-          </ac:spMkLst>
-        </pc:spChg>
-        <pc:spChg chg="del">
-          <ac:chgData name="Nadia-Simona Comanici" userId="5c8d8869465da292" providerId="LiveId" clId="{EAEB6841-D4F6-4DDF-9129-8C3CE68F3649}" dt="2019-06-26T08:52:15.850" v="2315"/>
-          <ac:spMkLst>
-            <pc:docMk/>
-            <pc:sldMk cId="3548369294" sldId="265"/>
-            <ac:spMk id="19" creationId="{E6162320-3B67-42BB-AF9D-939326E6489E}"/>
-          </ac:spMkLst>
-        </pc:spChg>
-        <pc:spChg chg="add">
-          <ac:chgData name="Nadia-Simona Comanici" userId="5c8d8869465da292" providerId="LiveId" clId="{EAEB6841-D4F6-4DDF-9129-8C3CE68F3649}" dt="2019-07-15T20:47:45.387" v="2633" actId="26606"/>
-          <ac:spMkLst>
-            <pc:docMk/>
-            <pc:sldMk cId="3548369294" sldId="265"/>
-            <ac:spMk id="20" creationId="{CA01913F-3FBD-4B62-92CF-D2B8A674152E}"/>
-          </ac:spMkLst>
-        </pc:spChg>
-        <pc:spChg chg="del">
-          <ac:chgData name="Nadia-Simona Comanici" userId="5c8d8869465da292" providerId="LiveId" clId="{EAEB6841-D4F6-4DDF-9129-8C3CE68F3649}" dt="2019-06-26T08:52:15.850" v="2315"/>
-          <ac:spMkLst>
-            <pc:docMk/>
-            <pc:sldMk cId="3548369294" sldId="265"/>
-            <ac:spMk id="23" creationId="{2FDF0794-1B86-42B2-B8C7-F60123E638ED}"/>
-          </ac:spMkLst>
-        </pc:spChg>
-        <pc:picChg chg="mod">
-          <ac:chgData name="Nadia-Simona Comanici" userId="5c8d8869465da292" providerId="LiveId" clId="{EAEB6841-D4F6-4DDF-9129-8C3CE68F3649}" dt="2019-07-15T20:47:45.387" v="2633" actId="26606"/>
-          <ac:picMkLst>
-            <pc:docMk/>
-            <pc:sldMk cId="3548369294" sldId="265"/>
-            <ac:picMk id="3" creationId="{3E37E18B-C738-4E4E-8BDD-15F3C8653608}"/>
-          </ac:picMkLst>
-        </pc:picChg>
-        <pc:cxnChg chg="add del">
-          <ac:chgData name="Nadia-Simona Comanici" userId="5c8d8869465da292" providerId="LiveId" clId="{EAEB6841-D4F6-4DDF-9129-8C3CE68F3649}" dt="2019-07-15T20:47:45.378" v="2632" actId="26606"/>
-          <ac:cxnSpMkLst>
-            <pc:docMk/>
-            <pc:sldMk cId="3548369294" sldId="265"/>
-            <ac:cxnSpMk id="10" creationId="{DA9B7795-7E78-4F68-B6FE-6ECC916562CD}"/>
-          </ac:cxnSpMkLst>
-        </pc:cxnChg>
-        <pc:cxnChg chg="add del">
-          <ac:chgData name="Nadia-Simona Comanici" userId="5c8d8869465da292" providerId="LiveId" clId="{EAEB6841-D4F6-4DDF-9129-8C3CE68F3649}" dt="2019-07-15T20:47:45.378" v="2632" actId="26606"/>
-          <ac:cxnSpMkLst>
-            <pc:docMk/>
-            <pc:sldMk cId="3548369294" sldId="265"/>
-            <ac:cxnSpMk id="14" creationId="{731ADB2A-A571-40A6-AC59-21025129400E}"/>
-          </ac:cxnSpMkLst>
-        </pc:cxnChg>
-        <pc:cxnChg chg="add">
-          <ac:chgData name="Nadia-Simona Comanici" userId="5c8d8869465da292" providerId="LiveId" clId="{EAEB6841-D4F6-4DDF-9129-8C3CE68F3649}" dt="2019-07-15T20:47:45.387" v="2633" actId="26606"/>
-          <ac:cxnSpMkLst>
-            <pc:docMk/>
-            <pc:sldMk cId="3548369294" sldId="265"/>
-            <ac:cxnSpMk id="18" creationId="{07DFAF29-6BD8-4A93-A292-D6A8C6EFB5DC}"/>
-          </ac:cxnSpMkLst>
-        </pc:cxnChg>
-        <pc:cxnChg chg="del">
-          <ac:chgData name="Nadia-Simona Comanici" userId="5c8d8869465da292" providerId="LiveId" clId="{EAEB6841-D4F6-4DDF-9129-8C3CE68F3649}" dt="2019-06-26T08:52:15.850" v="2315"/>
-          <ac:cxnSpMkLst>
-            <pc:docMk/>
-            <pc:sldMk cId="3548369294" sldId="265"/>
-            <ac:cxnSpMk id="21" creationId="{6722E143-84C1-4F95-937C-78B92D2811CF}"/>
-          </ac:cxnSpMkLst>
-        </pc:cxnChg>
-        <pc:cxnChg chg="add">
-          <ac:chgData name="Nadia-Simona Comanici" userId="5c8d8869465da292" providerId="LiveId" clId="{EAEB6841-D4F6-4DDF-9129-8C3CE68F3649}" dt="2019-07-15T20:47:45.387" v="2633" actId="26606"/>
-          <ac:cxnSpMkLst>
-            <pc:docMk/>
-            <pc:sldMk cId="3548369294" sldId="265"/>
-            <ac:cxnSpMk id="22" creationId="{FBB0A898-5387-4E99-A785-462A85DC0170}"/>
-          </ac:cxnSpMkLst>
-        </pc:cxnChg>
-        <pc:cxnChg chg="del">
-          <ac:chgData name="Nadia-Simona Comanici" userId="5c8d8869465da292" providerId="LiveId" clId="{EAEB6841-D4F6-4DDF-9129-8C3CE68F3649}" dt="2019-06-26T08:52:15.850" v="2315"/>
-          <ac:cxnSpMkLst>
-            <pc:docMk/>
-            <pc:sldMk cId="3548369294" sldId="265"/>
-            <ac:cxnSpMk id="25" creationId="{96D07482-83A3-4451-943C-B46961082957}"/>
-          </ac:cxnSpMkLst>
-        </pc:cxnChg>
-      </pc:sldChg>
-      <pc:sldChg chg="addSp delSp modSp del delDesignElem">
-        <pc:chgData name="Nadia-Simona Comanici" userId="5c8d8869465da292" providerId="LiveId" clId="{EAEB6841-D4F6-4DDF-9129-8C3CE68F3649}" dt="2019-07-29T08:22:29.300" v="3648" actId="2696"/>
-        <pc:sldMkLst>
-          <pc:docMk/>
-          <pc:sldMk cId="1981536798" sldId="267"/>
-        </pc:sldMkLst>
-        <pc:spChg chg="mod">
-          <ac:chgData name="Nadia-Simona Comanici" userId="5c8d8869465da292" providerId="LiveId" clId="{EAEB6841-D4F6-4DDF-9129-8C3CE68F3649}" dt="2019-07-29T08:22:06.121" v="3604"/>
-          <ac:spMkLst>
-            <pc:docMk/>
-            <pc:sldMk cId="1981536798" sldId="267"/>
-            <ac:spMk id="4" creationId="{B7426A78-E821-49C9-8ECF-812AD2B3FA24}"/>
-          </ac:spMkLst>
-        </pc:spChg>
-        <pc:spChg chg="add del">
-          <ac:chgData name="Nadia-Simona Comanici" userId="5c8d8869465da292" providerId="LiveId" clId="{EAEB6841-D4F6-4DDF-9129-8C3CE68F3649}" dt="2019-07-15T20:42:39.769" v="2531" actId="26606"/>
-          <ac:spMkLst>
-            <pc:docMk/>
-            <pc:sldMk cId="1981536798" sldId="267"/>
-            <ac:spMk id="6" creationId="{31E7C082-5B81-400A-A1DE-7CA9F26ED812}"/>
-          </ac:spMkLst>
-        </pc:spChg>
-        <pc:spChg chg="del">
-          <ac:chgData name="Nadia-Simona Comanici" userId="5c8d8869465da292" providerId="LiveId" clId="{EAEB6841-D4F6-4DDF-9129-8C3CE68F3649}" dt="2019-06-26T08:52:15.850" v="2315"/>
-          <ac:spMkLst>
-            <pc:docMk/>
-            <pc:sldMk cId="1981536798" sldId="267"/>
-            <ac:spMk id="8" creationId="{4BA0C938-1486-4635-9F6C-44D521FA6A4E}"/>
-          </ac:spMkLst>
-        </pc:spChg>
-        <pc:spChg chg="del">
-          <ac:chgData name="Nadia-Simona Comanici" userId="5c8d8869465da292" providerId="LiveId" clId="{EAEB6841-D4F6-4DDF-9129-8C3CE68F3649}" dt="2019-06-26T08:52:15.850" v="2315"/>
-          <ac:spMkLst>
-            <pc:docMk/>
-            <pc:sldMk cId="1981536798" sldId="267"/>
-            <ac:spMk id="9" creationId="{BE194971-2F2D-44B0-8AE6-FF2DCCEE0A96}"/>
-          </ac:spMkLst>
-        </pc:spChg>
-        <pc:spChg chg="del">
-          <ac:chgData name="Nadia-Simona Comanici" userId="5c8d8869465da292" providerId="LiveId" clId="{EAEB6841-D4F6-4DDF-9129-8C3CE68F3649}" dt="2019-06-26T08:52:15.850" v="2315"/>
-          <ac:spMkLst>
-            <pc:docMk/>
-            <pc:sldMk cId="1981536798" sldId="267"/>
-            <ac:spMk id="11" creationId="{1FF9A61E-EB11-4C46-82E1-3E00A3B4B4D6}"/>
-          </ac:spMkLst>
-        </pc:spChg>
-        <pc:spChg chg="del">
-          <ac:chgData name="Nadia-Simona Comanici" userId="5c8d8869465da292" providerId="LiveId" clId="{EAEB6841-D4F6-4DDF-9129-8C3CE68F3649}" dt="2019-06-26T08:52:15.850" v="2315"/>
-          <ac:spMkLst>
-            <pc:docMk/>
-            <pc:sldMk cId="1981536798" sldId="267"/>
-            <ac:spMk id="12" creationId="{942A7ABB-6A86-4A02-A072-FA82CDCE533C}"/>
-          </ac:spMkLst>
-        </pc:spChg>
-        <pc:spChg chg="add mod">
-          <ac:chgData name="Nadia-Simona Comanici" userId="5c8d8869465da292" providerId="LiveId" clId="{EAEB6841-D4F6-4DDF-9129-8C3CE68F3649}" dt="2019-07-29T08:22:09.937" v="3606"/>
-          <ac:spMkLst>
-            <pc:docMk/>
-            <pc:sldMk cId="1981536798" sldId="267"/>
-            <ac:spMk id="12" creationId="{AABAED08-FED8-49D8-831E-8347C99AB9D0}"/>
-          </ac:spMkLst>
-        </pc:spChg>
-        <pc:spChg chg="add del">
-          <ac:chgData name="Nadia-Simona Comanici" userId="5c8d8869465da292" providerId="LiveId" clId="{EAEB6841-D4F6-4DDF-9129-8C3CE68F3649}" dt="2019-07-15T20:42:39.769" v="2531" actId="26606"/>
-          <ac:spMkLst>
-            <pc:docMk/>
-            <pc:sldMk cId="1981536798" sldId="267"/>
-            <ac:spMk id="13" creationId="{9238970C-19DE-438D-80D2-5CF9690551E8}"/>
-          </ac:spMkLst>
-        </pc:spChg>
-        <pc:spChg chg="add del">
-          <ac:chgData name="Nadia-Simona Comanici" userId="5c8d8869465da292" providerId="LiveId" clId="{EAEB6841-D4F6-4DDF-9129-8C3CE68F3649}" dt="2019-07-15T20:42:39.769" v="2531" actId="26606"/>
-          <ac:spMkLst>
-            <pc:docMk/>
-            <pc:sldMk cId="1981536798" sldId="267"/>
-            <ac:spMk id="15" creationId="{E4B1E3F6-167B-40F3-B303-9A931BAB971B}"/>
-          </ac:spMkLst>
-        </pc:spChg>
-        <pc:spChg chg="add">
-          <ac:chgData name="Nadia-Simona Comanici" userId="5c8d8869465da292" providerId="LiveId" clId="{EAEB6841-D4F6-4DDF-9129-8C3CE68F3649}" dt="2019-07-15T20:42:39.779" v="2532" actId="26606"/>
-          <ac:spMkLst>
-            <pc:docMk/>
-            <pc:sldMk cId="1981536798" sldId="267"/>
-            <ac:spMk id="20" creationId="{31E7C082-5B81-400A-A1DE-7CA9F26ED812}"/>
-          </ac:spMkLst>
-        </pc:spChg>
-        <pc:spChg chg="add">
-          <ac:chgData name="Nadia-Simona Comanici" userId="5c8d8869465da292" providerId="LiveId" clId="{EAEB6841-D4F6-4DDF-9129-8C3CE68F3649}" dt="2019-07-15T20:42:39.779" v="2532" actId="26606"/>
-          <ac:spMkLst>
-            <pc:docMk/>
-            <pc:sldMk cId="1981536798" sldId="267"/>
-            <ac:spMk id="22" creationId="{4C0648FB-4388-443C-8D4E-4A9FF0336078}"/>
-          </ac:spMkLst>
-        </pc:spChg>
-        <pc:spChg chg="add">
-          <ac:chgData name="Nadia-Simona Comanici" userId="5c8d8869465da292" providerId="LiveId" clId="{EAEB6841-D4F6-4DDF-9129-8C3CE68F3649}" dt="2019-07-15T20:42:39.779" v="2532" actId="26606"/>
-          <ac:spMkLst>
-            <pc:docMk/>
-            <pc:sldMk cId="1981536798" sldId="267"/>
-            <ac:spMk id="23" creationId="{4A8D762E-DA8D-419A-BA44-68B93D3D92F8}"/>
-          </ac:spMkLst>
-        </pc:spChg>
-        <pc:picChg chg="add mod">
-          <ac:chgData name="Nadia-Simona Comanici" userId="5c8d8869465da292" providerId="LiveId" clId="{EAEB6841-D4F6-4DDF-9129-8C3CE68F3649}" dt="2019-07-29T08:21:51.339" v="3600" actId="1076"/>
-          <ac:picMkLst>
-            <pc:docMk/>
-            <pc:sldMk cId="1981536798" sldId="267"/>
-            <ac:picMk id="8" creationId="{2CA731CE-E1D5-47FC-BE38-24AD91081A8F}"/>
-          </ac:picMkLst>
-        </pc:picChg>
-        <pc:cxnChg chg="del">
-          <ac:chgData name="Nadia-Simona Comanici" userId="5c8d8869465da292" providerId="LiveId" clId="{EAEB6841-D4F6-4DDF-9129-8C3CE68F3649}" dt="2019-06-26T08:52:15.850" v="2315"/>
-          <ac:cxnSpMkLst>
-            <pc:docMk/>
-            <pc:sldMk cId="1981536798" sldId="267"/>
-            <ac:cxnSpMk id="7" creationId="{5E564EB3-35F2-4EFF-87DC-642DC020526D}"/>
-          </ac:cxnSpMkLst>
-        </pc:cxnChg>
-        <pc:cxnChg chg="add del">
-          <ac:chgData name="Nadia-Simona Comanici" userId="5c8d8869465da292" providerId="LiveId" clId="{EAEB6841-D4F6-4DDF-9129-8C3CE68F3649}" dt="2019-07-15T20:42:39.769" v="2531" actId="26606"/>
-          <ac:cxnSpMkLst>
-            <pc:docMk/>
-            <pc:sldMk cId="1981536798" sldId="267"/>
-            <ac:cxnSpMk id="10" creationId="{08D54232-CDE1-4B53-B430-AB82206F6B55}"/>
-          </ac:cxnSpMkLst>
-        </pc:cxnChg>
-        <pc:cxnChg chg="add del">
-          <ac:chgData name="Nadia-Simona Comanici" userId="5c8d8869465da292" providerId="LiveId" clId="{EAEB6841-D4F6-4DDF-9129-8C3CE68F3649}" dt="2019-07-15T20:42:39.769" v="2531" actId="26606"/>
-          <ac:cxnSpMkLst>
-            <pc:docMk/>
-            <pc:sldMk cId="1981536798" sldId="267"/>
-            <ac:cxnSpMk id="17" creationId="{40465A9A-0B0E-4D7B-8150-D098AC71B379}"/>
-          </ac:cxnSpMkLst>
-        </pc:cxnChg>
-        <pc:cxnChg chg="del">
-          <ac:chgData name="Nadia-Simona Comanici" userId="5c8d8869465da292" providerId="LiveId" clId="{EAEB6841-D4F6-4DDF-9129-8C3CE68F3649}" dt="2019-06-26T08:52:15.850" v="2315"/>
-          <ac:cxnSpMkLst>
-            <pc:docMk/>
-            <pc:sldMk cId="1981536798" sldId="267"/>
-            <ac:cxnSpMk id="19" creationId="{B6916720-6D22-4D4B-BC19-23008C7DD487}"/>
-          </ac:cxnSpMkLst>
-        </pc:cxnChg>
-        <pc:cxnChg chg="add">
-          <ac:chgData name="Nadia-Simona Comanici" userId="5c8d8869465da292" providerId="LiveId" clId="{EAEB6841-D4F6-4DDF-9129-8C3CE68F3649}" dt="2019-07-15T20:42:39.779" v="2532" actId="26606"/>
-          <ac:cxnSpMkLst>
-            <pc:docMk/>
-            <pc:sldMk cId="1981536798" sldId="267"/>
-            <ac:cxnSpMk id="21" creationId="{08D54232-CDE1-4B53-B430-AB82206F6B55}"/>
-          </ac:cxnSpMkLst>
-        </pc:cxnChg>
-      </pc:sldChg>
-      <pc:sldChg chg="addSp delSp modSp delDesignElem">
-        <pc:chgData name="Nadia-Simona Comanici" userId="5c8d8869465da292" providerId="LiveId" clId="{EAEB6841-D4F6-4DDF-9129-8C3CE68F3649}" dt="2019-07-15T20:47:29.270" v="2630" actId="26606"/>
-        <pc:sldMkLst>
-          <pc:docMk/>
-          <pc:sldMk cId="596309383" sldId="269"/>
-        </pc:sldMkLst>
-        <pc:spChg chg="mod">
-          <ac:chgData name="Nadia-Simona Comanici" userId="5c8d8869465da292" providerId="LiveId" clId="{EAEB6841-D4F6-4DDF-9129-8C3CE68F3649}" dt="2019-07-15T20:47:29.270" v="2630" actId="26606"/>
-          <ac:spMkLst>
-            <pc:docMk/>
-            <pc:sldMk cId="596309383" sldId="269"/>
-            <ac:spMk id="2" creationId="{F3C9DF13-CCB0-487E-A013-FE22CA8DC64C}"/>
-          </ac:spMkLst>
-        </pc:spChg>
-        <pc:spChg chg="add">
-          <ac:chgData name="Nadia-Simona Comanici" userId="5c8d8869465da292" providerId="LiveId" clId="{EAEB6841-D4F6-4DDF-9129-8C3CE68F3649}" dt="2019-07-15T20:47:29.270" v="2630" actId="26606"/>
-          <ac:spMkLst>
-            <pc:docMk/>
-            <pc:sldMk cId="596309383" sldId="269"/>
-            <ac:spMk id="4" creationId="{31E7C082-5B81-400A-A1DE-7CA9F26ED812}"/>
-          </ac:spMkLst>
-        </pc:spChg>
-        <pc:spChg chg="add">
-          <ac:chgData name="Nadia-Simona Comanici" userId="5c8d8869465da292" providerId="LiveId" clId="{EAEB6841-D4F6-4DDF-9129-8C3CE68F3649}" dt="2019-07-15T20:47:29.270" v="2630" actId="26606"/>
-          <ac:spMkLst>
-            <pc:docMk/>
-            <pc:sldMk cId="596309383" sldId="269"/>
-            <ac:spMk id="6" creationId="{A540FAC9-3505-49ED-9B06-A0F8C1485394}"/>
-          </ac:spMkLst>
-        </pc:spChg>
-        <pc:spChg chg="del">
-          <ac:chgData name="Nadia-Simona Comanici" userId="5c8d8869465da292" providerId="LiveId" clId="{EAEB6841-D4F6-4DDF-9129-8C3CE68F3649}" dt="2019-06-26T08:52:15.850" v="2315"/>
-          <ac:spMkLst>
-            <pc:docMk/>
-            <pc:sldMk cId="596309383" sldId="269"/>
-            <ac:spMk id="7" creationId="{BE194971-2F2D-44B0-8AE6-FF2DCCEE0A96}"/>
-          </ac:spMkLst>
-        </pc:spChg>
-        <pc:spChg chg="add">
-          <ac:chgData name="Nadia-Simona Comanici" userId="5c8d8869465da292" providerId="LiveId" clId="{EAEB6841-D4F6-4DDF-9129-8C3CE68F3649}" dt="2019-07-15T20:47:29.270" v="2630" actId="26606"/>
-          <ac:spMkLst>
-            <pc:docMk/>
-            <pc:sldMk cId="596309383" sldId="269"/>
-            <ac:spMk id="8" creationId="{9879B3CD-E329-42F5-B136-BA1F37EC0532}"/>
-          </ac:spMkLst>
-        </pc:spChg>
-        <pc:spChg chg="del">
-          <ac:chgData name="Nadia-Simona Comanici" userId="5c8d8869465da292" providerId="LiveId" clId="{EAEB6841-D4F6-4DDF-9129-8C3CE68F3649}" dt="2019-06-26T08:52:15.850" v="2315"/>
-          <ac:spMkLst>
-            <pc:docMk/>
-            <pc:sldMk cId="596309383" sldId="269"/>
-            <ac:spMk id="9" creationId="{1FF9A61E-EB11-4C46-82E1-3E00A3B4B4D6}"/>
-          </ac:spMkLst>
-        </pc:spChg>
-        <pc:spChg chg="add">
-          <ac:chgData name="Nadia-Simona Comanici" userId="5c8d8869465da292" providerId="LiveId" clId="{EAEB6841-D4F6-4DDF-9129-8C3CE68F3649}" dt="2019-07-15T20:47:29.270" v="2630" actId="26606"/>
-          <ac:spMkLst>
-            <pc:docMk/>
-            <pc:sldMk cId="596309383" sldId="269"/>
-            <ac:spMk id="12" creationId="{EA0B4097-B645-43E0-A2B5-B8D688E74592}"/>
-          </ac:spMkLst>
-        </pc:spChg>
-        <pc:spChg chg="del">
-          <ac:chgData name="Nadia-Simona Comanici" userId="5c8d8869465da292" providerId="LiveId" clId="{EAEB6841-D4F6-4DDF-9129-8C3CE68F3649}" dt="2019-06-26T08:52:15.850" v="2315"/>
-          <ac:spMkLst>
-            <pc:docMk/>
-            <pc:sldMk cId="596309383" sldId="269"/>
-            <ac:spMk id="13" creationId="{DF0ADB4E-94F7-4499-A048-25702426FADE}"/>
-          </ac:spMkLst>
-        </pc:spChg>
-        <pc:spChg chg="del">
-          <ac:chgData name="Nadia-Simona Comanici" userId="5c8d8869465da292" providerId="LiveId" clId="{EAEB6841-D4F6-4DDF-9129-8C3CE68F3649}" dt="2019-06-26T08:52:15.850" v="2315"/>
-          <ac:spMkLst>
-            <pc:docMk/>
-            <pc:sldMk cId="596309383" sldId="269"/>
-            <ac:spMk id="15" creationId="{6AD96B72-46E2-410D-AD3A-DA76EE628CF5}"/>
-          </ac:spMkLst>
-        </pc:spChg>
-        <pc:cxnChg chg="add">
-          <ac:chgData name="Nadia-Simona Comanici" userId="5c8d8869465da292" providerId="LiveId" clId="{EAEB6841-D4F6-4DDF-9129-8C3CE68F3649}" dt="2019-07-15T20:47:29.270" v="2630" actId="26606"/>
-          <ac:cxnSpMkLst>
-            <pc:docMk/>
-            <pc:sldMk cId="596309383" sldId="269"/>
-            <ac:cxnSpMk id="5" creationId="{08D54232-CDE1-4B53-B430-AB82206F6B55}"/>
-          </ac:cxnSpMkLst>
-        </pc:cxnChg>
-        <pc:cxnChg chg="add">
-          <ac:chgData name="Nadia-Simona Comanici" userId="5c8d8869465da292" providerId="LiveId" clId="{EAEB6841-D4F6-4DDF-9129-8C3CE68F3649}" dt="2019-07-15T20:47:29.270" v="2630" actId="26606"/>
-          <ac:cxnSpMkLst>
-            <pc:docMk/>
-            <pc:sldMk cId="596309383" sldId="269"/>
-            <ac:cxnSpMk id="10" creationId="{51B042EF-3024-4C57-B282-1B30607FB7C7}"/>
-          </ac:cxnSpMkLst>
-        </pc:cxnChg>
-        <pc:cxnChg chg="del">
-          <ac:chgData name="Nadia-Simona Comanici" userId="5c8d8869465da292" providerId="LiveId" clId="{EAEB6841-D4F6-4DDF-9129-8C3CE68F3649}" dt="2019-06-26T08:52:15.850" v="2315"/>
-          <ac:cxnSpMkLst>
-            <pc:docMk/>
-            <pc:sldMk cId="596309383" sldId="269"/>
-            <ac:cxnSpMk id="11" creationId="{5E564EB3-35F2-4EFF-87DC-642DC020526D}"/>
-          </ac:cxnSpMkLst>
-        </pc:cxnChg>
-        <pc:cxnChg chg="del">
-          <ac:chgData name="Nadia-Simona Comanici" userId="5c8d8869465da292" providerId="LiveId" clId="{EAEB6841-D4F6-4DDF-9129-8C3CE68F3649}" dt="2019-06-26T08:52:15.850" v="2315"/>
-          <ac:cxnSpMkLst>
-            <pc:docMk/>
-            <pc:sldMk cId="596309383" sldId="269"/>
-            <ac:cxnSpMk id="17" creationId="{218498B7-553E-4F59-A6D1-B7F56A185C38}"/>
-          </ac:cxnSpMkLst>
-        </pc:cxnChg>
-      </pc:sldChg>
-      <pc:sldChg chg="modSp add">
-        <pc:chgData name="Nadia-Simona Comanici" userId="5c8d8869465da292" providerId="LiveId" clId="{EAEB6841-D4F6-4DDF-9129-8C3CE68F3649}" dt="2019-06-03T20:18:23.666" v="227" actId="121"/>
-        <pc:sldMkLst>
-          <pc:docMk/>
-          <pc:sldMk cId="247261907" sldId="270"/>
-        </pc:sldMkLst>
-        <pc:spChg chg="mod">
-          <ac:chgData name="Nadia-Simona Comanici" userId="5c8d8869465da292" providerId="LiveId" clId="{EAEB6841-D4F6-4DDF-9129-8C3CE68F3649}" dt="2019-06-03T20:17:22.449" v="1"/>
-          <ac:spMkLst>
-            <pc:docMk/>
-            <pc:sldMk cId="247261907" sldId="270"/>
-            <ac:spMk id="2" creationId="{00A2B2C2-C199-4617-A8AF-35C5DC5389FF}"/>
-          </ac:spMkLst>
-        </pc:spChg>
-        <pc:spChg chg="mod">
-          <ac:chgData name="Nadia-Simona Comanici" userId="5c8d8869465da292" providerId="LiveId" clId="{EAEB6841-D4F6-4DDF-9129-8C3CE68F3649}" dt="2019-06-03T20:18:23.666" v="227" actId="121"/>
-          <ac:spMkLst>
-            <pc:docMk/>
-            <pc:sldMk cId="247261907" sldId="270"/>
-            <ac:spMk id="3" creationId="{D20D0E20-9398-437B-B204-532EC4E5B5B4}"/>
-          </ac:spMkLst>
-        </pc:spChg>
-      </pc:sldChg>
-      <pc:sldChg chg="modSp add modAnim">
-        <pc:chgData name="Nadia-Simona Comanici" userId="5c8d8869465da292" providerId="LiveId" clId="{EAEB6841-D4F6-4DDF-9129-8C3CE68F3649}" dt="2019-06-03T20:22:15.590" v="464" actId="20577"/>
-        <pc:sldMkLst>
-          <pc:docMk/>
-          <pc:sldMk cId="2170976372" sldId="271"/>
-        </pc:sldMkLst>
-        <pc:spChg chg="mod">
-          <ac:chgData name="Nadia-Simona Comanici" userId="5c8d8869465da292" providerId="LiveId" clId="{EAEB6841-D4F6-4DDF-9129-8C3CE68F3649}" dt="2019-06-03T20:20:35.679" v="250" actId="20577"/>
-          <ac:spMkLst>
-            <pc:docMk/>
-            <pc:sldMk cId="2170976372" sldId="271"/>
-            <ac:spMk id="2" creationId="{1A3D223A-7ED0-474D-90A2-F7C51654C6B4}"/>
-          </ac:spMkLst>
-        </pc:spChg>
-        <pc:spChg chg="mod">
-          <ac:chgData name="Nadia-Simona Comanici" userId="5c8d8869465da292" providerId="LiveId" clId="{EAEB6841-D4F6-4DDF-9129-8C3CE68F3649}" dt="2019-06-03T20:22:15.590" v="464" actId="20577"/>
-          <ac:spMkLst>
-            <pc:docMk/>
-            <pc:sldMk cId="2170976372" sldId="271"/>
-            <ac:spMk id="3" creationId="{FED97694-8707-41FE-B4B8-3F6A48ECB967}"/>
-          </ac:spMkLst>
-        </pc:spChg>
-      </pc:sldChg>
-      <pc:sldChg chg="addSp delSp modSp add">
-        <pc:chgData name="Nadia-Simona Comanici" userId="5c8d8869465da292" providerId="LiveId" clId="{EAEB6841-D4F6-4DDF-9129-8C3CE68F3649}" dt="2019-06-03T21:29:59.027" v="1240" actId="20577"/>
-        <pc:sldMkLst>
-          <pc:docMk/>
-          <pc:sldMk cId="2716723631" sldId="272"/>
-        </pc:sldMkLst>
-        <pc:spChg chg="mod">
-          <ac:chgData name="Nadia-Simona Comanici" userId="5c8d8869465da292" providerId="LiveId" clId="{EAEB6841-D4F6-4DDF-9129-8C3CE68F3649}" dt="2019-06-03T20:25:23.934" v="485" actId="20577"/>
-          <ac:spMkLst>
-            <pc:docMk/>
-            <pc:sldMk cId="2716723631" sldId="272"/>
-            <ac:spMk id="2" creationId="{8F06BC19-2948-4955-A8D9-9BFDE8E61FF4}"/>
-          </ac:spMkLst>
-        </pc:spChg>
-        <pc:spChg chg="mod">
-          <ac:chgData name="Nadia-Simona Comanici" userId="5c8d8869465da292" providerId="LiveId" clId="{EAEB6841-D4F6-4DDF-9129-8C3CE68F3649}" dt="2019-06-03T21:29:59.027" v="1240" actId="20577"/>
-          <ac:spMkLst>
-            <pc:docMk/>
-            <pc:sldMk cId="2716723631" sldId="272"/>
-            <ac:spMk id="3" creationId="{489401CC-95E3-4BA2-A57A-F03C67C4C1A9}"/>
-          </ac:spMkLst>
-        </pc:spChg>
-        <pc:picChg chg="add del">
-          <ac:chgData name="Nadia-Simona Comanici" userId="5c8d8869465da292" providerId="LiveId" clId="{EAEB6841-D4F6-4DDF-9129-8C3CE68F3649}" dt="2019-06-03T20:29:32.984" v="721"/>
-          <ac:picMkLst>
-            <pc:docMk/>
-            <pc:sldMk cId="2716723631" sldId="272"/>
-            <ac:picMk id="4" creationId="{7AE37630-1954-4F0F-9F61-09B485FD5DF0}"/>
-          </ac:picMkLst>
-        </pc:picChg>
-      </pc:sldChg>
-      <pc:sldChg chg="modSp add">
-        <pc:chgData name="Nadia-Simona Comanici" userId="5c8d8869465da292" providerId="LiveId" clId="{EAEB6841-D4F6-4DDF-9129-8C3CE68F3649}" dt="2019-06-03T21:32:36.370" v="1513" actId="20577"/>
-        <pc:sldMkLst>
-          <pc:docMk/>
-          <pc:sldMk cId="2099972767" sldId="275"/>
-        </pc:sldMkLst>
-        <pc:spChg chg="mod">
-          <ac:chgData name="Nadia-Simona Comanici" userId="5c8d8869465da292" providerId="LiveId" clId="{EAEB6841-D4F6-4DDF-9129-8C3CE68F3649}" dt="2019-06-03T20:52:48.093" v="794" actId="20577"/>
-          <ac:spMkLst>
-            <pc:docMk/>
-            <pc:sldMk cId="2099972767" sldId="275"/>
-            <ac:spMk id="2" creationId="{2A26EE39-3512-46B0-B317-B3529B04683F}"/>
-          </ac:spMkLst>
-        </pc:spChg>
-        <pc:spChg chg="mod">
-          <ac:chgData name="Nadia-Simona Comanici" userId="5c8d8869465da292" providerId="LiveId" clId="{EAEB6841-D4F6-4DDF-9129-8C3CE68F3649}" dt="2019-06-03T21:32:36.370" v="1513" actId="20577"/>
-          <ac:spMkLst>
-            <pc:docMk/>
-            <pc:sldMk cId="2099972767" sldId="275"/>
-            <ac:spMk id="3" creationId="{807D748D-B2DC-40B6-B8EE-CD587AFF3AEA}"/>
-          </ac:spMkLst>
-        </pc:spChg>
-      </pc:sldChg>
-      <pc:sldChg chg="modSp add">
-        <pc:chgData name="Nadia-Simona Comanici" userId="5c8d8869465da292" providerId="LiveId" clId="{EAEB6841-D4F6-4DDF-9129-8C3CE68F3649}" dt="2019-06-03T21:32:27.965" v="1504" actId="20577"/>
-        <pc:sldMkLst>
-          <pc:docMk/>
-          <pc:sldMk cId="147275491" sldId="276"/>
-        </pc:sldMkLst>
-        <pc:spChg chg="mod">
-          <ac:chgData name="Nadia-Simona Comanici" userId="5c8d8869465da292" providerId="LiveId" clId="{EAEB6841-D4F6-4DDF-9129-8C3CE68F3649}" dt="2019-06-03T20:53:49.916" v="883" actId="20577"/>
-          <ac:spMkLst>
-            <pc:docMk/>
-            <pc:sldMk cId="147275491" sldId="276"/>
-            <ac:spMk id="2" creationId="{0AF7BEDC-3766-48F3-BFFC-2A067EDE4BF7}"/>
-          </ac:spMkLst>
-        </pc:spChg>
-        <pc:spChg chg="mod">
-          <ac:chgData name="Nadia-Simona Comanici" userId="5c8d8869465da292" providerId="LiveId" clId="{EAEB6841-D4F6-4DDF-9129-8C3CE68F3649}" dt="2019-06-03T21:32:27.965" v="1504" actId="20577"/>
-          <ac:spMkLst>
-            <pc:docMk/>
-            <pc:sldMk cId="147275491" sldId="276"/>
-            <ac:spMk id="3" creationId="{341F5982-3262-44E4-9150-B348E4C3209D}"/>
-          </ac:spMkLst>
-        </pc:spChg>
-      </pc:sldChg>
-      <pc:sldChg chg="modSp add">
-        <pc:chgData name="Nadia-Simona Comanici" userId="5c8d8869465da292" providerId="LiveId" clId="{EAEB6841-D4F6-4DDF-9129-8C3CE68F3649}" dt="2019-06-03T21:33:37.753" v="1623" actId="20577"/>
-        <pc:sldMkLst>
-          <pc:docMk/>
-          <pc:sldMk cId="799748315" sldId="277"/>
-        </pc:sldMkLst>
-        <pc:spChg chg="mod">
-          <ac:chgData name="Nadia-Simona Comanici" userId="5c8d8869465da292" providerId="LiveId" clId="{EAEB6841-D4F6-4DDF-9129-8C3CE68F3649}" dt="2019-06-03T21:32:08.052" v="1437" actId="20577"/>
-          <ac:spMkLst>
-            <pc:docMk/>
-            <pc:sldMk cId="799748315" sldId="277"/>
-            <ac:spMk id="2" creationId="{0AF7BEDC-3766-48F3-BFFC-2A067EDE4BF7}"/>
-          </ac:spMkLst>
-        </pc:spChg>
-        <pc:spChg chg="mod">
-          <ac:chgData name="Nadia-Simona Comanici" userId="5c8d8869465da292" providerId="LiveId" clId="{EAEB6841-D4F6-4DDF-9129-8C3CE68F3649}" dt="2019-06-03T21:33:37.753" v="1623" actId="20577"/>
-          <ac:spMkLst>
-            <pc:docMk/>
-            <pc:sldMk cId="799748315" sldId="277"/>
-            <ac:spMk id="3" creationId="{341F5982-3262-44E4-9150-B348E4C3209D}"/>
-          </ac:spMkLst>
-        </pc:spChg>
-      </pc:sldChg>
-      <pc:sldChg chg="modSp add">
-        <pc:chgData name="Nadia-Simona Comanici" userId="5c8d8869465da292" providerId="LiveId" clId="{EAEB6841-D4F6-4DDF-9129-8C3CE68F3649}" dt="2019-06-03T21:34:53.708" v="1841" actId="20577"/>
-        <pc:sldMkLst>
-          <pc:docMk/>
-          <pc:sldMk cId="2678863909" sldId="279"/>
-        </pc:sldMkLst>
-        <pc:spChg chg="mod">
-          <ac:chgData name="Nadia-Simona Comanici" userId="5c8d8869465da292" providerId="LiveId" clId="{EAEB6841-D4F6-4DDF-9129-8C3CE68F3649}" dt="2019-06-03T21:33:45.524" v="1634" actId="20577"/>
-          <ac:spMkLst>
-            <pc:docMk/>
-            <pc:sldMk cId="2678863909" sldId="279"/>
-            <ac:spMk id="2" creationId="{0AF7BEDC-3766-48F3-BFFC-2A067EDE4BF7}"/>
-          </ac:spMkLst>
-        </pc:spChg>
-        <pc:spChg chg="mod">
-          <ac:chgData name="Nadia-Simona Comanici" userId="5c8d8869465da292" providerId="LiveId" clId="{EAEB6841-D4F6-4DDF-9129-8C3CE68F3649}" dt="2019-06-03T21:34:53.708" v="1841" actId="20577"/>
-          <ac:spMkLst>
-            <pc:docMk/>
-            <pc:sldMk cId="2678863909" sldId="279"/>
-            <ac:spMk id="3" creationId="{341F5982-3262-44E4-9150-B348E4C3209D}"/>
-          </ac:spMkLst>
-        </pc:spChg>
-      </pc:sldChg>
-      <pc:sldChg chg="modSp add">
-        <pc:chgData name="Nadia-Simona Comanici" userId="5c8d8869465da292" providerId="LiveId" clId="{EAEB6841-D4F6-4DDF-9129-8C3CE68F3649}" dt="2019-06-04T04:44:07.863" v="1913" actId="12"/>
-        <pc:sldMkLst>
-          <pc:docMk/>
-          <pc:sldMk cId="528633338" sldId="280"/>
-        </pc:sldMkLst>
-        <pc:spChg chg="mod">
-          <ac:chgData name="Nadia-Simona Comanici" userId="5c8d8869465da292" providerId="LiveId" clId="{EAEB6841-D4F6-4DDF-9129-8C3CE68F3649}" dt="2019-06-04T04:43:45.846" v="1869" actId="20577"/>
-          <ac:spMkLst>
-            <pc:docMk/>
-            <pc:sldMk cId="528633338" sldId="280"/>
-            <ac:spMk id="2" creationId="{7EAE6372-242A-464E-A438-AA878AB6ABD2}"/>
-          </ac:spMkLst>
-        </pc:spChg>
-        <pc:spChg chg="mod">
-          <ac:chgData name="Nadia-Simona Comanici" userId="5c8d8869465da292" providerId="LiveId" clId="{EAEB6841-D4F6-4DDF-9129-8C3CE68F3649}" dt="2019-06-04T04:44:07.863" v="1913" actId="12"/>
-          <ac:spMkLst>
-            <pc:docMk/>
-            <pc:sldMk cId="528633338" sldId="280"/>
-            <ac:spMk id="3" creationId="{915CADFD-B025-460B-A4BB-A08122600957}"/>
-          </ac:spMkLst>
-        </pc:spChg>
-      </pc:sldChg>
-      <pc:sldChg chg="modSp add">
-        <pc:chgData name="Nadia-Simona Comanici" userId="5c8d8869465da292" providerId="LiveId" clId="{EAEB6841-D4F6-4DDF-9129-8C3CE68F3649}" dt="2019-06-04T04:47:15.465" v="2299" actId="20577"/>
-        <pc:sldMkLst>
-          <pc:docMk/>
-          <pc:sldMk cId="4186446925" sldId="281"/>
-        </pc:sldMkLst>
-        <pc:spChg chg="mod">
-          <ac:chgData name="Nadia-Simona Comanici" userId="5c8d8869465da292" providerId="LiveId" clId="{EAEB6841-D4F6-4DDF-9129-8C3CE68F3649}" dt="2019-06-04T04:44:36.196" v="1932" actId="20577"/>
-          <ac:spMkLst>
-            <pc:docMk/>
-            <pc:sldMk cId="4186446925" sldId="281"/>
-            <ac:spMk id="2" creationId="{3DDE7D3C-7E75-45C7-BF93-67B9E897B4DE}"/>
-          </ac:spMkLst>
-        </pc:spChg>
-        <pc:spChg chg="mod">
-          <ac:chgData name="Nadia-Simona Comanici" userId="5c8d8869465da292" providerId="LiveId" clId="{EAEB6841-D4F6-4DDF-9129-8C3CE68F3649}" dt="2019-06-04T04:47:15.465" v="2299" actId="20577"/>
-          <ac:spMkLst>
-            <pc:docMk/>
-            <pc:sldMk cId="4186446925" sldId="281"/>
-            <ac:spMk id="3" creationId="{D4B9B8E7-FB84-4CFB-AC00-4E3FB043065E}"/>
-          </ac:spMkLst>
-        </pc:spChg>
-      </pc:sldChg>
-      <pc:sldChg chg="addSp delSp modSp add mod setBg delDesignElem">
-        <pc:chgData name="Nadia-Simona Comanici" userId="5c8d8869465da292" providerId="LiveId" clId="{EAEB6841-D4F6-4DDF-9129-8C3CE68F3649}" dt="2019-07-29T08:31:46.226" v="3859" actId="20577"/>
-        <pc:sldMkLst>
-          <pc:docMk/>
-          <pc:sldMk cId="3749239687" sldId="283"/>
-        </pc:sldMkLst>
-        <pc:spChg chg="mod">
-          <ac:chgData name="Nadia-Simona Comanici" userId="5c8d8869465da292" providerId="LiveId" clId="{EAEB6841-D4F6-4DDF-9129-8C3CE68F3649}" dt="2019-07-29T08:31:46.226" v="3859" actId="20577"/>
-          <ac:spMkLst>
-            <pc:docMk/>
-            <pc:sldMk cId="3749239687" sldId="283"/>
-            <ac:spMk id="2" creationId="{F3C9DF13-CCB0-487E-A013-FE22CA8DC64C}"/>
-          </ac:spMkLst>
-        </pc:spChg>
-        <pc:spChg chg="add">
-          <ac:chgData name="Nadia-Simona Comanici" userId="5c8d8869465da292" providerId="LiveId" clId="{EAEB6841-D4F6-4DDF-9129-8C3CE68F3649}" dt="2019-07-15T20:47:58.977" v="2634" actId="26606"/>
-          <ac:spMkLst>
-            <pc:docMk/>
-            <pc:sldMk cId="3749239687" sldId="283"/>
-            <ac:spMk id="4" creationId="{31E7C082-5B81-400A-A1DE-7CA9F26ED812}"/>
-          </ac:spMkLst>
-        </pc:spChg>
-        <pc:spChg chg="add">
-          <ac:chgData name="Nadia-Simona Comanici" userId="5c8d8869465da292" providerId="LiveId" clId="{EAEB6841-D4F6-4DDF-9129-8C3CE68F3649}" dt="2019-07-15T20:47:58.977" v="2634" actId="26606"/>
-          <ac:spMkLst>
-            <pc:docMk/>
-            <pc:sldMk cId="3749239687" sldId="283"/>
-            <ac:spMk id="6" creationId="{A540FAC9-3505-49ED-9B06-A0F8C1485394}"/>
-          </ac:spMkLst>
-        </pc:spChg>
-        <pc:spChg chg="del">
-          <ac:chgData name="Nadia-Simona Comanici" userId="5c8d8869465da292" providerId="LiveId" clId="{EAEB6841-D4F6-4DDF-9129-8C3CE68F3649}" dt="2019-06-26T08:51:40.072" v="2304"/>
-          <ac:spMkLst>
-            <pc:docMk/>
-            <pc:sldMk cId="3749239687" sldId="283"/>
-            <ac:spMk id="7" creationId="{BE194971-2F2D-44B0-8AE6-FF2DCCEE0A96}"/>
-          </ac:spMkLst>
-        </pc:spChg>
-        <pc:spChg chg="add">
-          <ac:chgData name="Nadia-Simona Comanici" userId="5c8d8869465da292" providerId="LiveId" clId="{EAEB6841-D4F6-4DDF-9129-8C3CE68F3649}" dt="2019-07-15T20:47:58.977" v="2634" actId="26606"/>
-          <ac:spMkLst>
-            <pc:docMk/>
-            <pc:sldMk cId="3749239687" sldId="283"/>
-            <ac:spMk id="8" creationId="{9879B3CD-E329-42F5-B136-BA1F37EC0532}"/>
-          </ac:spMkLst>
-        </pc:spChg>
-        <pc:spChg chg="del">
-          <ac:chgData name="Nadia-Simona Comanici" userId="5c8d8869465da292" providerId="LiveId" clId="{EAEB6841-D4F6-4DDF-9129-8C3CE68F3649}" dt="2019-06-26T08:51:40.072" v="2304"/>
-          <ac:spMkLst>
-            <pc:docMk/>
-            <pc:sldMk cId="3749239687" sldId="283"/>
-            <ac:spMk id="9" creationId="{1FF9A61E-EB11-4C46-82E1-3E00A3B4B4D6}"/>
-          </ac:spMkLst>
-        </pc:spChg>
-        <pc:spChg chg="add">
-          <ac:chgData name="Nadia-Simona Comanici" userId="5c8d8869465da292" providerId="LiveId" clId="{EAEB6841-D4F6-4DDF-9129-8C3CE68F3649}" dt="2019-07-15T20:47:58.977" v="2634" actId="26606"/>
-          <ac:spMkLst>
-            <pc:docMk/>
-            <pc:sldMk cId="3749239687" sldId="283"/>
-            <ac:spMk id="12" creationId="{EA0B4097-B645-43E0-A2B5-B8D688E74592}"/>
-          </ac:spMkLst>
-        </pc:spChg>
-        <pc:spChg chg="del">
-          <ac:chgData name="Nadia-Simona Comanici" userId="5c8d8869465da292" providerId="LiveId" clId="{EAEB6841-D4F6-4DDF-9129-8C3CE68F3649}" dt="2019-06-26T08:51:40.072" v="2304"/>
-          <ac:spMkLst>
-            <pc:docMk/>
-            <pc:sldMk cId="3749239687" sldId="283"/>
-            <ac:spMk id="13" creationId="{DF0ADB4E-94F7-4499-A048-25702426FADE}"/>
-          </ac:spMkLst>
-        </pc:spChg>
-        <pc:spChg chg="del">
-          <ac:chgData name="Nadia-Simona Comanici" userId="5c8d8869465da292" providerId="LiveId" clId="{EAEB6841-D4F6-4DDF-9129-8C3CE68F3649}" dt="2019-06-26T08:51:40.072" v="2304"/>
-          <ac:spMkLst>
-            <pc:docMk/>
-            <pc:sldMk cId="3749239687" sldId="283"/>
-            <ac:spMk id="15" creationId="{6AD96B72-46E2-410D-AD3A-DA76EE628CF5}"/>
-          </ac:spMkLst>
-        </pc:spChg>
-        <pc:cxnChg chg="add">
-          <ac:chgData name="Nadia-Simona Comanici" userId="5c8d8869465da292" providerId="LiveId" clId="{EAEB6841-D4F6-4DDF-9129-8C3CE68F3649}" dt="2019-07-15T20:47:58.977" v="2634" actId="26606"/>
-          <ac:cxnSpMkLst>
-            <pc:docMk/>
-            <pc:sldMk cId="3749239687" sldId="283"/>
-            <ac:cxnSpMk id="5" creationId="{08D54232-CDE1-4B53-B430-AB82206F6B55}"/>
-          </ac:cxnSpMkLst>
-        </pc:cxnChg>
-        <pc:cxnChg chg="add">
-          <ac:chgData name="Nadia-Simona Comanici" userId="5c8d8869465da292" providerId="LiveId" clId="{EAEB6841-D4F6-4DDF-9129-8C3CE68F3649}" dt="2019-07-15T20:47:58.977" v="2634" actId="26606"/>
-          <ac:cxnSpMkLst>
-            <pc:docMk/>
-            <pc:sldMk cId="3749239687" sldId="283"/>
-            <ac:cxnSpMk id="10" creationId="{51B042EF-3024-4C57-B282-1B30607FB7C7}"/>
-          </ac:cxnSpMkLst>
-        </pc:cxnChg>
-        <pc:cxnChg chg="del">
-          <ac:chgData name="Nadia-Simona Comanici" userId="5c8d8869465da292" providerId="LiveId" clId="{EAEB6841-D4F6-4DDF-9129-8C3CE68F3649}" dt="2019-06-26T08:51:40.072" v="2304"/>
-          <ac:cxnSpMkLst>
-            <pc:docMk/>
-            <pc:sldMk cId="3749239687" sldId="283"/>
-            <ac:cxnSpMk id="11" creationId="{5E564EB3-35F2-4EFF-87DC-642DC020526D}"/>
-          </ac:cxnSpMkLst>
-        </pc:cxnChg>
-        <pc:cxnChg chg="del">
-          <ac:chgData name="Nadia-Simona Comanici" userId="5c8d8869465da292" providerId="LiveId" clId="{EAEB6841-D4F6-4DDF-9129-8C3CE68F3649}" dt="2019-06-26T08:51:40.072" v="2304"/>
-          <ac:cxnSpMkLst>
-            <pc:docMk/>
-            <pc:sldMk cId="3749239687" sldId="283"/>
-            <ac:cxnSpMk id="17" creationId="{218498B7-553E-4F59-A6D1-B7F56A185C38}"/>
-          </ac:cxnSpMkLst>
-        </pc:cxnChg>
-      </pc:sldChg>
-      <pc:sldChg chg="modSp add">
-        <pc:chgData name="Nadia-Simona Comanici" userId="5c8d8869465da292" providerId="LiveId" clId="{EAEB6841-D4F6-4DDF-9129-8C3CE68F3649}" dt="2019-06-26T09:05:15.006" v="2508" actId="113"/>
-        <pc:sldMkLst>
-          <pc:docMk/>
-          <pc:sldMk cId="1125853536" sldId="284"/>
-        </pc:sldMkLst>
-        <pc:spChg chg="mod">
-          <ac:chgData name="Nadia-Simona Comanici" userId="5c8d8869465da292" providerId="LiveId" clId="{EAEB6841-D4F6-4DDF-9129-8C3CE68F3649}" dt="2019-06-26T08:52:43.255" v="2340" actId="20577"/>
-          <ac:spMkLst>
-            <pc:docMk/>
-            <pc:sldMk cId="1125853536" sldId="284"/>
-            <ac:spMk id="2" creationId="{AEE3E2D2-01A2-4D94-AEA3-13BBDECE7D37}"/>
-          </ac:spMkLst>
-        </pc:spChg>
-        <pc:spChg chg="mod">
-          <ac:chgData name="Nadia-Simona Comanici" userId="5c8d8869465da292" providerId="LiveId" clId="{EAEB6841-D4F6-4DDF-9129-8C3CE68F3649}" dt="2019-06-26T09:05:15.006" v="2508" actId="113"/>
-          <ac:spMkLst>
-            <pc:docMk/>
-            <pc:sldMk cId="1125853536" sldId="284"/>
-            <ac:spMk id="3" creationId="{DCAB9A2E-3A94-4512-B82E-CF658BD3D029}"/>
-          </ac:spMkLst>
-        </pc:spChg>
-      </pc:sldChg>
-      <pc:sldChg chg="modSp add del">
-        <pc:chgData name="Nadia-Simona Comanici" userId="5c8d8869465da292" providerId="LiveId" clId="{EAEB6841-D4F6-4DDF-9129-8C3CE68F3649}" dt="2019-07-29T08:24:08.747" v="3685" actId="2696"/>
-        <pc:sldMkLst>
-          <pc:docMk/>
-          <pc:sldMk cId="4149815043" sldId="286"/>
-        </pc:sldMkLst>
-        <pc:spChg chg="mod">
-          <ac:chgData name="Nadia-Simona Comanici" userId="5c8d8869465da292" providerId="LiveId" clId="{EAEB6841-D4F6-4DDF-9129-8C3CE68F3649}" dt="2019-07-15T20:46:20.018" v="2592" actId="20577"/>
-          <ac:spMkLst>
-            <pc:docMk/>
-            <pc:sldMk cId="4149815043" sldId="286"/>
-            <ac:spMk id="12" creationId="{AABAED08-FED8-49D8-831E-8347C99AB9D0}"/>
-          </ac:spMkLst>
-        </pc:spChg>
-      </pc:sldChg>
-      <pc:sldChg chg="addSp delSp modSp add del ord delDesignElem">
-        <pc:chgData name="Nadia-Simona Comanici" userId="5c8d8869465da292" providerId="LiveId" clId="{EAEB6841-D4F6-4DDF-9129-8C3CE68F3649}" dt="2019-07-29T08:25:14.380" v="3735" actId="2696"/>
-        <pc:sldMkLst>
-          <pc:docMk/>
-          <pc:sldMk cId="1850733807" sldId="287"/>
-        </pc:sldMkLst>
-        <pc:spChg chg="mod">
-          <ac:chgData name="Nadia-Simona Comanici" userId="5c8d8869465da292" providerId="LiveId" clId="{EAEB6841-D4F6-4DDF-9129-8C3CE68F3649}" dt="2019-07-29T08:21:32.971" v="3594" actId="26606"/>
-          <ac:spMkLst>
-            <pc:docMk/>
-            <pc:sldMk cId="1850733807" sldId="287"/>
-            <ac:spMk id="4" creationId="{B7426A78-E821-49C9-8ECF-812AD2B3FA24}"/>
-          </ac:spMkLst>
-        </pc:spChg>
-        <pc:spChg chg="add mod">
-          <ac:chgData name="Nadia-Simona Comanici" userId="5c8d8869465da292" providerId="LiveId" clId="{EAEB6841-D4F6-4DDF-9129-8C3CE68F3649}" dt="2019-07-29T08:24:48.625" v="3691"/>
-          <ac:spMkLst>
-            <pc:docMk/>
-            <pc:sldMk cId="1850733807" sldId="287"/>
-            <ac:spMk id="9" creationId="{0AD1C50B-E306-479D-8F6C-370240FE00CB}"/>
-          </ac:spMkLst>
-        </pc:spChg>
-        <pc:spChg chg="add del mod">
-          <ac:chgData name="Nadia-Simona Comanici" userId="5c8d8869465da292" providerId="LiveId" clId="{EAEB6841-D4F6-4DDF-9129-8C3CE68F3649}" dt="2019-07-29T08:20:41.414" v="3588" actId="26606"/>
-          <ac:spMkLst>
-            <pc:docMk/>
-            <pc:sldMk cId="1850733807" sldId="287"/>
-            <ac:spMk id="12" creationId="{AABAED08-FED8-49D8-831E-8347C99AB9D0}"/>
-          </ac:spMkLst>
-        </pc:spChg>
-        <pc:spChg chg="add del">
-          <ac:chgData name="Nadia-Simona Comanici" userId="5c8d8869465da292" providerId="LiveId" clId="{EAEB6841-D4F6-4DDF-9129-8C3CE68F3649}" dt="2019-07-29T08:20:41.396" v="3587" actId="26606"/>
-          <ac:spMkLst>
-            <pc:docMk/>
-            <pc:sldMk cId="1850733807" sldId="287"/>
-            <ac:spMk id="16" creationId="{806CEF0B-5733-482C-9868-4C57AF79DA3E}"/>
-          </ac:spMkLst>
-        </pc:spChg>
-        <pc:spChg chg="add del">
-          <ac:chgData name="Nadia-Simona Comanici" userId="5c8d8869465da292" providerId="LiveId" clId="{EAEB6841-D4F6-4DDF-9129-8C3CE68F3649}" dt="2019-07-29T08:20:41.396" v="3587" actId="26606"/>
-          <ac:spMkLst>
-            <pc:docMk/>
-            <pc:sldMk cId="1850733807" sldId="287"/>
-            <ac:spMk id="19" creationId="{55F40173-F096-49CC-A730-A2DF1F04EC3B}"/>
-          </ac:spMkLst>
-        </pc:spChg>
-        <pc:spChg chg="del">
-          <ac:chgData name="Nadia-Simona Comanici" userId="5c8d8869465da292" providerId="LiveId" clId="{EAEB6841-D4F6-4DDF-9129-8C3CE68F3649}" dt="2019-07-29T08:20:19.266" v="3582"/>
-          <ac:spMkLst>
-            <pc:docMk/>
-            <pc:sldMk cId="1850733807" sldId="287"/>
-            <ac:spMk id="20" creationId="{31E7C082-5B81-400A-A1DE-7CA9F26ED812}"/>
-          </ac:spMkLst>
-        </pc:spChg>
-        <pc:spChg chg="del">
-          <ac:chgData name="Nadia-Simona Comanici" userId="5c8d8869465da292" providerId="LiveId" clId="{EAEB6841-D4F6-4DDF-9129-8C3CE68F3649}" dt="2019-07-29T08:20:19.266" v="3582"/>
-          <ac:spMkLst>
-            <pc:docMk/>
-            <pc:sldMk cId="1850733807" sldId="287"/>
-            <ac:spMk id="22" creationId="{4C0648FB-4388-443C-8D4E-4A9FF0336078}"/>
-          </ac:spMkLst>
-        </pc:spChg>
-        <pc:spChg chg="del">
-          <ac:chgData name="Nadia-Simona Comanici" userId="5c8d8869465da292" providerId="LiveId" clId="{EAEB6841-D4F6-4DDF-9129-8C3CE68F3649}" dt="2019-07-29T08:20:19.266" v="3582"/>
-          <ac:spMkLst>
-            <pc:docMk/>
-            <pc:sldMk cId="1850733807" sldId="287"/>
-            <ac:spMk id="23" creationId="{4A8D762E-DA8D-419A-BA44-68B93D3D92F8}"/>
-          </ac:spMkLst>
-        </pc:spChg>
-        <pc:spChg chg="add del">
-          <ac:chgData name="Nadia-Simona Comanici" userId="5c8d8869465da292" providerId="LiveId" clId="{EAEB6841-D4F6-4DDF-9129-8C3CE68F3649}" dt="2019-07-29T08:21:32.977" v="3595" actId="26606"/>
-          <ac:spMkLst>
-            <pc:docMk/>
-            <pc:sldMk cId="1850733807" sldId="287"/>
-            <ac:spMk id="24" creationId="{F3BB34A6-31BD-4BBB-A8C8-C3E81A71F41B}"/>
-          </ac:spMkLst>
-        </pc:spChg>
-        <pc:spChg chg="add del">
-          <ac:chgData name="Nadia-Simona Comanici" userId="5c8d8869465da292" providerId="LiveId" clId="{EAEB6841-D4F6-4DDF-9129-8C3CE68F3649}" dt="2019-07-29T08:21:28.729" v="3592" actId="26606"/>
-          <ac:spMkLst>
-            <pc:docMk/>
-            <pc:sldMk cId="1850733807" sldId="287"/>
-            <ac:spMk id="30" creationId="{F3BB34A6-31BD-4BBB-A8C8-C3E81A71F41B}"/>
-          </ac:spMkLst>
-        </pc:spChg>
-        <pc:spChg chg="add del">
-          <ac:chgData name="Nadia-Simona Comanici" userId="5c8d8869465da292" providerId="LiveId" clId="{EAEB6841-D4F6-4DDF-9129-8C3CE68F3649}" dt="2019-07-29T08:21:32.971" v="3594" actId="26606"/>
-          <ac:spMkLst>
-            <pc:docMk/>
-            <pc:sldMk cId="1850733807" sldId="287"/>
-            <ac:spMk id="35" creationId="{55F40173-F096-49CC-A730-A2DF1F04EC3B}"/>
-          </ac:spMkLst>
-        </pc:spChg>
-        <pc:spChg chg="add del">
-          <ac:chgData name="Nadia-Simona Comanici" userId="5c8d8869465da292" providerId="LiveId" clId="{EAEB6841-D4F6-4DDF-9129-8C3CE68F3649}" dt="2019-07-29T08:21:32.971" v="3594" actId="26606"/>
-          <ac:spMkLst>
-            <pc:docMk/>
-            <pc:sldMk cId="1850733807" sldId="287"/>
-            <ac:spMk id="36" creationId="{806CEF0B-5733-482C-9868-4C57AF79DA3E}"/>
-          </ac:spMkLst>
-        </pc:spChg>
-        <pc:spChg chg="add">
-          <ac:chgData name="Nadia-Simona Comanici" userId="5c8d8869465da292" providerId="LiveId" clId="{EAEB6841-D4F6-4DDF-9129-8C3CE68F3649}" dt="2019-07-29T08:21:32.977" v="3595" actId="26606"/>
-          <ac:spMkLst>
-            <pc:docMk/>
-            <pc:sldMk cId="1850733807" sldId="287"/>
-            <ac:spMk id="38" creationId="{F3BB34A6-31BD-4BBB-A8C8-C3E81A71F41B}"/>
-          </ac:spMkLst>
-        </pc:spChg>
-        <pc:picChg chg="add del mod">
-          <ac:chgData name="Nadia-Simona Comanici" userId="5c8d8869465da292" providerId="LiveId" clId="{EAEB6841-D4F6-4DDF-9129-8C3CE68F3649}" dt="2019-07-29T08:19:18.927" v="3572" actId="478"/>
-          <ac:picMkLst>
-            <pc:docMk/>
-            <pc:sldMk cId="1850733807" sldId="287"/>
-            <ac:picMk id="3" creationId="{456386F4-85C7-4725-B7B5-89466ED90F3D}"/>
-          </ac:picMkLst>
-        </pc:picChg>
-        <pc:picChg chg="add del mod">
-          <ac:chgData name="Nadia-Simona Comanici" userId="5c8d8869465da292" providerId="LiveId" clId="{EAEB6841-D4F6-4DDF-9129-8C3CE68F3649}" dt="2019-07-29T08:19:18.379" v="3571" actId="478"/>
-          <ac:picMkLst>
-            <pc:docMk/>
-            <pc:sldMk cId="1850733807" sldId="287"/>
-            <ac:picMk id="6" creationId="{08F08F6E-F946-413B-B344-2BC6B69B8729}"/>
-          </ac:picMkLst>
-        </pc:picChg>
-        <pc:picChg chg="add del">
-          <ac:chgData name="Nadia-Simona Comanici" userId="5c8d8869465da292" providerId="LiveId" clId="{EAEB6841-D4F6-4DDF-9129-8C3CE68F3649}" dt="2019-07-29T08:19:21.660" v="3574"/>
-          <ac:picMkLst>
-            <pc:docMk/>
-            <pc:sldMk cId="1850733807" sldId="287"/>
-            <ac:picMk id="7" creationId="{1429811F-1EC8-45DE-A903-250EE4601D23}"/>
-          </ac:picMkLst>
-        </pc:picChg>
-        <pc:picChg chg="add del mod">
-          <ac:chgData name="Nadia-Simona Comanici" userId="5c8d8869465da292" providerId="LiveId" clId="{EAEB6841-D4F6-4DDF-9129-8C3CE68F3649}" dt="2019-07-29T08:20:02.674" v="3578"/>
-          <ac:picMkLst>
-            <pc:docMk/>
-            <pc:sldMk cId="1850733807" sldId="287"/>
-            <ac:picMk id="8" creationId="{513D537F-B91D-4C7E-8433-2131F0A24BF6}"/>
-          </ac:picMkLst>
-        </pc:picChg>
-        <pc:picChg chg="add mod">
-          <ac:chgData name="Nadia-Simona Comanici" userId="5c8d8869465da292" providerId="LiveId" clId="{EAEB6841-D4F6-4DDF-9129-8C3CE68F3649}" dt="2019-07-29T08:21:43.244" v="3597" actId="1076"/>
-          <ac:picMkLst>
-            <pc:docMk/>
-            <pc:sldMk cId="1850733807" sldId="287"/>
-            <ac:picMk id="10" creationId="{B9983F61-BE73-430C-9F07-DA2813F9CC5F}"/>
-          </ac:picMkLst>
-        </pc:picChg>
-        <pc:picChg chg="add del mod">
-          <ac:chgData name="Nadia-Simona Comanici" userId="5c8d8869465da292" providerId="LiveId" clId="{EAEB6841-D4F6-4DDF-9129-8C3CE68F3649}" dt="2019-07-29T08:21:13.698" v="3589" actId="478"/>
-          <ac:picMkLst>
-            <pc:docMk/>
-            <pc:sldMk cId="1850733807" sldId="287"/>
-            <ac:picMk id="14" creationId="{6C8B69BD-51C5-4F45-9440-F4AFD5F565B7}"/>
-          </ac:picMkLst>
-        </pc:picChg>
-        <pc:cxnChg chg="add del">
-          <ac:chgData name="Nadia-Simona Comanici" userId="5c8d8869465da292" providerId="LiveId" clId="{EAEB6841-D4F6-4DDF-9129-8C3CE68F3649}" dt="2019-07-29T08:20:41.396" v="3587" actId="26606"/>
-          <ac:cxnSpMkLst>
-            <pc:docMk/>
-            <pc:sldMk cId="1850733807" sldId="287"/>
-            <ac:cxnSpMk id="17" creationId="{FC5D3B4D-9BAC-482B-A34B-01BB35CB5316}"/>
-          </ac:cxnSpMkLst>
-        </pc:cxnChg>
-        <pc:cxnChg chg="del">
-          <ac:chgData name="Nadia-Simona Comanici" userId="5c8d8869465da292" providerId="LiveId" clId="{EAEB6841-D4F6-4DDF-9129-8C3CE68F3649}" dt="2019-07-29T08:20:19.266" v="3582"/>
-          <ac:cxnSpMkLst>
-            <pc:docMk/>
-            <pc:sldMk cId="1850733807" sldId="287"/>
-            <ac:cxnSpMk id="21" creationId="{08D54232-CDE1-4B53-B430-AB82206F6B55}"/>
-          </ac:cxnSpMkLst>
-        </pc:cxnChg>
-        <pc:cxnChg chg="add del">
-          <ac:chgData name="Nadia-Simona Comanici" userId="5c8d8869465da292" providerId="LiveId" clId="{EAEB6841-D4F6-4DDF-9129-8C3CE68F3649}" dt="2019-07-29T08:21:32.977" v="3595" actId="26606"/>
-          <ac:cxnSpMkLst>
-            <pc:docMk/>
-            <pc:sldMk cId="1850733807" sldId="287"/>
-            <ac:cxnSpMk id="25" creationId="{6FF4E9B4-BE85-45F4-8672-47D51F1401BE}"/>
-          </ac:cxnSpMkLst>
-        </pc:cxnChg>
-        <pc:cxnChg chg="add del">
-          <ac:chgData name="Nadia-Simona Comanici" userId="5c8d8869465da292" providerId="LiveId" clId="{EAEB6841-D4F6-4DDF-9129-8C3CE68F3649}" dt="2019-07-29T08:21:28.729" v="3592" actId="26606"/>
-          <ac:cxnSpMkLst>
-            <pc:docMk/>
-            <pc:sldMk cId="1850733807" sldId="287"/>
-            <ac:cxnSpMk id="32" creationId="{6FF4E9B4-BE85-45F4-8672-47D51F1401BE}"/>
-          </ac:cxnSpMkLst>
-        </pc:cxnChg>
-        <pc:cxnChg chg="add del">
-          <ac:chgData name="Nadia-Simona Comanici" userId="5c8d8869465da292" providerId="LiveId" clId="{EAEB6841-D4F6-4DDF-9129-8C3CE68F3649}" dt="2019-07-29T08:21:32.971" v="3594" actId="26606"/>
-          <ac:cxnSpMkLst>
-            <pc:docMk/>
-            <pc:sldMk cId="1850733807" sldId="287"/>
-            <ac:cxnSpMk id="34" creationId="{FC5D3B4D-9BAC-482B-A34B-01BB35CB5316}"/>
-          </ac:cxnSpMkLst>
-        </pc:cxnChg>
-        <pc:cxnChg chg="add">
-          <ac:chgData name="Nadia-Simona Comanici" userId="5c8d8869465da292" providerId="LiveId" clId="{EAEB6841-D4F6-4DDF-9129-8C3CE68F3649}" dt="2019-07-29T08:21:32.977" v="3595" actId="26606"/>
-          <ac:cxnSpMkLst>
-            <pc:docMk/>
-            <pc:sldMk cId="1850733807" sldId="287"/>
-            <ac:cxnSpMk id="39" creationId="{6FF4E9B4-BE85-45F4-8672-47D51F1401BE}"/>
-          </ac:cxnSpMkLst>
-        </pc:cxnChg>
-      </pc:sldChg>
-      <pc:sldChg chg="add">
-        <pc:chgData name="Nadia-Simona Comanici" userId="5c8d8869465da292" providerId="LiveId" clId="{EAEB6841-D4F6-4DDF-9129-8C3CE68F3649}" dt="2019-07-15T20:48:01.534" v="2635"/>
-        <pc:sldMkLst>
-          <pc:docMk/>
-          <pc:sldMk cId="2008858417" sldId="288"/>
-        </pc:sldMkLst>
-      </pc:sldChg>
-      <pc:sldChg chg="addSp modSp add mod setBg">
-        <pc:chgData name="Nadia-Simona Comanici" userId="5c8d8869465da292" providerId="LiveId" clId="{EAEB6841-D4F6-4DDF-9129-8C3CE68F3649}" dt="2019-07-29T08:38:51.290" v="3973" actId="20577"/>
-        <pc:sldMkLst>
-          <pc:docMk/>
-          <pc:sldMk cId="4201935974" sldId="289"/>
-        </pc:sldMkLst>
-        <pc:spChg chg="mod">
-          <ac:chgData name="Nadia-Simona Comanici" userId="5c8d8869465da292" providerId="LiveId" clId="{EAEB6841-D4F6-4DDF-9129-8C3CE68F3649}" dt="2019-07-29T08:36:05.104" v="3878" actId="26606"/>
-          <ac:spMkLst>
-            <pc:docMk/>
-            <pc:sldMk cId="4201935974" sldId="289"/>
-            <ac:spMk id="2" creationId="{E2F58E10-F10D-4D66-86AA-BC2AB458CA80}"/>
-          </ac:spMkLst>
-        </pc:spChg>
-        <pc:spChg chg="add mod ord">
-          <ac:chgData name="Nadia-Simona Comanici" userId="5c8d8869465da292" providerId="LiveId" clId="{EAEB6841-D4F6-4DDF-9129-8C3CE68F3649}" dt="2019-07-29T08:38:51.290" v="3973" actId="20577"/>
-          <ac:spMkLst>
-            <pc:docMk/>
-            <pc:sldMk cId="4201935974" sldId="289"/>
-            <ac:spMk id="3" creationId="{19E5AC56-5F4F-4DD3-8C22-65E2C271CF94}"/>
-          </ac:spMkLst>
-        </pc:spChg>
-        <pc:picChg chg="add mod">
-          <ac:chgData name="Nadia-Simona Comanici" userId="5c8d8869465da292" providerId="LiveId" clId="{EAEB6841-D4F6-4DDF-9129-8C3CE68F3649}" dt="2019-07-29T08:36:05.104" v="3878" actId="26606"/>
-          <ac:picMkLst>
-            <pc:docMk/>
-            <pc:sldMk cId="4201935974" sldId="289"/>
-            <ac:picMk id="1026" creationId="{F0BE3D71-4AF8-497B-AA47-805F1E81ED88}"/>
-          </ac:picMkLst>
-        </pc:picChg>
-      </pc:sldChg>
-      <pc:sldChg chg="addSp delSp modSp add">
-        <pc:chgData name="Nadia-Simona Comanici" userId="5c8d8869465da292" providerId="LiveId" clId="{EAEB6841-D4F6-4DDF-9129-8C3CE68F3649}" dt="2019-07-15T21:24:16.602" v="3284" actId="20577"/>
-        <pc:sldMkLst>
-          <pc:docMk/>
-          <pc:sldMk cId="522341663" sldId="290"/>
-        </pc:sldMkLst>
-        <pc:spChg chg="mod">
-          <ac:chgData name="Nadia-Simona Comanici" userId="5c8d8869465da292" providerId="LiveId" clId="{EAEB6841-D4F6-4DDF-9129-8C3CE68F3649}" dt="2019-07-15T21:08:08.656" v="2907" actId="20577"/>
-          <ac:spMkLst>
-            <pc:docMk/>
-            <pc:sldMk cId="522341663" sldId="290"/>
-            <ac:spMk id="2" creationId="{098B7CA2-9DEC-472D-8E89-97DAAD56B1E0}"/>
-          </ac:spMkLst>
-        </pc:spChg>
-        <pc:spChg chg="add">
-          <ac:chgData name="Nadia-Simona Comanici" userId="5c8d8869465da292" providerId="LiveId" clId="{EAEB6841-D4F6-4DDF-9129-8C3CE68F3649}" dt="2019-07-15T21:08:13.512" v="2908" actId="3680"/>
-          <ac:spMkLst>
-            <pc:docMk/>
-            <pc:sldMk cId="522341663" sldId="290"/>
-            <ac:spMk id="3" creationId="{D2A13E54-8984-4049-B51A-7189EC2CF353}"/>
-          </ac:spMkLst>
-        </pc:spChg>
-        <pc:graphicFrameChg chg="del mod">
-          <ac:chgData name="Nadia-Simona Comanici" userId="5c8d8869465da292" providerId="LiveId" clId="{EAEB6841-D4F6-4DDF-9129-8C3CE68F3649}" dt="2019-07-15T21:08:13.512" v="2908" actId="3680"/>
-          <ac:graphicFrameMkLst>
-            <pc:docMk/>
-            <pc:sldMk cId="522341663" sldId="290"/>
-            <ac:graphicFrameMk id="4" creationId="{EC5EBFE5-F505-4652-9434-8B67CC040AB6}"/>
-          </ac:graphicFrameMkLst>
-        </pc:graphicFrameChg>
-        <pc:graphicFrameChg chg="mod modGraphic">
-          <ac:chgData name="Nadia-Simona Comanici" userId="5c8d8869465da292" providerId="LiveId" clId="{EAEB6841-D4F6-4DDF-9129-8C3CE68F3649}" dt="2019-07-15T21:24:16.602" v="3284" actId="20577"/>
-          <ac:graphicFrameMkLst>
-            <pc:docMk/>
-            <pc:sldMk cId="522341663" sldId="290"/>
-            <ac:graphicFrameMk id="5" creationId="{2A1EC472-2B4E-46B6-9425-7275492690D5}"/>
-          </ac:graphicFrameMkLst>
-        </pc:graphicFrameChg>
-      </pc:sldChg>
-      <pc:sldChg chg="modSp add del ord">
-        <pc:chgData name="Nadia-Simona Comanici" userId="5c8d8869465da292" providerId="LiveId" clId="{EAEB6841-D4F6-4DDF-9129-8C3CE68F3649}" dt="2019-07-29T08:29:57.387" v="3853" actId="2696"/>
-        <pc:sldMkLst>
-          <pc:docMk/>
-          <pc:sldMk cId="781981932" sldId="291"/>
-        </pc:sldMkLst>
-        <pc:spChg chg="mod">
-          <ac:chgData name="Nadia-Simona Comanici" userId="5c8d8869465da292" providerId="LiveId" clId="{EAEB6841-D4F6-4DDF-9129-8C3CE68F3649}" dt="2019-07-15T23:16:57.740" v="3382" actId="20577"/>
-          <ac:spMkLst>
-            <pc:docMk/>
-            <pc:sldMk cId="781981932" sldId="291"/>
-            <ac:spMk id="12" creationId="{AABAED08-FED8-49D8-831E-8347C99AB9D0}"/>
-          </ac:spMkLst>
-        </pc:spChg>
-      </pc:sldChg>
-      <pc:sldChg chg="modSp add del ord">
-        <pc:chgData name="Nadia-Simona Comanici" userId="5c8d8869465da292" providerId="LiveId" clId="{EAEB6841-D4F6-4DDF-9129-8C3CE68F3649}" dt="2019-07-29T08:29:58.444" v="3854" actId="2696"/>
-        <pc:sldMkLst>
-          <pc:docMk/>
-          <pc:sldMk cId="568656333" sldId="292"/>
-        </pc:sldMkLst>
-        <pc:spChg chg="mod">
-          <ac:chgData name="Nadia-Simona Comanici" userId="5c8d8869465da292" providerId="LiveId" clId="{EAEB6841-D4F6-4DDF-9129-8C3CE68F3649}" dt="2019-07-15T23:17:03.846" v="3387" actId="20577"/>
-          <ac:spMkLst>
-            <pc:docMk/>
-            <pc:sldMk cId="568656333" sldId="292"/>
-            <ac:spMk id="12" creationId="{AABAED08-FED8-49D8-831E-8347C99AB9D0}"/>
-          </ac:spMkLst>
-        </pc:spChg>
-      </pc:sldChg>
-      <pc:sldChg chg="modSp add del ord">
-        <pc:chgData name="Nadia-Simona Comanici" userId="5c8d8869465da292" providerId="LiveId" clId="{EAEB6841-D4F6-4DDF-9129-8C3CE68F3649}" dt="2019-07-29T08:26:22.822" v="3778" actId="2696"/>
-        <pc:sldMkLst>
-          <pc:docMk/>
-          <pc:sldMk cId="1518619799" sldId="293"/>
-        </pc:sldMkLst>
-        <pc:spChg chg="mod">
-          <ac:chgData name="Nadia-Simona Comanici" userId="5c8d8869465da292" providerId="LiveId" clId="{EAEB6841-D4F6-4DDF-9129-8C3CE68F3649}" dt="2019-07-15T23:18:11.737" v="3399" actId="20577"/>
-          <ac:spMkLst>
-            <pc:docMk/>
-            <pc:sldMk cId="1518619799" sldId="293"/>
-            <ac:spMk id="12" creationId="{AABAED08-FED8-49D8-831E-8347C99AB9D0}"/>
-          </ac:spMkLst>
-        </pc:spChg>
-      </pc:sldChg>
-      <pc:sldChg chg="addSp delSp modSp add">
-        <pc:chgData name="Nadia-Simona Comanici" userId="5c8d8869465da292" providerId="LiveId" clId="{EAEB6841-D4F6-4DDF-9129-8C3CE68F3649}" dt="2019-07-29T08:53:29.592" v="4299" actId="20577"/>
-        <pc:sldMkLst>
-          <pc:docMk/>
-          <pc:sldMk cId="2409936295" sldId="294"/>
-        </pc:sldMkLst>
-        <pc:spChg chg="mod">
-          <ac:chgData name="Nadia-Simona Comanici" userId="5c8d8869465da292" providerId="LiveId" clId="{EAEB6841-D4F6-4DDF-9129-8C3CE68F3649}" dt="2019-07-29T08:53:29.592" v="4299" actId="20577"/>
-          <ac:spMkLst>
-            <pc:docMk/>
-            <pc:sldMk cId="2409936295" sldId="294"/>
-            <ac:spMk id="2" creationId="{221B22FE-387E-452E-B67B-A5467F92E430}"/>
-          </ac:spMkLst>
-        </pc:spChg>
-        <pc:spChg chg="add mod">
-          <ac:chgData name="Nadia-Simona Comanici" userId="5c8d8869465da292" providerId="LiveId" clId="{EAEB6841-D4F6-4DDF-9129-8C3CE68F3649}" dt="2019-07-16T09:37:00.098" v="3562" actId="164"/>
-          <ac:spMkLst>
-            <pc:docMk/>
-            <pc:sldMk cId="2409936295" sldId="294"/>
-            <ac:spMk id="3" creationId="{3D112C76-C9F0-4D2C-9439-0559634CCD04}"/>
-          </ac:spMkLst>
-        </pc:spChg>
-        <pc:spChg chg="add mod">
-          <ac:chgData name="Nadia-Simona Comanici" userId="5c8d8869465da292" providerId="LiveId" clId="{EAEB6841-D4F6-4DDF-9129-8C3CE68F3649}" dt="2019-07-16T09:37:00.098" v="3562" actId="164"/>
-          <ac:spMkLst>
-            <pc:docMk/>
-            <pc:sldMk cId="2409936295" sldId="294"/>
-            <ac:spMk id="4" creationId="{5A5B879C-3D72-4EB0-965A-D8338D82E158}"/>
-          </ac:spMkLst>
-        </pc:spChg>
-        <pc:spChg chg="add mod">
-          <ac:chgData name="Nadia-Simona Comanici" userId="5c8d8869465da292" providerId="LiveId" clId="{EAEB6841-D4F6-4DDF-9129-8C3CE68F3649}" dt="2019-07-16T09:37:00.098" v="3562" actId="164"/>
-          <ac:spMkLst>
-            <pc:docMk/>
-            <pc:sldMk cId="2409936295" sldId="294"/>
-            <ac:spMk id="5" creationId="{34016E74-3F03-4B2E-A9D5-909FEC2BB88F}"/>
-          </ac:spMkLst>
-        </pc:spChg>
-        <pc:spChg chg="add del mod">
-          <ac:chgData name="Nadia-Simona Comanici" userId="5c8d8869465da292" providerId="LiveId" clId="{EAEB6841-D4F6-4DDF-9129-8C3CE68F3649}" dt="2019-07-29T08:50:27.095" v="4111" actId="478"/>
-          <ac:spMkLst>
-            <pc:docMk/>
-            <pc:sldMk cId="2409936295" sldId="294"/>
-            <ac:spMk id="6" creationId="{500616DF-BD23-4012-8001-037943F80E9B}"/>
-          </ac:spMkLst>
-        </pc:spChg>
-        <pc:spChg chg="add mod">
-          <ac:chgData name="Nadia-Simona Comanici" userId="5c8d8869465da292" providerId="LiveId" clId="{EAEB6841-D4F6-4DDF-9129-8C3CE68F3649}" dt="2019-07-16T09:37:26.615" v="3564" actId="164"/>
-          <ac:spMkLst>
-            <pc:docMk/>
-            <pc:sldMk cId="2409936295" sldId="294"/>
-            <ac:spMk id="10" creationId="{BF0B603F-EF29-466B-B38D-C4CEE15CE1A1}"/>
-          </ac:spMkLst>
-        </pc:spChg>
-        <pc:spChg chg="add mod">
-          <ac:chgData name="Nadia-Simona Comanici" userId="5c8d8869465da292" providerId="LiveId" clId="{EAEB6841-D4F6-4DDF-9129-8C3CE68F3649}" dt="2019-07-16T09:37:26.615" v="3564" actId="164"/>
-          <ac:spMkLst>
-            <pc:docMk/>
-            <pc:sldMk cId="2409936295" sldId="294"/>
-            <ac:spMk id="11" creationId="{65563121-658F-436E-A981-9F0CC72B0D63}"/>
-          </ac:spMkLst>
-        </pc:spChg>
-        <pc:spChg chg="add mod">
-          <ac:chgData name="Nadia-Simona Comanici" userId="5c8d8869465da292" providerId="LiveId" clId="{EAEB6841-D4F6-4DDF-9129-8C3CE68F3649}" dt="2019-07-16T09:37:26.615" v="3564" actId="164"/>
-          <ac:spMkLst>
-            <pc:docMk/>
-            <pc:sldMk cId="2409936295" sldId="294"/>
-            <ac:spMk id="12" creationId="{EE1281F9-CA82-42FD-9F7E-34CD9DA336CC}"/>
-          </ac:spMkLst>
-        </pc:spChg>
-        <pc:spChg chg="add mod">
-          <ac:chgData name="Nadia-Simona Comanici" userId="5c8d8869465da292" providerId="LiveId" clId="{EAEB6841-D4F6-4DDF-9129-8C3CE68F3649}" dt="2019-07-16T09:37:26.615" v="3564" actId="164"/>
-          <ac:spMkLst>
-            <pc:docMk/>
-            <pc:sldMk cId="2409936295" sldId="294"/>
-            <ac:spMk id="16" creationId="{A3794E02-5F54-4B34-BD16-E5CA63E6B504}"/>
-          </ac:spMkLst>
-        </pc:spChg>
-        <pc:spChg chg="add mod">
-          <ac:chgData name="Nadia-Simona Comanici" userId="5c8d8869465da292" providerId="LiveId" clId="{EAEB6841-D4F6-4DDF-9129-8C3CE68F3649}" dt="2019-07-16T09:37:26.615" v="3564" actId="164"/>
-          <ac:spMkLst>
-            <pc:docMk/>
-            <pc:sldMk cId="2409936295" sldId="294"/>
-            <ac:spMk id="22" creationId="{CB34EB63-8A3E-4FD8-84E2-132D67A09188}"/>
-          </ac:spMkLst>
-        </pc:spChg>
-        <pc:spChg chg="add mod">
-          <ac:chgData name="Nadia-Simona Comanici" userId="5c8d8869465da292" providerId="LiveId" clId="{EAEB6841-D4F6-4DDF-9129-8C3CE68F3649}" dt="2019-07-16T09:37:26.615" v="3564" actId="164"/>
-          <ac:spMkLst>
-            <pc:docMk/>
-            <pc:sldMk cId="2409936295" sldId="294"/>
-            <ac:spMk id="26" creationId="{F784068D-B232-4D9E-9728-6F6544DE0E42}"/>
-          </ac:spMkLst>
-        </pc:spChg>
-        <pc:spChg chg="add mod">
-          <ac:chgData name="Nadia-Simona Comanici" userId="5c8d8869465da292" providerId="LiveId" clId="{EAEB6841-D4F6-4DDF-9129-8C3CE68F3649}" dt="2019-07-16T09:37:26.615" v="3564" actId="164"/>
-          <ac:spMkLst>
-            <pc:docMk/>
-            <pc:sldMk cId="2409936295" sldId="294"/>
-            <ac:spMk id="27" creationId="{F55783E9-3EE2-43B6-B215-CC4B5495A6C4}"/>
-          </ac:spMkLst>
-        </pc:spChg>
-        <pc:spChg chg="add mod">
-          <ac:chgData name="Nadia-Simona Comanici" userId="5c8d8869465da292" providerId="LiveId" clId="{EAEB6841-D4F6-4DDF-9129-8C3CE68F3649}" dt="2019-07-16T09:37:26.615" v="3564" actId="164"/>
-          <ac:spMkLst>
-            <pc:docMk/>
-            <pc:sldMk cId="2409936295" sldId="294"/>
-            <ac:spMk id="29" creationId="{30BDCC2E-A58A-48D8-8ABE-E8C048210615}"/>
-          </ac:spMkLst>
-        </pc:spChg>
-        <pc:spChg chg="add mod ord">
-          <ac:chgData name="Nadia-Simona Comanici" userId="5c8d8869465da292" providerId="LiveId" clId="{EAEB6841-D4F6-4DDF-9129-8C3CE68F3649}" dt="2019-07-16T09:37:00.098" v="3562" actId="164"/>
-          <ac:spMkLst>
-            <pc:docMk/>
-            <pc:sldMk cId="2409936295" sldId="294"/>
-            <ac:spMk id="37" creationId="{AF853BE2-3E06-401C-9917-54E32D6B3F94}"/>
-          </ac:spMkLst>
-        </pc:spChg>
-        <pc:spChg chg="add mod ord">
-          <ac:chgData name="Nadia-Simona Comanici" userId="5c8d8869465da292" providerId="LiveId" clId="{EAEB6841-D4F6-4DDF-9129-8C3CE68F3649}" dt="2019-07-16T09:37:26.615" v="3564" actId="164"/>
-          <ac:spMkLst>
-            <pc:docMk/>
-            <pc:sldMk cId="2409936295" sldId="294"/>
-            <ac:spMk id="38" creationId="{BB7ACEF7-F267-4E3D-97BA-B0BB2AB97829}"/>
-          </ac:spMkLst>
-        </pc:spChg>
-        <pc:grpChg chg="add">
-          <ac:chgData name="Nadia-Simona Comanici" userId="5c8d8869465da292" providerId="LiveId" clId="{EAEB6841-D4F6-4DDF-9129-8C3CE68F3649}" dt="2019-07-29T08:53:10.786" v="4289"/>
-          <ac:grpSpMkLst>
-            <pc:docMk/>
-            <pc:sldMk cId="2409936295" sldId="294"/>
-            <ac:grpSpMk id="24" creationId="{FDC2CA33-F33F-4404-979D-C9BCBD81150D}"/>
-          </ac:grpSpMkLst>
-        </pc:grpChg>
-        <pc:grpChg chg="add del mod">
-          <ac:chgData name="Nadia-Simona Comanici" userId="5c8d8869465da292" providerId="LiveId" clId="{EAEB6841-D4F6-4DDF-9129-8C3CE68F3649}" dt="2019-07-29T08:53:10.432" v="4288" actId="478"/>
-          <ac:grpSpMkLst>
-            <pc:docMk/>
-            <pc:sldMk cId="2409936295" sldId="294"/>
-            <ac:grpSpMk id="39" creationId="{306900D3-6925-4ACA-A374-3B0F1EE8A009}"/>
-          </ac:grpSpMkLst>
-        </pc:grpChg>
-        <pc:grpChg chg="add del mod">
-          <ac:chgData name="Nadia-Simona Comanici" userId="5c8d8869465da292" providerId="LiveId" clId="{EAEB6841-D4F6-4DDF-9129-8C3CE68F3649}" dt="2019-07-29T08:50:25.414" v="4110" actId="478"/>
-          <ac:grpSpMkLst>
-            <pc:docMk/>
-            <pc:sldMk cId="2409936295" sldId="294"/>
-            <ac:grpSpMk id="40" creationId="{06B55D97-AD1C-4E2C-BA9E-AB877CD14B5B}"/>
-          </ac:grpSpMkLst>
-        </pc:grpChg>
-        <pc:cxnChg chg="add mod">
-          <ac:chgData name="Nadia-Simona Comanici" userId="5c8d8869465da292" providerId="LiveId" clId="{EAEB6841-D4F6-4DDF-9129-8C3CE68F3649}" dt="2019-07-29T08:53:10.432" v="4288" actId="478"/>
-          <ac:cxnSpMkLst>
-            <pc:docMk/>
-            <pc:sldMk cId="2409936295" sldId="294"/>
-            <ac:cxnSpMk id="7" creationId="{24DF8F1D-963C-4978-9F81-B5B7573FCCA2}"/>
-          </ac:cxnSpMkLst>
-        </pc:cxnChg>
-        <pc:cxnChg chg="add mod">
-          <ac:chgData name="Nadia-Simona Comanici" userId="5c8d8869465da292" providerId="LiveId" clId="{EAEB6841-D4F6-4DDF-9129-8C3CE68F3649}" dt="2019-07-29T08:53:10.432" v="4288" actId="478"/>
-          <ac:cxnSpMkLst>
-            <pc:docMk/>
-            <pc:sldMk cId="2409936295" sldId="294"/>
-            <ac:cxnSpMk id="9" creationId="{ABA7B890-0F1E-4309-B1B8-A8B7599259F0}"/>
-          </ac:cxnSpMkLst>
-        </pc:cxnChg>
-        <pc:cxnChg chg="add mod">
-          <ac:chgData name="Nadia-Simona Comanici" userId="5c8d8869465da292" providerId="LiveId" clId="{EAEB6841-D4F6-4DDF-9129-8C3CE68F3649}" dt="2019-07-29T08:50:25.414" v="4110" actId="478"/>
-          <ac:cxnSpMkLst>
-            <pc:docMk/>
-            <pc:sldMk cId="2409936295" sldId="294"/>
-            <ac:cxnSpMk id="13" creationId="{50ABB90E-26E1-4D11-AD9E-74E2BB6E3BA0}"/>
-          </ac:cxnSpMkLst>
-        </pc:cxnChg>
-        <pc:cxnChg chg="add del mod">
-          <ac:chgData name="Nadia-Simona Comanici" userId="5c8d8869465da292" providerId="LiveId" clId="{EAEB6841-D4F6-4DDF-9129-8C3CE68F3649}" dt="2019-07-16T09:35:46.379" v="3547" actId="478"/>
-          <ac:cxnSpMkLst>
-            <pc:docMk/>
-            <pc:sldMk cId="2409936295" sldId="294"/>
-            <ac:cxnSpMk id="14" creationId="{F86260D4-4851-4FCF-B2EA-1C4B9C9EB7AB}"/>
-          </ac:cxnSpMkLst>
-        </pc:cxnChg>
-        <pc:cxnChg chg="add del mod">
-          <ac:chgData name="Nadia-Simona Comanici" userId="5c8d8869465da292" providerId="LiveId" clId="{EAEB6841-D4F6-4DDF-9129-8C3CE68F3649}" dt="2019-07-16T09:35:45.717" v="3546" actId="478"/>
-          <ac:cxnSpMkLst>
-            <pc:docMk/>
-            <pc:sldMk cId="2409936295" sldId="294"/>
-            <ac:cxnSpMk id="19" creationId="{902E2DB9-0F97-487E-8B13-59401F81695B}"/>
-          </ac:cxnSpMkLst>
-        </pc:cxnChg>
-        <pc:cxnChg chg="add mod">
-          <ac:chgData name="Nadia-Simona Comanici" userId="5c8d8869465da292" providerId="LiveId" clId="{EAEB6841-D4F6-4DDF-9129-8C3CE68F3649}" dt="2019-07-29T08:50:25.414" v="4110" actId="478"/>
-          <ac:cxnSpMkLst>
-            <pc:docMk/>
-            <pc:sldMk cId="2409936295" sldId="294"/>
-            <ac:cxnSpMk id="31" creationId="{ED4A30DE-CBF8-446E-8564-F54137543E15}"/>
-          </ac:cxnSpMkLst>
-        </pc:cxnChg>
-        <pc:cxnChg chg="add mod">
-          <ac:chgData name="Nadia-Simona Comanici" userId="5c8d8869465da292" providerId="LiveId" clId="{EAEB6841-D4F6-4DDF-9129-8C3CE68F3649}" dt="2019-07-29T08:50:25.414" v="4110" actId="478"/>
-          <ac:cxnSpMkLst>
-            <pc:docMk/>
-            <pc:sldMk cId="2409936295" sldId="294"/>
-            <ac:cxnSpMk id="32" creationId="{2BE04796-7E14-437B-B0D9-79B20CFD7E3D}"/>
-          </ac:cxnSpMkLst>
-        </pc:cxnChg>
-        <pc:cxnChg chg="add del mod">
-          <ac:chgData name="Nadia-Simona Comanici" userId="5c8d8869465da292" providerId="LiveId" clId="{EAEB6841-D4F6-4DDF-9129-8C3CE68F3649}" dt="2019-07-16T09:36:16.748" v="3555" actId="478"/>
-          <ac:cxnSpMkLst>
-            <pc:docMk/>
-            <pc:sldMk cId="2409936295" sldId="294"/>
-            <ac:cxnSpMk id="36" creationId="{6065D1F8-3553-48D8-A255-57F455A49EFF}"/>
-          </ac:cxnSpMkLst>
-        </pc:cxnChg>
-      </pc:sldChg>
-      <pc:sldChg chg="addSp delSp modSp add mod ord setBg delDesignElem">
-        <pc:chgData name="Nadia-Simona Comanici" userId="5c8d8869465da292" providerId="LiveId" clId="{EAEB6841-D4F6-4DDF-9129-8C3CE68F3649}" dt="2019-07-29T08:24:33.590" v="3688" actId="26606"/>
-        <pc:sldMkLst>
-          <pc:docMk/>
-          <pc:sldMk cId="547355373" sldId="295"/>
-        </pc:sldMkLst>
-        <pc:spChg chg="mod">
-          <ac:chgData name="Nadia-Simona Comanici" userId="5c8d8869465da292" providerId="LiveId" clId="{EAEB6841-D4F6-4DDF-9129-8C3CE68F3649}" dt="2019-07-29T08:24:33.590" v="3688" actId="26606"/>
-          <ac:spMkLst>
-            <pc:docMk/>
-            <pc:sldMk cId="547355373" sldId="295"/>
-            <ac:spMk id="4" creationId="{B7426A78-E821-49C9-8ECF-812AD2B3FA24}"/>
-          </ac:spMkLst>
-        </pc:spChg>
-        <pc:spChg chg="mod">
-          <ac:chgData name="Nadia-Simona Comanici" userId="5c8d8869465da292" providerId="LiveId" clId="{EAEB6841-D4F6-4DDF-9129-8C3CE68F3649}" dt="2019-07-29T08:24:33.583" v="3687" actId="26606"/>
-          <ac:spMkLst>
-            <pc:docMk/>
-            <pc:sldMk cId="547355373" sldId="295"/>
-            <ac:spMk id="9" creationId="{0AD1C50B-E306-479D-8F6C-370240FE00CB}"/>
-          </ac:spMkLst>
-        </pc:spChg>
-        <pc:spChg chg="add del">
-          <ac:chgData name="Nadia-Simona Comanici" userId="5c8d8869465da292" providerId="LiveId" clId="{EAEB6841-D4F6-4DDF-9129-8C3CE68F3649}" dt="2019-07-29T08:24:33.590" v="3688" actId="26606"/>
-          <ac:spMkLst>
-            <pc:docMk/>
-            <pc:sldMk cId="547355373" sldId="295"/>
-            <ac:spMk id="15" creationId="{F3BB34A6-31BD-4BBB-A8C8-C3E81A71F41B}"/>
-          </ac:spMkLst>
-        </pc:spChg>
-        <pc:spChg chg="add del">
-          <ac:chgData name="Nadia-Simona Comanici" userId="5c8d8869465da292" providerId="LiveId" clId="{EAEB6841-D4F6-4DDF-9129-8C3CE68F3649}" dt="2019-07-29T08:24:33.583" v="3687" actId="26606"/>
-          <ac:spMkLst>
-            <pc:docMk/>
-            <pc:sldMk cId="547355373" sldId="295"/>
-            <ac:spMk id="22" creationId="{CA01913F-3FBD-4B62-92CF-D2B8A674152E}"/>
-          </ac:spMkLst>
-        </pc:spChg>
-        <pc:spChg chg="add">
-          <ac:chgData name="Nadia-Simona Comanici" userId="5c8d8869465da292" providerId="LiveId" clId="{EAEB6841-D4F6-4DDF-9129-8C3CE68F3649}" dt="2019-07-29T08:24:33.590" v="3688" actId="26606"/>
-          <ac:spMkLst>
-            <pc:docMk/>
-            <pc:sldMk cId="547355373" sldId="295"/>
-            <ac:spMk id="26" creationId="{F3BB34A6-31BD-4BBB-A8C8-C3E81A71F41B}"/>
-          </ac:spMkLst>
-        </pc:spChg>
-        <pc:spChg chg="del">
-          <ac:chgData name="Nadia-Simona Comanici" userId="5c8d8869465da292" providerId="LiveId" clId="{EAEB6841-D4F6-4DDF-9129-8C3CE68F3649}" dt="2019-07-29T08:21:57.913" v="3602"/>
-          <ac:spMkLst>
-            <pc:docMk/>
-            <pc:sldMk cId="547355373" sldId="295"/>
-            <ac:spMk id="38" creationId="{F3BB34A6-31BD-4BBB-A8C8-C3E81A71F41B}"/>
-          </ac:spMkLst>
-        </pc:spChg>
-        <pc:picChg chg="mod">
-          <ac:chgData name="Nadia-Simona Comanici" userId="5c8d8869465da292" providerId="LiveId" clId="{EAEB6841-D4F6-4DDF-9129-8C3CE68F3649}" dt="2019-07-29T08:24:33.583" v="3687" actId="26606"/>
-          <ac:picMkLst>
-            <pc:docMk/>
-            <pc:sldMk cId="547355373" sldId="295"/>
-            <ac:picMk id="10" creationId="{B9983F61-BE73-430C-9F07-DA2813F9CC5F}"/>
-          </ac:picMkLst>
-        </pc:picChg>
-        <pc:cxnChg chg="add del">
-          <ac:chgData name="Nadia-Simona Comanici" userId="5c8d8869465da292" providerId="LiveId" clId="{EAEB6841-D4F6-4DDF-9129-8C3CE68F3649}" dt="2019-07-29T08:24:33.590" v="3688" actId="26606"/>
-          <ac:cxnSpMkLst>
-            <pc:docMk/>
-            <pc:sldMk cId="547355373" sldId="295"/>
-            <ac:cxnSpMk id="17" creationId="{6FF4E9B4-BE85-45F4-8672-47D51F1401BE}"/>
-          </ac:cxnSpMkLst>
-        </pc:cxnChg>
-        <pc:cxnChg chg="add del">
-          <ac:chgData name="Nadia-Simona Comanici" userId="5c8d8869465da292" providerId="LiveId" clId="{EAEB6841-D4F6-4DDF-9129-8C3CE68F3649}" dt="2019-07-29T08:24:33.583" v="3687" actId="26606"/>
-          <ac:cxnSpMkLst>
-            <pc:docMk/>
-            <pc:sldMk cId="547355373" sldId="295"/>
-            <ac:cxnSpMk id="24" creationId="{FBB0A898-5387-4E99-A785-462A85DC0170}"/>
-          </ac:cxnSpMkLst>
-        </pc:cxnChg>
-        <pc:cxnChg chg="add">
-          <ac:chgData name="Nadia-Simona Comanici" userId="5c8d8869465da292" providerId="LiveId" clId="{EAEB6841-D4F6-4DDF-9129-8C3CE68F3649}" dt="2019-07-29T08:24:33.590" v="3688" actId="26606"/>
-          <ac:cxnSpMkLst>
-            <pc:docMk/>
-            <pc:sldMk cId="547355373" sldId="295"/>
-            <ac:cxnSpMk id="27" creationId="{6FF4E9B4-BE85-45F4-8672-47D51F1401BE}"/>
-          </ac:cxnSpMkLst>
-        </pc:cxnChg>
-        <pc:cxnChg chg="del">
-          <ac:chgData name="Nadia-Simona Comanici" userId="5c8d8869465da292" providerId="LiveId" clId="{EAEB6841-D4F6-4DDF-9129-8C3CE68F3649}" dt="2019-07-29T08:21:57.913" v="3602"/>
-          <ac:cxnSpMkLst>
-            <pc:docMk/>
-            <pc:sldMk cId="547355373" sldId="295"/>
-            <ac:cxnSpMk id="39" creationId="{6FF4E9B4-BE85-45F4-8672-47D51F1401BE}"/>
-          </ac:cxnSpMkLst>
-        </pc:cxnChg>
-      </pc:sldChg>
-      <pc:sldChg chg="addSp delSp modSp add mod setBg delDesignElem">
-        <pc:chgData name="Nadia-Simona Comanici" userId="5c8d8869465da292" providerId="LiveId" clId="{EAEB6841-D4F6-4DDF-9129-8C3CE68F3649}" dt="2019-07-29T08:24:05.981" v="3684" actId="20577"/>
-        <pc:sldMkLst>
-          <pc:docMk/>
-          <pc:sldMk cId="1300271419" sldId="296"/>
-        </pc:sldMkLst>
-        <pc:spChg chg="mod">
-          <ac:chgData name="Nadia-Simona Comanici" userId="5c8d8869465da292" providerId="LiveId" clId="{EAEB6841-D4F6-4DDF-9129-8C3CE68F3649}" dt="2019-07-29T08:24:05.981" v="3684" actId="20577"/>
-          <ac:spMkLst>
-            <pc:docMk/>
-            <pc:sldMk cId="1300271419" sldId="296"/>
-            <ac:spMk id="4" creationId="{B7426A78-E821-49C9-8ECF-812AD2B3FA24}"/>
-          </ac:spMkLst>
-        </pc:spChg>
-        <pc:spChg chg="mod">
-          <ac:chgData name="Nadia-Simona Comanici" userId="5c8d8869465da292" providerId="LiveId" clId="{EAEB6841-D4F6-4DDF-9129-8C3CE68F3649}" dt="2019-07-29T08:24:01.971" v="3677" actId="26606"/>
-          <ac:spMkLst>
-            <pc:docMk/>
-            <pc:sldMk cId="1300271419" sldId="296"/>
-            <ac:spMk id="9" creationId="{0AD1C50B-E306-479D-8F6C-370240FE00CB}"/>
-          </ac:spMkLst>
-        </pc:spChg>
-        <pc:spChg chg="add del">
-          <ac:chgData name="Nadia-Simona Comanici" userId="5c8d8869465da292" providerId="LiveId" clId="{EAEB6841-D4F6-4DDF-9129-8C3CE68F3649}" dt="2019-07-29T08:24:01.971" v="3677" actId="26606"/>
-          <ac:spMkLst>
-            <pc:docMk/>
-            <pc:sldMk cId="1300271419" sldId="296"/>
-            <ac:spMk id="12" creationId="{CA01913F-3FBD-4B62-92CF-D2B8A674152E}"/>
-          </ac:spMkLst>
-        </pc:spChg>
-        <pc:spChg chg="del">
-          <ac:chgData name="Nadia-Simona Comanici" userId="5c8d8869465da292" providerId="LiveId" clId="{EAEB6841-D4F6-4DDF-9129-8C3CE68F3649}" dt="2019-07-29T08:23:52.141" v="3675"/>
-          <ac:spMkLst>
-            <pc:docMk/>
-            <pc:sldMk cId="1300271419" sldId="296"/>
-            <ac:spMk id="15" creationId="{F3BB34A6-31BD-4BBB-A8C8-C3E81A71F41B}"/>
-          </ac:spMkLst>
-        </pc:spChg>
-        <pc:spChg chg="add">
-          <ac:chgData name="Nadia-Simona Comanici" userId="5c8d8869465da292" providerId="LiveId" clId="{EAEB6841-D4F6-4DDF-9129-8C3CE68F3649}" dt="2019-07-29T08:24:01.976" v="3678" actId="26606"/>
-          <ac:spMkLst>
-            <pc:docMk/>
-            <pc:sldMk cId="1300271419" sldId="296"/>
-            <ac:spMk id="16" creationId="{F3BB34A6-31BD-4BBB-A8C8-C3E81A71F41B}"/>
-          </ac:spMkLst>
-        </pc:spChg>
-        <pc:picChg chg="mod">
-          <ac:chgData name="Nadia-Simona Comanici" userId="5c8d8869465da292" providerId="LiveId" clId="{EAEB6841-D4F6-4DDF-9129-8C3CE68F3649}" dt="2019-07-29T08:24:01.971" v="3677" actId="26606"/>
-          <ac:picMkLst>
-            <pc:docMk/>
-            <pc:sldMk cId="1300271419" sldId="296"/>
-            <ac:picMk id="10" creationId="{B9983F61-BE73-430C-9F07-DA2813F9CC5F}"/>
-          </ac:picMkLst>
-        </pc:picChg>
-        <pc:cxnChg chg="add del">
-          <ac:chgData name="Nadia-Simona Comanici" userId="5c8d8869465da292" providerId="LiveId" clId="{EAEB6841-D4F6-4DDF-9129-8C3CE68F3649}" dt="2019-07-29T08:24:01.971" v="3677" actId="26606"/>
-          <ac:cxnSpMkLst>
-            <pc:docMk/>
-            <pc:sldMk cId="1300271419" sldId="296"/>
-            <ac:cxnSpMk id="13" creationId="{FBB0A898-5387-4E99-A785-462A85DC0170}"/>
-          </ac:cxnSpMkLst>
-        </pc:cxnChg>
-        <pc:cxnChg chg="del">
-          <ac:chgData name="Nadia-Simona Comanici" userId="5c8d8869465da292" providerId="LiveId" clId="{EAEB6841-D4F6-4DDF-9129-8C3CE68F3649}" dt="2019-07-29T08:23:52.141" v="3675"/>
-          <ac:cxnSpMkLst>
-            <pc:docMk/>
-            <pc:sldMk cId="1300271419" sldId="296"/>
-            <ac:cxnSpMk id="17" creationId="{6FF4E9B4-BE85-45F4-8672-47D51F1401BE}"/>
-          </ac:cxnSpMkLst>
-        </pc:cxnChg>
-        <pc:cxnChg chg="add">
-          <ac:chgData name="Nadia-Simona Comanici" userId="5c8d8869465da292" providerId="LiveId" clId="{EAEB6841-D4F6-4DDF-9129-8C3CE68F3649}" dt="2019-07-29T08:24:01.976" v="3678" actId="26606"/>
-          <ac:cxnSpMkLst>
-            <pc:docMk/>
-            <pc:sldMk cId="1300271419" sldId="296"/>
-            <ac:cxnSpMk id="18" creationId="{6FF4E9B4-BE85-45F4-8672-47D51F1401BE}"/>
-          </ac:cxnSpMkLst>
-        </pc:cxnChg>
-      </pc:sldChg>
-      <pc:sldChg chg="addSp delSp modSp add mod setBg delDesignElem">
-        <pc:chgData name="Nadia-Simona Comanici" userId="5c8d8869465da292" providerId="LiveId" clId="{EAEB6841-D4F6-4DDF-9129-8C3CE68F3649}" dt="2019-07-29T08:25:29.255" v="3736" actId="26606"/>
-        <pc:sldMkLst>
-          <pc:docMk/>
-          <pc:sldMk cId="2015454136" sldId="297"/>
-        </pc:sldMkLst>
-        <pc:spChg chg="mod">
-          <ac:chgData name="Nadia-Simona Comanici" userId="5c8d8869465da292" providerId="LiveId" clId="{EAEB6841-D4F6-4DDF-9129-8C3CE68F3649}" dt="2019-07-29T08:24:53.042" v="3699" actId="20577"/>
-          <ac:spMkLst>
-            <pc:docMk/>
-            <pc:sldMk cId="2015454136" sldId="297"/>
-            <ac:spMk id="4" creationId="{B7426A78-E821-49C9-8ECF-812AD2B3FA24}"/>
-          </ac:spMkLst>
-        </pc:spChg>
-        <pc:spChg chg="mod">
-          <ac:chgData name="Nadia-Simona Comanici" userId="5c8d8869465da292" providerId="LiveId" clId="{EAEB6841-D4F6-4DDF-9129-8C3CE68F3649}" dt="2019-07-29T08:25:12.257" v="3734" actId="20577"/>
-          <ac:spMkLst>
-            <pc:docMk/>
-            <pc:sldMk cId="2015454136" sldId="297"/>
-            <ac:spMk id="9" creationId="{0AD1C50B-E306-479D-8F6C-370240FE00CB}"/>
-          </ac:spMkLst>
-        </pc:spChg>
-        <pc:spChg chg="add">
-          <ac:chgData name="Nadia-Simona Comanici" userId="5c8d8869465da292" providerId="LiveId" clId="{EAEB6841-D4F6-4DDF-9129-8C3CE68F3649}" dt="2019-07-29T08:25:29.255" v="3736" actId="26606"/>
-          <ac:spMkLst>
-            <pc:docMk/>
-            <pc:sldMk cId="2015454136" sldId="297"/>
-            <ac:spMk id="15" creationId="{F3BB34A6-31BD-4BBB-A8C8-C3E81A71F41B}"/>
-          </ac:spMkLst>
-        </pc:spChg>
-        <pc:spChg chg="del">
-          <ac:chgData name="Nadia-Simona Comanici" userId="5c8d8869465da292" providerId="LiveId" clId="{EAEB6841-D4F6-4DDF-9129-8C3CE68F3649}" dt="2019-07-29T08:24:43.409" v="3690"/>
-          <ac:spMkLst>
-            <pc:docMk/>
-            <pc:sldMk cId="2015454136" sldId="297"/>
-            <ac:spMk id="16" creationId="{F3BB34A6-31BD-4BBB-A8C8-C3E81A71F41B}"/>
-          </ac:spMkLst>
-        </pc:spChg>
-        <pc:cxnChg chg="add">
-          <ac:chgData name="Nadia-Simona Comanici" userId="5c8d8869465da292" providerId="LiveId" clId="{EAEB6841-D4F6-4DDF-9129-8C3CE68F3649}" dt="2019-07-29T08:25:29.255" v="3736" actId="26606"/>
-          <ac:cxnSpMkLst>
-            <pc:docMk/>
-            <pc:sldMk cId="2015454136" sldId="297"/>
-            <ac:cxnSpMk id="17" creationId="{6FF4E9B4-BE85-45F4-8672-47D51F1401BE}"/>
-          </ac:cxnSpMkLst>
-        </pc:cxnChg>
-        <pc:cxnChg chg="del">
-          <ac:chgData name="Nadia-Simona Comanici" userId="5c8d8869465da292" providerId="LiveId" clId="{EAEB6841-D4F6-4DDF-9129-8C3CE68F3649}" dt="2019-07-29T08:24:43.409" v="3690"/>
-          <ac:cxnSpMkLst>
-            <pc:docMk/>
-            <pc:sldMk cId="2015454136" sldId="297"/>
-            <ac:cxnSpMk id="18" creationId="{6FF4E9B4-BE85-45F4-8672-47D51F1401BE}"/>
-          </ac:cxnSpMkLst>
-        </pc:cxnChg>
-      </pc:sldChg>
-      <pc:sldChg chg="addSp delSp modSp add mod setBg delDesignElem">
-        <pc:chgData name="Nadia-Simona Comanici" userId="5c8d8869465da292" providerId="LiveId" clId="{EAEB6841-D4F6-4DDF-9129-8C3CE68F3649}" dt="2019-07-29T08:26:18.028" v="3777" actId="20577"/>
-        <pc:sldMkLst>
-          <pc:docMk/>
-          <pc:sldMk cId="1569946864" sldId="298"/>
-        </pc:sldMkLst>
-        <pc:spChg chg="mod">
-          <ac:chgData name="Nadia-Simona Comanici" userId="5c8d8869465da292" providerId="LiveId" clId="{EAEB6841-D4F6-4DDF-9129-8C3CE68F3649}" dt="2019-07-29T08:25:49.974" v="3747" actId="20577"/>
-          <ac:spMkLst>
-            <pc:docMk/>
-            <pc:sldMk cId="1569946864" sldId="298"/>
-            <ac:spMk id="4" creationId="{B7426A78-E821-49C9-8ECF-812AD2B3FA24}"/>
-          </ac:spMkLst>
-        </pc:spChg>
-        <pc:spChg chg="mod">
-          <ac:chgData name="Nadia-Simona Comanici" userId="5c8d8869465da292" providerId="LiveId" clId="{EAEB6841-D4F6-4DDF-9129-8C3CE68F3649}" dt="2019-07-29T08:26:18.028" v="3777" actId="20577"/>
-          <ac:spMkLst>
-            <pc:docMk/>
-            <pc:sldMk cId="1569946864" sldId="298"/>
-            <ac:spMk id="9" creationId="{0AD1C50B-E306-479D-8F6C-370240FE00CB}"/>
-          </ac:spMkLst>
-        </pc:spChg>
-        <pc:spChg chg="add">
-          <ac:chgData name="Nadia-Simona Comanici" userId="5c8d8869465da292" providerId="LiveId" clId="{EAEB6841-D4F6-4DDF-9129-8C3CE68F3649}" dt="2019-07-29T08:25:44.028" v="3739" actId="26606"/>
-          <ac:spMkLst>
-            <pc:docMk/>
-            <pc:sldMk cId="1569946864" sldId="298"/>
-            <ac:spMk id="12" creationId="{F3BB34A6-31BD-4BBB-A8C8-C3E81A71F41B}"/>
-          </ac:spMkLst>
-        </pc:spChg>
-        <pc:spChg chg="del">
-          <ac:chgData name="Nadia-Simona Comanici" userId="5c8d8869465da292" providerId="LiveId" clId="{EAEB6841-D4F6-4DDF-9129-8C3CE68F3649}" dt="2019-07-29T08:25:39.661" v="3738"/>
-          <ac:spMkLst>
-            <pc:docMk/>
-            <pc:sldMk cId="1569946864" sldId="298"/>
-            <ac:spMk id="15" creationId="{F3BB34A6-31BD-4BBB-A8C8-C3E81A71F41B}"/>
-          </ac:spMkLst>
-        </pc:spChg>
-        <pc:cxnChg chg="add">
-          <ac:chgData name="Nadia-Simona Comanici" userId="5c8d8869465da292" providerId="LiveId" clId="{EAEB6841-D4F6-4DDF-9129-8C3CE68F3649}" dt="2019-07-29T08:25:44.028" v="3739" actId="26606"/>
-          <ac:cxnSpMkLst>
-            <pc:docMk/>
-            <pc:sldMk cId="1569946864" sldId="298"/>
-            <ac:cxnSpMk id="13" creationId="{6FF4E9B4-BE85-45F4-8672-47D51F1401BE}"/>
-          </ac:cxnSpMkLst>
-        </pc:cxnChg>
-        <pc:cxnChg chg="del">
-          <ac:chgData name="Nadia-Simona Comanici" userId="5c8d8869465da292" providerId="LiveId" clId="{EAEB6841-D4F6-4DDF-9129-8C3CE68F3649}" dt="2019-07-29T08:25:39.661" v="3738"/>
-          <ac:cxnSpMkLst>
-            <pc:docMk/>
-            <pc:sldMk cId="1569946864" sldId="298"/>
-            <ac:cxnSpMk id="17" creationId="{6FF4E9B4-BE85-45F4-8672-47D51F1401BE}"/>
-          </ac:cxnSpMkLst>
-        </pc:cxnChg>
-      </pc:sldChg>
-      <pc:sldChg chg="addSp delSp modSp add mod ord setBg delDesignElem">
-        <pc:chgData name="Nadia-Simona Comanici" userId="5c8d8869465da292" providerId="LiveId" clId="{EAEB6841-D4F6-4DDF-9129-8C3CE68F3649}" dt="2019-07-29T09:18:27.825" v="5048"/>
-        <pc:sldMkLst>
-          <pc:docMk/>
-          <pc:sldMk cId="2614074164" sldId="299"/>
-        </pc:sldMkLst>
-        <pc:spChg chg="mod">
-          <ac:chgData name="Nadia-Simona Comanici" userId="5c8d8869465da292" providerId="LiveId" clId="{EAEB6841-D4F6-4DDF-9129-8C3CE68F3649}" dt="2019-07-29T08:27:07.046" v="3786" actId="20577"/>
-          <ac:spMkLst>
-            <pc:docMk/>
-            <pc:sldMk cId="2614074164" sldId="299"/>
-            <ac:spMk id="4" creationId="{B7426A78-E821-49C9-8ECF-812AD2B3FA24}"/>
-          </ac:spMkLst>
-        </pc:spChg>
-        <pc:spChg chg="mod">
-          <ac:chgData name="Nadia-Simona Comanici" userId="5c8d8869465da292" providerId="LiveId" clId="{EAEB6841-D4F6-4DDF-9129-8C3CE68F3649}" dt="2019-07-29T08:28:42.934" v="3808" actId="26606"/>
-          <ac:spMkLst>
-            <pc:docMk/>
-            <pc:sldMk cId="2614074164" sldId="299"/>
-            <ac:spMk id="9" creationId="{0AD1C50B-E306-479D-8F6C-370240FE00CB}"/>
-          </ac:spMkLst>
-        </pc:spChg>
-        <pc:spChg chg="del">
-          <ac:chgData name="Nadia-Simona Comanici" userId="5c8d8869465da292" providerId="LiveId" clId="{EAEB6841-D4F6-4DDF-9129-8C3CE68F3649}" dt="2019-07-29T08:27:00.645" v="3780"/>
-          <ac:spMkLst>
-            <pc:docMk/>
-            <pc:sldMk cId="2614074164" sldId="299"/>
-            <ac:spMk id="12" creationId="{F3BB34A6-31BD-4BBB-A8C8-C3E81A71F41B}"/>
-          </ac:spMkLst>
-        </pc:spChg>
-        <pc:spChg chg="add">
-          <ac:chgData name="Nadia-Simona Comanici" userId="5c8d8869465da292" providerId="LiveId" clId="{EAEB6841-D4F6-4DDF-9129-8C3CE68F3649}" dt="2019-07-29T08:28:42.934" v="3808" actId="26606"/>
-          <ac:spMkLst>
-            <pc:docMk/>
-            <pc:sldMk cId="2614074164" sldId="299"/>
-            <ac:spMk id="15" creationId="{F3BB34A6-31BD-4BBB-A8C8-C3E81A71F41B}"/>
-          </ac:spMkLst>
-        </pc:spChg>
-        <pc:grpChg chg="add del mod">
-          <ac:chgData name="Nadia-Simona Comanici" userId="5c8d8869465da292" providerId="LiveId" clId="{EAEB6841-D4F6-4DDF-9129-8C3CE68F3649}" dt="2019-07-29T08:59:59.627" v="4380"/>
-          <ac:grpSpMkLst>
-            <pc:docMk/>
-            <pc:sldMk cId="2614074164" sldId="299"/>
-            <ac:grpSpMk id="11" creationId="{A5DC68A4-7E5A-4868-9592-BAC70168A2E4}"/>
-          </ac:grpSpMkLst>
-        </pc:grpChg>
-        <pc:cxnChg chg="del">
-          <ac:chgData name="Nadia-Simona Comanici" userId="5c8d8869465da292" providerId="LiveId" clId="{EAEB6841-D4F6-4DDF-9129-8C3CE68F3649}" dt="2019-07-29T08:27:00.645" v="3780"/>
-          <ac:cxnSpMkLst>
-            <pc:docMk/>
-            <pc:sldMk cId="2614074164" sldId="299"/>
-            <ac:cxnSpMk id="13" creationId="{6FF4E9B4-BE85-45F4-8672-47D51F1401BE}"/>
-          </ac:cxnSpMkLst>
-        </pc:cxnChg>
-        <pc:cxnChg chg="add">
-          <ac:chgData name="Nadia-Simona Comanici" userId="5c8d8869465da292" providerId="LiveId" clId="{EAEB6841-D4F6-4DDF-9129-8C3CE68F3649}" dt="2019-07-29T08:28:42.934" v="3808" actId="26606"/>
-          <ac:cxnSpMkLst>
-            <pc:docMk/>
-            <pc:sldMk cId="2614074164" sldId="299"/>
-            <ac:cxnSpMk id="17" creationId="{6FF4E9B4-BE85-45F4-8672-47D51F1401BE}"/>
-          </ac:cxnSpMkLst>
-        </pc:cxnChg>
-      </pc:sldChg>
-      <pc:sldChg chg="addSp delSp modSp add mod setBg">
-        <pc:chgData name="Nadia-Simona Comanici" userId="5c8d8869465da292" providerId="LiveId" clId="{EAEB6841-D4F6-4DDF-9129-8C3CE68F3649}" dt="2019-07-29T08:50:10.581" v="4096"/>
-        <pc:sldMkLst>
-          <pc:docMk/>
-          <pc:sldMk cId="3077045131" sldId="300"/>
-        </pc:sldMkLst>
-        <pc:spChg chg="mod">
-          <ac:chgData name="Nadia-Simona Comanici" userId="5c8d8869465da292" providerId="LiveId" clId="{EAEB6841-D4F6-4DDF-9129-8C3CE68F3649}" dt="2019-07-29T08:28:49.324" v="3813" actId="20577"/>
-          <ac:spMkLst>
-            <pc:docMk/>
-            <pc:sldMk cId="3077045131" sldId="300"/>
-            <ac:spMk id="4" creationId="{B7426A78-E821-49C9-8ECF-812AD2B3FA24}"/>
-          </ac:spMkLst>
-        </pc:spChg>
-        <pc:spChg chg="mod">
-          <ac:chgData name="Nadia-Simona Comanici" userId="5c8d8869465da292" providerId="LiveId" clId="{EAEB6841-D4F6-4DDF-9129-8C3CE68F3649}" dt="2019-07-29T08:29:13.765" v="3852" actId="20577"/>
-          <ac:spMkLst>
-            <pc:docMk/>
-            <pc:sldMk cId="3077045131" sldId="300"/>
-            <ac:spMk id="9" creationId="{0AD1C50B-E306-479D-8F6C-370240FE00CB}"/>
-          </ac:spMkLst>
-        </pc:spChg>
-        <pc:spChg chg="add">
-          <ac:chgData name="Nadia-Simona Comanici" userId="5c8d8869465da292" providerId="LiveId" clId="{EAEB6841-D4F6-4DDF-9129-8C3CE68F3649}" dt="2019-07-29T08:28:45.326" v="3809" actId="26606"/>
-          <ac:spMkLst>
-            <pc:docMk/>
-            <pc:sldMk cId="3077045131" sldId="300"/>
-            <ac:spMk id="15" creationId="{F3BB34A6-31BD-4BBB-A8C8-C3E81A71F41B}"/>
-          </ac:spMkLst>
-        </pc:spChg>
-        <pc:grpChg chg="add del mod">
-          <ac:chgData name="Nadia-Simona Comanici" userId="5c8d8869465da292" providerId="LiveId" clId="{EAEB6841-D4F6-4DDF-9129-8C3CE68F3649}" dt="2019-07-29T08:50:10.581" v="4096"/>
-          <ac:grpSpMkLst>
-            <pc:docMk/>
-            <pc:sldMk cId="3077045131" sldId="300"/>
-            <ac:grpSpMk id="7" creationId="{960D1206-0289-424E-B90E-724FA487C5F0}"/>
-          </ac:grpSpMkLst>
-        </pc:grpChg>
-        <pc:cxnChg chg="add">
-          <ac:chgData name="Nadia-Simona Comanici" userId="5c8d8869465da292" providerId="LiveId" clId="{EAEB6841-D4F6-4DDF-9129-8C3CE68F3649}" dt="2019-07-29T08:28:45.326" v="3809" actId="26606"/>
-          <ac:cxnSpMkLst>
-            <pc:docMk/>
-            <pc:sldMk cId="3077045131" sldId="300"/>
-            <ac:cxnSpMk id="17" creationId="{6FF4E9B4-BE85-45F4-8672-47D51F1401BE}"/>
-          </ac:cxnSpMkLst>
-        </pc:cxnChg>
-      </pc:sldChg>
-      <pc:sldChg chg="add del">
-        <pc:chgData name="Nadia-Simona Comanici" userId="5c8d8869465da292" providerId="LiveId" clId="{EAEB6841-D4F6-4DDF-9129-8C3CE68F3649}" dt="2019-07-29T08:31:41.312" v="3856"/>
-        <pc:sldMkLst>
-          <pc:docMk/>
-          <pc:sldMk cId="2706777750" sldId="301"/>
-        </pc:sldMkLst>
-      </pc:sldChg>
-      <pc:sldChg chg="addSp delSp modSp add">
-        <pc:chgData name="Nadia-Simona Comanici" userId="5c8d8869465da292" providerId="LiveId" clId="{EAEB6841-D4F6-4DDF-9129-8C3CE68F3649}" dt="2019-07-29T09:18:06.709" v="5047" actId="20577"/>
-        <pc:sldMkLst>
-          <pc:docMk/>
-          <pc:sldMk cId="2890196899" sldId="301"/>
-        </pc:sldMkLst>
-        <pc:spChg chg="mod">
-          <ac:chgData name="Nadia-Simona Comanici" userId="5c8d8869465da292" providerId="LiveId" clId="{EAEB6841-D4F6-4DDF-9129-8C3CE68F3649}" dt="2019-07-29T09:06:45.538" v="4496" actId="1076"/>
-          <ac:spMkLst>
-            <pc:docMk/>
-            <pc:sldMk cId="2890196899" sldId="301"/>
-            <ac:spMk id="2" creationId="{E2F58E10-F10D-4D66-86AA-BC2AB458CA80}"/>
-          </ac:spMkLst>
-        </pc:spChg>
-        <pc:spChg chg="mod">
-          <ac:chgData name="Nadia-Simona Comanici" userId="5c8d8869465da292" providerId="LiveId" clId="{EAEB6841-D4F6-4DDF-9129-8C3CE68F3649}" dt="2019-07-29T09:18:06.709" v="5047" actId="20577"/>
-          <ac:spMkLst>
-            <pc:docMk/>
-            <pc:sldMk cId="2890196899" sldId="301"/>
-            <ac:spMk id="3" creationId="{19E5AC56-5F4F-4DD3-8C22-65E2C271CF94}"/>
-          </ac:spMkLst>
-        </pc:spChg>
-        <pc:spChg chg="add mod">
-          <ac:chgData name="Nadia-Simona Comanici" userId="5c8d8869465da292" providerId="LiveId" clId="{EAEB6841-D4F6-4DDF-9129-8C3CE68F3649}" dt="2019-07-29T08:41:17.473" v="4010" actId="164"/>
-          <ac:spMkLst>
-            <pc:docMk/>
-            <pc:sldMk cId="2890196899" sldId="301"/>
-            <ac:spMk id="5" creationId="{37B7C817-E053-40C7-B49A-EDF359206E5C}"/>
-          </ac:spMkLst>
-        </pc:spChg>
-        <pc:spChg chg="add mod">
-          <ac:chgData name="Nadia-Simona Comanici" userId="5c8d8869465da292" providerId="LiveId" clId="{EAEB6841-D4F6-4DDF-9129-8C3CE68F3649}" dt="2019-07-29T08:41:17.473" v="4010" actId="164"/>
-          <ac:spMkLst>
-            <pc:docMk/>
-            <pc:sldMk cId="2890196899" sldId="301"/>
-            <ac:spMk id="6" creationId="{69849B1F-837D-48C3-9AD3-4D5E82C54F4C}"/>
-          </ac:spMkLst>
-        </pc:spChg>
-        <pc:spChg chg="mod">
-          <ac:chgData name="Nadia-Simona Comanici" userId="5c8d8869465da292" providerId="LiveId" clId="{EAEB6841-D4F6-4DDF-9129-8C3CE68F3649}" dt="2019-07-29T09:07:39.224" v="4519" actId="14100"/>
-          <ac:spMkLst>
-            <pc:docMk/>
-            <pc:sldMk cId="2890196899" sldId="301"/>
-            <ac:spMk id="14" creationId="{701BA09E-ED2C-4025-B4ED-6B6CEE33ADEC}"/>
-          </ac:spMkLst>
-        </pc:spChg>
-        <pc:spChg chg="mod">
-          <ac:chgData name="Nadia-Simona Comanici" userId="5c8d8869465da292" providerId="LiveId" clId="{EAEB6841-D4F6-4DDF-9129-8C3CE68F3649}" dt="2019-07-29T09:07:08.756" v="4508" actId="14100"/>
-          <ac:spMkLst>
-            <pc:docMk/>
-            <pc:sldMk cId="2890196899" sldId="301"/>
-            <ac:spMk id="15" creationId="{8773DF31-9559-4002-A157-7CEE96A34C7C}"/>
-          </ac:spMkLst>
-        </pc:spChg>
-        <pc:spChg chg="del mod">
-          <ac:chgData name="Nadia-Simona Comanici" userId="5c8d8869465da292" providerId="LiveId" clId="{EAEB6841-D4F6-4DDF-9129-8C3CE68F3649}" dt="2019-07-29T09:06:59.707" v="4504" actId="478"/>
-          <ac:spMkLst>
-            <pc:docMk/>
-            <pc:sldMk cId="2890196899" sldId="301"/>
-            <ac:spMk id="16" creationId="{7E78CFD7-313B-49F3-B858-70B9C954689E}"/>
-          </ac:spMkLst>
-        </pc:spChg>
-        <pc:spChg chg="mod">
-          <ac:chgData name="Nadia-Simona Comanici" userId="5c8d8869465da292" providerId="LiveId" clId="{EAEB6841-D4F6-4DDF-9129-8C3CE68F3649}" dt="2019-07-29T09:07:23.437" v="4513" actId="1076"/>
-          <ac:spMkLst>
-            <pc:docMk/>
-            <pc:sldMk cId="2890196899" sldId="301"/>
-            <ac:spMk id="17" creationId="{7B4C17E2-F844-429C-BF39-9E85582D8116}"/>
-          </ac:spMkLst>
-        </pc:spChg>
-        <pc:spChg chg="mod">
-          <ac:chgData name="Nadia-Simona Comanici" userId="5c8d8869465da292" providerId="LiveId" clId="{EAEB6841-D4F6-4DDF-9129-8C3CE68F3649}" dt="2019-07-29T09:06:54.975" v="4501"/>
-          <ac:spMkLst>
-            <pc:docMk/>
-            <pc:sldMk cId="2890196899" sldId="301"/>
-            <ac:spMk id="21" creationId="{96B3C1B8-D744-47D4-B1BB-39D9B612ADA3}"/>
-          </ac:spMkLst>
-        </pc:spChg>
-        <pc:spChg chg="mod">
-          <ac:chgData name="Nadia-Simona Comanici" userId="5c8d8869465da292" providerId="LiveId" clId="{EAEB6841-D4F6-4DDF-9129-8C3CE68F3649}" dt="2019-07-29T09:07:10.353" v="4509"/>
-          <ac:spMkLst>
-            <pc:docMk/>
-            <pc:sldMk cId="2890196899" sldId="301"/>
-            <ac:spMk id="22" creationId="{901513C8-41C2-4452-A620-5C6DF08DEB6B}"/>
-          </ac:spMkLst>
-        </pc:spChg>
-        <pc:grpChg chg="add del mod">
-          <ac:chgData name="Nadia-Simona Comanici" userId="5c8d8869465da292" providerId="LiveId" clId="{EAEB6841-D4F6-4DDF-9129-8C3CE68F3649}" dt="2019-07-29T09:06:46.781" v="4497"/>
-          <ac:grpSpMkLst>
-            <pc:docMk/>
-            <pc:sldMk cId="2890196899" sldId="301"/>
-            <ac:grpSpMk id="12" creationId="{1017774A-9D00-4EA9-8878-B96E9179BBCF}"/>
-          </ac:grpSpMkLst>
-        </pc:grpChg>
-        <pc:grpChg chg="add mod">
-          <ac:chgData name="Nadia-Simona Comanici" userId="5c8d8869465da292" providerId="LiveId" clId="{EAEB6841-D4F6-4DDF-9129-8C3CE68F3649}" dt="2019-07-29T09:07:42.224" v="4520" actId="1076"/>
-          <ac:grpSpMkLst>
-            <pc:docMk/>
-            <pc:sldMk cId="2890196899" sldId="301"/>
-            <ac:grpSpMk id="13" creationId="{C20999BD-C9DA-4093-BBDD-6582EE2BD65D}"/>
-          </ac:grpSpMkLst>
-        </pc:grpChg>
-        <pc:grpChg chg="add del mod">
-          <ac:chgData name="Nadia-Simona Comanici" userId="5c8d8869465da292" providerId="LiveId" clId="{EAEB6841-D4F6-4DDF-9129-8C3CE68F3649}" dt="2019-07-29T09:07:18.593" v="4512" actId="478"/>
-          <ac:grpSpMkLst>
-            <pc:docMk/>
-            <pc:sldMk cId="2890196899" sldId="301"/>
-            <ac:grpSpMk id="20" creationId="{2DCA2635-DCC1-4C56-88A4-F4F8939DFECC}"/>
-          </ac:grpSpMkLst>
-        </pc:grpChg>
-        <pc:picChg chg="add mod">
-          <ac:chgData name="Nadia-Simona Comanici" userId="5c8d8869465da292" providerId="LiveId" clId="{EAEB6841-D4F6-4DDF-9129-8C3CE68F3649}" dt="2019-07-29T08:40:30.645" v="3981" actId="1076"/>
-          <ac:picMkLst>
-            <pc:docMk/>
-            <pc:sldMk cId="2890196899" sldId="301"/>
-            <ac:picMk id="4" creationId="{A51A288B-ADFB-411D-B823-EDA46C9F51FB}"/>
-          </ac:picMkLst>
-        </pc:picChg>
-        <pc:cxnChg chg="add mod">
-          <ac:chgData name="Nadia-Simona Comanici" userId="5c8d8869465da292" providerId="LiveId" clId="{EAEB6841-D4F6-4DDF-9129-8C3CE68F3649}" dt="2019-07-29T08:41:17.473" v="4010" actId="164"/>
-          <ac:cxnSpMkLst>
-            <pc:docMk/>
-            <pc:sldMk cId="2890196899" sldId="301"/>
-            <ac:cxnSpMk id="8" creationId="{65F21A11-CB26-4168-9027-E2F38E2DD91A}"/>
-          </ac:cxnSpMkLst>
-        </pc:cxnChg>
-        <pc:cxnChg chg="del mod">
-          <ac:chgData name="Nadia-Simona Comanici" userId="5c8d8869465da292" providerId="LiveId" clId="{EAEB6841-D4F6-4DDF-9129-8C3CE68F3649}" dt="2019-07-29T09:07:01.026" v="4505" actId="478"/>
-          <ac:cxnSpMkLst>
-            <pc:docMk/>
-            <pc:sldMk cId="2890196899" sldId="301"/>
-            <ac:cxnSpMk id="18" creationId="{35A98C6D-1895-47E3-9B6D-BFCB87C83AC8}"/>
-          </ac:cxnSpMkLst>
-        </pc:cxnChg>
-        <pc:cxnChg chg="mod">
-          <ac:chgData name="Nadia-Simona Comanici" userId="5c8d8869465da292" providerId="LiveId" clId="{EAEB6841-D4F6-4DDF-9129-8C3CE68F3649}" dt="2019-07-29T09:07:23.437" v="4513" actId="1076"/>
-          <ac:cxnSpMkLst>
-            <pc:docMk/>
-            <pc:sldMk cId="2890196899" sldId="301"/>
-            <ac:cxnSpMk id="19" creationId="{62BA32AC-7E44-4521-93EA-9B96725C593C}"/>
-          </ac:cxnSpMkLst>
-        </pc:cxnChg>
-        <pc:cxnChg chg="mod">
-          <ac:chgData name="Nadia-Simona Comanici" userId="5c8d8869465da292" providerId="LiveId" clId="{EAEB6841-D4F6-4DDF-9129-8C3CE68F3649}" dt="2019-07-29T09:07:18.593" v="4512" actId="478"/>
-          <ac:cxnSpMkLst>
-            <pc:docMk/>
-            <pc:sldMk cId="2890196899" sldId="301"/>
-            <ac:cxnSpMk id="23" creationId="{9C2BE19F-B3C0-46A4-A847-A7C972F40186}"/>
-          </ac:cxnSpMkLst>
-        </pc:cxnChg>
-      </pc:sldChg>
-      <pc:sldChg chg="addSp delSp modSp add">
-        <pc:chgData name="Nadia-Simona Comanici" userId="5c8d8869465da292" providerId="LiveId" clId="{EAEB6841-D4F6-4DDF-9129-8C3CE68F3649}" dt="2019-07-29T09:09:14.912" v="4588" actId="313"/>
-        <pc:sldMkLst>
-          <pc:docMk/>
-          <pc:sldMk cId="3483065293" sldId="302"/>
-        </pc:sldMkLst>
-        <pc:spChg chg="mod">
-          <ac:chgData name="Nadia-Simona Comanici" userId="5c8d8869465da292" providerId="LiveId" clId="{EAEB6841-D4F6-4DDF-9129-8C3CE68F3649}" dt="2019-07-29T09:09:14.912" v="4588" actId="313"/>
-          <ac:spMkLst>
-            <pc:docMk/>
-            <pc:sldMk cId="3483065293" sldId="302"/>
-            <ac:spMk id="2" creationId="{E2F58E10-F10D-4D66-86AA-BC2AB458CA80}"/>
-          </ac:spMkLst>
-        </pc:spChg>
-        <pc:spChg chg="mod">
-          <ac:chgData name="Nadia-Simona Comanici" userId="5c8d8869465da292" providerId="LiveId" clId="{EAEB6841-D4F6-4DDF-9129-8C3CE68F3649}" dt="2019-07-29T08:48:20.931" v="4063" actId="1076"/>
-          <ac:spMkLst>
-            <pc:docMk/>
-            <pc:sldMk cId="3483065293" sldId="302"/>
-            <ac:spMk id="3" creationId="{19E5AC56-5F4F-4DD3-8C22-65E2C271CF94}"/>
-          </ac:spMkLst>
-        </pc:spChg>
-        <pc:spChg chg="mod">
-          <ac:chgData name="Nadia-Simona Comanici" userId="5c8d8869465da292" providerId="LiveId" clId="{EAEB6841-D4F6-4DDF-9129-8C3CE68F3649}" dt="2019-07-29T09:04:41.809" v="4451" actId="20577"/>
-          <ac:spMkLst>
-            <pc:docMk/>
-            <pc:sldMk cId="3483065293" sldId="302"/>
-            <ac:spMk id="13" creationId="{0EFE2969-1C6B-47BB-AF11-7DCEFE48A1FA}"/>
-          </ac:spMkLst>
-        </pc:spChg>
-        <pc:spChg chg="mod">
-          <ac:chgData name="Nadia-Simona Comanici" userId="5c8d8869465da292" providerId="LiveId" clId="{EAEB6841-D4F6-4DDF-9129-8C3CE68F3649}" dt="2019-07-29T09:05:08.670" v="4466" actId="20577"/>
-          <ac:spMkLst>
-            <pc:docMk/>
-            <pc:sldMk cId="3483065293" sldId="302"/>
-            <ac:spMk id="19" creationId="{A999FFD4-67EE-4EF5-8856-B210C4A242BA}"/>
-          </ac:spMkLst>
-        </pc:spChg>
-        <pc:spChg chg="mod">
-          <ac:chgData name="Nadia-Simona Comanici" userId="5c8d8869465da292" providerId="LiveId" clId="{EAEB6841-D4F6-4DDF-9129-8C3CE68F3649}" dt="2019-07-29T09:05:12.483" v="4471" actId="20577"/>
-          <ac:spMkLst>
-            <pc:docMk/>
-            <pc:sldMk cId="3483065293" sldId="302"/>
-            <ac:spMk id="20" creationId="{CE541915-AE65-43E2-93B0-6AC75524E5A6}"/>
-          </ac:spMkLst>
-        </pc:spChg>
-        <pc:spChg chg="mod">
-          <ac:chgData name="Nadia-Simona Comanici" userId="5c8d8869465da292" providerId="LiveId" clId="{EAEB6841-D4F6-4DDF-9129-8C3CE68F3649}" dt="2019-07-29T09:05:19.897" v="4478" actId="20577"/>
-          <ac:spMkLst>
-            <pc:docMk/>
-            <pc:sldMk cId="3483065293" sldId="302"/>
-            <ac:spMk id="21" creationId="{84A71EBE-40E8-4A14-986C-307F402E6F25}"/>
-          </ac:spMkLst>
-        </pc:spChg>
-        <pc:grpChg chg="add del mod">
-          <ac:chgData name="Nadia-Simona Comanici" userId="5c8d8869465da292" providerId="LiveId" clId="{EAEB6841-D4F6-4DDF-9129-8C3CE68F3649}" dt="2019-07-29T09:05:01.469" v="4458" actId="478"/>
-          <ac:grpSpMkLst>
-            <pc:docMk/>
-            <pc:sldMk cId="3483065293" sldId="302"/>
-            <ac:grpSpMk id="10" creationId="{6F9BD502-2CBC-49A1-9E83-46C9676E160F}"/>
-          </ac:grpSpMkLst>
-        </pc:grpChg>
-        <pc:grpChg chg="del">
-          <ac:chgData name="Nadia-Simona Comanici" userId="5c8d8869465da292" providerId="LiveId" clId="{EAEB6841-D4F6-4DDF-9129-8C3CE68F3649}" dt="2019-07-29T08:47:17.187" v="4013" actId="478"/>
-          <ac:grpSpMkLst>
-            <pc:docMk/>
-            <pc:sldMk cId="3483065293" sldId="302"/>
-            <ac:grpSpMk id="12" creationId="{1017774A-9D00-4EA9-8878-B96E9179BBCF}"/>
-          </ac:grpSpMkLst>
-        </pc:grpChg>
-        <pc:grpChg chg="add mod">
-          <ac:chgData name="Nadia-Simona Comanici" userId="5c8d8869465da292" providerId="LiveId" clId="{EAEB6841-D4F6-4DDF-9129-8C3CE68F3649}" dt="2019-07-29T09:05:42.084" v="4483" actId="1076"/>
-          <ac:grpSpMkLst>
-            <pc:docMk/>
-            <pc:sldMk cId="3483065293" sldId="302"/>
-            <ac:grpSpMk id="17" creationId="{94C53B67-E81F-49B1-854F-25A1CC7739AD}"/>
-          </ac:grpSpMkLst>
-        </pc:grpChg>
-        <pc:grpChg chg="add del">
-          <ac:chgData name="Nadia-Simona Comanici" userId="5c8d8869465da292" providerId="LiveId" clId="{EAEB6841-D4F6-4DDF-9129-8C3CE68F3649}" dt="2019-07-29T09:05:44.194" v="4484" actId="478"/>
-          <ac:grpSpMkLst>
-            <pc:docMk/>
-            <pc:sldMk cId="3483065293" sldId="302"/>
-            <ac:grpSpMk id="24" creationId="{8ADE77E3-6CBA-4C72-842C-CA79C3C1063C}"/>
-          </ac:grpSpMkLst>
-        </pc:grpChg>
-        <pc:picChg chg="del">
-          <ac:chgData name="Nadia-Simona Comanici" userId="5c8d8869465da292" providerId="LiveId" clId="{EAEB6841-D4F6-4DDF-9129-8C3CE68F3649}" dt="2019-07-29T08:47:16.444" v="4012" actId="478"/>
-          <ac:picMkLst>
-            <pc:docMk/>
-            <pc:sldMk cId="3483065293" sldId="302"/>
-            <ac:picMk id="4" creationId="{A51A288B-ADFB-411D-B823-EDA46C9F51FB}"/>
-          </ac:picMkLst>
-        </pc:picChg>
-        <pc:picChg chg="add mod">
-          <ac:chgData name="Nadia-Simona Comanici" userId="5c8d8869465da292" providerId="LiveId" clId="{EAEB6841-D4F6-4DDF-9129-8C3CE68F3649}" dt="2019-07-29T09:06:10.782" v="4489" actId="1076"/>
-          <ac:picMkLst>
-            <pc:docMk/>
-            <pc:sldMk cId="3483065293" sldId="302"/>
-            <ac:picMk id="2050" creationId="{5E2D3702-B2F1-4B1C-8C22-749E8E8B9F20}"/>
-          </ac:picMkLst>
-        </pc:picChg>
-        <pc:cxnChg chg="mod">
-          <ac:chgData name="Nadia-Simona Comanici" userId="5c8d8869465da292" providerId="LiveId" clId="{EAEB6841-D4F6-4DDF-9129-8C3CE68F3649}" dt="2019-07-29T08:47:17.187" v="4013" actId="478"/>
-          <ac:cxnSpMkLst>
-            <pc:docMk/>
-            <pc:sldMk cId="3483065293" sldId="302"/>
-            <ac:cxnSpMk id="8" creationId="{65F21A11-CB26-4168-9027-E2F38E2DD91A}"/>
-          </ac:cxnSpMkLst>
-        </pc:cxnChg>
-        <pc:cxnChg chg="mod">
-          <ac:chgData name="Nadia-Simona Comanici" userId="5c8d8869465da292" providerId="LiveId" clId="{EAEB6841-D4F6-4DDF-9129-8C3CE68F3649}" dt="2019-07-29T09:05:01.469" v="4458" actId="478"/>
-          <ac:cxnSpMkLst>
-            <pc:docMk/>
-            <pc:sldMk cId="3483065293" sldId="302"/>
-            <ac:cxnSpMk id="16" creationId="{8096621F-129C-412C-B08A-7188D3FAC94E}"/>
-          </ac:cxnSpMkLst>
-        </pc:cxnChg>
-        <pc:cxnChg chg="mod">
-          <ac:chgData name="Nadia-Simona Comanici" userId="5c8d8869465da292" providerId="LiveId" clId="{EAEB6841-D4F6-4DDF-9129-8C3CE68F3649}" dt="2019-07-29T09:05:44.194" v="4484" actId="478"/>
-          <ac:cxnSpMkLst>
-            <pc:docMk/>
-            <pc:sldMk cId="3483065293" sldId="302"/>
-            <ac:cxnSpMk id="29" creationId="{85ED0067-A605-4CA3-BF3D-28F09F45ABF8}"/>
-          </ac:cxnSpMkLst>
-        </pc:cxnChg>
-        <pc:cxnChg chg="mod">
-          <ac:chgData name="Nadia-Simona Comanici" userId="5c8d8869465da292" providerId="LiveId" clId="{EAEB6841-D4F6-4DDF-9129-8C3CE68F3649}" dt="2019-07-29T09:05:44.194" v="4484" actId="478"/>
-          <ac:cxnSpMkLst>
-            <pc:docMk/>
-            <pc:sldMk cId="3483065293" sldId="302"/>
-            <ac:cxnSpMk id="30" creationId="{48852926-2E73-4302-BB95-F40E8712CB38}"/>
-          </ac:cxnSpMkLst>
-        </pc:cxnChg>
-      </pc:sldChg>
-      <pc:sldChg chg="delSp modSp add del">
-        <pc:chgData name="Nadia-Simona Comanici" userId="5c8d8869465da292" providerId="LiveId" clId="{EAEB6841-D4F6-4DDF-9129-8C3CE68F3649}" dt="2019-07-29T09:18:41.166" v="5049" actId="2696"/>
-        <pc:sldMkLst>
-          <pc:docMk/>
-          <pc:sldMk cId="1966161801" sldId="303"/>
-        </pc:sldMkLst>
-        <pc:spChg chg="mod">
-          <ac:chgData name="Nadia-Simona Comanici" userId="5c8d8869465da292" providerId="LiveId" clId="{EAEB6841-D4F6-4DDF-9129-8C3CE68F3649}" dt="2019-07-29T08:48:42.681" v="4077" actId="20577"/>
-          <ac:spMkLst>
-            <pc:docMk/>
-            <pc:sldMk cId="1966161801" sldId="303"/>
-            <ac:spMk id="2" creationId="{0843975C-814D-44D1-8D40-9808AB4C6DFD}"/>
-          </ac:spMkLst>
-        </pc:spChg>
-        <pc:spChg chg="del">
-          <ac:chgData name="Nadia-Simona Comanici" userId="5c8d8869465da292" providerId="LiveId" clId="{EAEB6841-D4F6-4DDF-9129-8C3CE68F3649}" dt="2019-07-29T08:48:55.792" v="4078" actId="478"/>
-          <ac:spMkLst>
-            <pc:docMk/>
-            <pc:sldMk cId="1966161801" sldId="303"/>
-            <ac:spMk id="3" creationId="{1237A68A-132D-43FC-80A3-60FC17AABD43}"/>
-          </ac:spMkLst>
-        </pc:spChg>
-      </pc:sldChg>
-      <pc:sldChg chg="addSp delSp modSp add">
-        <pc:chgData name="Nadia-Simona Comanici" userId="5c8d8869465da292" providerId="LiveId" clId="{EAEB6841-D4F6-4DDF-9129-8C3CE68F3649}" dt="2019-07-29T09:19:03.448" v="5053" actId="13822"/>
-        <pc:sldMkLst>
-          <pc:docMk/>
-          <pc:sldMk cId="2003206578" sldId="304"/>
-        </pc:sldMkLst>
-        <pc:spChg chg="mod">
-          <ac:chgData name="Nadia-Simona Comanici" userId="5c8d8869465da292" providerId="LiveId" clId="{EAEB6841-D4F6-4DDF-9129-8C3CE68F3649}" dt="2019-07-29T08:53:33.549" v="4302" actId="20577"/>
-          <ac:spMkLst>
-            <pc:docMk/>
-            <pc:sldMk cId="2003206578" sldId="304"/>
-            <ac:spMk id="2" creationId="{221B22FE-387E-452E-B67B-A5467F92E430}"/>
-          </ac:spMkLst>
-        </pc:spChg>
-        <pc:spChg chg="mod topLvl">
-          <ac:chgData name="Nadia-Simona Comanici" userId="5c8d8869465da292" providerId="LiveId" clId="{EAEB6841-D4F6-4DDF-9129-8C3CE68F3649}" dt="2019-07-29T08:53:06.066" v="4287" actId="164"/>
-          <ac:spMkLst>
-            <pc:docMk/>
-            <pc:sldMk cId="2003206578" sldId="304"/>
-            <ac:spMk id="3" creationId="{3D112C76-C9F0-4D2C-9439-0559634CCD04}"/>
-          </ac:spMkLst>
-        </pc:spChg>
-        <pc:spChg chg="mod topLvl">
-          <ac:chgData name="Nadia-Simona Comanici" userId="5c8d8869465da292" providerId="LiveId" clId="{EAEB6841-D4F6-4DDF-9129-8C3CE68F3649}" dt="2019-07-29T08:53:06.066" v="4287" actId="164"/>
-          <ac:spMkLst>
-            <pc:docMk/>
-            <pc:sldMk cId="2003206578" sldId="304"/>
-            <ac:spMk id="4" creationId="{5A5B879C-3D72-4EB0-965A-D8338D82E158}"/>
-          </ac:spMkLst>
-        </pc:spChg>
-        <pc:spChg chg="mod topLvl">
-          <ac:chgData name="Nadia-Simona Comanici" userId="5c8d8869465da292" providerId="LiveId" clId="{EAEB6841-D4F6-4DDF-9129-8C3CE68F3649}" dt="2019-07-29T08:53:06.066" v="4287" actId="164"/>
-          <ac:spMkLst>
-            <pc:docMk/>
-            <pc:sldMk cId="2003206578" sldId="304"/>
-            <ac:spMk id="5" creationId="{34016E74-3F03-4B2E-A9D5-909FEC2BB88F}"/>
-          </ac:spMkLst>
-        </pc:spChg>
-        <pc:spChg chg="del mod">
-          <ac:chgData name="Nadia-Simona Comanici" userId="5c8d8869465da292" providerId="LiveId" clId="{EAEB6841-D4F6-4DDF-9129-8C3CE68F3649}" dt="2019-07-29T09:18:51.987" v="5050" actId="478"/>
-          <ac:spMkLst>
-            <pc:docMk/>
-            <pc:sldMk cId="2003206578" sldId="304"/>
-            <ac:spMk id="6" creationId="{500616DF-BD23-4012-8001-037943F80E9B}"/>
-          </ac:spMkLst>
-        </pc:spChg>
-        <pc:spChg chg="mod">
-          <ac:chgData name="Nadia-Simona Comanici" userId="5c8d8869465da292" providerId="LiveId" clId="{EAEB6841-D4F6-4DDF-9129-8C3CE68F3649}" dt="2019-07-29T08:51:54.603" v="4215" actId="1038"/>
-          <ac:spMkLst>
-            <pc:docMk/>
-            <pc:sldMk cId="2003206578" sldId="304"/>
-            <ac:spMk id="10" creationId="{BF0B603F-EF29-466B-B38D-C4CEE15CE1A1}"/>
-          </ac:spMkLst>
-        </pc:spChg>
-        <pc:spChg chg="mod">
-          <ac:chgData name="Nadia-Simona Comanici" userId="5c8d8869465da292" providerId="LiveId" clId="{EAEB6841-D4F6-4DDF-9129-8C3CE68F3649}" dt="2019-07-29T08:51:54.603" v="4215" actId="1038"/>
-          <ac:spMkLst>
-            <pc:docMk/>
-            <pc:sldMk cId="2003206578" sldId="304"/>
-            <ac:spMk id="11" creationId="{65563121-658F-436E-A981-9F0CC72B0D63}"/>
-          </ac:spMkLst>
-        </pc:spChg>
-        <pc:spChg chg="mod">
-          <ac:chgData name="Nadia-Simona Comanici" userId="5c8d8869465da292" providerId="LiveId" clId="{EAEB6841-D4F6-4DDF-9129-8C3CE68F3649}" dt="2019-07-29T08:51:59.254" v="4240" actId="1037"/>
-          <ac:spMkLst>
-            <pc:docMk/>
-            <pc:sldMk cId="2003206578" sldId="304"/>
-            <ac:spMk id="16" creationId="{A3794E02-5F54-4B34-BD16-E5CA63E6B504}"/>
-          </ac:spMkLst>
-        </pc:spChg>
-        <pc:spChg chg="add mod">
-          <ac:chgData name="Nadia-Simona Comanici" userId="5c8d8869465da292" providerId="LiveId" clId="{EAEB6841-D4F6-4DDF-9129-8C3CE68F3649}" dt="2019-07-29T09:19:03.448" v="5053" actId="13822"/>
-          <ac:spMkLst>
-            <pc:docMk/>
-            <pc:sldMk cId="2003206578" sldId="304"/>
-            <ac:spMk id="17" creationId="{B2EBC523-DB3A-41E2-82DE-2BDA69B40E62}"/>
-          </ac:spMkLst>
-        </pc:spChg>
-        <pc:spChg chg="mod">
-          <ac:chgData name="Nadia-Simona Comanici" userId="5c8d8869465da292" providerId="LiveId" clId="{EAEB6841-D4F6-4DDF-9129-8C3CE68F3649}" dt="2019-07-29T08:51:54.603" v="4215" actId="1038"/>
-          <ac:spMkLst>
-            <pc:docMk/>
-            <pc:sldMk cId="2003206578" sldId="304"/>
-            <ac:spMk id="22" creationId="{CB34EB63-8A3E-4FD8-84E2-132D67A09188}"/>
-          </ac:spMkLst>
-        </pc:spChg>
-        <pc:spChg chg="mod">
-          <ac:chgData name="Nadia-Simona Comanici" userId="5c8d8869465da292" providerId="LiveId" clId="{EAEB6841-D4F6-4DDF-9129-8C3CE68F3649}" dt="2019-07-29T08:51:54.603" v="4215" actId="1038"/>
-          <ac:spMkLst>
-            <pc:docMk/>
-            <pc:sldMk cId="2003206578" sldId="304"/>
-            <ac:spMk id="26" creationId="{F784068D-B232-4D9E-9728-6F6544DE0E42}"/>
-          </ac:spMkLst>
-        </pc:spChg>
-        <pc:spChg chg="mod">
-          <ac:chgData name="Nadia-Simona Comanici" userId="5c8d8869465da292" providerId="LiveId" clId="{EAEB6841-D4F6-4DDF-9129-8C3CE68F3649}" dt="2019-07-29T08:51:59.254" v="4240" actId="1037"/>
-          <ac:spMkLst>
-            <pc:docMk/>
-            <pc:sldMk cId="2003206578" sldId="304"/>
-            <ac:spMk id="29" creationId="{30BDCC2E-A58A-48D8-8ABE-E8C048210615}"/>
-          </ac:spMkLst>
-        </pc:spChg>
-        <pc:spChg chg="mod topLvl">
-          <ac:chgData name="Nadia-Simona Comanici" userId="5c8d8869465da292" providerId="LiveId" clId="{EAEB6841-D4F6-4DDF-9129-8C3CE68F3649}" dt="2019-07-29T08:53:06.066" v="4287" actId="164"/>
-          <ac:spMkLst>
-            <pc:docMk/>
-            <pc:sldMk cId="2003206578" sldId="304"/>
-            <ac:spMk id="37" creationId="{AF853BE2-3E06-401C-9917-54E32D6B3F94}"/>
-          </ac:spMkLst>
-        </pc:spChg>
-        <pc:spChg chg="mod">
-          <ac:chgData name="Nadia-Simona Comanici" userId="5c8d8869465da292" providerId="LiveId" clId="{EAEB6841-D4F6-4DDF-9129-8C3CE68F3649}" dt="2019-07-29T08:52:03.398" v="4241" actId="14100"/>
-          <ac:spMkLst>
-            <pc:docMk/>
-            <pc:sldMk cId="2003206578" sldId="304"/>
-            <ac:spMk id="38" creationId="{BB7ACEF7-F267-4E3D-97BA-B0BB2AB97829}"/>
-          </ac:spMkLst>
-        </pc:spChg>
-        <pc:spChg chg="add del mod">
-          <ac:chgData name="Nadia-Simona Comanici" userId="5c8d8869465da292" providerId="LiveId" clId="{EAEB6841-D4F6-4DDF-9129-8C3CE68F3649}" dt="2019-07-29T08:51:47.664" v="4189" actId="478"/>
-          <ac:spMkLst>
-            <pc:docMk/>
-            <pc:sldMk cId="2003206578" sldId="304"/>
-            <ac:spMk id="42" creationId="{D356EDEB-EB89-49A3-8D8F-22F951131470}"/>
-          </ac:spMkLst>
-        </pc:spChg>
-        <pc:spChg chg="add del">
-          <ac:chgData name="Nadia-Simona Comanici" userId="5c8d8869465da292" providerId="LiveId" clId="{EAEB6841-D4F6-4DDF-9129-8C3CE68F3649}" dt="2019-07-29T08:52:16.093" v="4245"/>
-          <ac:spMkLst>
-            <pc:docMk/>
-            <pc:sldMk cId="2003206578" sldId="304"/>
-            <ac:spMk id="43" creationId="{70AE5529-AFB1-4CEE-9C0A-4C3DE4071C34}"/>
-          </ac:spMkLst>
-        </pc:spChg>
-        <pc:spChg chg="add mod">
-          <ac:chgData name="Nadia-Simona Comanici" userId="5c8d8869465da292" providerId="LiveId" clId="{EAEB6841-D4F6-4DDF-9129-8C3CE68F3649}" dt="2019-07-29T08:53:06.066" v="4287" actId="164"/>
-          <ac:spMkLst>
-            <pc:docMk/>
-            <pc:sldMk cId="2003206578" sldId="304"/>
-            <ac:spMk id="44" creationId="{0B797395-DAF1-4173-8ABB-0736E6A0F197}"/>
-          </ac:spMkLst>
-        </pc:spChg>
-        <pc:grpChg chg="add mod">
-          <ac:chgData name="Nadia-Simona Comanici" userId="5c8d8869465da292" providerId="LiveId" clId="{EAEB6841-D4F6-4DDF-9129-8C3CE68F3649}" dt="2019-07-29T08:53:06.066" v="4287" actId="164"/>
-          <ac:grpSpMkLst>
-            <pc:docMk/>
-            <pc:sldMk cId="2003206578" sldId="304"/>
-            <ac:grpSpMk id="15" creationId="{4A24B675-110E-47EE-B660-181005007106}"/>
-          </ac:grpSpMkLst>
-        </pc:grpChg>
-        <pc:grpChg chg="add del mod">
-          <ac:chgData name="Nadia-Simona Comanici" userId="5c8d8869465da292" providerId="LiveId" clId="{EAEB6841-D4F6-4DDF-9129-8C3CE68F3649}" dt="2019-07-29T08:51:39.933" v="4186"/>
-          <ac:grpSpMkLst>
-            <pc:docMk/>
-            <pc:sldMk cId="2003206578" sldId="304"/>
-            <ac:grpSpMk id="28" creationId="{FCA13C32-0902-4CF0-9579-425F1755D148}"/>
-          </ac:grpSpMkLst>
-        </pc:grpChg>
-        <pc:grpChg chg="del">
-          <ac:chgData name="Nadia-Simona Comanici" userId="5c8d8869465da292" providerId="LiveId" clId="{EAEB6841-D4F6-4DDF-9129-8C3CE68F3649}" dt="2019-07-29T08:52:19.252" v="4246" actId="165"/>
-          <ac:grpSpMkLst>
-            <pc:docMk/>
-            <pc:sldMk cId="2003206578" sldId="304"/>
-            <ac:grpSpMk id="39" creationId="{306900D3-6925-4ACA-A374-3B0F1EE8A009}"/>
-          </ac:grpSpMkLst>
-        </pc:grpChg>
-        <pc:grpChg chg="mod">
-          <ac:chgData name="Nadia-Simona Comanici" userId="5c8d8869465da292" providerId="LiveId" clId="{EAEB6841-D4F6-4DDF-9129-8C3CE68F3649}" dt="2019-07-29T08:51:26.290" v="4183" actId="1076"/>
-          <ac:grpSpMkLst>
-            <pc:docMk/>
-            <pc:sldMk cId="2003206578" sldId="304"/>
-            <ac:grpSpMk id="40" creationId="{06B55D97-AD1C-4E2C-BA9E-AB877CD14B5B}"/>
-          </ac:grpSpMkLst>
-        </pc:grpChg>
-        <pc:cxnChg chg="mod topLvl">
-          <ac:chgData name="Nadia-Simona Comanici" userId="5c8d8869465da292" providerId="LiveId" clId="{EAEB6841-D4F6-4DDF-9129-8C3CE68F3649}" dt="2019-07-29T08:53:06.066" v="4287" actId="164"/>
-          <ac:cxnSpMkLst>
-            <pc:docMk/>
-            <pc:sldMk cId="2003206578" sldId="304"/>
-            <ac:cxnSpMk id="7" creationId="{24DF8F1D-963C-4978-9F81-B5B7573FCCA2}"/>
-          </ac:cxnSpMkLst>
-        </pc:cxnChg>
-        <pc:cxnChg chg="mod topLvl">
-          <ac:chgData name="Nadia-Simona Comanici" userId="5c8d8869465da292" providerId="LiveId" clId="{EAEB6841-D4F6-4DDF-9129-8C3CE68F3649}" dt="2019-07-29T08:53:06.066" v="4287" actId="164"/>
-          <ac:cxnSpMkLst>
-            <pc:docMk/>
-            <pc:sldMk cId="2003206578" sldId="304"/>
-            <ac:cxnSpMk id="9" creationId="{ABA7B890-0F1E-4309-B1B8-A8B7599259F0}"/>
-          </ac:cxnSpMkLst>
-        </pc:cxnChg>
-        <pc:cxnChg chg="mod">
-          <ac:chgData name="Nadia-Simona Comanici" userId="5c8d8869465da292" providerId="LiveId" clId="{EAEB6841-D4F6-4DDF-9129-8C3CE68F3649}" dt="2019-07-29T08:51:54.603" v="4215" actId="1038"/>
-          <ac:cxnSpMkLst>
-            <pc:docMk/>
-            <pc:sldMk cId="2003206578" sldId="304"/>
-            <ac:cxnSpMk id="13" creationId="{50ABB90E-26E1-4D11-AD9E-74E2BB6E3BA0}"/>
-          </ac:cxnSpMkLst>
-        </pc:cxnChg>
-        <pc:cxnChg chg="mod">
-          <ac:chgData name="Nadia-Simona Comanici" userId="5c8d8869465da292" providerId="LiveId" clId="{EAEB6841-D4F6-4DDF-9129-8C3CE68F3649}" dt="2019-07-29T08:51:59.254" v="4240" actId="1037"/>
-          <ac:cxnSpMkLst>
-            <pc:docMk/>
-            <pc:sldMk cId="2003206578" sldId="304"/>
-            <ac:cxnSpMk id="31" creationId="{ED4A30DE-CBF8-446E-8564-F54137543E15}"/>
-          </ac:cxnSpMkLst>
-        </pc:cxnChg>
-        <pc:cxnChg chg="mod">
-          <ac:chgData name="Nadia-Simona Comanici" userId="5c8d8869465da292" providerId="LiveId" clId="{EAEB6841-D4F6-4DDF-9129-8C3CE68F3649}" dt="2019-07-29T08:51:59.254" v="4240" actId="1037"/>
-          <ac:cxnSpMkLst>
-            <pc:docMk/>
-            <pc:sldMk cId="2003206578" sldId="304"/>
-            <ac:cxnSpMk id="32" creationId="{2BE04796-7E14-437B-B0D9-79B20CFD7E3D}"/>
-          </ac:cxnSpMkLst>
-        </pc:cxnChg>
-      </pc:sldChg>
-      <pc:sldChg chg="addSp delSp modSp add ord modAnim">
-        <pc:chgData name="Nadia-Simona Comanici" userId="5c8d8869465da292" providerId="LiveId" clId="{EAEB6841-D4F6-4DDF-9129-8C3CE68F3649}" dt="2019-07-29T09:04:58.028" v="4457" actId="164"/>
-        <pc:sldMkLst>
-          <pc:docMk/>
-          <pc:sldMk cId="1974596661" sldId="305"/>
-        </pc:sldMkLst>
-        <pc:spChg chg="mod">
-          <ac:chgData name="Nadia-Simona Comanici" userId="5c8d8869465da292" providerId="LiveId" clId="{EAEB6841-D4F6-4DDF-9129-8C3CE68F3649}" dt="2019-07-29T09:04:55.080" v="4456" actId="1076"/>
-          <ac:spMkLst>
-            <pc:docMk/>
-            <pc:sldMk cId="1974596661" sldId="305"/>
-            <ac:spMk id="2" creationId="{4C5B144E-D167-4C7F-9F7B-29307D90E20A}"/>
-          </ac:spMkLst>
-        </pc:spChg>
-        <pc:spChg chg="del">
-          <ac:chgData name="Nadia-Simona Comanici" userId="5c8d8869465da292" providerId="LiveId" clId="{EAEB6841-D4F6-4DDF-9129-8C3CE68F3649}" dt="2019-07-29T08:57:21.363" v="4328" actId="478"/>
-          <ac:spMkLst>
-            <pc:docMk/>
-            <pc:sldMk cId="1974596661" sldId="305"/>
-            <ac:spMk id="3" creationId="{9877F6DC-121D-4410-BDF1-D12049463CA2}"/>
-          </ac:spMkLst>
-        </pc:spChg>
-        <pc:spChg chg="mod topLvl">
-          <ac:chgData name="Nadia-Simona Comanici" userId="5c8d8869465da292" providerId="LiveId" clId="{EAEB6841-D4F6-4DDF-9129-8C3CE68F3649}" dt="2019-07-29T09:04:58.028" v="4457" actId="164"/>
-          <ac:spMkLst>
-            <pc:docMk/>
-            <pc:sldMk cId="1974596661" sldId="305"/>
-            <ac:spMk id="5" creationId="{60187EAF-3208-4E22-B01A-FEA398F57A23}"/>
-          </ac:spMkLst>
-        </pc:spChg>
-        <pc:spChg chg="mod topLvl">
-          <ac:chgData name="Nadia-Simona Comanici" userId="5c8d8869465da292" providerId="LiveId" clId="{EAEB6841-D4F6-4DDF-9129-8C3CE68F3649}" dt="2019-07-29T09:04:58.028" v="4457" actId="164"/>
-          <ac:spMkLst>
-            <pc:docMk/>
-            <pc:sldMk cId="1974596661" sldId="305"/>
-            <ac:spMk id="6" creationId="{500F69C3-705D-4593-B9ED-E92E373A4443}"/>
-          </ac:spMkLst>
-        </pc:spChg>
-        <pc:spChg chg="mod topLvl">
-          <ac:chgData name="Nadia-Simona Comanici" userId="5c8d8869465da292" providerId="LiveId" clId="{EAEB6841-D4F6-4DDF-9129-8C3CE68F3649}" dt="2019-07-29T09:04:58.028" v="4457" actId="164"/>
-          <ac:spMkLst>
-            <pc:docMk/>
-            <pc:sldMk cId="1974596661" sldId="305"/>
-            <ac:spMk id="7" creationId="{0F8B7A97-34A7-4411-99DF-4D3A044C5221}"/>
-          </ac:spMkLst>
-        </pc:spChg>
-        <pc:spChg chg="mod topLvl">
-          <ac:chgData name="Nadia-Simona Comanici" userId="5c8d8869465da292" providerId="LiveId" clId="{EAEB6841-D4F6-4DDF-9129-8C3CE68F3649}" dt="2019-07-29T09:04:58.028" v="4457" actId="164"/>
-          <ac:spMkLst>
-            <pc:docMk/>
-            <pc:sldMk cId="1974596661" sldId="305"/>
-            <ac:spMk id="8" creationId="{AD3B25EF-A0DC-402A-824E-271866FA1021}"/>
-          </ac:spMkLst>
-        </pc:spChg>
-        <pc:spChg chg="del mod">
-          <ac:chgData name="Nadia-Simona Comanici" userId="5c8d8869465da292" providerId="LiveId" clId="{EAEB6841-D4F6-4DDF-9129-8C3CE68F3649}" dt="2019-07-29T08:57:24.664" v="4331" actId="478"/>
-          <ac:spMkLst>
-            <pc:docMk/>
-            <pc:sldMk cId="1974596661" sldId="305"/>
-            <ac:spMk id="11" creationId="{FB86BCF5-139F-497C-827A-C2C42386F830}"/>
-          </ac:spMkLst>
-        </pc:spChg>
-        <pc:spChg chg="add del">
-          <ac:chgData name="Nadia-Simona Comanici" userId="5c8d8869465da292" providerId="LiveId" clId="{EAEB6841-D4F6-4DDF-9129-8C3CE68F3649}" dt="2019-07-29T08:58:54.059" v="4368"/>
-          <ac:spMkLst>
-            <pc:docMk/>
-            <pc:sldMk cId="1974596661" sldId="305"/>
-            <ac:spMk id="16" creationId="{4E916745-A755-4642-B828-BA63D3F6D40A}"/>
-          </ac:spMkLst>
-        </pc:spChg>
-        <pc:spChg chg="add mod">
-          <ac:chgData name="Nadia-Simona Comanici" userId="5c8d8869465da292" providerId="LiveId" clId="{EAEB6841-D4F6-4DDF-9129-8C3CE68F3649}" dt="2019-07-29T09:03:15.258" v="4434" actId="164"/>
-          <ac:spMkLst>
-            <pc:docMk/>
-            <pc:sldMk cId="1974596661" sldId="305"/>
-            <ac:spMk id="17" creationId="{8A05B9AF-45D3-43F8-8C7A-87003A014F11}"/>
-          </ac:spMkLst>
-        </pc:spChg>
-        <pc:spChg chg="add mod">
-          <ac:chgData name="Nadia-Simona Comanici" userId="5c8d8869465da292" providerId="LiveId" clId="{EAEB6841-D4F6-4DDF-9129-8C3CE68F3649}" dt="2019-07-29T09:03:15.258" v="4434" actId="164"/>
-          <ac:spMkLst>
-            <pc:docMk/>
-            <pc:sldMk cId="1974596661" sldId="305"/>
-            <ac:spMk id="18" creationId="{7F2248E8-DBB9-4C17-A0F1-7FAF9BE872AD}"/>
-          </ac:spMkLst>
-        </pc:spChg>
-        <pc:spChg chg="add mod">
-          <ac:chgData name="Nadia-Simona Comanici" userId="5c8d8869465da292" providerId="LiveId" clId="{EAEB6841-D4F6-4DDF-9129-8C3CE68F3649}" dt="2019-07-29T09:03:15.258" v="4434" actId="164"/>
-          <ac:spMkLst>
-            <pc:docMk/>
-            <pc:sldMk cId="1974596661" sldId="305"/>
-            <ac:spMk id="19" creationId="{29AC364C-D38F-42FA-91F0-1B9C08780D13}"/>
-          </ac:spMkLst>
-        </pc:spChg>
-        <pc:spChg chg="add mod">
-          <ac:chgData name="Nadia-Simona Comanici" userId="5c8d8869465da292" providerId="LiveId" clId="{EAEB6841-D4F6-4DDF-9129-8C3CE68F3649}" dt="2019-07-29T09:03:15.258" v="4434" actId="164"/>
-          <ac:spMkLst>
-            <pc:docMk/>
-            <pc:sldMk cId="1974596661" sldId="305"/>
-            <ac:spMk id="20" creationId="{325C863A-2BFF-4A75-A3EC-F4D80646618F}"/>
-          </ac:spMkLst>
-        </pc:spChg>
-        <pc:spChg chg="add mod">
-          <ac:chgData name="Nadia-Simona Comanici" userId="5c8d8869465da292" providerId="LiveId" clId="{EAEB6841-D4F6-4DDF-9129-8C3CE68F3649}" dt="2019-07-29T09:03:38.559" v="4440" actId="13822"/>
-          <ac:spMkLst>
-            <pc:docMk/>
-            <pc:sldMk cId="1974596661" sldId="305"/>
-            <ac:spMk id="43" creationId="{25F99262-2769-45E3-9FDC-C1B0B2C5DB35}"/>
-          </ac:spMkLst>
-        </pc:spChg>
-        <pc:grpChg chg="add del mod">
-          <ac:chgData name="Nadia-Simona Comanici" userId="5c8d8869465da292" providerId="LiveId" clId="{EAEB6841-D4F6-4DDF-9129-8C3CE68F3649}" dt="2019-07-29T08:57:31.375" v="4333" actId="165"/>
-          <ac:grpSpMkLst>
-            <pc:docMk/>
-            <pc:sldMk cId="1974596661" sldId="305"/>
-            <ac:grpSpMk id="4" creationId="{EF0CFA24-C528-4F7E-9FEC-114B612D3F44}"/>
-          </ac:grpSpMkLst>
-        </pc:grpChg>
-        <pc:grpChg chg="add del mod">
-          <ac:chgData name="Nadia-Simona Comanici" userId="5c8d8869465da292" providerId="LiveId" clId="{EAEB6841-D4F6-4DDF-9129-8C3CE68F3649}" dt="2019-07-29T09:04:53.440" v="4454" actId="165"/>
-          <ac:grpSpMkLst>
-            <pc:docMk/>
-            <pc:sldMk cId="1974596661" sldId="305"/>
-            <ac:grpSpMk id="26" creationId="{3AE32FD6-4BE2-4B88-8914-86988C76331E}"/>
-          </ac:grpSpMkLst>
-        </pc:grpChg>
-        <pc:grpChg chg="add mod">
-          <ac:chgData name="Nadia-Simona Comanici" userId="5c8d8869465da292" providerId="LiveId" clId="{EAEB6841-D4F6-4DDF-9129-8C3CE68F3649}" dt="2019-07-29T09:03:24.537" v="4438" actId="1076"/>
-          <ac:grpSpMkLst>
-            <pc:docMk/>
-            <pc:sldMk cId="1974596661" sldId="305"/>
-            <ac:grpSpMk id="42" creationId="{A9A16468-D08A-49A7-9C2E-4FD3184A7222}"/>
-          </ac:grpSpMkLst>
-        </pc:grpChg>
-        <pc:grpChg chg="add mod">
-          <ac:chgData name="Nadia-Simona Comanici" userId="5c8d8869465da292" providerId="LiveId" clId="{EAEB6841-D4F6-4DDF-9129-8C3CE68F3649}" dt="2019-07-29T09:04:58.028" v="4457" actId="164"/>
-          <ac:grpSpMkLst>
-            <pc:docMk/>
-            <pc:sldMk cId="1974596661" sldId="305"/>
-            <ac:grpSpMk id="44" creationId="{746148DE-F93E-42E1-B584-9AE79DA3CEB5}"/>
-          </ac:grpSpMkLst>
-        </pc:grpChg>
-        <pc:cxnChg chg="mod topLvl">
-          <ac:chgData name="Nadia-Simona Comanici" userId="5c8d8869465da292" providerId="LiveId" clId="{EAEB6841-D4F6-4DDF-9129-8C3CE68F3649}" dt="2019-07-29T09:04:58.028" v="4457" actId="164"/>
-          <ac:cxnSpMkLst>
-            <pc:docMk/>
-            <pc:sldMk cId="1974596661" sldId="305"/>
-            <ac:cxnSpMk id="9" creationId="{6B5A3528-0640-4075-B809-E04626DDAEE0}"/>
-          </ac:cxnSpMkLst>
-        </pc:cxnChg>
-        <pc:cxnChg chg="del mod topLvl">
-          <ac:chgData name="Nadia-Simona Comanici" userId="5c8d8869465da292" providerId="LiveId" clId="{EAEB6841-D4F6-4DDF-9129-8C3CE68F3649}" dt="2019-07-29T09:02:06.863" v="4406" actId="478"/>
-          <ac:cxnSpMkLst>
-            <pc:docMk/>
-            <pc:sldMk cId="1974596661" sldId="305"/>
-            <ac:cxnSpMk id="10" creationId="{30055804-9B23-47CF-A1CF-3D582E1C4363}"/>
-          </ac:cxnSpMkLst>
-        </pc:cxnChg>
-        <pc:cxnChg chg="add del mod">
-          <ac:chgData name="Nadia-Simona Comanici" userId="5c8d8869465da292" providerId="LiveId" clId="{EAEB6841-D4F6-4DDF-9129-8C3CE68F3649}" dt="2019-07-29T09:00:56.378" v="4397" actId="478"/>
-          <ac:cxnSpMkLst>
-            <pc:docMk/>
-            <pc:sldMk cId="1974596661" sldId="305"/>
-            <ac:cxnSpMk id="21" creationId="{1F70D57D-00A0-44E4-808A-86B2B0970544}"/>
-          </ac:cxnSpMkLst>
-        </pc:cxnChg>
-        <pc:cxnChg chg="add del mod">
-          <ac:chgData name="Nadia-Simona Comanici" userId="5c8d8869465da292" providerId="LiveId" clId="{EAEB6841-D4F6-4DDF-9129-8C3CE68F3649}" dt="2019-07-29T09:00:55.802" v="4396" actId="478"/>
-          <ac:cxnSpMkLst>
-            <pc:docMk/>
-            <pc:sldMk cId="1974596661" sldId="305"/>
-            <ac:cxnSpMk id="22" creationId="{DF6F8D66-0DE3-401A-8895-AAC9602FBCD3}"/>
-          </ac:cxnSpMkLst>
-        </pc:cxnChg>
-        <pc:cxnChg chg="add mod">
-          <ac:chgData name="Nadia-Simona Comanici" userId="5c8d8869465da292" providerId="LiveId" clId="{EAEB6841-D4F6-4DDF-9129-8C3CE68F3649}" dt="2019-07-29T09:04:58.028" v="4457" actId="164"/>
-          <ac:cxnSpMkLst>
-            <pc:docMk/>
-            <pc:sldMk cId="1974596661" sldId="305"/>
-            <ac:cxnSpMk id="34" creationId="{F4BBF2B0-4C1F-47E4-865D-918A5BEF0048}"/>
-          </ac:cxnSpMkLst>
-        </pc:cxnChg>
-        <pc:cxnChg chg="add mod">
-          <ac:chgData name="Nadia-Simona Comanici" userId="5c8d8869465da292" providerId="LiveId" clId="{EAEB6841-D4F6-4DDF-9129-8C3CE68F3649}" dt="2019-07-29T09:03:15.258" v="4434" actId="164"/>
-          <ac:cxnSpMkLst>
-            <pc:docMk/>
-            <pc:sldMk cId="1974596661" sldId="305"/>
-            <ac:cxnSpMk id="38" creationId="{B8E5364D-8BA4-4F33-814C-C202B25BD39E}"/>
-          </ac:cxnSpMkLst>
-        </pc:cxnChg>
-        <pc:cxnChg chg="add mod">
-          <ac:chgData name="Nadia-Simona Comanici" userId="5c8d8869465da292" providerId="LiveId" clId="{EAEB6841-D4F6-4DDF-9129-8C3CE68F3649}" dt="2019-07-29T09:03:15.258" v="4434" actId="164"/>
-          <ac:cxnSpMkLst>
-            <pc:docMk/>
-            <pc:sldMk cId="1974596661" sldId="305"/>
-            <ac:cxnSpMk id="39" creationId="{AC9E6F14-FE1D-4E6A-B43A-7C756CA3BA8B}"/>
-          </ac:cxnSpMkLst>
-        </pc:cxnChg>
-      </pc:sldChg>
-      <pc:sldChg chg="addSp delSp modSp add ord delAnim modAnim">
-        <pc:chgData name="Nadia-Simona Comanici" userId="5c8d8869465da292" providerId="LiveId" clId="{EAEB6841-D4F6-4DDF-9129-8C3CE68F3649}" dt="2019-07-29T09:16:24.965" v="4864"/>
-        <pc:sldMkLst>
-          <pc:docMk/>
-          <pc:sldMk cId="3299539339" sldId="306"/>
-        </pc:sldMkLst>
-        <pc:spChg chg="mod">
-          <ac:chgData name="Nadia-Simona Comanici" userId="5c8d8869465da292" providerId="LiveId" clId="{EAEB6841-D4F6-4DDF-9129-8C3CE68F3649}" dt="2019-07-29T09:16:11.728" v="4863" actId="20577"/>
-          <ac:spMkLst>
-            <pc:docMk/>
-            <pc:sldMk cId="3299539339" sldId="306"/>
-            <ac:spMk id="2" creationId="{4C5B144E-D167-4C7F-9F7B-29307D90E20A}"/>
-          </ac:spMkLst>
-        </pc:spChg>
-        <pc:spChg chg="mod topLvl">
-          <ac:chgData name="Nadia-Simona Comanici" userId="5c8d8869465da292" providerId="LiveId" clId="{EAEB6841-D4F6-4DDF-9129-8C3CE68F3649}" dt="2019-07-29T09:13:41.970" v="4794" actId="164"/>
-          <ac:spMkLst>
-            <pc:docMk/>
-            <pc:sldMk cId="3299539339" sldId="306"/>
-            <ac:spMk id="5" creationId="{60187EAF-3208-4E22-B01A-FEA398F57A23}"/>
-          </ac:spMkLst>
-        </pc:spChg>
-        <pc:spChg chg="mod topLvl">
-          <ac:chgData name="Nadia-Simona Comanici" userId="5c8d8869465da292" providerId="LiveId" clId="{EAEB6841-D4F6-4DDF-9129-8C3CE68F3649}" dt="2019-07-29T09:13:41.970" v="4794" actId="164"/>
-          <ac:spMkLst>
-            <pc:docMk/>
-            <pc:sldMk cId="3299539339" sldId="306"/>
-            <ac:spMk id="6" creationId="{500F69C3-705D-4593-B9ED-E92E373A4443}"/>
-          </ac:spMkLst>
-        </pc:spChg>
-        <pc:spChg chg="mod topLvl">
-          <ac:chgData name="Nadia-Simona Comanici" userId="5c8d8869465da292" providerId="LiveId" clId="{EAEB6841-D4F6-4DDF-9129-8C3CE68F3649}" dt="2019-07-29T09:13:41.970" v="4794" actId="164"/>
-          <ac:spMkLst>
-            <pc:docMk/>
-            <pc:sldMk cId="3299539339" sldId="306"/>
-            <ac:spMk id="7" creationId="{0F8B7A97-34A7-4411-99DF-4D3A044C5221}"/>
-          </ac:spMkLst>
-        </pc:spChg>
-        <pc:spChg chg="mod topLvl">
-          <ac:chgData name="Nadia-Simona Comanici" userId="5c8d8869465da292" providerId="LiveId" clId="{EAEB6841-D4F6-4DDF-9129-8C3CE68F3649}" dt="2019-07-29T09:13:41.970" v="4794" actId="164"/>
-          <ac:spMkLst>
-            <pc:docMk/>
-            <pc:sldMk cId="3299539339" sldId="306"/>
-            <ac:spMk id="8" creationId="{AD3B25EF-A0DC-402A-824E-271866FA1021}"/>
-          </ac:spMkLst>
-        </pc:spChg>
-        <pc:spChg chg="add mod">
-          <ac:chgData name="Nadia-Simona Comanici" userId="5c8d8869465da292" providerId="LiveId" clId="{EAEB6841-D4F6-4DDF-9129-8C3CE68F3649}" dt="2019-07-29T09:13:41.970" v="4794" actId="164"/>
-          <ac:spMkLst>
-            <pc:docMk/>
-            <pc:sldMk cId="3299539339" sldId="306"/>
-            <ac:spMk id="21" creationId="{BABA1E94-3D71-4848-8FCF-F4D3FA8C9CC0}"/>
-          </ac:spMkLst>
-        </pc:spChg>
-        <pc:spChg chg="add mod">
-          <ac:chgData name="Nadia-Simona Comanici" userId="5c8d8869465da292" providerId="LiveId" clId="{EAEB6841-D4F6-4DDF-9129-8C3CE68F3649}" dt="2019-07-29T09:13:41.970" v="4794" actId="164"/>
-          <ac:spMkLst>
-            <pc:docMk/>
-            <pc:sldMk cId="3299539339" sldId="306"/>
-            <ac:spMk id="27" creationId="{79B9E6B8-C645-4CC7-89EC-4DFB30FA5498}"/>
-          </ac:spMkLst>
-        </pc:spChg>
-        <pc:spChg chg="add mod">
-          <ac:chgData name="Nadia-Simona Comanici" userId="5c8d8869465da292" providerId="LiveId" clId="{EAEB6841-D4F6-4DDF-9129-8C3CE68F3649}" dt="2019-07-29T09:13:41.970" v="4794" actId="164"/>
-          <ac:spMkLst>
-            <pc:docMk/>
-            <pc:sldMk cId="3299539339" sldId="306"/>
-            <ac:spMk id="35" creationId="{C56D7D15-8C2F-4344-B7D0-54078788CFC0}"/>
-          </ac:spMkLst>
-        </pc:spChg>
-        <pc:spChg chg="mod topLvl">
-          <ac:chgData name="Nadia-Simona Comanici" userId="5c8d8869465da292" providerId="LiveId" clId="{EAEB6841-D4F6-4DDF-9129-8C3CE68F3649}" dt="2019-07-29T09:15:39.325" v="4841" actId="164"/>
-          <ac:spMkLst>
-            <pc:docMk/>
-            <pc:sldMk cId="3299539339" sldId="306"/>
-            <ac:spMk id="40" creationId="{50C20F3C-183C-47C5-B978-37CA51758CC4}"/>
-          </ac:spMkLst>
-        </pc:spChg>
-        <pc:spChg chg="mod topLvl">
-          <ac:chgData name="Nadia-Simona Comanici" userId="5c8d8869465da292" providerId="LiveId" clId="{EAEB6841-D4F6-4DDF-9129-8C3CE68F3649}" dt="2019-07-29T09:15:39.325" v="4841" actId="164"/>
-          <ac:spMkLst>
-            <pc:docMk/>
-            <pc:sldMk cId="3299539339" sldId="306"/>
-            <ac:spMk id="41" creationId="{678E8781-604B-4923-89E5-85E5078CAECC}"/>
-          </ac:spMkLst>
-        </pc:spChg>
-        <pc:spChg chg="mod">
-          <ac:chgData name="Nadia-Simona Comanici" userId="5c8d8869465da292" providerId="LiveId" clId="{EAEB6841-D4F6-4DDF-9129-8C3CE68F3649}" dt="2019-07-29T09:15:48.984" v="4844" actId="1076"/>
-          <ac:spMkLst>
-            <pc:docMk/>
-            <pc:sldMk cId="3299539339" sldId="306"/>
-            <ac:spMk id="43" creationId="{25F99262-2769-45E3-9FDC-C1B0B2C5DB35}"/>
-          </ac:spMkLst>
-        </pc:spChg>
-        <pc:spChg chg="mod topLvl">
-          <ac:chgData name="Nadia-Simona Comanici" userId="5c8d8869465da292" providerId="LiveId" clId="{EAEB6841-D4F6-4DDF-9129-8C3CE68F3649}" dt="2019-07-29T09:15:39.325" v="4841" actId="164"/>
-          <ac:spMkLst>
-            <pc:docMk/>
-            <pc:sldMk cId="3299539339" sldId="306"/>
-            <ac:spMk id="45" creationId="{A2588D1A-F1F8-4D58-89F5-B7CF0E5EF921}"/>
-          </ac:spMkLst>
-        </pc:spChg>
-        <pc:spChg chg="mod topLvl">
-          <ac:chgData name="Nadia-Simona Comanici" userId="5c8d8869465da292" providerId="LiveId" clId="{EAEB6841-D4F6-4DDF-9129-8C3CE68F3649}" dt="2019-07-29T09:15:39.325" v="4841" actId="164"/>
-          <ac:spMkLst>
-            <pc:docMk/>
-            <pc:sldMk cId="3299539339" sldId="306"/>
-            <ac:spMk id="46" creationId="{EA85B010-0E04-4F35-9C10-E369BC7BA64C}"/>
-          </ac:spMkLst>
-        </pc:spChg>
-        <pc:spChg chg="mod topLvl">
-          <ac:chgData name="Nadia-Simona Comanici" userId="5c8d8869465da292" providerId="LiveId" clId="{EAEB6841-D4F6-4DDF-9129-8C3CE68F3649}" dt="2019-07-29T09:15:39.325" v="4841" actId="164"/>
-          <ac:spMkLst>
-            <pc:docMk/>
-            <pc:sldMk cId="3299539339" sldId="306"/>
-            <ac:spMk id="48" creationId="{716D26DB-5C02-4087-979A-41BAC5C3BBE3}"/>
-          </ac:spMkLst>
-        </pc:spChg>
-        <pc:spChg chg="mod topLvl">
-          <ac:chgData name="Nadia-Simona Comanici" userId="5c8d8869465da292" providerId="LiveId" clId="{EAEB6841-D4F6-4DDF-9129-8C3CE68F3649}" dt="2019-07-29T09:15:39.325" v="4841" actId="164"/>
-          <ac:spMkLst>
-            <pc:docMk/>
-            <pc:sldMk cId="3299539339" sldId="306"/>
-            <ac:spMk id="51" creationId="{F05EE5D1-CA47-4414-A02D-6CE87E404F06}"/>
-          </ac:spMkLst>
-        </pc:spChg>
-        <pc:spChg chg="del mod topLvl">
-          <ac:chgData name="Nadia-Simona Comanici" userId="5c8d8869465da292" providerId="LiveId" clId="{EAEB6841-D4F6-4DDF-9129-8C3CE68F3649}" dt="2019-07-29T09:14:51.879" v="4827"/>
-          <ac:spMkLst>
-            <pc:docMk/>
-            <pc:sldMk cId="3299539339" sldId="306"/>
-            <ac:spMk id="52" creationId="{5333D0D7-75B6-405E-B19D-B84AF54DBFD6}"/>
-          </ac:spMkLst>
-        </pc:spChg>
-        <pc:spChg chg="add mod">
-          <ac:chgData name="Nadia-Simona Comanici" userId="5c8d8869465da292" providerId="LiveId" clId="{EAEB6841-D4F6-4DDF-9129-8C3CE68F3649}" dt="2019-07-29T09:15:39.325" v="4841" actId="164"/>
-          <ac:spMkLst>
-            <pc:docMk/>
-            <pc:sldMk cId="3299539339" sldId="306"/>
-            <ac:spMk id="53" creationId="{66D14E2F-E5A9-44F7-BC7B-2879FC319D96}"/>
-          </ac:spMkLst>
-        </pc:spChg>
-        <pc:spChg chg="add mod">
-          <ac:chgData name="Nadia-Simona Comanici" userId="5c8d8869465da292" providerId="LiveId" clId="{EAEB6841-D4F6-4DDF-9129-8C3CE68F3649}" dt="2019-07-29T09:15:39.325" v="4841" actId="164"/>
-          <ac:spMkLst>
-            <pc:docMk/>
-            <pc:sldMk cId="3299539339" sldId="306"/>
-            <ac:spMk id="55" creationId="{0332F87A-4935-4120-94A5-19C1DE11D08A}"/>
-          </ac:spMkLst>
-        </pc:spChg>
-        <pc:grpChg chg="add mod">
-          <ac:chgData name="Nadia-Simona Comanici" userId="5c8d8869465da292" providerId="LiveId" clId="{EAEB6841-D4F6-4DDF-9129-8C3CE68F3649}" dt="2019-07-29T09:15:46.996" v="4843" actId="1076"/>
-          <ac:grpSpMkLst>
-            <pc:docMk/>
-            <pc:sldMk cId="3299539339" sldId="306"/>
-            <ac:grpSpMk id="28" creationId="{5C5FE98F-2327-454E-B551-FA2ADEC82EAA}"/>
-          </ac:grpSpMkLst>
-        </pc:grpChg>
-        <pc:grpChg chg="add mod">
-          <ac:chgData name="Nadia-Simona Comanici" userId="5c8d8869465da292" providerId="LiveId" clId="{EAEB6841-D4F6-4DDF-9129-8C3CE68F3649}" dt="2019-07-29T09:15:39.325" v="4841" actId="164"/>
-          <ac:grpSpMkLst>
-            <pc:docMk/>
-            <pc:sldMk cId="3299539339" sldId="306"/>
-            <ac:grpSpMk id="33" creationId="{EC4453F7-A1DA-4A0C-82F6-0D564F6E2AD4}"/>
-          </ac:grpSpMkLst>
-        </pc:grpChg>
-        <pc:grpChg chg="add del mod">
-          <ac:chgData name="Nadia-Simona Comanici" userId="5c8d8869465da292" providerId="LiveId" clId="{EAEB6841-D4F6-4DDF-9129-8C3CE68F3649}" dt="2019-07-29T09:14:20.766" v="4798" actId="165"/>
-          <ac:grpSpMkLst>
-            <pc:docMk/>
-            <pc:sldMk cId="3299539339" sldId="306"/>
-            <ac:grpSpMk id="37" creationId="{DE91A48C-2028-486B-9DC1-FA93C997F7D4}"/>
-          </ac:grpSpMkLst>
-        </pc:grpChg>
-        <pc:grpChg chg="del">
-          <ac:chgData name="Nadia-Simona Comanici" userId="5c8d8869465da292" providerId="LiveId" clId="{EAEB6841-D4F6-4DDF-9129-8C3CE68F3649}" dt="2019-07-29T09:11:26.311" v="4680" actId="478"/>
-          <ac:grpSpMkLst>
-            <pc:docMk/>
-            <pc:sldMk cId="3299539339" sldId="306"/>
-            <ac:grpSpMk id="42" creationId="{A9A16468-D08A-49A7-9C2E-4FD3184A7222}"/>
-          </ac:grpSpMkLst>
-        </pc:grpChg>
-        <pc:grpChg chg="del">
-          <ac:chgData name="Nadia-Simona Comanici" userId="5c8d8869465da292" providerId="LiveId" clId="{EAEB6841-D4F6-4DDF-9129-8C3CE68F3649}" dt="2019-07-29T09:09:49.298" v="4609" actId="165"/>
-          <ac:grpSpMkLst>
-            <pc:docMk/>
-            <pc:sldMk cId="3299539339" sldId="306"/>
-            <ac:grpSpMk id="44" creationId="{746148DE-F93E-42E1-B584-9AE79DA3CEB5}"/>
-          </ac:grpSpMkLst>
-        </pc:grpChg>
-        <pc:cxnChg chg="mod topLvl">
-          <ac:chgData name="Nadia-Simona Comanici" userId="5c8d8869465da292" providerId="LiveId" clId="{EAEB6841-D4F6-4DDF-9129-8C3CE68F3649}" dt="2019-07-29T09:13:41.970" v="4794" actId="164"/>
-          <ac:cxnSpMkLst>
-            <pc:docMk/>
-            <pc:sldMk cId="3299539339" sldId="306"/>
-            <ac:cxnSpMk id="9" creationId="{6B5A3528-0640-4075-B809-E04626DDAEE0}"/>
-          </ac:cxnSpMkLst>
-        </pc:cxnChg>
-        <pc:cxnChg chg="add del">
-          <ac:chgData name="Nadia-Simona Comanici" userId="5c8d8869465da292" providerId="LiveId" clId="{EAEB6841-D4F6-4DDF-9129-8C3CE68F3649}" dt="2019-07-29T09:10:21.970" v="4626" actId="478"/>
-          <ac:cxnSpMkLst>
-            <pc:docMk/>
-            <pc:sldMk cId="3299539339" sldId="306"/>
-            <ac:cxnSpMk id="25" creationId="{F1456D8A-56AB-4286-961E-2F345FC8179C}"/>
-          </ac:cxnSpMkLst>
-        </pc:cxnChg>
-        <pc:cxnChg chg="add mod">
-          <ac:chgData name="Nadia-Simona Comanici" userId="5c8d8869465da292" providerId="LiveId" clId="{EAEB6841-D4F6-4DDF-9129-8C3CE68F3649}" dt="2019-07-29T09:13:41.970" v="4794" actId="164"/>
-          <ac:cxnSpMkLst>
-            <pc:docMk/>
-            <pc:sldMk cId="3299539339" sldId="306"/>
-            <ac:cxnSpMk id="26" creationId="{BC499A6C-CA8D-46FB-A2BD-538A94A5E703}"/>
-          </ac:cxnSpMkLst>
-        </pc:cxnChg>
-        <pc:cxnChg chg="add mod">
-          <ac:chgData name="Nadia-Simona Comanici" userId="5c8d8869465da292" providerId="LiveId" clId="{EAEB6841-D4F6-4DDF-9129-8C3CE68F3649}" dt="2019-07-29T09:13:41.970" v="4794" actId="164"/>
-          <ac:cxnSpMkLst>
-            <pc:docMk/>
-            <pc:sldMk cId="3299539339" sldId="306"/>
-            <ac:cxnSpMk id="30" creationId="{9BB8340D-4F8A-4C7D-A5E4-244E025AE74A}"/>
-          </ac:cxnSpMkLst>
-        </pc:cxnChg>
-        <pc:cxnChg chg="del mod topLvl">
-          <ac:chgData name="Nadia-Simona Comanici" userId="5c8d8869465da292" providerId="LiveId" clId="{EAEB6841-D4F6-4DDF-9129-8C3CE68F3649}" dt="2019-07-29T09:10:22.983" v="4627" actId="478"/>
-          <ac:cxnSpMkLst>
-            <pc:docMk/>
-            <pc:sldMk cId="3299539339" sldId="306"/>
-            <ac:cxnSpMk id="34" creationId="{F4BBF2B0-4C1F-47E4-865D-918A5BEF0048}"/>
-          </ac:cxnSpMkLst>
-        </pc:cxnChg>
-        <pc:cxnChg chg="mod">
-          <ac:chgData name="Nadia-Simona Comanici" userId="5c8d8869465da292" providerId="LiveId" clId="{EAEB6841-D4F6-4DDF-9129-8C3CE68F3649}" dt="2019-07-29T09:11:26.311" v="4680" actId="478"/>
-          <ac:cxnSpMkLst>
-            <pc:docMk/>
-            <pc:sldMk cId="3299539339" sldId="306"/>
-            <ac:cxnSpMk id="38" creationId="{B8E5364D-8BA4-4F33-814C-C202B25BD39E}"/>
-          </ac:cxnSpMkLst>
-        </pc:cxnChg>
-        <pc:cxnChg chg="mod">
-          <ac:chgData name="Nadia-Simona Comanici" userId="5c8d8869465da292" providerId="LiveId" clId="{EAEB6841-D4F6-4DDF-9129-8C3CE68F3649}" dt="2019-07-29T09:11:26.311" v="4680" actId="478"/>
-          <ac:cxnSpMkLst>
-            <pc:docMk/>
-            <pc:sldMk cId="3299539339" sldId="306"/>
-            <ac:cxnSpMk id="39" creationId="{AC9E6F14-FE1D-4E6A-B43A-7C756CA3BA8B}"/>
-          </ac:cxnSpMkLst>
-        </pc:cxnChg>
-        <pc:cxnChg chg="mod topLvl">
-          <ac:chgData name="Nadia-Simona Comanici" userId="5c8d8869465da292" providerId="LiveId" clId="{EAEB6841-D4F6-4DDF-9129-8C3CE68F3649}" dt="2019-07-29T09:15:39.325" v="4841" actId="164"/>
-          <ac:cxnSpMkLst>
-            <pc:docMk/>
-            <pc:sldMk cId="3299539339" sldId="306"/>
-            <ac:cxnSpMk id="47" creationId="{29722C26-B4BA-41AE-8A3A-B2611069CD5D}"/>
-          </ac:cxnSpMkLst>
-        </pc:cxnChg>
-        <pc:cxnChg chg="mod topLvl">
-          <ac:chgData name="Nadia-Simona Comanici" userId="5c8d8869465da292" providerId="LiveId" clId="{EAEB6841-D4F6-4DDF-9129-8C3CE68F3649}" dt="2019-07-29T09:15:39.325" v="4841" actId="164"/>
-          <ac:cxnSpMkLst>
-            <pc:docMk/>
-            <pc:sldMk cId="3299539339" sldId="306"/>
-            <ac:cxnSpMk id="49" creationId="{F21AF44C-0B97-45AA-8FD7-7E1C4D226EB5}"/>
-          </ac:cxnSpMkLst>
-        </pc:cxnChg>
-        <pc:cxnChg chg="mod topLvl">
-          <ac:chgData name="Nadia-Simona Comanici" userId="5c8d8869465da292" providerId="LiveId" clId="{EAEB6841-D4F6-4DDF-9129-8C3CE68F3649}" dt="2019-07-29T09:15:39.325" v="4841" actId="164"/>
-          <ac:cxnSpMkLst>
-            <pc:docMk/>
-            <pc:sldMk cId="3299539339" sldId="306"/>
-            <ac:cxnSpMk id="50" creationId="{152CBCBF-7321-4446-BCFB-0EB7998361CB}"/>
-          </ac:cxnSpMkLst>
-        </pc:cxnChg>
-        <pc:cxnChg chg="add mod">
-          <ac:chgData name="Nadia-Simona Comanici" userId="5c8d8869465da292" providerId="LiveId" clId="{EAEB6841-D4F6-4DDF-9129-8C3CE68F3649}" dt="2019-07-29T09:15:39.325" v="4841" actId="164"/>
-          <ac:cxnSpMkLst>
-            <pc:docMk/>
-            <pc:sldMk cId="3299539339" sldId="306"/>
-            <ac:cxnSpMk id="54" creationId="{68C60B44-7B6D-4E49-8DBD-E24B07CD13AE}"/>
-          </ac:cxnSpMkLst>
-        </pc:cxnChg>
-      </pc:sldChg>
-      <pc:sldChg chg="add del">
-        <pc:chgData name="Nadia-Simona Comanici" userId="5c8d8869465da292" providerId="LiveId" clId="{EAEB6841-D4F6-4DDF-9129-8C3CE68F3649}" dt="2019-07-29T09:04:10.846" v="4443" actId="2696"/>
-        <pc:sldMkLst>
-          <pc:docMk/>
-          <pc:sldMk cId="3364596452" sldId="306"/>
-        </pc:sldMkLst>
-      </pc:sldChg>
-      <pc:sldChg chg="addSp delSp modSp add">
-        <pc:chgData name="Nadia-Simona Comanici" userId="5c8d8869465da292" providerId="LiveId" clId="{EAEB6841-D4F6-4DDF-9129-8C3CE68F3649}" dt="2019-07-29T19:32:32.631" v="5269" actId="164"/>
-        <pc:sldMkLst>
-          <pc:docMk/>
-          <pc:sldMk cId="3254206413" sldId="307"/>
-        </pc:sldMkLst>
-        <pc:spChg chg="mod">
-          <ac:chgData name="Nadia-Simona Comanici" userId="5c8d8869465da292" providerId="LiveId" clId="{EAEB6841-D4F6-4DDF-9129-8C3CE68F3649}" dt="2019-07-29T19:29:29.946" v="5108" actId="20577"/>
-          <ac:spMkLst>
-            <pc:docMk/>
-            <pc:sldMk cId="3254206413" sldId="307"/>
-            <ac:spMk id="2" creationId="{6DF73922-B162-4C99-9A36-D11CF6366A63}"/>
-          </ac:spMkLst>
-        </pc:spChg>
-        <pc:spChg chg="del">
-          <ac:chgData name="Nadia-Simona Comanici" userId="5c8d8869465da292" providerId="LiveId" clId="{EAEB6841-D4F6-4DDF-9129-8C3CE68F3649}" dt="2019-07-29T19:29:41.844" v="5109" actId="478"/>
-          <ac:spMkLst>
-            <pc:docMk/>
-            <pc:sldMk cId="3254206413" sldId="307"/>
-            <ac:spMk id="3" creationId="{705FA6A6-B3B6-4316-B3A7-17CFB05048C5}"/>
-          </ac:spMkLst>
-        </pc:spChg>
-        <pc:spChg chg="add mod">
-          <ac:chgData name="Nadia-Simona Comanici" userId="5c8d8869465da292" providerId="LiveId" clId="{EAEB6841-D4F6-4DDF-9129-8C3CE68F3649}" dt="2019-07-29T19:32:32.631" v="5269" actId="164"/>
-          <ac:spMkLst>
-            <pc:docMk/>
-            <pc:sldMk cId="3254206413" sldId="307"/>
-            <ac:spMk id="4" creationId="{B8C5AAB4-6445-4C72-A716-D64FCD9ADA0E}"/>
-          </ac:spMkLst>
-        </pc:spChg>
-        <pc:spChg chg="add mod">
-          <ac:chgData name="Nadia-Simona Comanici" userId="5c8d8869465da292" providerId="LiveId" clId="{EAEB6841-D4F6-4DDF-9129-8C3CE68F3649}" dt="2019-07-29T19:32:32.631" v="5269" actId="164"/>
-          <ac:spMkLst>
-            <pc:docMk/>
-            <pc:sldMk cId="3254206413" sldId="307"/>
-            <ac:spMk id="5" creationId="{27BE370A-25BB-4838-9F14-049DF436399D}"/>
-          </ac:spMkLst>
-        </pc:spChg>
-        <pc:spChg chg="add mod">
-          <ac:chgData name="Nadia-Simona Comanici" userId="5c8d8869465da292" providerId="LiveId" clId="{EAEB6841-D4F6-4DDF-9129-8C3CE68F3649}" dt="2019-07-29T19:32:32.631" v="5269" actId="164"/>
-          <ac:spMkLst>
-            <pc:docMk/>
-            <pc:sldMk cId="3254206413" sldId="307"/>
-            <ac:spMk id="6" creationId="{F3E8F936-AE40-4BDE-A705-75BFE289CDC0}"/>
-          </ac:spMkLst>
-        </pc:spChg>
-        <pc:spChg chg="add mod">
-          <ac:chgData name="Nadia-Simona Comanici" userId="5c8d8869465da292" providerId="LiveId" clId="{EAEB6841-D4F6-4DDF-9129-8C3CE68F3649}" dt="2019-07-29T19:32:32.631" v="5269" actId="164"/>
-          <ac:spMkLst>
-            <pc:docMk/>
-            <pc:sldMk cId="3254206413" sldId="307"/>
-            <ac:spMk id="7" creationId="{2932E708-D7D2-4349-9268-B7F4ED5E3DF2}"/>
-          </ac:spMkLst>
-        </pc:spChg>
-        <pc:spChg chg="add mod">
-          <ac:chgData name="Nadia-Simona Comanici" userId="5c8d8869465da292" providerId="LiveId" clId="{EAEB6841-D4F6-4DDF-9129-8C3CE68F3649}" dt="2019-07-29T19:32:32.631" v="5269" actId="164"/>
-          <ac:spMkLst>
-            <pc:docMk/>
-            <pc:sldMk cId="3254206413" sldId="307"/>
-            <ac:spMk id="8" creationId="{EC814A00-C1DE-4F92-B9D2-EECB7F970077}"/>
-          </ac:spMkLst>
-        </pc:spChg>
-        <pc:grpChg chg="add mod">
-          <ac:chgData name="Nadia-Simona Comanici" userId="5c8d8869465da292" providerId="LiveId" clId="{EAEB6841-D4F6-4DDF-9129-8C3CE68F3649}" dt="2019-07-29T19:32:32.631" v="5269" actId="164"/>
-          <ac:grpSpMkLst>
-            <pc:docMk/>
-            <pc:sldMk cId="3254206413" sldId="307"/>
-            <ac:grpSpMk id="17" creationId="{CFF1B184-5861-4808-9A2B-ECD4CC43D6A3}"/>
-          </ac:grpSpMkLst>
-        </pc:grpChg>
-        <pc:cxnChg chg="add mod">
-          <ac:chgData name="Nadia-Simona Comanici" userId="5c8d8869465da292" providerId="LiveId" clId="{EAEB6841-D4F6-4DDF-9129-8C3CE68F3649}" dt="2019-07-29T19:32:32.631" v="5269" actId="164"/>
-          <ac:cxnSpMkLst>
-            <pc:docMk/>
-            <pc:sldMk cId="3254206413" sldId="307"/>
-            <ac:cxnSpMk id="10" creationId="{CAD528FF-C1F8-4275-B02C-847482B850B1}"/>
-          </ac:cxnSpMkLst>
-        </pc:cxnChg>
-        <pc:cxnChg chg="add mod">
-          <ac:chgData name="Nadia-Simona Comanici" userId="5c8d8869465da292" providerId="LiveId" clId="{EAEB6841-D4F6-4DDF-9129-8C3CE68F3649}" dt="2019-07-29T19:32:32.631" v="5269" actId="164"/>
-          <ac:cxnSpMkLst>
-            <pc:docMk/>
-            <pc:sldMk cId="3254206413" sldId="307"/>
-            <ac:cxnSpMk id="12" creationId="{8466FEBE-AED7-41C7-9439-EDCA8FA3A554}"/>
-          </ac:cxnSpMkLst>
-        </pc:cxnChg>
-        <pc:cxnChg chg="add mod">
-          <ac:chgData name="Nadia-Simona Comanici" userId="5c8d8869465da292" providerId="LiveId" clId="{EAEB6841-D4F6-4DDF-9129-8C3CE68F3649}" dt="2019-07-29T19:32:32.631" v="5269" actId="164"/>
-          <ac:cxnSpMkLst>
-            <pc:docMk/>
-            <pc:sldMk cId="3254206413" sldId="307"/>
-            <ac:cxnSpMk id="14" creationId="{4AC29F1E-0D7E-42BF-B0F8-8E7D55AFFF38}"/>
-          </ac:cxnSpMkLst>
-        </pc:cxnChg>
-        <pc:cxnChg chg="add mod">
-          <ac:chgData name="Nadia-Simona Comanici" userId="5c8d8869465da292" providerId="LiveId" clId="{EAEB6841-D4F6-4DDF-9129-8C3CE68F3649}" dt="2019-07-29T19:32:32.631" v="5269" actId="164"/>
-          <ac:cxnSpMkLst>
-            <pc:docMk/>
-            <pc:sldMk cId="3254206413" sldId="307"/>
-            <ac:cxnSpMk id="16" creationId="{2E3BC20D-B15B-48E6-848D-654B9A1BB8BF}"/>
-          </ac:cxnSpMkLst>
-        </pc:cxnChg>
-      </pc:sldChg>
-      <pc:sldChg chg="add del">
-        <pc:chgData name="Nadia-Simona Comanici" userId="5c8d8869465da292" providerId="LiveId" clId="{EAEB6841-D4F6-4DDF-9129-8C3CE68F3649}" dt="2019-07-29T19:33:10.766" v="5271" actId="2696"/>
-        <pc:sldMkLst>
-          <pc:docMk/>
-          <pc:sldMk cId="4160067318" sldId="308"/>
-        </pc:sldMkLst>
-      </pc:sldChg>
-    </pc:docChg>
-  </pc:docChgLst>
-</pc:chgInfo>
 </file>
 
 <file path=ppt/slideLayouts/slideLayout1.xml><?xml version="1.0" encoding="utf-8"?>
@@ -3744,7 +421,7 @@
           <a:p>
             <a:fld id="{638941B0-F4D5-4460-BCAD-F7E2B41A8257}" type="datetimeFigureOut">
               <a:rPr lang="de-DE" smtClean="0"/>
-              <a:t>29.07.2019</a:t>
+              <a:t>06.08.2019</a:t>
             </a:fld>
             <a:endParaRPr lang="de-DE"/>
           </a:p>
@@ -3949,7 +626,7 @@
           <a:p>
             <a:fld id="{638941B0-F4D5-4460-BCAD-F7E2B41A8257}" type="datetimeFigureOut">
               <a:rPr lang="de-DE" smtClean="0"/>
-              <a:t>29.07.2019</a:t>
+              <a:t>06.08.2019</a:t>
             </a:fld>
             <a:endParaRPr lang="de-DE"/>
           </a:p>
@@ -4129,7 +806,7 @@
           <a:p>
             <a:fld id="{638941B0-F4D5-4460-BCAD-F7E2B41A8257}" type="datetimeFigureOut">
               <a:rPr lang="de-DE" smtClean="0"/>
-              <a:t>29.07.2019</a:t>
+              <a:t>06.08.2019</a:t>
             </a:fld>
             <a:endParaRPr lang="de-DE"/>
           </a:p>
@@ -4334,7 +1011,7 @@
           <a:p>
             <a:fld id="{638941B0-F4D5-4460-BCAD-F7E2B41A8257}" type="datetimeFigureOut">
               <a:rPr lang="de-DE" smtClean="0"/>
-              <a:t>29.07.2019</a:t>
+              <a:t>06.08.2019</a:t>
             </a:fld>
             <a:endParaRPr lang="de-DE"/>
           </a:p>
@@ -4629,7 +1306,7 @@
           <a:p>
             <a:fld id="{638941B0-F4D5-4460-BCAD-F7E2B41A8257}" type="datetimeFigureOut">
               <a:rPr lang="de-DE" smtClean="0"/>
-              <a:t>29.07.2019</a:t>
+              <a:t>06.08.2019</a:t>
             </a:fld>
             <a:endParaRPr lang="de-DE"/>
           </a:p>
@@ -4901,7 +1578,7 @@
           <a:p>
             <a:fld id="{638941B0-F4D5-4460-BCAD-F7E2B41A8257}" type="datetimeFigureOut">
               <a:rPr lang="de-DE" smtClean="0"/>
-              <a:t>29.07.2019</a:t>
+              <a:t>06.08.2019</a:t>
             </a:fld>
             <a:endParaRPr lang="de-DE"/>
           </a:p>
@@ -5308,7 +1985,7 @@
           <a:p>
             <a:fld id="{638941B0-F4D5-4460-BCAD-F7E2B41A8257}" type="datetimeFigureOut">
               <a:rPr lang="de-DE" smtClean="0"/>
-              <a:t>29.07.2019</a:t>
+              <a:t>06.08.2019</a:t>
             </a:fld>
             <a:endParaRPr lang="de-DE"/>
           </a:p>
@@ -5426,7 +2103,7 @@
           <a:p>
             <a:fld id="{638941B0-F4D5-4460-BCAD-F7E2B41A8257}" type="datetimeFigureOut">
               <a:rPr lang="de-DE" smtClean="0"/>
-              <a:t>29.07.2019</a:t>
+              <a:t>06.08.2019</a:t>
             </a:fld>
             <a:endParaRPr lang="de-DE"/>
           </a:p>
@@ -5521,7 +2198,7 @@
           <a:p>
             <a:fld id="{638941B0-F4D5-4460-BCAD-F7E2B41A8257}" type="datetimeFigureOut">
               <a:rPr lang="de-DE" smtClean="0"/>
-              <a:t>29.07.2019</a:t>
+              <a:t>06.08.2019</a:t>
             </a:fld>
             <a:endParaRPr lang="de-DE"/>
           </a:p>
@@ -5811,7 +2488,7 @@
           <a:p>
             <a:fld id="{638941B0-F4D5-4460-BCAD-F7E2B41A8257}" type="datetimeFigureOut">
               <a:rPr lang="de-DE" smtClean="0"/>
-              <a:t>29.07.2019</a:t>
+              <a:t>06.08.2019</a:t>
             </a:fld>
             <a:endParaRPr lang="de-DE"/>
           </a:p>
@@ -6091,7 +2768,7 @@
           <a:p>
             <a:fld id="{638941B0-F4D5-4460-BCAD-F7E2B41A8257}" type="datetimeFigureOut">
               <a:rPr lang="de-DE" smtClean="0"/>
-              <a:t>29.07.2019</a:t>
+              <a:t>06.08.2019</a:t>
             </a:fld>
             <a:endParaRPr lang="de-DE"/>
           </a:p>
@@ -6341,7 +3018,7 @@
           <a:p>
             <a:fld id="{638941B0-F4D5-4460-BCAD-F7E2B41A8257}" type="datetimeFigureOut">
               <a:rPr lang="de-DE" smtClean="0"/>
-              <a:t>29.07.2019</a:t>
+              <a:t>06.08.2019</a:t>
             </a:fld>
             <a:endParaRPr lang="de-DE"/>
           </a:p>
@@ -13192,7 +9869,7 @@
           <p:nvPr/>
         </p:nvPicPr>
         <p:blipFill rotWithShape="1">
-          <a:blip r:embed="rId3">
+          <a:blip r:embed="rId3" cstate="print">
             <a:extLst>
               <a:ext uri="{28A0092B-C50C-407E-A947-70E740481C1C}">
                 <a14:useLocalDpi xmlns:a14="http://schemas.microsoft.com/office/drawing/2010/main" val="0"/>
@@ -19419,8 +16096,16 @@
           <a:p>
             <a:pPr algn="r"/>
             <a:r>
+              <a:rPr lang="en-US" sz="5400" spc="200" dirty="0"/>
+              <a:t>Open </a:t>
+            </a:r>
+            <a:r>
+              <a:rPr lang="ro-RO" sz="5400" spc="200"/>
+              <a:t>/ </a:t>
+            </a:r>
+            <a:r>
               <a:rPr lang="en-US" sz="5400" spc="200"/>
-              <a:t>Open Closed principle</a:t>
+              <a:t>Closed principle</a:t>
             </a:r>
           </a:p>
         </p:txBody>
@@ -19599,7 +16284,7 @@
           <a:p>
             <a:r>
               <a:rPr lang="fr-FR" dirty="0"/>
-              <a:t>Open </a:t>
+              <a:t>Open / </a:t>
             </a:r>
             <a:r>
               <a:rPr lang="fr-FR" dirty="0" err="1"/>
@@ -19633,7 +16318,12 @@
             <p:ph idx="1"/>
           </p:nvPr>
         </p:nvSpPr>
-        <p:spPr/>
+        <p:spPr>
+          <a:xfrm>
+            <a:off x="1024128" y="2286000"/>
+            <a:ext cx="9720071" cy="4023360"/>
+          </a:xfrm>
+        </p:spPr>
         <p:txBody>
           <a:bodyPr vert="horz" lIns="45720" tIns="45720" rIns="45720" bIns="45720" rtlCol="0" anchor="t">
             <a:normAutofit/>
@@ -19641,6 +16331,12 @@
           <a:lstStyle/>
           <a:p>
             <a:pPr>
+              <a:lnSpc>
+                <a:spcPct val="100000"/>
+              </a:lnSpc>
+              <a:spcBef>
+                <a:spcPts val="600"/>
+              </a:spcBef>
               <a:buFont typeface="Arial" panose="020B0602020104020603" pitchFamily="34" charset="0"/>
               <a:buChar char="•"/>
             </a:pPr>
@@ -19686,13 +16382,22 @@
               </a:rPr>
               <a:t>be</a:t>
             </a:r>
-            <a:endParaRPr lang="fr-FR" dirty="0">
-              <a:ea typeface="+mn-lt"/>
-              <a:cs typeface="+mn-lt"/>
-            </a:endParaRPr>
+            <a:r>
+              <a:rPr lang="fr-FR" dirty="0">
+                <a:ea typeface="+mn-lt"/>
+                <a:cs typeface="+mn-lt"/>
+              </a:rPr>
+              <a:t>:</a:t>
+            </a:r>
           </a:p>
           <a:p>
             <a:pPr lvl="1">
+              <a:lnSpc>
+                <a:spcPct val="100000"/>
+              </a:lnSpc>
+              <a:spcBef>
+                <a:spcPts val="600"/>
+              </a:spcBef>
               <a:buFont typeface="Arial" panose="020B0602020104020603" pitchFamily="34" charset="0"/>
               <a:buChar char="•"/>
             </a:pPr>
@@ -19704,24 +16409,18 @@
               <a:t>Opened</a:t>
             </a:r>
             <a:r>
+              <a:rPr lang="fr-FR" b="1" dirty="0">
+                <a:ea typeface="+mn-lt"/>
+                <a:cs typeface="+mn-lt"/>
+              </a:rPr>
+              <a:t> for extension </a:t>
+            </a:r>
+            <a:r>
               <a:rPr lang="fr-FR" dirty="0">
                 <a:ea typeface="+mn-lt"/>
                 <a:cs typeface="+mn-lt"/>
               </a:rPr>
-              <a:t> for extension</a:t>
-            </a:r>
-          </a:p>
-          <a:p>
-            <a:pPr lvl="2">
-              <a:buFont typeface="Arial" panose="020B0602020104020603" pitchFamily="34" charset="0"/>
-              <a:buChar char="•"/>
-            </a:pPr>
-            <a:r>
-              <a:rPr lang="fr-FR" dirty="0">
-                <a:ea typeface="+mn-lt"/>
-                <a:cs typeface="+mn-lt"/>
-              </a:rPr>
-              <a:t>You can </a:t>
+              <a:t>= You can </a:t>
             </a:r>
             <a:r>
               <a:rPr lang="fr-FR" dirty="0" err="1">
@@ -19744,13 +16443,19 @@
               </a:rPr>
               <a:t>behviour</a:t>
             </a:r>
-            <a:endParaRPr lang="fr-FR" dirty="0">
+            <a:endParaRPr lang="fr-FR" sz="1400" dirty="0">
               <a:ea typeface="+mn-lt"/>
               <a:cs typeface="+mn-lt"/>
             </a:endParaRPr>
           </a:p>
           <a:p>
             <a:pPr lvl="1">
+              <a:lnSpc>
+                <a:spcPct val="100000"/>
+              </a:lnSpc>
+              <a:spcBef>
+                <a:spcPts val="600"/>
+              </a:spcBef>
               <a:buFont typeface="Arial" panose="020B0602020104020603" pitchFamily="34" charset="0"/>
               <a:buChar char="•"/>
             </a:pPr>
@@ -19762,52 +16467,32 @@
               <a:t>Closed</a:t>
             </a:r>
             <a:r>
+              <a:rPr lang="fr-FR" b="1" dirty="0">
+                <a:ea typeface="+mn-lt"/>
+                <a:cs typeface="+mn-lt"/>
+              </a:rPr>
+              <a:t> for modification </a:t>
+            </a:r>
+            <a:r>
               <a:rPr lang="fr-FR" dirty="0">
                 <a:ea typeface="+mn-lt"/>
                 <a:cs typeface="+mn-lt"/>
               </a:rPr>
-              <a:t> for modification</a:t>
-            </a:r>
-          </a:p>
-          <a:p>
-            <a:pPr lvl="2">
-              <a:buFont typeface="Arial" panose="020B0602020104020603" pitchFamily="34" charset="0"/>
-              <a:buChar char="•"/>
-            </a:pPr>
+              <a:t>= You </a:t>
+            </a:r>
+            <a:r>
+              <a:rPr lang="fr-FR" dirty="0" err="1">
+                <a:ea typeface="+mn-lt"/>
+                <a:cs typeface="+mn-lt"/>
+              </a:rPr>
+              <a:t>should</a:t>
+            </a:r>
             <a:r>
               <a:rPr lang="fr-FR" dirty="0">
                 <a:ea typeface="+mn-lt"/>
                 <a:cs typeface="+mn-lt"/>
               </a:rPr>
-              <a:t>You </a:t>
-            </a:r>
-            <a:r>
-              <a:rPr lang="fr-FR" dirty="0" err="1">
-                <a:ea typeface="+mn-lt"/>
-                <a:cs typeface="+mn-lt"/>
-              </a:rPr>
-              <a:t>don’t</a:t>
-            </a:r>
-            <a:r>
-              <a:rPr lang="fr-FR" dirty="0">
-                <a:ea typeface="+mn-lt"/>
-                <a:cs typeface="+mn-lt"/>
-              </a:rPr>
-              <a:t> </a:t>
-            </a:r>
-            <a:r>
-              <a:rPr lang="fr-FR" dirty="0" err="1">
-                <a:ea typeface="+mn-lt"/>
-                <a:cs typeface="+mn-lt"/>
-              </a:rPr>
-              <a:t>need</a:t>
-            </a:r>
-            <a:r>
-              <a:rPr lang="fr-FR" dirty="0">
-                <a:ea typeface="+mn-lt"/>
-                <a:cs typeface="+mn-lt"/>
-              </a:rPr>
-              <a:t> to change the source/</a:t>
+              <a:t> not change the source/</a:t>
             </a:r>
             <a:r>
               <a:rPr lang="fr-FR" dirty="0" err="1">
@@ -19823,6 +16508,72 @@
               </a:rPr>
               <a:t> code</a:t>
             </a:r>
+          </a:p>
+          <a:p>
+            <a:pPr>
+              <a:lnSpc>
+                <a:spcPct val="100000"/>
+              </a:lnSpc>
+              <a:spcBef>
+                <a:spcPts val="600"/>
+              </a:spcBef>
+              <a:buFont typeface="Arial" panose="020B0602020104020603" pitchFamily="34" charset="0"/>
+              <a:buChar char="•"/>
+            </a:pPr>
+            <a:endParaRPr lang="en-US" dirty="0"/>
+          </a:p>
+          <a:p>
+            <a:pPr>
+              <a:lnSpc>
+                <a:spcPct val="100000"/>
+              </a:lnSpc>
+              <a:spcBef>
+                <a:spcPts val="600"/>
+              </a:spcBef>
+              <a:buFont typeface="Arial" panose="020B0602020104020603" pitchFamily="34" charset="0"/>
+              <a:buChar char="•"/>
+            </a:pPr>
+            <a:r>
+              <a:rPr lang="en-US" dirty="0"/>
+              <a:t> Write your code so that you will be able to add new functionality without changing the existing code </a:t>
+            </a:r>
+          </a:p>
+          <a:p>
+            <a:pPr>
+              <a:lnSpc>
+                <a:spcPct val="100000"/>
+              </a:lnSpc>
+              <a:spcBef>
+                <a:spcPts val="600"/>
+              </a:spcBef>
+              <a:buFont typeface="Arial" panose="020B0602020104020603" pitchFamily="34" charset="0"/>
+              <a:buChar char="•"/>
+            </a:pPr>
+            <a:endParaRPr lang="en-US" dirty="0"/>
+          </a:p>
+          <a:p>
+            <a:pPr>
+              <a:lnSpc>
+                <a:spcPct val="100000"/>
+              </a:lnSpc>
+              <a:spcBef>
+                <a:spcPts val="600"/>
+              </a:spcBef>
+              <a:buFont typeface="Arial" panose="020B0602020104020603" pitchFamily="34" charset="0"/>
+              <a:buChar char="•"/>
+            </a:pPr>
+            <a:r>
+              <a:rPr lang="en-US" b="1" dirty="0"/>
+              <a:t> Bug fixes are exceptions</a:t>
+            </a:r>
+            <a:r>
+              <a:rPr lang="en-US" dirty="0"/>
+              <a:t> - you need to change the code</a:t>
+            </a:r>
+            <a:endParaRPr lang="fr-FR" dirty="0">
+              <a:ea typeface="+mn-lt"/>
+              <a:cs typeface="+mn-lt"/>
+            </a:endParaRPr>
           </a:p>
         </p:txBody>
       </p:sp>
@@ -20363,6 +17114,4079 @@
     <p:extLst>
       <p:ext uri="{BB962C8B-B14F-4D97-AF65-F5344CB8AC3E}">
         <p14:creationId xmlns:p14="http://schemas.microsoft.com/office/powerpoint/2010/main" val="3032863794"/>
+      </p:ext>
+    </p:extLst>
+  </p:cSld>
+  <p:clrMapOvr>
+    <a:masterClrMapping/>
+  </p:clrMapOvr>
+</p:sld>
+</file>
+
+<file path=ppt/slides/slide40.xml><?xml version="1.0" encoding="utf-8"?>
+<p:sld xmlns:a="http://schemas.openxmlformats.org/drawingml/2006/main" xmlns:r="http://schemas.openxmlformats.org/officeDocument/2006/relationships" xmlns:p="http://schemas.openxmlformats.org/presentationml/2006/main">
+  <p:cSld>
+    <p:spTree>
+      <p:nvGrpSpPr>
+        <p:cNvPr id="1" name=""/>
+        <p:cNvGrpSpPr/>
+        <p:nvPr/>
+      </p:nvGrpSpPr>
+      <p:grpSpPr>
+        <a:xfrm>
+          <a:off x="0" y="0"/>
+          <a:ext cx="0" cy="0"/>
+          <a:chOff x="0" y="0"/>
+          <a:chExt cx="0" cy="0"/>
+        </a:xfrm>
+      </p:grpSpPr>
+      <p:sp>
+        <p:nvSpPr>
+          <p:cNvPr id="2" name="Titlu 1">
+            <a:extLst>
+              <a:ext uri="{FF2B5EF4-FFF2-40B4-BE49-F238E27FC236}">
+                <a16:creationId xmlns:a16="http://schemas.microsoft.com/office/drawing/2014/main" id="{4239916E-660F-4447-8C67-1995358CC53E}"/>
+              </a:ext>
+            </a:extLst>
+          </p:cNvPr>
+          <p:cNvSpPr>
+            <a:spLocks noGrp="1"/>
+          </p:cNvSpPr>
+          <p:nvPr>
+            <p:ph type="title"/>
+          </p:nvPr>
+        </p:nvSpPr>
+        <p:spPr/>
+        <p:txBody>
+          <a:bodyPr/>
+          <a:lstStyle/>
+          <a:p>
+            <a:r>
+              <a:rPr lang="en-US" dirty="0"/>
+              <a:t>Open/Closed principle</a:t>
+            </a:r>
+          </a:p>
+        </p:txBody>
+      </p:sp>
+      <p:pic>
+        <p:nvPicPr>
+          <p:cNvPr id="1026" name="Picture 2" descr="Open/Closed Principle - Open chest surgery is not needed when putting on a coat">
+            <a:extLst>
+              <a:ext uri="{FF2B5EF4-FFF2-40B4-BE49-F238E27FC236}">
+                <a16:creationId xmlns:a16="http://schemas.microsoft.com/office/drawing/2014/main" id="{BF4CA98B-B54E-46A7-8AD9-670D7914E2F2}"/>
+              </a:ext>
+            </a:extLst>
+          </p:cNvPr>
+          <p:cNvPicPr>
+            <a:picLocks noGrp="1" noChangeAspect="1" noChangeArrowheads="1"/>
+          </p:cNvPicPr>
+          <p:nvPr>
+            <p:ph idx="1"/>
+          </p:nvPr>
+        </p:nvPicPr>
+        <p:blipFill>
+          <a:blip r:embed="rId2">
+            <a:extLst>
+              <a:ext uri="{28A0092B-C50C-407E-A947-70E740481C1C}">
+                <a14:useLocalDpi xmlns:a14="http://schemas.microsoft.com/office/drawing/2010/main" val="0"/>
+              </a:ext>
+            </a:extLst>
+          </a:blip>
+          <a:srcRect/>
+          <a:stretch>
+            <a:fillRect/>
+          </a:stretch>
+        </p:blipFill>
+        <p:spPr bwMode="auto">
+          <a:xfrm>
+            <a:off x="3369961" y="2084832"/>
+            <a:ext cx="5028406" cy="4022725"/>
+          </a:xfrm>
+          <a:prstGeom prst="rect">
+            <a:avLst/>
+          </a:prstGeom>
+          <a:noFill/>
+          <a:extLst>
+            <a:ext uri="{909E8E84-426E-40DD-AFC4-6F175D3DCCD1}">
+              <a14:hiddenFill xmlns:a14="http://schemas.microsoft.com/office/drawing/2010/main">
+                <a:solidFill>
+                  <a:srgbClr val="FFFFFF"/>
+                </a:solidFill>
+              </a14:hiddenFill>
+            </a:ext>
+          </a:extLst>
+        </p:spPr>
+      </p:pic>
+      <p:sp>
+        <p:nvSpPr>
+          <p:cNvPr id="4" name="Dreptunghi 3">
+            <a:extLst>
+              <a:ext uri="{FF2B5EF4-FFF2-40B4-BE49-F238E27FC236}">
+                <a16:creationId xmlns:a16="http://schemas.microsoft.com/office/drawing/2014/main" id="{29B5D538-8EBE-47FE-A690-3DAEE61C0357}"/>
+              </a:ext>
+            </a:extLst>
+          </p:cNvPr>
+          <p:cNvSpPr/>
+          <p:nvPr/>
+        </p:nvSpPr>
+        <p:spPr>
+          <a:xfrm>
+            <a:off x="2190135" y="6262755"/>
+            <a:ext cx="8554065" cy="369332"/>
+          </a:xfrm>
+          <a:prstGeom prst="rect">
+            <a:avLst/>
+          </a:prstGeom>
+        </p:spPr>
+        <p:txBody>
+          <a:bodyPr wrap="square">
+            <a:spAutoFit/>
+          </a:bodyPr>
+          <a:lstStyle/>
+          <a:p>
+            <a:r>
+              <a:rPr lang="en-US" dirty="0">
+                <a:hlinkClick r:id="rId3"/>
+              </a:rPr>
+              <a:t>Source: https://www.exceptionnotfound.net/simply-solid-the-open-closed-principle/</a:t>
+            </a:r>
+            <a:endParaRPr lang="en-US" dirty="0"/>
+          </a:p>
+        </p:txBody>
+      </p:sp>
+    </p:spTree>
+    <p:extLst>
+      <p:ext uri="{BB962C8B-B14F-4D97-AF65-F5344CB8AC3E}">
+        <p14:creationId xmlns:p14="http://schemas.microsoft.com/office/powerpoint/2010/main" val="2253687881"/>
+      </p:ext>
+    </p:extLst>
+  </p:cSld>
+  <p:clrMapOvr>
+    <a:masterClrMapping/>
+  </p:clrMapOvr>
+</p:sld>
+</file>
+
+<file path=ppt/slides/slide41.xml><?xml version="1.0" encoding="utf-8"?>
+<p:sld xmlns:a="http://schemas.openxmlformats.org/drawingml/2006/main" xmlns:r="http://schemas.openxmlformats.org/officeDocument/2006/relationships" xmlns:p="http://schemas.openxmlformats.org/presentationml/2006/main">
+  <p:cSld>
+    <p:bg>
+      <p:bgPr>
+        <a:solidFill>
+          <a:schemeClr val="bg1"/>
+        </a:solidFill>
+        <a:effectLst/>
+      </p:bgPr>
+    </p:bg>
+    <p:spTree>
+      <p:nvGrpSpPr>
+        <p:cNvPr id="1" name=""/>
+        <p:cNvGrpSpPr/>
+        <p:nvPr/>
+      </p:nvGrpSpPr>
+      <p:grpSpPr>
+        <a:xfrm>
+          <a:off x="0" y="0"/>
+          <a:ext cx="0" cy="0"/>
+          <a:chOff x="0" y="0"/>
+          <a:chExt cx="0" cy="0"/>
+        </a:xfrm>
+      </p:grpSpPr>
+      <p:sp>
+        <p:nvSpPr>
+          <p:cNvPr id="15" name="Rectangle 14">
+            <a:extLst>
+              <a:ext uri="{FF2B5EF4-FFF2-40B4-BE49-F238E27FC236}">
+                <a16:creationId xmlns:a16="http://schemas.microsoft.com/office/drawing/2014/main" id="{F3BB34A6-31BD-4BBB-A8C8-C3E81A71F41B}"/>
+              </a:ext>
+              <a:ext uri="{C183D7F6-B498-43B3-948B-1728B52AA6E4}">
+                <adec:decorative xmlns:adec="http://schemas.microsoft.com/office/drawing/2017/decorative" val="1"/>
+              </a:ext>
+            </a:extLst>
+          </p:cNvPr>
+          <p:cNvSpPr>
+            <a:spLocks noGrp="1" noRot="1" noChangeAspect="1" noMove="1" noResize="1" noEditPoints="1" noAdjustHandles="1" noChangeArrowheads="1" noChangeShapeType="1" noTextEdit="1"/>
+          </p:cNvSpPr>
+          <p:nvPr>
+            <p:extLst>
+              <p:ext uri="{386F3935-93C4-4BCD-93E2-E3B085C9AB24}">
+                <p16:designElem xmlns:p16="http://schemas.microsoft.com/office/powerpoint/2015/main" val="1"/>
+              </p:ext>
+            </p:extLst>
+          </p:nvPr>
+        </p:nvSpPr>
+        <p:spPr>
+          <a:xfrm flipH="1">
+            <a:off x="3274" y="0"/>
+            <a:ext cx="12188726" cy="6858975"/>
+          </a:xfrm>
+          <a:prstGeom prst="rect">
+            <a:avLst/>
+          </a:prstGeom>
+          <a:solidFill>
+            <a:schemeClr val="bg1"/>
+          </a:solidFill>
+          <a:ln>
+            <a:noFill/>
+          </a:ln>
+        </p:spPr>
+        <p:style>
+          <a:lnRef idx="2">
+            <a:schemeClr val="accent1">
+              <a:shade val="50000"/>
+            </a:schemeClr>
+          </a:lnRef>
+          <a:fillRef idx="1">
+            <a:schemeClr val="accent1"/>
+          </a:fillRef>
+          <a:effectRef idx="0">
+            <a:schemeClr val="accent1"/>
+          </a:effectRef>
+          <a:fontRef idx="minor">
+            <a:schemeClr val="lt1"/>
+          </a:fontRef>
+        </p:style>
+        <p:txBody>
+          <a:bodyPr rtlCol="0" anchor="ctr"/>
+          <a:lstStyle/>
+          <a:p>
+            <a:pPr algn="ctr"/>
+            <a:endParaRPr lang="en-US"/>
+          </a:p>
+        </p:txBody>
+      </p:sp>
+      <p:sp>
+        <p:nvSpPr>
+          <p:cNvPr id="4" name="Titlu 3">
+            <a:extLst>
+              <a:ext uri="{FF2B5EF4-FFF2-40B4-BE49-F238E27FC236}">
+                <a16:creationId xmlns:a16="http://schemas.microsoft.com/office/drawing/2014/main" id="{B7426A78-E821-49C9-8ECF-812AD2B3FA24}"/>
+              </a:ext>
+            </a:extLst>
+          </p:cNvPr>
+          <p:cNvSpPr>
+            <a:spLocks noGrp="1"/>
+          </p:cNvSpPr>
+          <p:nvPr>
+            <p:ph type="ctrTitle"/>
+          </p:nvPr>
+        </p:nvSpPr>
+        <p:spPr>
+          <a:xfrm>
+            <a:off x="5258134" y="640080"/>
+            <a:ext cx="6293689" cy="3652405"/>
+          </a:xfrm>
+        </p:spPr>
+        <p:txBody>
+          <a:bodyPr vert="horz" lIns="91440" tIns="45720" rIns="91440" bIns="45720" rtlCol="0" anchor="b">
+            <a:normAutofit/>
+          </a:bodyPr>
+          <a:lstStyle/>
+          <a:p>
+            <a:pPr algn="l"/>
+            <a:br>
+              <a:rPr lang="en-US" dirty="0">
+                <a:solidFill>
+                  <a:schemeClr val="tx1">
+                    <a:lumMod val="85000"/>
+                    <a:lumOff val="15000"/>
+                  </a:schemeClr>
+                </a:solidFill>
+              </a:rPr>
+            </a:br>
+            <a:br>
+              <a:rPr lang="en-US" dirty="0">
+                <a:solidFill>
+                  <a:schemeClr val="tx1">
+                    <a:lumMod val="85000"/>
+                    <a:lumOff val="15000"/>
+                  </a:schemeClr>
+                </a:solidFill>
+              </a:rPr>
+            </a:br>
+            <a:r>
+              <a:rPr lang="ro-RO" dirty="0">
+                <a:solidFill>
+                  <a:schemeClr val="tx1">
+                    <a:lumMod val="85000"/>
+                    <a:lumOff val="15000"/>
+                  </a:schemeClr>
+                </a:solidFill>
+                <a:ea typeface="+mj-lt"/>
+                <a:cs typeface="+mj-lt"/>
+              </a:rPr>
+              <a:t>MUSEUM</a:t>
+            </a:r>
+            <a:r>
+              <a:rPr lang="en-US" dirty="0">
+                <a:solidFill>
+                  <a:schemeClr val="tx1">
+                    <a:lumMod val="85000"/>
+                    <a:lumOff val="15000"/>
+                  </a:schemeClr>
+                </a:solidFill>
+                <a:ea typeface="+mj-lt"/>
+                <a:cs typeface="+mj-lt"/>
+              </a:rPr>
+              <a:t> Sample</a:t>
+            </a:r>
+            <a:endParaRPr lang="en-US" spc="200" dirty="0">
+              <a:solidFill>
+                <a:schemeClr val="tx1">
+                  <a:lumMod val="85000"/>
+                  <a:lumOff val="15000"/>
+                </a:schemeClr>
+              </a:solidFill>
+            </a:endParaRPr>
+          </a:p>
+        </p:txBody>
+      </p:sp>
+      <p:sp>
+        <p:nvSpPr>
+          <p:cNvPr id="9" name="Subtitlu 8">
+            <a:extLst>
+              <a:ext uri="{FF2B5EF4-FFF2-40B4-BE49-F238E27FC236}">
+                <a16:creationId xmlns:a16="http://schemas.microsoft.com/office/drawing/2014/main" id="{0AD1C50B-E306-479D-8F6C-370240FE00CB}"/>
+              </a:ext>
+            </a:extLst>
+          </p:cNvPr>
+          <p:cNvSpPr>
+            <a:spLocks noGrp="1"/>
+          </p:cNvSpPr>
+          <p:nvPr>
+            <p:ph type="subTitle" idx="1"/>
+          </p:nvPr>
+        </p:nvSpPr>
+        <p:spPr>
+          <a:xfrm>
+            <a:off x="5271524" y="4460708"/>
+            <a:ext cx="6280299" cy="1753175"/>
+          </a:xfrm>
+        </p:spPr>
+        <p:txBody>
+          <a:bodyPr anchor="t">
+            <a:normAutofit/>
+          </a:bodyPr>
+          <a:lstStyle/>
+          <a:p>
+            <a:r>
+              <a:rPr lang="ro-RO" sz="1600" dirty="0">
+                <a:solidFill>
+                  <a:schemeClr val="tx1">
+                    <a:lumMod val="85000"/>
+                    <a:lumOff val="15000"/>
+                  </a:schemeClr>
+                </a:solidFill>
+              </a:rPr>
+              <a:t>Open/</a:t>
+            </a:r>
+            <a:r>
+              <a:rPr lang="ro-RO" sz="1600" dirty="0" err="1">
+                <a:solidFill>
+                  <a:schemeClr val="tx1">
+                    <a:lumMod val="85000"/>
+                    <a:lumOff val="15000"/>
+                  </a:schemeClr>
+                </a:solidFill>
+              </a:rPr>
+              <a:t>Closed</a:t>
+            </a:r>
+            <a:r>
+              <a:rPr lang="ro-RO" sz="1600" dirty="0">
+                <a:solidFill>
+                  <a:schemeClr val="tx1">
+                    <a:lumMod val="85000"/>
+                    <a:lumOff val="15000"/>
+                  </a:schemeClr>
+                </a:solidFill>
+              </a:rPr>
+              <a:t> </a:t>
+            </a:r>
+            <a:r>
+              <a:rPr lang="ro-RO" sz="1600" dirty="0" err="1">
+                <a:solidFill>
+                  <a:schemeClr val="tx1">
+                    <a:lumMod val="85000"/>
+                    <a:lumOff val="15000"/>
+                  </a:schemeClr>
+                </a:solidFill>
+              </a:rPr>
+              <a:t>Principle</a:t>
+            </a:r>
+            <a:endParaRPr lang="en-US" sz="1600" dirty="0">
+              <a:solidFill>
+                <a:schemeClr val="tx1">
+                  <a:lumMod val="85000"/>
+                  <a:lumOff val="15000"/>
+                </a:schemeClr>
+              </a:solidFill>
+              <a:ea typeface="+mj-lt"/>
+              <a:cs typeface="+mj-lt"/>
+            </a:endParaRPr>
+          </a:p>
+        </p:txBody>
+      </p:sp>
+      <p:pic>
+        <p:nvPicPr>
+          <p:cNvPr id="10" name="Imagine 9">
+            <a:extLst>
+              <a:ext uri="{FF2B5EF4-FFF2-40B4-BE49-F238E27FC236}">
+                <a16:creationId xmlns:a16="http://schemas.microsoft.com/office/drawing/2014/main" id="{B9983F61-BE73-430C-9F07-DA2813F9CC5F}"/>
+              </a:ext>
+            </a:extLst>
+          </p:cNvPr>
+          <p:cNvPicPr>
+            <a:picLocks noChangeAspect="1"/>
+          </p:cNvPicPr>
+          <p:nvPr/>
+        </p:nvPicPr>
+        <p:blipFill>
+          <a:blip r:embed="rId2"/>
+          <a:stretch>
+            <a:fillRect/>
+          </a:stretch>
+        </p:blipFill>
+        <p:spPr>
+          <a:xfrm>
+            <a:off x="633999" y="1035143"/>
+            <a:ext cx="3993942" cy="4768886"/>
+          </a:xfrm>
+          <a:prstGeom prst="rect">
+            <a:avLst/>
+          </a:prstGeom>
+        </p:spPr>
+      </p:pic>
+      <p:cxnSp>
+        <p:nvCxnSpPr>
+          <p:cNvPr id="17" name="Straight Connector 16">
+            <a:extLst>
+              <a:ext uri="{FF2B5EF4-FFF2-40B4-BE49-F238E27FC236}">
+                <a16:creationId xmlns:a16="http://schemas.microsoft.com/office/drawing/2014/main" id="{6FF4E9B4-BE85-45F4-8672-47D51F1401BE}"/>
+              </a:ext>
+              <a:ext uri="{C183D7F6-B498-43B3-948B-1728B52AA6E4}">
+                <adec:decorative xmlns:adec="http://schemas.microsoft.com/office/drawing/2017/decorative" val="1"/>
+              </a:ext>
+            </a:extLst>
+          </p:cNvPr>
+          <p:cNvCxnSpPr>
+            <a:cxnSpLocks noGrp="1" noRot="1" noChangeAspect="1" noMove="1" noResize="1" noEditPoints="1" noAdjustHandles="1" noChangeArrowheads="1" noChangeShapeType="1"/>
+          </p:cNvCxnSpPr>
+          <p:nvPr>
+            <p:extLst>
+              <p:ext uri="{386F3935-93C4-4BCD-93E2-E3B085C9AB24}">
+                <p16:designElem xmlns:p16="http://schemas.microsoft.com/office/powerpoint/2015/main" val="1"/>
+              </p:ext>
+            </p:extLst>
+          </p:nvPr>
+        </p:nvCxnSpPr>
+        <p:spPr>
+          <a:xfrm>
+            <a:off x="5309640" y="4388141"/>
+            <a:ext cx="5852160" cy="0"/>
+          </a:xfrm>
+          <a:prstGeom prst="line">
+            <a:avLst/>
+          </a:prstGeom>
+          <a:ln w="19050">
+            <a:solidFill>
+              <a:schemeClr val="accent2"/>
+            </a:solidFill>
+          </a:ln>
+        </p:spPr>
+        <p:style>
+          <a:lnRef idx="1">
+            <a:schemeClr val="accent1"/>
+          </a:lnRef>
+          <a:fillRef idx="0">
+            <a:schemeClr val="accent1"/>
+          </a:fillRef>
+          <a:effectRef idx="0">
+            <a:schemeClr val="accent1"/>
+          </a:effectRef>
+          <a:fontRef idx="minor">
+            <a:schemeClr val="tx1"/>
+          </a:fontRef>
+        </p:style>
+      </p:cxnSp>
+    </p:spTree>
+    <p:extLst>
+      <p:ext uri="{BB962C8B-B14F-4D97-AF65-F5344CB8AC3E}">
+        <p14:creationId xmlns:p14="http://schemas.microsoft.com/office/powerpoint/2010/main" val="1580496831"/>
+      </p:ext>
+    </p:extLst>
+  </p:cSld>
+  <p:clrMapOvr>
+    <a:masterClrMapping/>
+  </p:clrMapOvr>
+</p:sld>
+</file>
+
+<file path=ppt/slides/slide42.xml><?xml version="1.0" encoding="utf-8"?>
+<p:sld xmlns:a="http://schemas.openxmlformats.org/drawingml/2006/main" xmlns:r="http://schemas.openxmlformats.org/officeDocument/2006/relationships" xmlns:p="http://schemas.openxmlformats.org/presentationml/2006/main">
+  <p:cSld>
+    <p:spTree>
+      <p:nvGrpSpPr>
+        <p:cNvPr id="1" name=""/>
+        <p:cNvGrpSpPr/>
+        <p:nvPr/>
+      </p:nvGrpSpPr>
+      <p:grpSpPr>
+        <a:xfrm>
+          <a:off x="0" y="0"/>
+          <a:ext cx="0" cy="0"/>
+          <a:chOff x="0" y="0"/>
+          <a:chExt cx="0" cy="0"/>
+        </a:xfrm>
+      </p:grpSpPr>
+      <p:sp>
+        <p:nvSpPr>
+          <p:cNvPr id="2" name="Titlu 1">
+            <a:extLst>
+              <a:ext uri="{FF2B5EF4-FFF2-40B4-BE49-F238E27FC236}">
+                <a16:creationId xmlns:a16="http://schemas.microsoft.com/office/drawing/2014/main" id="{DDBF2430-E2C4-4F2C-84B4-0236ECE0A7E8}"/>
+              </a:ext>
+            </a:extLst>
+          </p:cNvPr>
+          <p:cNvSpPr>
+            <a:spLocks noGrp="1"/>
+          </p:cNvSpPr>
+          <p:nvPr>
+            <p:ph type="title"/>
+          </p:nvPr>
+        </p:nvSpPr>
+        <p:spPr/>
+        <p:txBody>
+          <a:bodyPr/>
+          <a:lstStyle/>
+          <a:p>
+            <a:r>
+              <a:rPr lang="ro-RO" dirty="0" err="1"/>
+              <a:t>Why</a:t>
+            </a:r>
+            <a:r>
+              <a:rPr lang="ro-RO" dirty="0"/>
+              <a:t> it </a:t>
+            </a:r>
+            <a:r>
+              <a:rPr lang="ro-RO" dirty="0" err="1"/>
+              <a:t>isn’t</a:t>
+            </a:r>
+            <a:r>
+              <a:rPr lang="ro-RO" dirty="0"/>
+              <a:t> Open/</a:t>
+            </a:r>
+            <a:r>
+              <a:rPr lang="ro-RO" dirty="0" err="1"/>
+              <a:t>Closed</a:t>
+            </a:r>
+            <a:r>
+              <a:rPr lang="ro-RO" dirty="0"/>
+              <a:t>?</a:t>
+            </a:r>
+            <a:endParaRPr lang="en-US" dirty="0"/>
+          </a:p>
+        </p:txBody>
+      </p:sp>
+      <p:sp>
+        <p:nvSpPr>
+          <p:cNvPr id="25" name="Dreptunghi 24">
+            <a:extLst>
+              <a:ext uri="{FF2B5EF4-FFF2-40B4-BE49-F238E27FC236}">
+                <a16:creationId xmlns:a16="http://schemas.microsoft.com/office/drawing/2014/main" id="{EC176AE5-1F71-41FA-948C-E203644EDA2A}"/>
+              </a:ext>
+            </a:extLst>
+          </p:cNvPr>
+          <p:cNvSpPr/>
+          <p:nvPr/>
+        </p:nvSpPr>
+        <p:spPr>
+          <a:xfrm>
+            <a:off x="3627465" y="2258196"/>
+            <a:ext cx="3860456" cy="3391736"/>
+          </a:xfrm>
+          <a:prstGeom prst="rect">
+            <a:avLst/>
+          </a:prstGeom>
+          <a:solidFill>
+            <a:schemeClr val="bg2">
+              <a:alpha val="38039"/>
+            </a:schemeClr>
+          </a:solidFill>
+          <a:ln>
+            <a:solidFill>
+              <a:schemeClr val="tx2"/>
+            </a:solidFill>
+          </a:ln>
+        </p:spPr>
+        <p:style>
+          <a:lnRef idx="2">
+            <a:schemeClr val="accent1">
+              <a:shade val="50000"/>
+            </a:schemeClr>
+          </a:lnRef>
+          <a:fillRef idx="1">
+            <a:schemeClr val="accent1"/>
+          </a:fillRef>
+          <a:effectRef idx="0">
+            <a:schemeClr val="accent1"/>
+          </a:effectRef>
+          <a:fontRef idx="minor">
+            <a:schemeClr val="lt1"/>
+          </a:fontRef>
+        </p:style>
+        <p:txBody>
+          <a:bodyPr rtlCol="0" anchor="ctr"/>
+          <a:lstStyle/>
+          <a:p>
+            <a:pPr algn="ctr"/>
+            <a:endParaRPr lang="en-US"/>
+          </a:p>
+        </p:txBody>
+      </p:sp>
+      <p:grpSp>
+        <p:nvGrpSpPr>
+          <p:cNvPr id="15" name="Grupare 14">
+            <a:extLst>
+              <a:ext uri="{FF2B5EF4-FFF2-40B4-BE49-F238E27FC236}">
+                <a16:creationId xmlns:a16="http://schemas.microsoft.com/office/drawing/2014/main" id="{B0C36E5B-B606-484F-BAFB-F410EB84124D}"/>
+              </a:ext>
+            </a:extLst>
+          </p:cNvPr>
+          <p:cNvGrpSpPr/>
+          <p:nvPr/>
+        </p:nvGrpSpPr>
+        <p:grpSpPr>
+          <a:xfrm>
+            <a:off x="6305033" y="2692154"/>
+            <a:ext cx="898407" cy="1069258"/>
+            <a:chOff x="1170039" y="2359742"/>
+            <a:chExt cx="1317522" cy="1069258"/>
+          </a:xfrm>
+        </p:grpSpPr>
+        <p:sp>
+          <p:nvSpPr>
+            <p:cNvPr id="13" name="Dreptunghi 12">
+              <a:extLst>
+                <a:ext uri="{FF2B5EF4-FFF2-40B4-BE49-F238E27FC236}">
+                  <a16:creationId xmlns:a16="http://schemas.microsoft.com/office/drawing/2014/main" id="{CD3C00C3-0F76-46F6-85CE-8CFFE87EA373}"/>
+                </a:ext>
+              </a:extLst>
+            </p:cNvPr>
+            <p:cNvSpPr/>
+            <p:nvPr/>
+          </p:nvSpPr>
+          <p:spPr>
+            <a:xfrm>
+              <a:off x="1170039" y="2359742"/>
+              <a:ext cx="1317522" cy="412955"/>
+            </a:xfrm>
+            <a:prstGeom prst="rect">
+              <a:avLst/>
+            </a:prstGeom>
+          </p:spPr>
+          <p:style>
+            <a:lnRef idx="2">
+              <a:schemeClr val="accent1">
+                <a:shade val="50000"/>
+              </a:schemeClr>
+            </a:lnRef>
+            <a:fillRef idx="1">
+              <a:schemeClr val="accent1"/>
+            </a:fillRef>
+            <a:effectRef idx="0">
+              <a:schemeClr val="accent1"/>
+            </a:effectRef>
+            <a:fontRef idx="minor">
+              <a:schemeClr val="lt1"/>
+            </a:fontRef>
+          </p:style>
+          <p:txBody>
+            <a:bodyPr rtlCol="0" anchor="ctr"/>
+            <a:lstStyle/>
+            <a:p>
+              <a:pPr algn="ctr"/>
+              <a:r>
+                <a:rPr lang="ro-RO" dirty="0" err="1"/>
+                <a:t>Person</a:t>
+              </a:r>
+              <a:endParaRPr lang="en-US" dirty="0"/>
+            </a:p>
+          </p:txBody>
+        </p:sp>
+        <p:sp>
+          <p:nvSpPr>
+            <p:cNvPr id="14" name="Dreptunghi 13">
+              <a:extLst>
+                <a:ext uri="{FF2B5EF4-FFF2-40B4-BE49-F238E27FC236}">
+                  <a16:creationId xmlns:a16="http://schemas.microsoft.com/office/drawing/2014/main" id="{44CA63DA-F3F8-4D2E-A628-2A02B4EEE5BE}"/>
+                </a:ext>
+              </a:extLst>
+            </p:cNvPr>
+            <p:cNvSpPr/>
+            <p:nvPr/>
+          </p:nvSpPr>
+          <p:spPr>
+            <a:xfrm>
+              <a:off x="1170039" y="2772697"/>
+              <a:ext cx="1317522" cy="656303"/>
+            </a:xfrm>
+            <a:prstGeom prst="rect">
+              <a:avLst/>
+            </a:prstGeom>
+          </p:spPr>
+          <p:style>
+            <a:lnRef idx="2">
+              <a:schemeClr val="accent2"/>
+            </a:lnRef>
+            <a:fillRef idx="1">
+              <a:schemeClr val="lt1"/>
+            </a:fillRef>
+            <a:effectRef idx="0">
+              <a:schemeClr val="accent2"/>
+            </a:effectRef>
+            <a:fontRef idx="minor">
+              <a:schemeClr val="dk1"/>
+            </a:fontRef>
+          </p:style>
+          <p:txBody>
+            <a:bodyPr rtlCol="0" anchor="ctr"/>
+            <a:lstStyle/>
+            <a:p>
+              <a:r>
+                <a:rPr lang="ro-RO" sz="1400" dirty="0" err="1"/>
+                <a:t>Name</a:t>
+              </a:r>
+              <a:endParaRPr lang="ro-RO" sz="1400" dirty="0"/>
+            </a:p>
+            <a:p>
+              <a:r>
+                <a:rPr lang="ro-RO" sz="1400" dirty="0" err="1"/>
+                <a:t>Age</a:t>
+              </a:r>
+              <a:endParaRPr lang="en-US" sz="1400" dirty="0"/>
+            </a:p>
+          </p:txBody>
+        </p:sp>
+      </p:grpSp>
+      <p:grpSp>
+        <p:nvGrpSpPr>
+          <p:cNvPr id="19" name="Grupare 18">
+            <a:extLst>
+              <a:ext uri="{FF2B5EF4-FFF2-40B4-BE49-F238E27FC236}">
+                <a16:creationId xmlns:a16="http://schemas.microsoft.com/office/drawing/2014/main" id="{8C97D87A-9C2D-4649-9AB1-2ABE2B1BE31A}"/>
+              </a:ext>
+            </a:extLst>
+          </p:cNvPr>
+          <p:cNvGrpSpPr/>
+          <p:nvPr/>
+        </p:nvGrpSpPr>
+        <p:grpSpPr>
+          <a:xfrm>
+            <a:off x="3838808" y="2725337"/>
+            <a:ext cx="1722267" cy="1826343"/>
+            <a:chOff x="2856270" y="2359742"/>
+            <a:chExt cx="2030361" cy="1826343"/>
+          </a:xfrm>
+        </p:grpSpPr>
+        <p:sp>
+          <p:nvSpPr>
+            <p:cNvPr id="17" name="Dreptunghi 16">
+              <a:extLst>
+                <a:ext uri="{FF2B5EF4-FFF2-40B4-BE49-F238E27FC236}">
+                  <a16:creationId xmlns:a16="http://schemas.microsoft.com/office/drawing/2014/main" id="{BCB4122F-D7A2-4243-8363-88781AAAB461}"/>
+                </a:ext>
+              </a:extLst>
+            </p:cNvPr>
+            <p:cNvSpPr/>
+            <p:nvPr/>
+          </p:nvSpPr>
+          <p:spPr>
+            <a:xfrm>
+              <a:off x="2856270" y="2359742"/>
+              <a:ext cx="2030361" cy="412955"/>
+            </a:xfrm>
+            <a:prstGeom prst="rect">
+              <a:avLst/>
+            </a:prstGeom>
+          </p:spPr>
+          <p:style>
+            <a:lnRef idx="2">
+              <a:schemeClr val="accent1">
+                <a:shade val="50000"/>
+              </a:schemeClr>
+            </a:lnRef>
+            <a:fillRef idx="1">
+              <a:schemeClr val="accent1"/>
+            </a:fillRef>
+            <a:effectRef idx="0">
+              <a:schemeClr val="accent1"/>
+            </a:effectRef>
+            <a:fontRef idx="minor">
+              <a:schemeClr val="lt1"/>
+            </a:fontRef>
+          </p:style>
+          <p:txBody>
+            <a:bodyPr rtlCol="0" anchor="ctr"/>
+            <a:lstStyle/>
+            <a:p>
+              <a:pPr algn="ctr"/>
+              <a:r>
+                <a:rPr lang="ro-RO" dirty="0" err="1"/>
+                <a:t>Museum</a:t>
+              </a:r>
+              <a:endParaRPr lang="en-US" dirty="0"/>
+            </a:p>
+          </p:txBody>
+        </p:sp>
+        <p:sp>
+          <p:nvSpPr>
+            <p:cNvPr id="18" name="Dreptunghi 17">
+              <a:extLst>
+                <a:ext uri="{FF2B5EF4-FFF2-40B4-BE49-F238E27FC236}">
+                  <a16:creationId xmlns:a16="http://schemas.microsoft.com/office/drawing/2014/main" id="{3DB3220A-A110-4DF4-AAEA-3E941969FACF}"/>
+                </a:ext>
+              </a:extLst>
+            </p:cNvPr>
+            <p:cNvSpPr/>
+            <p:nvPr/>
+          </p:nvSpPr>
+          <p:spPr>
+            <a:xfrm>
+              <a:off x="2856270" y="2772697"/>
+              <a:ext cx="2030361" cy="1413388"/>
+            </a:xfrm>
+            <a:prstGeom prst="rect">
+              <a:avLst/>
+            </a:prstGeom>
+          </p:spPr>
+          <p:style>
+            <a:lnRef idx="2">
+              <a:schemeClr val="accent2"/>
+            </a:lnRef>
+            <a:fillRef idx="1">
+              <a:schemeClr val="lt1"/>
+            </a:fillRef>
+            <a:effectRef idx="0">
+              <a:schemeClr val="accent2"/>
+            </a:effectRef>
+            <a:fontRef idx="minor">
+              <a:schemeClr val="dk1"/>
+            </a:fontRef>
+          </p:style>
+          <p:txBody>
+            <a:bodyPr rtlCol="0" anchor="ctr"/>
+            <a:lstStyle/>
+            <a:p>
+              <a:r>
+                <a:rPr lang="ro-RO" sz="1400" dirty="0"/>
+                <a:t>_</a:t>
+              </a:r>
+              <a:r>
+                <a:rPr lang="ro-RO" sz="1400" dirty="0" err="1"/>
+                <a:t>visitors</a:t>
+              </a:r>
+              <a:endParaRPr lang="ro-RO" sz="1400" dirty="0"/>
+            </a:p>
+            <a:p>
+              <a:r>
+                <a:rPr lang="ro-RO" sz="1400" dirty="0"/>
+                <a:t>_</a:t>
+              </a:r>
+              <a:r>
+                <a:rPr lang="ro-RO" sz="1400" dirty="0" err="1"/>
+                <a:t>FullTicketPrice</a:t>
+              </a:r>
+              <a:endParaRPr lang="ro-RO" sz="1400" dirty="0"/>
+            </a:p>
+            <a:p>
+              <a:endParaRPr lang="ro-RO" sz="1400" dirty="0"/>
+            </a:p>
+            <a:p>
+              <a:r>
+                <a:rPr lang="en-US" sz="1400" dirty="0" err="1"/>
+                <a:t>IncomeFromTickets</a:t>
+              </a:r>
+              <a:endParaRPr lang="en-US" sz="1400" dirty="0"/>
+            </a:p>
+            <a:p>
+              <a:endParaRPr lang="ro-RO" sz="1400" dirty="0"/>
+            </a:p>
+            <a:p>
+              <a:r>
+                <a:rPr lang="ro-RO" sz="1400" b="1" dirty="0" err="1"/>
+                <a:t>Visit</a:t>
+              </a:r>
+              <a:r>
+                <a:rPr lang="ro-RO" sz="1400" b="1" dirty="0"/>
+                <a:t>(</a:t>
+              </a:r>
+              <a:r>
+                <a:rPr lang="ro-RO" sz="1400" b="1" dirty="0" err="1"/>
+                <a:t>person</a:t>
+              </a:r>
+              <a:r>
+                <a:rPr lang="ro-RO" sz="1400" b="1" dirty="0"/>
+                <a:t>)</a:t>
+              </a:r>
+            </a:p>
+          </p:txBody>
+        </p:sp>
+      </p:grpSp>
+      <p:cxnSp>
+        <p:nvCxnSpPr>
+          <p:cNvPr id="23" name="Conector: cotit 22">
+            <a:extLst>
+              <a:ext uri="{FF2B5EF4-FFF2-40B4-BE49-F238E27FC236}">
+                <a16:creationId xmlns:a16="http://schemas.microsoft.com/office/drawing/2014/main" id="{2555077A-DF17-4B57-B5D2-ACBA15A43B63}"/>
+              </a:ext>
+            </a:extLst>
+          </p:cNvPr>
+          <p:cNvCxnSpPr>
+            <a:cxnSpLocks/>
+            <a:stCxn id="18" idx="3"/>
+            <a:endCxn id="13" idx="1"/>
+          </p:cNvCxnSpPr>
+          <p:nvPr/>
+        </p:nvCxnSpPr>
+        <p:spPr>
+          <a:xfrm flipV="1">
+            <a:off x="5561075" y="2898632"/>
+            <a:ext cx="743958" cy="946354"/>
+          </a:xfrm>
+          <a:prstGeom prst="bentConnector3">
+            <a:avLst>
+              <a:gd name="adj1" fmla="val 50000"/>
+            </a:avLst>
+          </a:prstGeom>
+        </p:spPr>
+        <p:style>
+          <a:lnRef idx="1">
+            <a:schemeClr val="accent1"/>
+          </a:lnRef>
+          <a:fillRef idx="0">
+            <a:schemeClr val="accent1"/>
+          </a:fillRef>
+          <a:effectRef idx="0">
+            <a:schemeClr val="accent1"/>
+          </a:effectRef>
+          <a:fontRef idx="minor">
+            <a:schemeClr val="tx1"/>
+          </a:fontRef>
+        </p:style>
+      </p:cxnSp>
+      <p:sp>
+        <p:nvSpPr>
+          <p:cNvPr id="48" name="Bulă de gânduri: nor 47">
+            <a:extLst>
+              <a:ext uri="{FF2B5EF4-FFF2-40B4-BE49-F238E27FC236}">
+                <a16:creationId xmlns:a16="http://schemas.microsoft.com/office/drawing/2014/main" id="{F4557C26-63C9-4FD5-A484-850E1BE45F7B}"/>
+              </a:ext>
+            </a:extLst>
+          </p:cNvPr>
+          <p:cNvSpPr/>
+          <p:nvPr/>
+        </p:nvSpPr>
+        <p:spPr>
+          <a:xfrm>
+            <a:off x="4682810" y="4803018"/>
+            <a:ext cx="3039741" cy="1258529"/>
+          </a:xfrm>
+          <a:prstGeom prst="cloudCallout">
+            <a:avLst>
+              <a:gd name="adj1" fmla="val -41278"/>
+              <a:gd name="adj2" fmla="val -80515"/>
+            </a:avLst>
+          </a:prstGeom>
+          <a:solidFill>
+            <a:srgbClr val="FFBDBD"/>
+          </a:solidFill>
+          <a:ln>
+            <a:solidFill>
+              <a:srgbClr val="FF0000"/>
+            </a:solidFill>
+          </a:ln>
+        </p:spPr>
+        <p:style>
+          <a:lnRef idx="2">
+            <a:schemeClr val="accent6"/>
+          </a:lnRef>
+          <a:fillRef idx="1">
+            <a:schemeClr val="lt1"/>
+          </a:fillRef>
+          <a:effectRef idx="0">
+            <a:schemeClr val="accent6"/>
+          </a:effectRef>
+          <a:fontRef idx="minor">
+            <a:schemeClr val="dk1"/>
+          </a:fontRef>
+        </p:style>
+        <p:txBody>
+          <a:bodyPr rtlCol="0" anchor="ctr"/>
+          <a:lstStyle/>
+          <a:p>
+            <a:pPr algn="ctr"/>
+            <a:r>
+              <a:rPr lang="ro-RO" dirty="0" err="1"/>
+              <a:t>Decides</a:t>
+            </a:r>
+            <a:r>
+              <a:rPr lang="ro-RO" dirty="0"/>
+              <a:t> </a:t>
+            </a:r>
+            <a:r>
+              <a:rPr lang="ro-RO" dirty="0" err="1"/>
+              <a:t>the</a:t>
+            </a:r>
+            <a:r>
+              <a:rPr lang="ro-RO" dirty="0"/>
+              <a:t> </a:t>
+            </a:r>
+            <a:r>
+              <a:rPr lang="ro-RO" dirty="0" err="1"/>
+              <a:t>ticket</a:t>
+            </a:r>
+            <a:r>
+              <a:rPr lang="ro-RO" dirty="0"/>
+              <a:t> price, </a:t>
+            </a:r>
+            <a:r>
+              <a:rPr lang="ro-RO" dirty="0" err="1"/>
+              <a:t>using</a:t>
+            </a:r>
+            <a:r>
+              <a:rPr lang="ro-RO" dirty="0"/>
+              <a:t> multiple </a:t>
+            </a:r>
+            <a:r>
+              <a:rPr lang="ro-RO" dirty="0" err="1"/>
+              <a:t>if</a:t>
+            </a:r>
+            <a:r>
+              <a:rPr lang="ro-RO" dirty="0"/>
+              <a:t> </a:t>
+            </a:r>
+            <a:r>
+              <a:rPr lang="ro-RO" dirty="0" err="1"/>
+              <a:t>statements</a:t>
+            </a:r>
+            <a:endParaRPr lang="en-US" dirty="0"/>
+          </a:p>
+        </p:txBody>
+      </p:sp>
+    </p:spTree>
+    <p:extLst>
+      <p:ext uri="{BB962C8B-B14F-4D97-AF65-F5344CB8AC3E}">
+        <p14:creationId xmlns:p14="http://schemas.microsoft.com/office/powerpoint/2010/main" val="822398938"/>
+      </p:ext>
+    </p:extLst>
+  </p:cSld>
+  <p:clrMapOvr>
+    <a:masterClrMapping/>
+  </p:clrMapOvr>
+</p:sld>
+</file>
+
+<file path=ppt/slides/slide43.xml><?xml version="1.0" encoding="utf-8"?>
+<p:sld xmlns:a="http://schemas.openxmlformats.org/drawingml/2006/main" xmlns:r="http://schemas.openxmlformats.org/officeDocument/2006/relationships" xmlns:p="http://schemas.openxmlformats.org/presentationml/2006/main">
+  <p:cSld>
+    <p:spTree>
+      <p:nvGrpSpPr>
+        <p:cNvPr id="1" name=""/>
+        <p:cNvGrpSpPr/>
+        <p:nvPr/>
+      </p:nvGrpSpPr>
+      <p:grpSpPr>
+        <a:xfrm>
+          <a:off x="0" y="0"/>
+          <a:ext cx="0" cy="0"/>
+          <a:chOff x="0" y="0"/>
+          <a:chExt cx="0" cy="0"/>
+        </a:xfrm>
+      </p:grpSpPr>
+      <p:sp>
+        <p:nvSpPr>
+          <p:cNvPr id="2" name="Titlu 1">
+            <a:extLst>
+              <a:ext uri="{FF2B5EF4-FFF2-40B4-BE49-F238E27FC236}">
+                <a16:creationId xmlns:a16="http://schemas.microsoft.com/office/drawing/2014/main" id="{1FDF6965-5CEF-4EBD-8E5D-4D62C3F3ED75}"/>
+              </a:ext>
+            </a:extLst>
+          </p:cNvPr>
+          <p:cNvSpPr>
+            <a:spLocks noGrp="1"/>
+          </p:cNvSpPr>
+          <p:nvPr>
+            <p:ph type="title"/>
+          </p:nvPr>
+        </p:nvSpPr>
+        <p:spPr/>
+        <p:txBody>
+          <a:bodyPr/>
+          <a:lstStyle/>
+          <a:p>
+            <a:r>
+              <a:rPr lang="en-US" dirty="0"/>
+              <a:t>HOW TO APPLY OPEN/CLOSED PRINCIPLE?</a:t>
+            </a:r>
+          </a:p>
+        </p:txBody>
+      </p:sp>
+      <p:sp>
+        <p:nvSpPr>
+          <p:cNvPr id="3" name="Substituent conținut 2">
+            <a:extLst>
+              <a:ext uri="{FF2B5EF4-FFF2-40B4-BE49-F238E27FC236}">
+                <a16:creationId xmlns:a16="http://schemas.microsoft.com/office/drawing/2014/main" id="{D28AF6D5-AE02-4712-8C5D-5E027D0B72BD}"/>
+              </a:ext>
+            </a:extLst>
+          </p:cNvPr>
+          <p:cNvSpPr>
+            <a:spLocks noGrp="1"/>
+          </p:cNvSpPr>
+          <p:nvPr>
+            <p:ph idx="1"/>
+          </p:nvPr>
+        </p:nvSpPr>
+        <p:spPr/>
+        <p:txBody>
+          <a:bodyPr/>
+          <a:lstStyle/>
+          <a:p>
+            <a:pPr marL="608902" indent="-457200">
+              <a:buFont typeface="+mj-lt"/>
+              <a:buAutoNum type="arabicPeriod"/>
+            </a:pPr>
+            <a:r>
+              <a:rPr lang="en-US" dirty="0"/>
+              <a:t>Use parameters</a:t>
+            </a:r>
+            <a:endParaRPr lang="ro-RO" dirty="0"/>
+          </a:p>
+          <a:p>
+            <a:pPr marL="461963" lvl="1" indent="-136525">
+              <a:buFont typeface="Arial" panose="020B0604020202020204" pitchFamily="34" charset="0"/>
+              <a:buChar char="•"/>
+            </a:pPr>
+            <a:r>
+              <a:rPr lang="ro-RO" dirty="0" err="1"/>
+              <a:t>What</a:t>
+            </a:r>
+            <a:r>
+              <a:rPr lang="ro-RO" dirty="0"/>
+              <a:t> </a:t>
+            </a:r>
+            <a:r>
+              <a:rPr lang="ro-RO" dirty="0" err="1"/>
+              <a:t>is</a:t>
+            </a:r>
+            <a:r>
+              <a:rPr lang="ro-RO" dirty="0"/>
+              <a:t> </a:t>
+            </a:r>
+            <a:r>
+              <a:rPr lang="ro-RO" dirty="0" err="1"/>
+              <a:t>the</a:t>
+            </a:r>
+            <a:r>
+              <a:rPr lang="ro-RO" dirty="0"/>
+              <a:t> price of a full </a:t>
+            </a:r>
+            <a:r>
+              <a:rPr lang="ro-RO" dirty="0" err="1"/>
+              <a:t>ticket</a:t>
+            </a:r>
+            <a:r>
+              <a:rPr lang="ro-RO" dirty="0"/>
+              <a:t>?</a:t>
+            </a:r>
+          </a:p>
+          <a:p>
+            <a:pPr marL="461963" lvl="1" indent="-136525">
+              <a:buFont typeface="Arial" panose="020B0604020202020204" pitchFamily="34" charset="0"/>
+              <a:buChar char="•"/>
+            </a:pPr>
+            <a:endParaRPr lang="ro-RO" dirty="0"/>
+          </a:p>
+          <a:p>
+            <a:pPr marL="608902" indent="-457200">
+              <a:buFont typeface="+mj-lt"/>
+              <a:buAutoNum type="arabicPeriod"/>
+            </a:pPr>
+            <a:r>
+              <a:rPr lang="ro-RO" dirty="0" err="1"/>
+              <a:t>Inheritance</a:t>
+            </a:r>
+            <a:r>
+              <a:rPr lang="ro-RO" dirty="0"/>
+              <a:t> / „</a:t>
+            </a:r>
+            <a:r>
+              <a:rPr lang="ro-RO" dirty="0" err="1"/>
+              <a:t>Template</a:t>
+            </a:r>
+            <a:r>
+              <a:rPr lang="ro-RO" dirty="0"/>
+              <a:t> </a:t>
+            </a:r>
+            <a:r>
+              <a:rPr lang="ro-RO" dirty="0" err="1"/>
+              <a:t>Method</a:t>
+            </a:r>
+            <a:r>
+              <a:rPr lang="ro-RO" dirty="0"/>
+              <a:t>” Pattern</a:t>
+            </a:r>
+          </a:p>
+          <a:p>
+            <a:pPr marL="461963" lvl="1" indent="-136525">
+              <a:buFont typeface="Arial" panose="020B0604020202020204" pitchFamily="34" charset="0"/>
+              <a:buChar char="•"/>
+            </a:pPr>
+            <a:r>
+              <a:rPr lang="ro-RO" dirty="0"/>
+              <a:t>Create a </a:t>
+            </a:r>
+            <a:r>
+              <a:rPr lang="ro-RO" dirty="0" err="1"/>
+              <a:t>base</a:t>
+            </a:r>
+            <a:r>
+              <a:rPr lang="ro-RO" dirty="0"/>
+              <a:t> </a:t>
+            </a:r>
+            <a:r>
+              <a:rPr lang="ro-RO" dirty="0" err="1"/>
+              <a:t>class</a:t>
+            </a:r>
+            <a:r>
+              <a:rPr lang="ro-RO" dirty="0"/>
+              <a:t> </a:t>
+            </a:r>
+            <a:r>
+              <a:rPr lang="ro-RO" dirty="0" err="1"/>
+              <a:t>and</a:t>
+            </a:r>
+            <a:r>
+              <a:rPr lang="ro-RO" dirty="0"/>
+              <a:t> </a:t>
+            </a:r>
+            <a:r>
+              <a:rPr lang="ro-RO" dirty="0" err="1"/>
+              <a:t>add</a:t>
+            </a:r>
+            <a:r>
+              <a:rPr lang="ro-RO" dirty="0"/>
+              <a:t> a </a:t>
+            </a:r>
+            <a:r>
+              <a:rPr lang="ro-RO" dirty="0" err="1"/>
+              <a:t>method</a:t>
+            </a:r>
+            <a:r>
+              <a:rPr lang="ro-RO" dirty="0"/>
+              <a:t> </a:t>
+            </a:r>
+            <a:r>
+              <a:rPr lang="ro-RO" dirty="0" err="1"/>
+              <a:t>that</a:t>
+            </a:r>
+            <a:r>
+              <a:rPr lang="ro-RO" dirty="0"/>
+              <a:t> </a:t>
+            </a:r>
+            <a:r>
+              <a:rPr lang="ro-RO" dirty="0" err="1"/>
+              <a:t>will</a:t>
+            </a:r>
+            <a:r>
+              <a:rPr lang="ro-RO" dirty="0"/>
+              <a:t> </a:t>
+            </a:r>
+            <a:r>
+              <a:rPr lang="ro-RO" dirty="0" err="1"/>
+              <a:t>be</a:t>
+            </a:r>
+            <a:r>
+              <a:rPr lang="ro-RO" dirty="0"/>
+              <a:t> </a:t>
+            </a:r>
+            <a:r>
+              <a:rPr lang="ro-RO" dirty="0" err="1"/>
+              <a:t>implemented</a:t>
+            </a:r>
+            <a:r>
+              <a:rPr lang="ro-RO" dirty="0"/>
+              <a:t> </a:t>
+            </a:r>
+            <a:r>
+              <a:rPr lang="ro-RO" dirty="0" err="1"/>
+              <a:t>differently</a:t>
+            </a:r>
+            <a:r>
+              <a:rPr lang="ro-RO" dirty="0"/>
+              <a:t> in </a:t>
+            </a:r>
+            <a:r>
+              <a:rPr lang="ro-RO" dirty="0" err="1"/>
+              <a:t>each</a:t>
+            </a:r>
+            <a:r>
+              <a:rPr lang="ro-RO" dirty="0"/>
+              <a:t> </a:t>
+            </a:r>
+            <a:r>
+              <a:rPr lang="ro-RO" dirty="0" err="1"/>
+              <a:t>child</a:t>
+            </a:r>
+            <a:r>
+              <a:rPr lang="ro-RO" dirty="0"/>
+              <a:t> </a:t>
+            </a:r>
+            <a:r>
+              <a:rPr lang="ro-RO" dirty="0" err="1"/>
+              <a:t>class</a:t>
+            </a:r>
+            <a:endParaRPr lang="ro-RO" dirty="0"/>
+          </a:p>
+          <a:p>
+            <a:pPr marL="461963" lvl="1" indent="-136525">
+              <a:buFont typeface="Arial" panose="020B0604020202020204" pitchFamily="34" charset="0"/>
+              <a:buChar char="•"/>
+            </a:pPr>
+            <a:endParaRPr lang="ro-RO" dirty="0"/>
+          </a:p>
+          <a:p>
+            <a:pPr marL="608902" indent="-457200">
+              <a:buFont typeface="+mj-lt"/>
+              <a:buAutoNum type="arabicPeriod"/>
+            </a:pPr>
+            <a:r>
+              <a:rPr lang="ro-RO" dirty="0" err="1"/>
+              <a:t>Composition</a:t>
+            </a:r>
+            <a:r>
+              <a:rPr lang="ro-RO" dirty="0"/>
+              <a:t> / „</a:t>
+            </a:r>
+            <a:r>
+              <a:rPr lang="ro-RO" dirty="0" err="1"/>
+              <a:t>Strategy</a:t>
+            </a:r>
+            <a:r>
+              <a:rPr lang="ro-RO" dirty="0"/>
+              <a:t>” Pattern</a:t>
+            </a:r>
+          </a:p>
+          <a:p>
+            <a:pPr marL="457200" lvl="1" indent="-131763"/>
+            <a:r>
+              <a:rPr lang="ro-RO" dirty="0"/>
+              <a:t>The </a:t>
+            </a:r>
+            <a:r>
+              <a:rPr lang="ro-RO" dirty="0" err="1"/>
+              <a:t>class</a:t>
+            </a:r>
+            <a:r>
+              <a:rPr lang="ro-RO" dirty="0"/>
+              <a:t> </a:t>
+            </a:r>
+            <a:r>
+              <a:rPr lang="ro-RO" dirty="0" err="1"/>
+              <a:t>depends</a:t>
+            </a:r>
+            <a:r>
+              <a:rPr lang="ro-RO" dirty="0"/>
+              <a:t> on an </a:t>
+            </a:r>
+            <a:r>
+              <a:rPr lang="ro-RO" dirty="0" err="1"/>
+              <a:t>abstraction</a:t>
+            </a:r>
+            <a:r>
+              <a:rPr lang="ro-RO" dirty="0"/>
+              <a:t>, </a:t>
+            </a:r>
+            <a:r>
+              <a:rPr lang="ro-RO" dirty="0" err="1"/>
+              <a:t>that</a:t>
+            </a:r>
+            <a:r>
+              <a:rPr lang="ro-RO" dirty="0"/>
+              <a:t> </a:t>
+            </a:r>
+            <a:r>
+              <a:rPr lang="ro-RO" dirty="0" err="1"/>
+              <a:t>plugs</a:t>
+            </a:r>
+            <a:r>
+              <a:rPr lang="ro-RO" dirty="0"/>
+              <a:t> in </a:t>
+            </a:r>
+            <a:r>
+              <a:rPr lang="ro-RO" dirty="0" err="1"/>
+              <a:t>with</a:t>
+            </a:r>
+            <a:r>
+              <a:rPr lang="ro-RO" dirty="0"/>
+              <a:t> </a:t>
+            </a:r>
+            <a:r>
+              <a:rPr lang="ro-RO" dirty="0" err="1"/>
+              <a:t>the</a:t>
+            </a:r>
+            <a:r>
+              <a:rPr lang="ro-RO" dirty="0"/>
+              <a:t> actual </a:t>
+            </a:r>
+            <a:r>
+              <a:rPr lang="ro-RO" dirty="0" err="1"/>
+              <a:t>implementation</a:t>
+            </a:r>
+            <a:endParaRPr lang="ro-RO" dirty="0"/>
+          </a:p>
+          <a:p>
+            <a:pPr marL="461963" lvl="1" indent="-136525">
+              <a:buFont typeface="Arial" panose="020B0604020202020204" pitchFamily="34" charset="0"/>
+              <a:buChar char="•"/>
+            </a:pPr>
+            <a:endParaRPr lang="en-US" dirty="0"/>
+          </a:p>
+        </p:txBody>
+      </p:sp>
+      <p:sp>
+        <p:nvSpPr>
+          <p:cNvPr id="4" name="Dreptunghi: colțuri rotunjite 3">
+            <a:extLst>
+              <a:ext uri="{FF2B5EF4-FFF2-40B4-BE49-F238E27FC236}">
+                <a16:creationId xmlns:a16="http://schemas.microsoft.com/office/drawing/2014/main" id="{DB63DD1A-EE73-47B9-A067-F242F23FE081}"/>
+              </a:ext>
+            </a:extLst>
+          </p:cNvPr>
+          <p:cNvSpPr/>
+          <p:nvPr/>
+        </p:nvSpPr>
+        <p:spPr>
+          <a:xfrm>
+            <a:off x="8102599" y="2245360"/>
+            <a:ext cx="2641600" cy="985520"/>
+          </a:xfrm>
+          <a:prstGeom prst="roundRect">
+            <a:avLst/>
+          </a:prstGeom>
+        </p:spPr>
+        <p:style>
+          <a:lnRef idx="2">
+            <a:schemeClr val="accent4">
+              <a:shade val="50000"/>
+            </a:schemeClr>
+          </a:lnRef>
+          <a:fillRef idx="1">
+            <a:schemeClr val="accent4"/>
+          </a:fillRef>
+          <a:effectRef idx="0">
+            <a:schemeClr val="accent4"/>
+          </a:effectRef>
+          <a:fontRef idx="minor">
+            <a:schemeClr val="lt1"/>
+          </a:fontRef>
+        </p:style>
+        <p:txBody>
+          <a:bodyPr rtlCol="0" anchor="ctr"/>
+          <a:lstStyle/>
+          <a:p>
+            <a:pPr>
+              <a:buFont typeface="Arial" panose="020B0604020202020204" pitchFamily="34" charset="0"/>
+              <a:buChar char="•"/>
+            </a:pPr>
+            <a:r>
+              <a:rPr lang="en-US" b="1" dirty="0"/>
+              <a:t>Use abstractions</a:t>
+            </a:r>
+            <a:r>
+              <a:rPr lang="ro-RO" b="1" dirty="0"/>
+              <a:t>:</a:t>
+            </a:r>
+            <a:endParaRPr lang="en-US" dirty="0"/>
+          </a:p>
+          <a:p>
+            <a:pPr marL="461963" lvl="1" indent="-136525">
+              <a:buFont typeface="Arial" panose="020B0604020202020204" pitchFamily="34" charset="0"/>
+              <a:buChar char="•"/>
+            </a:pPr>
+            <a:r>
+              <a:rPr lang="en-US" dirty="0"/>
+              <a:t>Interfaces</a:t>
+            </a:r>
+          </a:p>
+          <a:p>
+            <a:pPr marL="461963" lvl="1" indent="-136525">
+              <a:buFont typeface="Arial" panose="020B0604020202020204" pitchFamily="34" charset="0"/>
+              <a:buChar char="•"/>
+            </a:pPr>
+            <a:r>
+              <a:rPr lang="en-US" dirty="0"/>
+              <a:t>Abstract </a:t>
+            </a:r>
+            <a:r>
+              <a:rPr lang="en-US" dirty="0" err="1"/>
+              <a:t>clases</a:t>
+            </a:r>
+            <a:endParaRPr lang="ro-RO" dirty="0"/>
+          </a:p>
+        </p:txBody>
+      </p:sp>
+    </p:spTree>
+    <p:extLst>
+      <p:ext uri="{BB962C8B-B14F-4D97-AF65-F5344CB8AC3E}">
+        <p14:creationId xmlns:p14="http://schemas.microsoft.com/office/powerpoint/2010/main" val="3549252513"/>
+      </p:ext>
+    </p:extLst>
+  </p:cSld>
+  <p:clrMapOvr>
+    <a:masterClrMapping/>
+  </p:clrMapOvr>
+</p:sld>
+</file>
+
+<file path=ppt/slides/slide44.xml><?xml version="1.0" encoding="utf-8"?>
+<p:sld xmlns:a="http://schemas.openxmlformats.org/drawingml/2006/main" xmlns:r="http://schemas.openxmlformats.org/officeDocument/2006/relationships" xmlns:p="http://schemas.openxmlformats.org/presentationml/2006/main">
+  <p:cSld>
+    <p:spTree>
+      <p:nvGrpSpPr>
+        <p:cNvPr id="1" name=""/>
+        <p:cNvGrpSpPr/>
+        <p:nvPr/>
+      </p:nvGrpSpPr>
+      <p:grpSpPr>
+        <a:xfrm>
+          <a:off x="0" y="0"/>
+          <a:ext cx="0" cy="0"/>
+          <a:chOff x="0" y="0"/>
+          <a:chExt cx="0" cy="0"/>
+        </a:xfrm>
+      </p:grpSpPr>
+      <p:sp>
+        <p:nvSpPr>
+          <p:cNvPr id="2" name="Titlu 1">
+            <a:extLst>
+              <a:ext uri="{FF2B5EF4-FFF2-40B4-BE49-F238E27FC236}">
+                <a16:creationId xmlns:a16="http://schemas.microsoft.com/office/drawing/2014/main" id="{DDBF2430-E2C4-4F2C-84B4-0236ECE0A7E8}"/>
+              </a:ext>
+            </a:extLst>
+          </p:cNvPr>
+          <p:cNvSpPr>
+            <a:spLocks noGrp="1"/>
+          </p:cNvSpPr>
+          <p:nvPr>
+            <p:ph type="title"/>
+          </p:nvPr>
+        </p:nvSpPr>
+        <p:spPr/>
+        <p:txBody>
+          <a:bodyPr/>
+          <a:lstStyle/>
+          <a:p>
+            <a:r>
+              <a:rPr lang="ro-RO" dirty="0" err="1"/>
+              <a:t>Inheritance</a:t>
+            </a:r>
+            <a:r>
+              <a:rPr lang="ro-RO" dirty="0"/>
+              <a:t> – „</a:t>
+            </a:r>
+            <a:r>
+              <a:rPr lang="ro-RO" dirty="0" err="1"/>
+              <a:t>Template</a:t>
+            </a:r>
+            <a:r>
+              <a:rPr lang="ro-RO" dirty="0"/>
+              <a:t> </a:t>
+            </a:r>
+            <a:r>
+              <a:rPr lang="ro-RO" dirty="0" err="1"/>
+              <a:t>MethoD</a:t>
+            </a:r>
+            <a:r>
+              <a:rPr lang="ro-RO" dirty="0"/>
+              <a:t>” Pattern</a:t>
+            </a:r>
+            <a:endParaRPr lang="en-US" dirty="0"/>
+          </a:p>
+        </p:txBody>
+      </p:sp>
+      <p:sp>
+        <p:nvSpPr>
+          <p:cNvPr id="38" name="Dreptunghi 37">
+            <a:extLst>
+              <a:ext uri="{FF2B5EF4-FFF2-40B4-BE49-F238E27FC236}">
+                <a16:creationId xmlns:a16="http://schemas.microsoft.com/office/drawing/2014/main" id="{1139B889-B386-4289-94F5-16AAADBC477F}"/>
+              </a:ext>
+            </a:extLst>
+          </p:cNvPr>
+          <p:cNvSpPr/>
+          <p:nvPr/>
+        </p:nvSpPr>
+        <p:spPr>
+          <a:xfrm>
+            <a:off x="738001" y="2084832"/>
+            <a:ext cx="10715998" cy="4522445"/>
+          </a:xfrm>
+          <a:prstGeom prst="rect">
+            <a:avLst/>
+          </a:prstGeom>
+          <a:solidFill>
+            <a:schemeClr val="bg2">
+              <a:alpha val="38039"/>
+            </a:schemeClr>
+          </a:solidFill>
+          <a:ln>
+            <a:solidFill>
+              <a:schemeClr val="tx2"/>
+            </a:solidFill>
+          </a:ln>
+        </p:spPr>
+        <p:style>
+          <a:lnRef idx="2">
+            <a:schemeClr val="accent1">
+              <a:shade val="50000"/>
+            </a:schemeClr>
+          </a:lnRef>
+          <a:fillRef idx="1">
+            <a:schemeClr val="accent1"/>
+          </a:fillRef>
+          <a:effectRef idx="0">
+            <a:schemeClr val="accent1"/>
+          </a:effectRef>
+          <a:fontRef idx="minor">
+            <a:schemeClr val="lt1"/>
+          </a:fontRef>
+        </p:style>
+        <p:txBody>
+          <a:bodyPr rtlCol="0" anchor="ctr"/>
+          <a:lstStyle/>
+          <a:p>
+            <a:pPr algn="ctr"/>
+            <a:endParaRPr lang="en-US"/>
+          </a:p>
+        </p:txBody>
+      </p:sp>
+      <p:grpSp>
+        <p:nvGrpSpPr>
+          <p:cNvPr id="39" name="Grupare 38">
+            <a:extLst>
+              <a:ext uri="{FF2B5EF4-FFF2-40B4-BE49-F238E27FC236}">
+                <a16:creationId xmlns:a16="http://schemas.microsoft.com/office/drawing/2014/main" id="{E4191104-5A0E-4A1E-B9BF-4FDEC398BE28}"/>
+              </a:ext>
+            </a:extLst>
+          </p:cNvPr>
+          <p:cNvGrpSpPr/>
+          <p:nvPr/>
+        </p:nvGrpSpPr>
+        <p:grpSpPr>
+          <a:xfrm>
+            <a:off x="6501260" y="2328027"/>
+            <a:ext cx="3059299" cy="1365454"/>
+            <a:chOff x="1170039" y="2359742"/>
+            <a:chExt cx="1317522" cy="1365454"/>
+          </a:xfrm>
+        </p:grpSpPr>
+        <p:sp>
+          <p:nvSpPr>
+            <p:cNvPr id="40" name="Dreptunghi 39">
+              <a:extLst>
+                <a:ext uri="{FF2B5EF4-FFF2-40B4-BE49-F238E27FC236}">
+                  <a16:creationId xmlns:a16="http://schemas.microsoft.com/office/drawing/2014/main" id="{BF8C7C2D-6868-485A-959D-6119A20E732A}"/>
+                </a:ext>
+              </a:extLst>
+            </p:cNvPr>
+            <p:cNvSpPr/>
+            <p:nvPr/>
+          </p:nvSpPr>
+          <p:spPr>
+            <a:xfrm>
+              <a:off x="1170039" y="2359742"/>
+              <a:ext cx="1317522" cy="412955"/>
+            </a:xfrm>
+            <a:prstGeom prst="rect">
+              <a:avLst/>
+            </a:prstGeom>
+          </p:spPr>
+          <p:style>
+            <a:lnRef idx="2">
+              <a:schemeClr val="accent1">
+                <a:shade val="50000"/>
+              </a:schemeClr>
+            </a:lnRef>
+            <a:fillRef idx="1">
+              <a:schemeClr val="accent1"/>
+            </a:fillRef>
+            <a:effectRef idx="0">
+              <a:schemeClr val="accent1"/>
+            </a:effectRef>
+            <a:fontRef idx="minor">
+              <a:schemeClr val="lt1"/>
+            </a:fontRef>
+          </p:style>
+          <p:txBody>
+            <a:bodyPr rtlCol="0" anchor="ctr"/>
+            <a:lstStyle/>
+            <a:p>
+              <a:pPr algn="ctr"/>
+              <a:r>
+                <a:rPr lang="ro-RO" dirty="0" err="1"/>
+                <a:t>Person</a:t>
+              </a:r>
+              <a:endParaRPr lang="en-US" dirty="0"/>
+            </a:p>
+          </p:txBody>
+        </p:sp>
+        <p:sp>
+          <p:nvSpPr>
+            <p:cNvPr id="41" name="Dreptunghi 40">
+              <a:extLst>
+                <a:ext uri="{FF2B5EF4-FFF2-40B4-BE49-F238E27FC236}">
+                  <a16:creationId xmlns:a16="http://schemas.microsoft.com/office/drawing/2014/main" id="{302FC8F5-9F03-4FCD-BB03-BC46223D584C}"/>
+                </a:ext>
+              </a:extLst>
+            </p:cNvPr>
+            <p:cNvSpPr/>
+            <p:nvPr/>
+          </p:nvSpPr>
+          <p:spPr>
+            <a:xfrm>
+              <a:off x="1170039" y="2772697"/>
+              <a:ext cx="1317522" cy="952499"/>
+            </a:xfrm>
+            <a:prstGeom prst="rect">
+              <a:avLst/>
+            </a:prstGeom>
+          </p:spPr>
+          <p:style>
+            <a:lnRef idx="2">
+              <a:schemeClr val="accent2"/>
+            </a:lnRef>
+            <a:fillRef idx="1">
+              <a:schemeClr val="lt1"/>
+            </a:fillRef>
+            <a:effectRef idx="0">
+              <a:schemeClr val="accent2"/>
+            </a:effectRef>
+            <a:fontRef idx="minor">
+              <a:schemeClr val="dk1"/>
+            </a:fontRef>
+          </p:style>
+          <p:txBody>
+            <a:bodyPr rtlCol="0" anchor="ctr"/>
+            <a:lstStyle/>
+            <a:p>
+              <a:r>
+                <a:rPr lang="ro-RO" sz="1400" dirty="0" err="1"/>
+                <a:t>Name</a:t>
+              </a:r>
+              <a:endParaRPr lang="ro-RO" sz="1400" dirty="0"/>
+            </a:p>
+            <a:p>
+              <a:r>
+                <a:rPr lang="ro-RO" sz="1400" dirty="0" err="1"/>
+                <a:t>Age</a:t>
+              </a:r>
+              <a:endParaRPr lang="ro-RO" sz="1400" dirty="0"/>
+            </a:p>
+            <a:p>
+              <a:r>
+                <a:rPr lang="ro-RO" sz="1400" dirty="0"/>
+                <a:t>[abstract] </a:t>
+              </a:r>
+              <a:r>
+                <a:rPr lang="en-US" sz="1400" dirty="0" err="1"/>
+                <a:t>TicketPriceMultiplier</a:t>
+              </a:r>
+              <a:r>
+                <a:rPr lang="ro-RO" sz="1400" dirty="0"/>
+                <a:t> {get}</a:t>
+              </a:r>
+              <a:endParaRPr lang="en-US" sz="1400" dirty="0"/>
+            </a:p>
+          </p:txBody>
+        </p:sp>
+      </p:grpSp>
+      <p:grpSp>
+        <p:nvGrpSpPr>
+          <p:cNvPr id="42" name="Grupare 41">
+            <a:extLst>
+              <a:ext uri="{FF2B5EF4-FFF2-40B4-BE49-F238E27FC236}">
+                <a16:creationId xmlns:a16="http://schemas.microsoft.com/office/drawing/2014/main" id="{52D2AA91-A9EA-416E-881F-9D9A7960E780}"/>
+              </a:ext>
+            </a:extLst>
+          </p:cNvPr>
+          <p:cNvGrpSpPr/>
+          <p:nvPr/>
+        </p:nvGrpSpPr>
+        <p:grpSpPr>
+          <a:xfrm>
+            <a:off x="1451830" y="2481345"/>
+            <a:ext cx="2030361" cy="1889909"/>
+            <a:chOff x="2856270" y="2359742"/>
+            <a:chExt cx="2030361" cy="1889909"/>
+          </a:xfrm>
+        </p:grpSpPr>
+        <p:sp>
+          <p:nvSpPr>
+            <p:cNvPr id="43" name="Dreptunghi 42">
+              <a:extLst>
+                <a:ext uri="{FF2B5EF4-FFF2-40B4-BE49-F238E27FC236}">
+                  <a16:creationId xmlns:a16="http://schemas.microsoft.com/office/drawing/2014/main" id="{E8193C1C-22B0-4267-BD81-5051FDED836E}"/>
+                </a:ext>
+              </a:extLst>
+            </p:cNvPr>
+            <p:cNvSpPr/>
+            <p:nvPr/>
+          </p:nvSpPr>
+          <p:spPr>
+            <a:xfrm>
+              <a:off x="2856270" y="2359742"/>
+              <a:ext cx="2030361" cy="412955"/>
+            </a:xfrm>
+            <a:prstGeom prst="rect">
+              <a:avLst/>
+            </a:prstGeom>
+          </p:spPr>
+          <p:style>
+            <a:lnRef idx="2">
+              <a:schemeClr val="accent1">
+                <a:shade val="50000"/>
+              </a:schemeClr>
+            </a:lnRef>
+            <a:fillRef idx="1">
+              <a:schemeClr val="accent1"/>
+            </a:fillRef>
+            <a:effectRef idx="0">
+              <a:schemeClr val="accent1"/>
+            </a:effectRef>
+            <a:fontRef idx="minor">
+              <a:schemeClr val="lt1"/>
+            </a:fontRef>
+          </p:style>
+          <p:txBody>
+            <a:bodyPr rtlCol="0" anchor="ctr"/>
+            <a:lstStyle/>
+            <a:p>
+              <a:pPr algn="ctr"/>
+              <a:r>
+                <a:rPr lang="ro-RO" dirty="0" err="1"/>
+                <a:t>Museum</a:t>
+              </a:r>
+              <a:endParaRPr lang="en-US" dirty="0"/>
+            </a:p>
+          </p:txBody>
+        </p:sp>
+        <p:sp>
+          <p:nvSpPr>
+            <p:cNvPr id="44" name="Dreptunghi 43">
+              <a:extLst>
+                <a:ext uri="{FF2B5EF4-FFF2-40B4-BE49-F238E27FC236}">
+                  <a16:creationId xmlns:a16="http://schemas.microsoft.com/office/drawing/2014/main" id="{634225A9-E0B6-448D-9B53-648868FC9D50}"/>
+                </a:ext>
+              </a:extLst>
+            </p:cNvPr>
+            <p:cNvSpPr/>
+            <p:nvPr/>
+          </p:nvSpPr>
+          <p:spPr>
+            <a:xfrm>
+              <a:off x="2856270" y="2772697"/>
+              <a:ext cx="2030361" cy="1476954"/>
+            </a:xfrm>
+            <a:prstGeom prst="rect">
+              <a:avLst/>
+            </a:prstGeom>
+          </p:spPr>
+          <p:style>
+            <a:lnRef idx="2">
+              <a:schemeClr val="accent2"/>
+            </a:lnRef>
+            <a:fillRef idx="1">
+              <a:schemeClr val="lt1"/>
+            </a:fillRef>
+            <a:effectRef idx="0">
+              <a:schemeClr val="accent2"/>
+            </a:effectRef>
+            <a:fontRef idx="minor">
+              <a:schemeClr val="dk1"/>
+            </a:fontRef>
+          </p:style>
+          <p:txBody>
+            <a:bodyPr rtlCol="0" anchor="ctr"/>
+            <a:lstStyle/>
+            <a:p>
+              <a:r>
+                <a:rPr lang="ro-RO" sz="1400" dirty="0"/>
+                <a:t>_</a:t>
+              </a:r>
+              <a:r>
+                <a:rPr lang="ro-RO" sz="1400" dirty="0" err="1"/>
+                <a:t>visitors</a:t>
+              </a:r>
+              <a:endParaRPr lang="ro-RO" sz="1400" dirty="0"/>
+            </a:p>
+            <a:p>
+              <a:r>
+                <a:rPr lang="ro-RO" sz="1400" dirty="0"/>
+                <a:t>_</a:t>
+              </a:r>
+              <a:r>
+                <a:rPr lang="ro-RO" sz="1400" dirty="0" err="1"/>
+                <a:t>FullTicketPrice</a:t>
+              </a:r>
+              <a:endParaRPr lang="ro-RO" sz="1400" dirty="0"/>
+            </a:p>
+            <a:p>
+              <a:endParaRPr lang="ro-RO" sz="1400" dirty="0"/>
+            </a:p>
+            <a:p>
+              <a:r>
+                <a:rPr lang="en-US" sz="1400" dirty="0" err="1"/>
+                <a:t>IncomeFromTickets</a:t>
+              </a:r>
+              <a:r>
+                <a:rPr lang="en-US" sz="1400" dirty="0"/>
+                <a:t> </a:t>
+              </a:r>
+              <a:endParaRPr lang="ro-RO" sz="1400" dirty="0"/>
+            </a:p>
+            <a:p>
+              <a:endParaRPr lang="ro-RO" sz="1400" dirty="0"/>
+            </a:p>
+            <a:p>
+              <a:r>
+                <a:rPr lang="ro-RO" sz="1400" dirty="0" err="1"/>
+                <a:t>Visit</a:t>
+              </a:r>
+              <a:r>
+                <a:rPr lang="ro-RO" sz="1400" dirty="0"/>
+                <a:t>(</a:t>
+              </a:r>
+              <a:r>
+                <a:rPr lang="ro-RO" sz="1400" dirty="0" err="1"/>
+                <a:t>person</a:t>
+              </a:r>
+              <a:r>
+                <a:rPr lang="ro-RO" sz="1400" dirty="0"/>
+                <a:t>)</a:t>
+              </a:r>
+            </a:p>
+          </p:txBody>
+        </p:sp>
+      </p:grpSp>
+      <p:cxnSp>
+        <p:nvCxnSpPr>
+          <p:cNvPr id="45" name="Conector: cotit 44">
+            <a:extLst>
+              <a:ext uri="{FF2B5EF4-FFF2-40B4-BE49-F238E27FC236}">
+                <a16:creationId xmlns:a16="http://schemas.microsoft.com/office/drawing/2014/main" id="{F24CE3F9-5911-43AD-B6EB-AC5BD177A205}"/>
+              </a:ext>
+            </a:extLst>
+          </p:cNvPr>
+          <p:cNvCxnSpPr>
+            <a:cxnSpLocks/>
+            <a:stCxn id="44" idx="3"/>
+            <a:endCxn id="40" idx="1"/>
+          </p:cNvCxnSpPr>
+          <p:nvPr/>
+        </p:nvCxnSpPr>
+        <p:spPr>
+          <a:xfrm flipV="1">
+            <a:off x="3482191" y="2534505"/>
+            <a:ext cx="3019069" cy="1098272"/>
+          </a:xfrm>
+          <a:prstGeom prst="bentConnector3">
+            <a:avLst>
+              <a:gd name="adj1" fmla="val 50000"/>
+            </a:avLst>
+          </a:prstGeom>
+        </p:spPr>
+        <p:style>
+          <a:lnRef idx="1">
+            <a:schemeClr val="accent1"/>
+          </a:lnRef>
+          <a:fillRef idx="0">
+            <a:schemeClr val="accent1"/>
+          </a:fillRef>
+          <a:effectRef idx="0">
+            <a:schemeClr val="accent1"/>
+          </a:effectRef>
+          <a:fontRef idx="minor">
+            <a:schemeClr val="tx1"/>
+          </a:fontRef>
+        </p:style>
+      </p:cxnSp>
+      <p:sp>
+        <p:nvSpPr>
+          <p:cNvPr id="49" name="Bulă de gânduri: nor 48">
+            <a:extLst>
+              <a:ext uri="{FF2B5EF4-FFF2-40B4-BE49-F238E27FC236}">
+                <a16:creationId xmlns:a16="http://schemas.microsoft.com/office/drawing/2014/main" id="{7FDD9AB6-8D40-474F-A859-55B6059AA8CF}"/>
+              </a:ext>
+            </a:extLst>
+          </p:cNvPr>
+          <p:cNvSpPr/>
+          <p:nvPr/>
+        </p:nvSpPr>
+        <p:spPr>
+          <a:xfrm>
+            <a:off x="1857773" y="5002498"/>
+            <a:ext cx="3178965" cy="1558162"/>
+          </a:xfrm>
+          <a:prstGeom prst="cloudCallout">
+            <a:avLst>
+              <a:gd name="adj1" fmla="val -30891"/>
+              <a:gd name="adj2" fmla="val -102517"/>
+            </a:avLst>
+          </a:prstGeom>
+          <a:solidFill>
+            <a:schemeClr val="accent5">
+              <a:lumMod val="20000"/>
+              <a:lumOff val="80000"/>
+            </a:schemeClr>
+          </a:solidFill>
+          <a:ln/>
+        </p:spPr>
+        <p:style>
+          <a:lnRef idx="2">
+            <a:schemeClr val="accent5"/>
+          </a:lnRef>
+          <a:fillRef idx="1">
+            <a:schemeClr val="lt1"/>
+          </a:fillRef>
+          <a:effectRef idx="0">
+            <a:schemeClr val="accent5"/>
+          </a:effectRef>
+          <a:fontRef idx="minor">
+            <a:schemeClr val="dk1"/>
+          </a:fontRef>
+        </p:style>
+        <p:txBody>
+          <a:bodyPr rtlCol="0" anchor="ctr"/>
+          <a:lstStyle/>
+          <a:p>
+            <a:pPr algn="ctr"/>
+            <a:r>
+              <a:rPr lang="ro-RO" dirty="0"/>
+              <a:t>Just </a:t>
+            </a:r>
+            <a:r>
+              <a:rPr lang="ro-RO" dirty="0" err="1"/>
+              <a:t>multiplies</a:t>
+            </a:r>
+            <a:r>
+              <a:rPr lang="ro-RO" dirty="0"/>
+              <a:t> </a:t>
+            </a:r>
+            <a:r>
+              <a:rPr lang="ro-RO" dirty="0" err="1"/>
+              <a:t>ticket</a:t>
+            </a:r>
+            <a:r>
+              <a:rPr lang="ro-RO" dirty="0"/>
+              <a:t> price </a:t>
+            </a:r>
+            <a:r>
+              <a:rPr lang="ro-RO" dirty="0" err="1"/>
+              <a:t>with</a:t>
+            </a:r>
+            <a:r>
+              <a:rPr lang="ro-RO" dirty="0"/>
+              <a:t> </a:t>
+            </a:r>
+            <a:r>
+              <a:rPr lang="ro-RO" dirty="0" err="1"/>
+              <a:t>the</a:t>
+            </a:r>
+            <a:r>
+              <a:rPr lang="ro-RO" dirty="0"/>
+              <a:t> </a:t>
+            </a:r>
+            <a:r>
+              <a:rPr lang="ro-RO" dirty="0" err="1"/>
+              <a:t>person’s</a:t>
+            </a:r>
+            <a:r>
+              <a:rPr lang="ro-RO" dirty="0"/>
+              <a:t> </a:t>
+            </a:r>
+            <a:r>
+              <a:rPr lang="en-US" dirty="0" err="1"/>
+              <a:t>TicketPriceMultiplier</a:t>
+            </a:r>
+            <a:endParaRPr lang="en-US" dirty="0"/>
+          </a:p>
+        </p:txBody>
+      </p:sp>
+      <p:grpSp>
+        <p:nvGrpSpPr>
+          <p:cNvPr id="50" name="Grupare 49">
+            <a:extLst>
+              <a:ext uri="{FF2B5EF4-FFF2-40B4-BE49-F238E27FC236}">
+                <a16:creationId xmlns:a16="http://schemas.microsoft.com/office/drawing/2014/main" id="{6BDC1D29-BB68-4F82-B682-669718129B39}"/>
+              </a:ext>
+            </a:extLst>
+          </p:cNvPr>
+          <p:cNvGrpSpPr/>
+          <p:nvPr/>
+        </p:nvGrpSpPr>
+        <p:grpSpPr>
+          <a:xfrm>
+            <a:off x="4918861" y="4176585"/>
+            <a:ext cx="1930605" cy="825912"/>
+            <a:chOff x="1170039" y="2359742"/>
+            <a:chExt cx="1317522" cy="825912"/>
+          </a:xfrm>
+        </p:grpSpPr>
+        <p:sp>
+          <p:nvSpPr>
+            <p:cNvPr id="51" name="Dreptunghi 50">
+              <a:extLst>
+                <a:ext uri="{FF2B5EF4-FFF2-40B4-BE49-F238E27FC236}">
+                  <a16:creationId xmlns:a16="http://schemas.microsoft.com/office/drawing/2014/main" id="{039EE31F-E886-45ED-B87E-ADDC613BB210}"/>
+                </a:ext>
+              </a:extLst>
+            </p:cNvPr>
+            <p:cNvSpPr/>
+            <p:nvPr/>
+          </p:nvSpPr>
+          <p:spPr>
+            <a:xfrm>
+              <a:off x="1170039" y="2359742"/>
+              <a:ext cx="1317522" cy="412955"/>
+            </a:xfrm>
+            <a:prstGeom prst="rect">
+              <a:avLst/>
+            </a:prstGeom>
+          </p:spPr>
+          <p:style>
+            <a:lnRef idx="2">
+              <a:schemeClr val="accent1">
+                <a:shade val="50000"/>
+              </a:schemeClr>
+            </a:lnRef>
+            <a:fillRef idx="1">
+              <a:schemeClr val="accent1"/>
+            </a:fillRef>
+            <a:effectRef idx="0">
+              <a:schemeClr val="accent1"/>
+            </a:effectRef>
+            <a:fontRef idx="minor">
+              <a:schemeClr val="lt1"/>
+            </a:fontRef>
+          </p:style>
+          <p:txBody>
+            <a:bodyPr rtlCol="0" anchor="ctr"/>
+            <a:lstStyle/>
+            <a:p>
+              <a:pPr algn="ctr"/>
+              <a:r>
+                <a:rPr lang="ro-RO" dirty="0" err="1"/>
+                <a:t>Child</a:t>
+              </a:r>
+              <a:endParaRPr lang="en-US" dirty="0"/>
+            </a:p>
+          </p:txBody>
+        </p:sp>
+        <p:sp>
+          <p:nvSpPr>
+            <p:cNvPr id="52" name="Dreptunghi 51">
+              <a:extLst>
+                <a:ext uri="{FF2B5EF4-FFF2-40B4-BE49-F238E27FC236}">
+                  <a16:creationId xmlns:a16="http://schemas.microsoft.com/office/drawing/2014/main" id="{E04D5C2B-0782-4AB1-ACB1-835751EDA1F6}"/>
+                </a:ext>
+              </a:extLst>
+            </p:cNvPr>
+            <p:cNvSpPr/>
+            <p:nvPr/>
+          </p:nvSpPr>
+          <p:spPr>
+            <a:xfrm>
+              <a:off x="1170039" y="2772698"/>
+              <a:ext cx="1317522" cy="412956"/>
+            </a:xfrm>
+            <a:prstGeom prst="rect">
+              <a:avLst/>
+            </a:prstGeom>
+          </p:spPr>
+          <p:style>
+            <a:lnRef idx="2">
+              <a:schemeClr val="accent2"/>
+            </a:lnRef>
+            <a:fillRef idx="1">
+              <a:schemeClr val="lt1"/>
+            </a:fillRef>
+            <a:effectRef idx="0">
+              <a:schemeClr val="accent2"/>
+            </a:effectRef>
+            <a:fontRef idx="minor">
+              <a:schemeClr val="dk1"/>
+            </a:fontRef>
+          </p:style>
+          <p:txBody>
+            <a:bodyPr rtlCol="0" anchor="ctr"/>
+            <a:lstStyle/>
+            <a:p>
+              <a:r>
+                <a:rPr lang="en-US" sz="1400" dirty="0" err="1"/>
+                <a:t>TicketPriceMultiplier</a:t>
+              </a:r>
+              <a:r>
+                <a:rPr lang="ro-RO" sz="1400" dirty="0"/>
+                <a:t> = 0</a:t>
+              </a:r>
+              <a:endParaRPr lang="en-US" sz="1400" dirty="0"/>
+            </a:p>
+          </p:txBody>
+        </p:sp>
+      </p:grpSp>
+      <p:grpSp>
+        <p:nvGrpSpPr>
+          <p:cNvPr id="55" name="Grupare 54">
+            <a:extLst>
+              <a:ext uri="{FF2B5EF4-FFF2-40B4-BE49-F238E27FC236}">
+                <a16:creationId xmlns:a16="http://schemas.microsoft.com/office/drawing/2014/main" id="{E7917740-0409-4C8E-ADDF-257E6B621EDB}"/>
+              </a:ext>
+            </a:extLst>
+          </p:cNvPr>
+          <p:cNvGrpSpPr/>
+          <p:nvPr/>
+        </p:nvGrpSpPr>
+        <p:grpSpPr>
+          <a:xfrm>
+            <a:off x="7066116" y="4179444"/>
+            <a:ext cx="1930605" cy="825912"/>
+            <a:chOff x="1170039" y="2359742"/>
+            <a:chExt cx="1317522" cy="825912"/>
+          </a:xfrm>
+        </p:grpSpPr>
+        <p:sp>
+          <p:nvSpPr>
+            <p:cNvPr id="56" name="Dreptunghi 55">
+              <a:extLst>
+                <a:ext uri="{FF2B5EF4-FFF2-40B4-BE49-F238E27FC236}">
+                  <a16:creationId xmlns:a16="http://schemas.microsoft.com/office/drawing/2014/main" id="{FCB43DB6-82C7-4B89-84EC-4032D1EEE172}"/>
+                </a:ext>
+              </a:extLst>
+            </p:cNvPr>
+            <p:cNvSpPr/>
+            <p:nvPr/>
+          </p:nvSpPr>
+          <p:spPr>
+            <a:xfrm>
+              <a:off x="1170039" y="2359742"/>
+              <a:ext cx="1317522" cy="412955"/>
+            </a:xfrm>
+            <a:prstGeom prst="rect">
+              <a:avLst/>
+            </a:prstGeom>
+          </p:spPr>
+          <p:style>
+            <a:lnRef idx="2">
+              <a:schemeClr val="accent1">
+                <a:shade val="50000"/>
+              </a:schemeClr>
+            </a:lnRef>
+            <a:fillRef idx="1">
+              <a:schemeClr val="accent1"/>
+            </a:fillRef>
+            <a:effectRef idx="0">
+              <a:schemeClr val="accent1"/>
+            </a:effectRef>
+            <a:fontRef idx="minor">
+              <a:schemeClr val="lt1"/>
+            </a:fontRef>
+          </p:style>
+          <p:txBody>
+            <a:bodyPr rtlCol="0" anchor="ctr"/>
+            <a:lstStyle/>
+            <a:p>
+              <a:pPr algn="ctr"/>
+              <a:r>
+                <a:rPr lang="ro-RO" dirty="0"/>
+                <a:t>Adult</a:t>
+              </a:r>
+              <a:endParaRPr lang="en-US" dirty="0"/>
+            </a:p>
+          </p:txBody>
+        </p:sp>
+        <p:sp>
+          <p:nvSpPr>
+            <p:cNvPr id="57" name="Dreptunghi 56">
+              <a:extLst>
+                <a:ext uri="{FF2B5EF4-FFF2-40B4-BE49-F238E27FC236}">
+                  <a16:creationId xmlns:a16="http://schemas.microsoft.com/office/drawing/2014/main" id="{F4EDB3C4-D060-4BEA-99F9-A7BE38C600DC}"/>
+                </a:ext>
+              </a:extLst>
+            </p:cNvPr>
+            <p:cNvSpPr/>
+            <p:nvPr/>
+          </p:nvSpPr>
+          <p:spPr>
+            <a:xfrm>
+              <a:off x="1170039" y="2772698"/>
+              <a:ext cx="1317522" cy="412956"/>
+            </a:xfrm>
+            <a:prstGeom prst="rect">
+              <a:avLst/>
+            </a:prstGeom>
+          </p:spPr>
+          <p:style>
+            <a:lnRef idx="2">
+              <a:schemeClr val="accent2"/>
+            </a:lnRef>
+            <a:fillRef idx="1">
+              <a:schemeClr val="lt1"/>
+            </a:fillRef>
+            <a:effectRef idx="0">
+              <a:schemeClr val="accent2"/>
+            </a:effectRef>
+            <a:fontRef idx="minor">
+              <a:schemeClr val="dk1"/>
+            </a:fontRef>
+          </p:style>
+          <p:txBody>
+            <a:bodyPr rtlCol="0" anchor="ctr"/>
+            <a:lstStyle/>
+            <a:p>
+              <a:r>
+                <a:rPr lang="en-US" sz="1400" dirty="0" err="1"/>
+                <a:t>TicketPriceMultiplier</a:t>
+              </a:r>
+              <a:r>
+                <a:rPr lang="ro-RO" sz="1400" dirty="0"/>
+                <a:t> = 1</a:t>
+              </a:r>
+              <a:endParaRPr lang="en-US" sz="1400" dirty="0"/>
+            </a:p>
+          </p:txBody>
+        </p:sp>
+      </p:grpSp>
+      <p:grpSp>
+        <p:nvGrpSpPr>
+          <p:cNvPr id="58" name="Grupare 57">
+            <a:extLst>
+              <a:ext uri="{FF2B5EF4-FFF2-40B4-BE49-F238E27FC236}">
+                <a16:creationId xmlns:a16="http://schemas.microsoft.com/office/drawing/2014/main" id="{EAFB26EE-4184-455B-8714-907D5A2A8118}"/>
+              </a:ext>
+            </a:extLst>
+          </p:cNvPr>
+          <p:cNvGrpSpPr/>
+          <p:nvPr/>
+        </p:nvGrpSpPr>
+        <p:grpSpPr>
+          <a:xfrm>
+            <a:off x="9213371" y="4176585"/>
+            <a:ext cx="2064229" cy="825912"/>
+            <a:chOff x="1170039" y="2359742"/>
+            <a:chExt cx="1317522" cy="825912"/>
+          </a:xfrm>
+        </p:grpSpPr>
+        <p:sp>
+          <p:nvSpPr>
+            <p:cNvPr id="59" name="Dreptunghi 58">
+              <a:extLst>
+                <a:ext uri="{FF2B5EF4-FFF2-40B4-BE49-F238E27FC236}">
+                  <a16:creationId xmlns:a16="http://schemas.microsoft.com/office/drawing/2014/main" id="{D3382817-4999-4E7C-9AB6-279C971DBA94}"/>
+                </a:ext>
+              </a:extLst>
+            </p:cNvPr>
+            <p:cNvSpPr/>
+            <p:nvPr/>
+          </p:nvSpPr>
+          <p:spPr>
+            <a:xfrm>
+              <a:off x="1170039" y="2359742"/>
+              <a:ext cx="1317522" cy="412955"/>
+            </a:xfrm>
+            <a:prstGeom prst="rect">
+              <a:avLst/>
+            </a:prstGeom>
+          </p:spPr>
+          <p:style>
+            <a:lnRef idx="2">
+              <a:schemeClr val="accent1">
+                <a:shade val="50000"/>
+              </a:schemeClr>
+            </a:lnRef>
+            <a:fillRef idx="1">
+              <a:schemeClr val="accent1"/>
+            </a:fillRef>
+            <a:effectRef idx="0">
+              <a:schemeClr val="accent1"/>
+            </a:effectRef>
+            <a:fontRef idx="minor">
+              <a:schemeClr val="lt1"/>
+            </a:fontRef>
+          </p:style>
+          <p:txBody>
+            <a:bodyPr rtlCol="0" anchor="ctr"/>
+            <a:lstStyle/>
+            <a:p>
+              <a:pPr algn="ctr"/>
+              <a:r>
+                <a:rPr lang="ro-RO" dirty="0"/>
+                <a:t>Senior</a:t>
+              </a:r>
+              <a:endParaRPr lang="en-US" dirty="0"/>
+            </a:p>
+          </p:txBody>
+        </p:sp>
+        <p:sp>
+          <p:nvSpPr>
+            <p:cNvPr id="60" name="Dreptunghi 59">
+              <a:extLst>
+                <a:ext uri="{FF2B5EF4-FFF2-40B4-BE49-F238E27FC236}">
+                  <a16:creationId xmlns:a16="http://schemas.microsoft.com/office/drawing/2014/main" id="{10A60013-1896-4F2C-89A0-514F37A19257}"/>
+                </a:ext>
+              </a:extLst>
+            </p:cNvPr>
+            <p:cNvSpPr/>
+            <p:nvPr/>
+          </p:nvSpPr>
+          <p:spPr>
+            <a:xfrm>
+              <a:off x="1170039" y="2772698"/>
+              <a:ext cx="1317522" cy="412956"/>
+            </a:xfrm>
+            <a:prstGeom prst="rect">
+              <a:avLst/>
+            </a:prstGeom>
+          </p:spPr>
+          <p:style>
+            <a:lnRef idx="2">
+              <a:schemeClr val="accent2"/>
+            </a:lnRef>
+            <a:fillRef idx="1">
+              <a:schemeClr val="lt1"/>
+            </a:fillRef>
+            <a:effectRef idx="0">
+              <a:schemeClr val="accent2"/>
+            </a:effectRef>
+            <a:fontRef idx="minor">
+              <a:schemeClr val="dk1"/>
+            </a:fontRef>
+          </p:style>
+          <p:txBody>
+            <a:bodyPr rtlCol="0" anchor="ctr"/>
+            <a:lstStyle/>
+            <a:p>
+              <a:r>
+                <a:rPr lang="en-US" sz="1400" dirty="0" err="1"/>
+                <a:t>TicketPriceMultiplier</a:t>
+              </a:r>
+              <a:r>
+                <a:rPr lang="ro-RO" sz="1400" dirty="0"/>
+                <a:t> = 0.5</a:t>
+              </a:r>
+              <a:endParaRPr lang="en-US" sz="1400" dirty="0"/>
+            </a:p>
+          </p:txBody>
+        </p:sp>
+      </p:grpSp>
+      <p:cxnSp>
+        <p:nvCxnSpPr>
+          <p:cNvPr id="4" name="Conector: cotit 3">
+            <a:extLst>
+              <a:ext uri="{FF2B5EF4-FFF2-40B4-BE49-F238E27FC236}">
+                <a16:creationId xmlns:a16="http://schemas.microsoft.com/office/drawing/2014/main" id="{C792109A-F7E3-4652-AEC4-616CBC972A93}"/>
+              </a:ext>
+            </a:extLst>
+          </p:cNvPr>
+          <p:cNvCxnSpPr>
+            <a:stCxn id="51" idx="0"/>
+            <a:endCxn id="41" idx="2"/>
+          </p:cNvCxnSpPr>
+          <p:nvPr/>
+        </p:nvCxnSpPr>
+        <p:spPr>
+          <a:xfrm rot="5400000" flipH="1" flipV="1">
+            <a:off x="6715985" y="2861660"/>
+            <a:ext cx="483104" cy="2146746"/>
+          </a:xfrm>
+          <a:prstGeom prst="bentConnector3">
+            <a:avLst/>
+          </a:prstGeom>
+          <a:ln>
+            <a:tailEnd type="triangle"/>
+          </a:ln>
+        </p:spPr>
+        <p:style>
+          <a:lnRef idx="1">
+            <a:schemeClr val="accent1"/>
+          </a:lnRef>
+          <a:fillRef idx="0">
+            <a:schemeClr val="accent1"/>
+          </a:fillRef>
+          <a:effectRef idx="0">
+            <a:schemeClr val="accent1"/>
+          </a:effectRef>
+          <a:fontRef idx="minor">
+            <a:schemeClr val="tx1"/>
+          </a:fontRef>
+        </p:style>
+      </p:cxnSp>
+      <p:cxnSp>
+        <p:nvCxnSpPr>
+          <p:cNvPr id="32" name="Conector: cotit 31">
+            <a:extLst>
+              <a:ext uri="{FF2B5EF4-FFF2-40B4-BE49-F238E27FC236}">
+                <a16:creationId xmlns:a16="http://schemas.microsoft.com/office/drawing/2014/main" id="{FA060C90-8128-4233-AEA4-D2D2B28938AF}"/>
+              </a:ext>
+            </a:extLst>
+          </p:cNvPr>
+          <p:cNvCxnSpPr>
+            <a:cxnSpLocks/>
+            <a:stCxn id="56" idx="0"/>
+            <a:endCxn id="41" idx="2"/>
+          </p:cNvCxnSpPr>
+          <p:nvPr/>
+        </p:nvCxnSpPr>
+        <p:spPr>
+          <a:xfrm rot="16200000" flipV="1">
+            <a:off x="7788184" y="3936208"/>
+            <a:ext cx="485963" cy="509"/>
+          </a:xfrm>
+          <a:prstGeom prst="bentConnector3">
+            <a:avLst>
+              <a:gd name="adj1" fmla="val 50000"/>
+            </a:avLst>
+          </a:prstGeom>
+          <a:ln>
+            <a:tailEnd type="triangle"/>
+          </a:ln>
+        </p:spPr>
+        <p:style>
+          <a:lnRef idx="1">
+            <a:schemeClr val="accent1"/>
+          </a:lnRef>
+          <a:fillRef idx="0">
+            <a:schemeClr val="accent1"/>
+          </a:fillRef>
+          <a:effectRef idx="0">
+            <a:schemeClr val="accent1"/>
+          </a:effectRef>
+          <a:fontRef idx="minor">
+            <a:schemeClr val="tx1"/>
+          </a:fontRef>
+        </p:style>
+      </p:cxnSp>
+      <p:cxnSp>
+        <p:nvCxnSpPr>
+          <p:cNvPr id="35" name="Conector: cotit 34">
+            <a:extLst>
+              <a:ext uri="{FF2B5EF4-FFF2-40B4-BE49-F238E27FC236}">
+                <a16:creationId xmlns:a16="http://schemas.microsoft.com/office/drawing/2014/main" id="{558E8567-7AC8-4391-876E-68563ECB9C6B}"/>
+              </a:ext>
+            </a:extLst>
+          </p:cNvPr>
+          <p:cNvCxnSpPr>
+            <a:cxnSpLocks/>
+            <a:stCxn id="59" idx="0"/>
+            <a:endCxn id="41" idx="2"/>
+          </p:cNvCxnSpPr>
+          <p:nvPr/>
+        </p:nvCxnSpPr>
+        <p:spPr>
+          <a:xfrm rot="16200000" flipV="1">
+            <a:off x="8896646" y="2827745"/>
+            <a:ext cx="483104" cy="2214576"/>
+          </a:xfrm>
+          <a:prstGeom prst="bentConnector3">
+            <a:avLst>
+              <a:gd name="adj1" fmla="val 50000"/>
+            </a:avLst>
+          </a:prstGeom>
+          <a:ln>
+            <a:tailEnd type="triangle"/>
+          </a:ln>
+        </p:spPr>
+        <p:style>
+          <a:lnRef idx="1">
+            <a:schemeClr val="accent1"/>
+          </a:lnRef>
+          <a:fillRef idx="0">
+            <a:schemeClr val="accent1"/>
+          </a:fillRef>
+          <a:effectRef idx="0">
+            <a:schemeClr val="accent1"/>
+          </a:effectRef>
+          <a:fontRef idx="minor">
+            <a:schemeClr val="tx1"/>
+          </a:fontRef>
+        </p:style>
+      </p:cxnSp>
+    </p:spTree>
+    <p:extLst>
+      <p:ext uri="{BB962C8B-B14F-4D97-AF65-F5344CB8AC3E}">
+        <p14:creationId xmlns:p14="http://schemas.microsoft.com/office/powerpoint/2010/main" val="2263067424"/>
+      </p:ext>
+    </p:extLst>
+  </p:cSld>
+  <p:clrMapOvr>
+    <a:masterClrMapping/>
+  </p:clrMapOvr>
+</p:sld>
+</file>
+
+<file path=ppt/slides/slide45.xml><?xml version="1.0" encoding="utf-8"?>
+<p:sld xmlns:a="http://schemas.openxmlformats.org/drawingml/2006/main" xmlns:r="http://schemas.openxmlformats.org/officeDocument/2006/relationships" xmlns:p="http://schemas.openxmlformats.org/presentationml/2006/main">
+  <p:cSld>
+    <p:spTree>
+      <p:nvGrpSpPr>
+        <p:cNvPr id="1" name=""/>
+        <p:cNvGrpSpPr/>
+        <p:nvPr/>
+      </p:nvGrpSpPr>
+      <p:grpSpPr>
+        <a:xfrm>
+          <a:off x="0" y="0"/>
+          <a:ext cx="0" cy="0"/>
+          <a:chOff x="0" y="0"/>
+          <a:chExt cx="0" cy="0"/>
+        </a:xfrm>
+      </p:grpSpPr>
+      <p:sp>
+        <p:nvSpPr>
+          <p:cNvPr id="2" name="Titlu 1">
+            <a:extLst>
+              <a:ext uri="{FF2B5EF4-FFF2-40B4-BE49-F238E27FC236}">
+                <a16:creationId xmlns:a16="http://schemas.microsoft.com/office/drawing/2014/main" id="{DDBF2430-E2C4-4F2C-84B4-0236ECE0A7E8}"/>
+              </a:ext>
+            </a:extLst>
+          </p:cNvPr>
+          <p:cNvSpPr>
+            <a:spLocks noGrp="1"/>
+          </p:cNvSpPr>
+          <p:nvPr>
+            <p:ph type="title"/>
+          </p:nvPr>
+        </p:nvSpPr>
+        <p:spPr/>
+        <p:txBody>
+          <a:bodyPr/>
+          <a:lstStyle/>
+          <a:p>
+            <a:r>
+              <a:rPr lang="en-US" dirty="0"/>
+              <a:t>composition</a:t>
+            </a:r>
+            <a:r>
+              <a:rPr lang="ro-RO" dirty="0"/>
+              <a:t> – „STRATEGY” Pattern</a:t>
+            </a:r>
+            <a:endParaRPr lang="en-US" dirty="0"/>
+          </a:p>
+        </p:txBody>
+      </p:sp>
+      <p:sp>
+        <p:nvSpPr>
+          <p:cNvPr id="38" name="Dreptunghi 37">
+            <a:extLst>
+              <a:ext uri="{FF2B5EF4-FFF2-40B4-BE49-F238E27FC236}">
+                <a16:creationId xmlns:a16="http://schemas.microsoft.com/office/drawing/2014/main" id="{1139B889-B386-4289-94F5-16AAADBC477F}"/>
+              </a:ext>
+            </a:extLst>
+          </p:cNvPr>
+          <p:cNvSpPr/>
+          <p:nvPr/>
+        </p:nvSpPr>
+        <p:spPr>
+          <a:xfrm>
+            <a:off x="738001" y="2084832"/>
+            <a:ext cx="10715998" cy="4522445"/>
+          </a:xfrm>
+          <a:prstGeom prst="rect">
+            <a:avLst/>
+          </a:prstGeom>
+          <a:solidFill>
+            <a:schemeClr val="bg2">
+              <a:alpha val="38039"/>
+            </a:schemeClr>
+          </a:solidFill>
+          <a:ln>
+            <a:solidFill>
+              <a:schemeClr val="tx2"/>
+            </a:solidFill>
+          </a:ln>
+        </p:spPr>
+        <p:style>
+          <a:lnRef idx="2">
+            <a:schemeClr val="accent1">
+              <a:shade val="50000"/>
+            </a:schemeClr>
+          </a:lnRef>
+          <a:fillRef idx="1">
+            <a:schemeClr val="accent1"/>
+          </a:fillRef>
+          <a:effectRef idx="0">
+            <a:schemeClr val="accent1"/>
+          </a:effectRef>
+          <a:fontRef idx="minor">
+            <a:schemeClr val="lt1"/>
+          </a:fontRef>
+        </p:style>
+        <p:txBody>
+          <a:bodyPr rtlCol="0" anchor="ctr"/>
+          <a:lstStyle/>
+          <a:p>
+            <a:pPr algn="ctr"/>
+            <a:endParaRPr lang="en-US"/>
+          </a:p>
+        </p:txBody>
+      </p:sp>
+      <p:grpSp>
+        <p:nvGrpSpPr>
+          <p:cNvPr id="39" name="Grupare 38">
+            <a:extLst>
+              <a:ext uri="{FF2B5EF4-FFF2-40B4-BE49-F238E27FC236}">
+                <a16:creationId xmlns:a16="http://schemas.microsoft.com/office/drawing/2014/main" id="{E4191104-5A0E-4A1E-B9BF-4FDEC398BE28}"/>
+              </a:ext>
+            </a:extLst>
+          </p:cNvPr>
+          <p:cNvGrpSpPr/>
+          <p:nvPr/>
+        </p:nvGrpSpPr>
+        <p:grpSpPr>
+          <a:xfrm>
+            <a:off x="6740996" y="2685896"/>
+            <a:ext cx="2591556" cy="825910"/>
+            <a:chOff x="1170039" y="2359742"/>
+            <a:chExt cx="1317522" cy="825910"/>
+          </a:xfrm>
+        </p:grpSpPr>
+        <p:sp>
+          <p:nvSpPr>
+            <p:cNvPr id="40" name="Dreptunghi 39">
+              <a:extLst>
+                <a:ext uri="{FF2B5EF4-FFF2-40B4-BE49-F238E27FC236}">
+                  <a16:creationId xmlns:a16="http://schemas.microsoft.com/office/drawing/2014/main" id="{BF8C7C2D-6868-485A-959D-6119A20E732A}"/>
+                </a:ext>
+              </a:extLst>
+            </p:cNvPr>
+            <p:cNvSpPr/>
+            <p:nvPr/>
+          </p:nvSpPr>
+          <p:spPr>
+            <a:xfrm>
+              <a:off x="1170039" y="2359742"/>
+              <a:ext cx="1317522" cy="412955"/>
+            </a:xfrm>
+            <a:prstGeom prst="rect">
+              <a:avLst/>
+            </a:prstGeom>
+          </p:spPr>
+          <p:style>
+            <a:lnRef idx="2">
+              <a:schemeClr val="accent1">
+                <a:shade val="50000"/>
+              </a:schemeClr>
+            </a:lnRef>
+            <a:fillRef idx="1">
+              <a:schemeClr val="accent1"/>
+            </a:fillRef>
+            <a:effectRef idx="0">
+              <a:schemeClr val="accent1"/>
+            </a:effectRef>
+            <a:fontRef idx="minor">
+              <a:schemeClr val="lt1"/>
+            </a:fontRef>
+          </p:style>
+          <p:txBody>
+            <a:bodyPr rtlCol="0" anchor="ctr"/>
+            <a:lstStyle/>
+            <a:p>
+              <a:pPr algn="ctr"/>
+              <a:r>
+                <a:rPr lang="ro-RO" dirty="0" err="1"/>
+                <a:t>ITicketStrategy</a:t>
+              </a:r>
+              <a:endParaRPr lang="en-US" dirty="0"/>
+            </a:p>
+          </p:txBody>
+        </p:sp>
+        <p:sp>
+          <p:nvSpPr>
+            <p:cNvPr id="41" name="Dreptunghi 40">
+              <a:extLst>
+                <a:ext uri="{FF2B5EF4-FFF2-40B4-BE49-F238E27FC236}">
+                  <a16:creationId xmlns:a16="http://schemas.microsoft.com/office/drawing/2014/main" id="{302FC8F5-9F03-4FCD-BB03-BC46223D584C}"/>
+                </a:ext>
+              </a:extLst>
+            </p:cNvPr>
+            <p:cNvSpPr/>
+            <p:nvPr/>
+          </p:nvSpPr>
+          <p:spPr>
+            <a:xfrm>
+              <a:off x="1170039" y="2772697"/>
+              <a:ext cx="1317522" cy="412955"/>
+            </a:xfrm>
+            <a:prstGeom prst="rect">
+              <a:avLst/>
+            </a:prstGeom>
+          </p:spPr>
+          <p:style>
+            <a:lnRef idx="2">
+              <a:schemeClr val="accent2"/>
+            </a:lnRef>
+            <a:fillRef idx="1">
+              <a:schemeClr val="lt1"/>
+            </a:fillRef>
+            <a:effectRef idx="0">
+              <a:schemeClr val="accent2"/>
+            </a:effectRef>
+            <a:fontRef idx="minor">
+              <a:schemeClr val="dk1"/>
+            </a:fontRef>
+          </p:style>
+          <p:txBody>
+            <a:bodyPr rtlCol="0" anchor="ctr"/>
+            <a:lstStyle/>
+            <a:p>
+              <a:r>
+                <a:rPr lang="en-US" sz="1400" dirty="0" err="1"/>
+                <a:t>TicketPriceMultiplier</a:t>
+              </a:r>
+              <a:r>
+                <a:rPr lang="ro-RO" sz="1400" dirty="0"/>
+                <a:t> {get}</a:t>
+              </a:r>
+              <a:endParaRPr lang="en-US" sz="1400" dirty="0"/>
+            </a:p>
+          </p:txBody>
+        </p:sp>
+      </p:grpSp>
+      <p:grpSp>
+        <p:nvGrpSpPr>
+          <p:cNvPr id="42" name="Grupare 41">
+            <a:extLst>
+              <a:ext uri="{FF2B5EF4-FFF2-40B4-BE49-F238E27FC236}">
+                <a16:creationId xmlns:a16="http://schemas.microsoft.com/office/drawing/2014/main" id="{52D2AA91-A9EA-416E-881F-9D9A7960E780}"/>
+              </a:ext>
+            </a:extLst>
+          </p:cNvPr>
+          <p:cNvGrpSpPr/>
+          <p:nvPr/>
+        </p:nvGrpSpPr>
+        <p:grpSpPr>
+          <a:xfrm>
+            <a:off x="1451830" y="2481345"/>
+            <a:ext cx="2030361" cy="1889909"/>
+            <a:chOff x="2856270" y="2359742"/>
+            <a:chExt cx="2030361" cy="1889909"/>
+          </a:xfrm>
+        </p:grpSpPr>
+        <p:sp>
+          <p:nvSpPr>
+            <p:cNvPr id="43" name="Dreptunghi 42">
+              <a:extLst>
+                <a:ext uri="{FF2B5EF4-FFF2-40B4-BE49-F238E27FC236}">
+                  <a16:creationId xmlns:a16="http://schemas.microsoft.com/office/drawing/2014/main" id="{E8193C1C-22B0-4267-BD81-5051FDED836E}"/>
+                </a:ext>
+              </a:extLst>
+            </p:cNvPr>
+            <p:cNvSpPr/>
+            <p:nvPr/>
+          </p:nvSpPr>
+          <p:spPr>
+            <a:xfrm>
+              <a:off x="2856270" y="2359742"/>
+              <a:ext cx="2030361" cy="412955"/>
+            </a:xfrm>
+            <a:prstGeom prst="rect">
+              <a:avLst/>
+            </a:prstGeom>
+          </p:spPr>
+          <p:style>
+            <a:lnRef idx="2">
+              <a:schemeClr val="accent1">
+                <a:shade val="50000"/>
+              </a:schemeClr>
+            </a:lnRef>
+            <a:fillRef idx="1">
+              <a:schemeClr val="accent1"/>
+            </a:fillRef>
+            <a:effectRef idx="0">
+              <a:schemeClr val="accent1"/>
+            </a:effectRef>
+            <a:fontRef idx="minor">
+              <a:schemeClr val="lt1"/>
+            </a:fontRef>
+          </p:style>
+          <p:txBody>
+            <a:bodyPr rtlCol="0" anchor="ctr"/>
+            <a:lstStyle/>
+            <a:p>
+              <a:pPr algn="ctr"/>
+              <a:r>
+                <a:rPr lang="ro-RO" dirty="0" err="1"/>
+                <a:t>Museum</a:t>
+              </a:r>
+              <a:endParaRPr lang="en-US" dirty="0"/>
+            </a:p>
+          </p:txBody>
+        </p:sp>
+        <p:sp>
+          <p:nvSpPr>
+            <p:cNvPr id="44" name="Dreptunghi 43">
+              <a:extLst>
+                <a:ext uri="{FF2B5EF4-FFF2-40B4-BE49-F238E27FC236}">
+                  <a16:creationId xmlns:a16="http://schemas.microsoft.com/office/drawing/2014/main" id="{634225A9-E0B6-448D-9B53-648868FC9D50}"/>
+                </a:ext>
+              </a:extLst>
+            </p:cNvPr>
+            <p:cNvSpPr/>
+            <p:nvPr/>
+          </p:nvSpPr>
+          <p:spPr>
+            <a:xfrm>
+              <a:off x="2856270" y="2772697"/>
+              <a:ext cx="2030361" cy="1476954"/>
+            </a:xfrm>
+            <a:prstGeom prst="rect">
+              <a:avLst/>
+            </a:prstGeom>
+          </p:spPr>
+          <p:style>
+            <a:lnRef idx="2">
+              <a:schemeClr val="accent2"/>
+            </a:lnRef>
+            <a:fillRef idx="1">
+              <a:schemeClr val="lt1"/>
+            </a:fillRef>
+            <a:effectRef idx="0">
+              <a:schemeClr val="accent2"/>
+            </a:effectRef>
+            <a:fontRef idx="minor">
+              <a:schemeClr val="dk1"/>
+            </a:fontRef>
+          </p:style>
+          <p:txBody>
+            <a:bodyPr rtlCol="0" anchor="ctr"/>
+            <a:lstStyle/>
+            <a:p>
+              <a:r>
+                <a:rPr lang="ro-RO" sz="1400" dirty="0"/>
+                <a:t>_</a:t>
+              </a:r>
+              <a:r>
+                <a:rPr lang="ro-RO" sz="1400" dirty="0" err="1"/>
+                <a:t>visitors</a:t>
+              </a:r>
+              <a:endParaRPr lang="ro-RO" sz="1400" dirty="0"/>
+            </a:p>
+            <a:p>
+              <a:r>
+                <a:rPr lang="ro-RO" sz="1400" dirty="0"/>
+                <a:t>_</a:t>
+              </a:r>
+              <a:r>
+                <a:rPr lang="ro-RO" sz="1400" dirty="0" err="1"/>
+                <a:t>FullTicketPrice</a:t>
+              </a:r>
+              <a:endParaRPr lang="ro-RO" sz="1400" dirty="0"/>
+            </a:p>
+            <a:p>
+              <a:endParaRPr lang="ro-RO" sz="1400" dirty="0"/>
+            </a:p>
+            <a:p>
+              <a:r>
+                <a:rPr lang="en-US" sz="1400" dirty="0" err="1"/>
+                <a:t>IncomeFromTickets</a:t>
+              </a:r>
+              <a:r>
+                <a:rPr lang="en-US" sz="1400" dirty="0"/>
+                <a:t> </a:t>
+              </a:r>
+              <a:endParaRPr lang="ro-RO" sz="1400" dirty="0"/>
+            </a:p>
+            <a:p>
+              <a:endParaRPr lang="ro-RO" sz="1400" dirty="0"/>
+            </a:p>
+            <a:p>
+              <a:r>
+                <a:rPr lang="ro-RO" sz="1400" dirty="0" err="1"/>
+                <a:t>Visit</a:t>
+              </a:r>
+              <a:r>
+                <a:rPr lang="ro-RO" sz="1400" dirty="0"/>
+                <a:t>(</a:t>
+              </a:r>
+              <a:r>
+                <a:rPr lang="ro-RO" sz="1400" dirty="0" err="1"/>
+                <a:t>person</a:t>
+              </a:r>
+              <a:r>
+                <a:rPr lang="ro-RO" sz="1400" dirty="0"/>
+                <a:t>)</a:t>
+              </a:r>
+            </a:p>
+          </p:txBody>
+        </p:sp>
+      </p:grpSp>
+      <p:cxnSp>
+        <p:nvCxnSpPr>
+          <p:cNvPr id="45" name="Conector: cotit 44">
+            <a:extLst>
+              <a:ext uri="{FF2B5EF4-FFF2-40B4-BE49-F238E27FC236}">
+                <a16:creationId xmlns:a16="http://schemas.microsoft.com/office/drawing/2014/main" id="{F24CE3F9-5911-43AD-B6EB-AC5BD177A205}"/>
+              </a:ext>
+            </a:extLst>
+          </p:cNvPr>
+          <p:cNvCxnSpPr>
+            <a:cxnSpLocks/>
+            <a:stCxn id="44" idx="3"/>
+            <a:endCxn id="27" idx="1"/>
+          </p:cNvCxnSpPr>
+          <p:nvPr/>
+        </p:nvCxnSpPr>
+        <p:spPr>
+          <a:xfrm flipV="1">
+            <a:off x="3482191" y="3353799"/>
+            <a:ext cx="633743" cy="278978"/>
+          </a:xfrm>
+          <a:prstGeom prst="bentConnector3">
+            <a:avLst>
+              <a:gd name="adj1" fmla="val 50000"/>
+            </a:avLst>
+          </a:prstGeom>
+        </p:spPr>
+        <p:style>
+          <a:lnRef idx="1">
+            <a:schemeClr val="accent1"/>
+          </a:lnRef>
+          <a:fillRef idx="0">
+            <a:schemeClr val="accent1"/>
+          </a:fillRef>
+          <a:effectRef idx="0">
+            <a:schemeClr val="accent1"/>
+          </a:effectRef>
+          <a:fontRef idx="minor">
+            <a:schemeClr val="tx1"/>
+          </a:fontRef>
+        </p:style>
+      </p:cxnSp>
+      <p:sp>
+        <p:nvSpPr>
+          <p:cNvPr id="49" name="Bulă de gânduri: nor 48">
+            <a:extLst>
+              <a:ext uri="{FF2B5EF4-FFF2-40B4-BE49-F238E27FC236}">
+                <a16:creationId xmlns:a16="http://schemas.microsoft.com/office/drawing/2014/main" id="{7FDD9AB6-8D40-474F-A859-55B6059AA8CF}"/>
+              </a:ext>
+            </a:extLst>
+          </p:cNvPr>
+          <p:cNvSpPr/>
+          <p:nvPr/>
+        </p:nvSpPr>
+        <p:spPr>
+          <a:xfrm>
+            <a:off x="1857773" y="5002498"/>
+            <a:ext cx="3178965" cy="1558162"/>
+          </a:xfrm>
+          <a:prstGeom prst="cloudCallout">
+            <a:avLst>
+              <a:gd name="adj1" fmla="val -30891"/>
+              <a:gd name="adj2" fmla="val -102517"/>
+            </a:avLst>
+          </a:prstGeom>
+          <a:solidFill>
+            <a:schemeClr val="accent5">
+              <a:lumMod val="20000"/>
+              <a:lumOff val="80000"/>
+            </a:schemeClr>
+          </a:solidFill>
+          <a:ln/>
+        </p:spPr>
+        <p:style>
+          <a:lnRef idx="2">
+            <a:schemeClr val="accent5"/>
+          </a:lnRef>
+          <a:fillRef idx="1">
+            <a:schemeClr val="lt1"/>
+          </a:fillRef>
+          <a:effectRef idx="0">
+            <a:schemeClr val="accent5"/>
+          </a:effectRef>
+          <a:fontRef idx="minor">
+            <a:schemeClr val="dk1"/>
+          </a:fontRef>
+        </p:style>
+        <p:txBody>
+          <a:bodyPr rtlCol="0" anchor="ctr"/>
+          <a:lstStyle/>
+          <a:p>
+            <a:pPr algn="ctr"/>
+            <a:r>
+              <a:rPr lang="ro-RO" dirty="0"/>
+              <a:t>Just </a:t>
+            </a:r>
+            <a:r>
+              <a:rPr lang="ro-RO" dirty="0" err="1"/>
+              <a:t>multiplies</a:t>
+            </a:r>
+            <a:r>
+              <a:rPr lang="ro-RO" dirty="0"/>
+              <a:t> </a:t>
+            </a:r>
+            <a:r>
+              <a:rPr lang="ro-RO" dirty="0" err="1"/>
+              <a:t>ticket</a:t>
+            </a:r>
+            <a:r>
+              <a:rPr lang="ro-RO" dirty="0"/>
+              <a:t> price </a:t>
+            </a:r>
+            <a:r>
+              <a:rPr lang="ro-RO" dirty="0" err="1"/>
+              <a:t>with</a:t>
+            </a:r>
+            <a:r>
+              <a:rPr lang="ro-RO" dirty="0"/>
+              <a:t> </a:t>
+            </a:r>
+            <a:r>
+              <a:rPr lang="ro-RO" dirty="0" err="1"/>
+              <a:t>the</a:t>
+            </a:r>
+            <a:r>
+              <a:rPr lang="ro-RO" dirty="0"/>
+              <a:t> </a:t>
+            </a:r>
+            <a:r>
+              <a:rPr lang="ro-RO" dirty="0" err="1"/>
+              <a:t>person’s</a:t>
+            </a:r>
+            <a:r>
+              <a:rPr lang="ro-RO" dirty="0"/>
+              <a:t> </a:t>
+            </a:r>
+            <a:r>
+              <a:rPr lang="ro-RO" dirty="0" err="1"/>
+              <a:t>strategy</a:t>
+            </a:r>
+            <a:r>
+              <a:rPr lang="ro-RO" dirty="0"/>
+              <a:t> </a:t>
+            </a:r>
+            <a:r>
+              <a:rPr lang="ro-RO" dirty="0" err="1"/>
+              <a:t>multiplier</a:t>
+            </a:r>
+            <a:endParaRPr lang="en-US" dirty="0"/>
+          </a:p>
+        </p:txBody>
+      </p:sp>
+      <p:grpSp>
+        <p:nvGrpSpPr>
+          <p:cNvPr id="50" name="Grupare 49">
+            <a:extLst>
+              <a:ext uri="{FF2B5EF4-FFF2-40B4-BE49-F238E27FC236}">
+                <a16:creationId xmlns:a16="http://schemas.microsoft.com/office/drawing/2014/main" id="{6BDC1D29-BB68-4F82-B682-669718129B39}"/>
+              </a:ext>
+            </a:extLst>
+          </p:cNvPr>
+          <p:cNvGrpSpPr/>
+          <p:nvPr/>
+        </p:nvGrpSpPr>
+        <p:grpSpPr>
+          <a:xfrm>
+            <a:off x="4658979" y="4176585"/>
+            <a:ext cx="2190488" cy="825912"/>
+            <a:chOff x="1170039" y="2359742"/>
+            <a:chExt cx="1317522" cy="825912"/>
+          </a:xfrm>
+        </p:grpSpPr>
+        <p:sp>
+          <p:nvSpPr>
+            <p:cNvPr id="51" name="Dreptunghi 50">
+              <a:extLst>
+                <a:ext uri="{FF2B5EF4-FFF2-40B4-BE49-F238E27FC236}">
+                  <a16:creationId xmlns:a16="http://schemas.microsoft.com/office/drawing/2014/main" id="{039EE31F-E886-45ED-B87E-ADDC613BB210}"/>
+                </a:ext>
+              </a:extLst>
+            </p:cNvPr>
+            <p:cNvSpPr/>
+            <p:nvPr/>
+          </p:nvSpPr>
+          <p:spPr>
+            <a:xfrm>
+              <a:off x="1170039" y="2359742"/>
+              <a:ext cx="1317522" cy="412955"/>
+            </a:xfrm>
+            <a:prstGeom prst="rect">
+              <a:avLst/>
+            </a:prstGeom>
+          </p:spPr>
+          <p:style>
+            <a:lnRef idx="2">
+              <a:schemeClr val="accent1">
+                <a:shade val="50000"/>
+              </a:schemeClr>
+            </a:lnRef>
+            <a:fillRef idx="1">
+              <a:schemeClr val="accent1"/>
+            </a:fillRef>
+            <a:effectRef idx="0">
+              <a:schemeClr val="accent1"/>
+            </a:effectRef>
+            <a:fontRef idx="minor">
+              <a:schemeClr val="lt1"/>
+            </a:fontRef>
+          </p:style>
+          <p:txBody>
+            <a:bodyPr rtlCol="0" anchor="ctr"/>
+            <a:lstStyle/>
+            <a:p>
+              <a:pPr algn="ctr"/>
+              <a:r>
+                <a:rPr lang="ro-RO" dirty="0" err="1"/>
+                <a:t>ChildTicketStrategy</a:t>
+              </a:r>
+              <a:endParaRPr lang="en-US" dirty="0"/>
+            </a:p>
+          </p:txBody>
+        </p:sp>
+        <p:sp>
+          <p:nvSpPr>
+            <p:cNvPr id="52" name="Dreptunghi 51">
+              <a:extLst>
+                <a:ext uri="{FF2B5EF4-FFF2-40B4-BE49-F238E27FC236}">
+                  <a16:creationId xmlns:a16="http://schemas.microsoft.com/office/drawing/2014/main" id="{E04D5C2B-0782-4AB1-ACB1-835751EDA1F6}"/>
+                </a:ext>
+              </a:extLst>
+            </p:cNvPr>
+            <p:cNvSpPr/>
+            <p:nvPr/>
+          </p:nvSpPr>
+          <p:spPr>
+            <a:xfrm>
+              <a:off x="1170039" y="2772698"/>
+              <a:ext cx="1317522" cy="412956"/>
+            </a:xfrm>
+            <a:prstGeom prst="rect">
+              <a:avLst/>
+            </a:prstGeom>
+          </p:spPr>
+          <p:style>
+            <a:lnRef idx="2">
+              <a:schemeClr val="accent2"/>
+            </a:lnRef>
+            <a:fillRef idx="1">
+              <a:schemeClr val="lt1"/>
+            </a:fillRef>
+            <a:effectRef idx="0">
+              <a:schemeClr val="accent2"/>
+            </a:effectRef>
+            <a:fontRef idx="minor">
+              <a:schemeClr val="dk1"/>
+            </a:fontRef>
+          </p:style>
+          <p:txBody>
+            <a:bodyPr rtlCol="0" anchor="ctr"/>
+            <a:lstStyle/>
+            <a:p>
+              <a:r>
+                <a:rPr lang="en-US" sz="1400" dirty="0" err="1"/>
+                <a:t>TicketPriceMultiplier</a:t>
+              </a:r>
+              <a:r>
+                <a:rPr lang="ro-RO" sz="1400" dirty="0"/>
+                <a:t> = 0</a:t>
+              </a:r>
+              <a:endParaRPr lang="en-US" sz="1400" dirty="0"/>
+            </a:p>
+          </p:txBody>
+        </p:sp>
+      </p:grpSp>
+      <p:grpSp>
+        <p:nvGrpSpPr>
+          <p:cNvPr id="55" name="Grupare 54">
+            <a:extLst>
+              <a:ext uri="{FF2B5EF4-FFF2-40B4-BE49-F238E27FC236}">
+                <a16:creationId xmlns:a16="http://schemas.microsoft.com/office/drawing/2014/main" id="{E7917740-0409-4C8E-ADDF-257E6B621EDB}"/>
+              </a:ext>
+            </a:extLst>
+          </p:cNvPr>
+          <p:cNvGrpSpPr/>
+          <p:nvPr/>
+        </p:nvGrpSpPr>
+        <p:grpSpPr>
+          <a:xfrm>
+            <a:off x="6974676" y="4179444"/>
+            <a:ext cx="2147255" cy="825912"/>
+            <a:chOff x="1170039" y="2359742"/>
+            <a:chExt cx="1317522" cy="825912"/>
+          </a:xfrm>
+        </p:grpSpPr>
+        <p:sp>
+          <p:nvSpPr>
+            <p:cNvPr id="56" name="Dreptunghi 55">
+              <a:extLst>
+                <a:ext uri="{FF2B5EF4-FFF2-40B4-BE49-F238E27FC236}">
+                  <a16:creationId xmlns:a16="http://schemas.microsoft.com/office/drawing/2014/main" id="{FCB43DB6-82C7-4B89-84EC-4032D1EEE172}"/>
+                </a:ext>
+              </a:extLst>
+            </p:cNvPr>
+            <p:cNvSpPr/>
+            <p:nvPr/>
+          </p:nvSpPr>
+          <p:spPr>
+            <a:xfrm>
+              <a:off x="1170039" y="2359742"/>
+              <a:ext cx="1317522" cy="412955"/>
+            </a:xfrm>
+            <a:prstGeom prst="rect">
+              <a:avLst/>
+            </a:prstGeom>
+          </p:spPr>
+          <p:style>
+            <a:lnRef idx="2">
+              <a:schemeClr val="accent1">
+                <a:shade val="50000"/>
+              </a:schemeClr>
+            </a:lnRef>
+            <a:fillRef idx="1">
+              <a:schemeClr val="accent1"/>
+            </a:fillRef>
+            <a:effectRef idx="0">
+              <a:schemeClr val="accent1"/>
+            </a:effectRef>
+            <a:fontRef idx="minor">
+              <a:schemeClr val="lt1"/>
+            </a:fontRef>
+          </p:style>
+          <p:txBody>
+            <a:bodyPr rtlCol="0" anchor="ctr"/>
+            <a:lstStyle/>
+            <a:p>
+              <a:pPr algn="ctr"/>
+              <a:r>
+                <a:rPr lang="ro-RO" dirty="0" err="1"/>
+                <a:t>AdultTicketStrategy</a:t>
+              </a:r>
+              <a:endParaRPr lang="en-US" dirty="0"/>
+            </a:p>
+          </p:txBody>
+        </p:sp>
+        <p:sp>
+          <p:nvSpPr>
+            <p:cNvPr id="57" name="Dreptunghi 56">
+              <a:extLst>
+                <a:ext uri="{FF2B5EF4-FFF2-40B4-BE49-F238E27FC236}">
+                  <a16:creationId xmlns:a16="http://schemas.microsoft.com/office/drawing/2014/main" id="{F4EDB3C4-D060-4BEA-99F9-A7BE38C600DC}"/>
+                </a:ext>
+              </a:extLst>
+            </p:cNvPr>
+            <p:cNvSpPr/>
+            <p:nvPr/>
+          </p:nvSpPr>
+          <p:spPr>
+            <a:xfrm>
+              <a:off x="1170039" y="2772698"/>
+              <a:ext cx="1317522" cy="412956"/>
+            </a:xfrm>
+            <a:prstGeom prst="rect">
+              <a:avLst/>
+            </a:prstGeom>
+          </p:spPr>
+          <p:style>
+            <a:lnRef idx="2">
+              <a:schemeClr val="accent2"/>
+            </a:lnRef>
+            <a:fillRef idx="1">
+              <a:schemeClr val="lt1"/>
+            </a:fillRef>
+            <a:effectRef idx="0">
+              <a:schemeClr val="accent2"/>
+            </a:effectRef>
+            <a:fontRef idx="minor">
+              <a:schemeClr val="dk1"/>
+            </a:fontRef>
+          </p:style>
+          <p:txBody>
+            <a:bodyPr rtlCol="0" anchor="ctr"/>
+            <a:lstStyle/>
+            <a:p>
+              <a:r>
+                <a:rPr lang="en-US" sz="1400" dirty="0" err="1"/>
+                <a:t>TicketPriceMultiplier</a:t>
+              </a:r>
+              <a:r>
+                <a:rPr lang="ro-RO" sz="1400" dirty="0"/>
+                <a:t> = 1</a:t>
+              </a:r>
+              <a:endParaRPr lang="en-US" sz="1400" dirty="0"/>
+            </a:p>
+          </p:txBody>
+        </p:sp>
+      </p:grpSp>
+      <p:grpSp>
+        <p:nvGrpSpPr>
+          <p:cNvPr id="58" name="Grupare 57">
+            <a:extLst>
+              <a:ext uri="{FF2B5EF4-FFF2-40B4-BE49-F238E27FC236}">
+                <a16:creationId xmlns:a16="http://schemas.microsoft.com/office/drawing/2014/main" id="{EAFB26EE-4184-455B-8714-907D5A2A8118}"/>
+              </a:ext>
+            </a:extLst>
+          </p:cNvPr>
+          <p:cNvGrpSpPr/>
+          <p:nvPr/>
+        </p:nvGrpSpPr>
+        <p:grpSpPr>
+          <a:xfrm>
+            <a:off x="9213371" y="4176585"/>
+            <a:ext cx="2064229" cy="825912"/>
+            <a:chOff x="1170039" y="2359742"/>
+            <a:chExt cx="1317522" cy="825912"/>
+          </a:xfrm>
+        </p:grpSpPr>
+        <p:sp>
+          <p:nvSpPr>
+            <p:cNvPr id="59" name="Dreptunghi 58">
+              <a:extLst>
+                <a:ext uri="{FF2B5EF4-FFF2-40B4-BE49-F238E27FC236}">
+                  <a16:creationId xmlns:a16="http://schemas.microsoft.com/office/drawing/2014/main" id="{D3382817-4999-4E7C-9AB6-279C971DBA94}"/>
+                </a:ext>
+              </a:extLst>
+            </p:cNvPr>
+            <p:cNvSpPr/>
+            <p:nvPr/>
+          </p:nvSpPr>
+          <p:spPr>
+            <a:xfrm>
+              <a:off x="1170039" y="2359742"/>
+              <a:ext cx="1317522" cy="412955"/>
+            </a:xfrm>
+            <a:prstGeom prst="rect">
+              <a:avLst/>
+            </a:prstGeom>
+          </p:spPr>
+          <p:style>
+            <a:lnRef idx="2">
+              <a:schemeClr val="accent1">
+                <a:shade val="50000"/>
+              </a:schemeClr>
+            </a:lnRef>
+            <a:fillRef idx="1">
+              <a:schemeClr val="accent1"/>
+            </a:fillRef>
+            <a:effectRef idx="0">
+              <a:schemeClr val="accent1"/>
+            </a:effectRef>
+            <a:fontRef idx="minor">
+              <a:schemeClr val="lt1"/>
+            </a:fontRef>
+          </p:style>
+          <p:txBody>
+            <a:bodyPr rtlCol="0" anchor="ctr"/>
+            <a:lstStyle/>
+            <a:p>
+              <a:pPr algn="ctr"/>
+              <a:r>
+                <a:rPr lang="ro-RO" dirty="0" err="1"/>
+                <a:t>SeniorTicketStrategy</a:t>
+              </a:r>
+              <a:endParaRPr lang="en-US" dirty="0"/>
+            </a:p>
+          </p:txBody>
+        </p:sp>
+        <p:sp>
+          <p:nvSpPr>
+            <p:cNvPr id="60" name="Dreptunghi 59">
+              <a:extLst>
+                <a:ext uri="{FF2B5EF4-FFF2-40B4-BE49-F238E27FC236}">
+                  <a16:creationId xmlns:a16="http://schemas.microsoft.com/office/drawing/2014/main" id="{10A60013-1896-4F2C-89A0-514F37A19257}"/>
+                </a:ext>
+              </a:extLst>
+            </p:cNvPr>
+            <p:cNvSpPr/>
+            <p:nvPr/>
+          </p:nvSpPr>
+          <p:spPr>
+            <a:xfrm>
+              <a:off x="1170039" y="2772698"/>
+              <a:ext cx="1317522" cy="412956"/>
+            </a:xfrm>
+            <a:prstGeom prst="rect">
+              <a:avLst/>
+            </a:prstGeom>
+          </p:spPr>
+          <p:style>
+            <a:lnRef idx="2">
+              <a:schemeClr val="accent2"/>
+            </a:lnRef>
+            <a:fillRef idx="1">
+              <a:schemeClr val="lt1"/>
+            </a:fillRef>
+            <a:effectRef idx="0">
+              <a:schemeClr val="accent2"/>
+            </a:effectRef>
+            <a:fontRef idx="minor">
+              <a:schemeClr val="dk1"/>
+            </a:fontRef>
+          </p:style>
+          <p:txBody>
+            <a:bodyPr rtlCol="0" anchor="ctr"/>
+            <a:lstStyle/>
+            <a:p>
+              <a:r>
+                <a:rPr lang="en-US" sz="1400" dirty="0" err="1"/>
+                <a:t>TicketPriceMultiplier</a:t>
+              </a:r>
+              <a:r>
+                <a:rPr lang="ro-RO" sz="1400" dirty="0"/>
+                <a:t> = 0.5</a:t>
+              </a:r>
+              <a:endParaRPr lang="en-US" sz="1400" dirty="0"/>
+            </a:p>
+          </p:txBody>
+        </p:sp>
+      </p:grpSp>
+      <p:cxnSp>
+        <p:nvCxnSpPr>
+          <p:cNvPr id="4" name="Conector: cotit 3">
+            <a:extLst>
+              <a:ext uri="{FF2B5EF4-FFF2-40B4-BE49-F238E27FC236}">
+                <a16:creationId xmlns:a16="http://schemas.microsoft.com/office/drawing/2014/main" id="{C792109A-F7E3-4652-AEC4-616CBC972A93}"/>
+              </a:ext>
+            </a:extLst>
+          </p:cNvPr>
+          <p:cNvCxnSpPr>
+            <a:cxnSpLocks/>
+            <a:stCxn id="51" idx="0"/>
+            <a:endCxn id="41" idx="2"/>
+          </p:cNvCxnSpPr>
+          <p:nvPr/>
+        </p:nvCxnSpPr>
+        <p:spPr>
+          <a:xfrm rot="5400000" flipH="1" flipV="1">
+            <a:off x="6563109" y="2702921"/>
+            <a:ext cx="664779" cy="2282551"/>
+          </a:xfrm>
+          <a:prstGeom prst="bentConnector3">
+            <a:avLst/>
+          </a:prstGeom>
+          <a:ln>
+            <a:tailEnd type="triangle"/>
+          </a:ln>
+        </p:spPr>
+        <p:style>
+          <a:lnRef idx="1">
+            <a:schemeClr val="accent1"/>
+          </a:lnRef>
+          <a:fillRef idx="0">
+            <a:schemeClr val="accent1"/>
+          </a:fillRef>
+          <a:effectRef idx="0">
+            <a:schemeClr val="accent1"/>
+          </a:effectRef>
+          <a:fontRef idx="minor">
+            <a:schemeClr val="tx1"/>
+          </a:fontRef>
+        </p:style>
+      </p:cxnSp>
+      <p:cxnSp>
+        <p:nvCxnSpPr>
+          <p:cNvPr id="32" name="Conector: cotit 31">
+            <a:extLst>
+              <a:ext uri="{FF2B5EF4-FFF2-40B4-BE49-F238E27FC236}">
+                <a16:creationId xmlns:a16="http://schemas.microsoft.com/office/drawing/2014/main" id="{FA060C90-8128-4233-AEA4-D2D2B28938AF}"/>
+              </a:ext>
+            </a:extLst>
+          </p:cNvPr>
+          <p:cNvCxnSpPr>
+            <a:cxnSpLocks/>
+            <a:stCxn id="56" idx="0"/>
+            <a:endCxn id="41" idx="2"/>
+          </p:cNvCxnSpPr>
+          <p:nvPr/>
+        </p:nvCxnSpPr>
+        <p:spPr>
+          <a:xfrm rot="16200000" flipV="1">
+            <a:off x="7708720" y="3839860"/>
+            <a:ext cx="667638" cy="11530"/>
+          </a:xfrm>
+          <a:prstGeom prst="bentConnector3">
+            <a:avLst>
+              <a:gd name="adj1" fmla="val 50000"/>
+            </a:avLst>
+          </a:prstGeom>
+          <a:ln>
+            <a:tailEnd type="triangle"/>
+          </a:ln>
+        </p:spPr>
+        <p:style>
+          <a:lnRef idx="1">
+            <a:schemeClr val="accent1"/>
+          </a:lnRef>
+          <a:fillRef idx="0">
+            <a:schemeClr val="accent1"/>
+          </a:fillRef>
+          <a:effectRef idx="0">
+            <a:schemeClr val="accent1"/>
+          </a:effectRef>
+          <a:fontRef idx="minor">
+            <a:schemeClr val="tx1"/>
+          </a:fontRef>
+        </p:style>
+      </p:cxnSp>
+      <p:cxnSp>
+        <p:nvCxnSpPr>
+          <p:cNvPr id="35" name="Conector: cotit 34">
+            <a:extLst>
+              <a:ext uri="{FF2B5EF4-FFF2-40B4-BE49-F238E27FC236}">
+                <a16:creationId xmlns:a16="http://schemas.microsoft.com/office/drawing/2014/main" id="{558E8567-7AC8-4391-876E-68563ECB9C6B}"/>
+              </a:ext>
+            </a:extLst>
+          </p:cNvPr>
+          <p:cNvCxnSpPr>
+            <a:cxnSpLocks/>
+            <a:stCxn id="59" idx="0"/>
+            <a:endCxn id="41" idx="2"/>
+          </p:cNvCxnSpPr>
+          <p:nvPr/>
+        </p:nvCxnSpPr>
+        <p:spPr>
+          <a:xfrm rot="16200000" flipV="1">
+            <a:off x="8808741" y="2739840"/>
+            <a:ext cx="664779" cy="2208712"/>
+          </a:xfrm>
+          <a:prstGeom prst="bentConnector3">
+            <a:avLst>
+              <a:gd name="adj1" fmla="val 50000"/>
+            </a:avLst>
+          </a:prstGeom>
+          <a:ln>
+            <a:tailEnd type="triangle"/>
+          </a:ln>
+        </p:spPr>
+        <p:style>
+          <a:lnRef idx="1">
+            <a:schemeClr val="accent1"/>
+          </a:lnRef>
+          <a:fillRef idx="0">
+            <a:schemeClr val="accent1"/>
+          </a:fillRef>
+          <a:effectRef idx="0">
+            <a:schemeClr val="accent1"/>
+          </a:effectRef>
+          <a:fontRef idx="minor">
+            <a:schemeClr val="tx1"/>
+          </a:fontRef>
+        </p:style>
+      </p:cxnSp>
+      <p:grpSp>
+        <p:nvGrpSpPr>
+          <p:cNvPr id="25" name="Grupare 24">
+            <a:extLst>
+              <a:ext uri="{FF2B5EF4-FFF2-40B4-BE49-F238E27FC236}">
+                <a16:creationId xmlns:a16="http://schemas.microsoft.com/office/drawing/2014/main" id="{621B10BA-BD36-41C7-B0CC-FFA643B13809}"/>
+              </a:ext>
+            </a:extLst>
+          </p:cNvPr>
+          <p:cNvGrpSpPr/>
+          <p:nvPr/>
+        </p:nvGrpSpPr>
+        <p:grpSpPr>
+          <a:xfrm>
+            <a:off x="4115934" y="2464594"/>
+            <a:ext cx="1356100" cy="1365454"/>
+            <a:chOff x="1170039" y="2359742"/>
+            <a:chExt cx="1317522" cy="1365454"/>
+          </a:xfrm>
+        </p:grpSpPr>
+        <p:sp>
+          <p:nvSpPr>
+            <p:cNvPr id="26" name="Dreptunghi 25">
+              <a:extLst>
+                <a:ext uri="{FF2B5EF4-FFF2-40B4-BE49-F238E27FC236}">
+                  <a16:creationId xmlns:a16="http://schemas.microsoft.com/office/drawing/2014/main" id="{5E75E19D-7710-4433-93FB-1795B40E666E}"/>
+                </a:ext>
+              </a:extLst>
+            </p:cNvPr>
+            <p:cNvSpPr/>
+            <p:nvPr/>
+          </p:nvSpPr>
+          <p:spPr>
+            <a:xfrm>
+              <a:off x="1170039" y="2359742"/>
+              <a:ext cx="1317522" cy="412955"/>
+            </a:xfrm>
+            <a:prstGeom prst="rect">
+              <a:avLst/>
+            </a:prstGeom>
+          </p:spPr>
+          <p:style>
+            <a:lnRef idx="2">
+              <a:schemeClr val="accent1">
+                <a:shade val="50000"/>
+              </a:schemeClr>
+            </a:lnRef>
+            <a:fillRef idx="1">
+              <a:schemeClr val="accent1"/>
+            </a:fillRef>
+            <a:effectRef idx="0">
+              <a:schemeClr val="accent1"/>
+            </a:effectRef>
+            <a:fontRef idx="minor">
+              <a:schemeClr val="lt1"/>
+            </a:fontRef>
+          </p:style>
+          <p:txBody>
+            <a:bodyPr rtlCol="0" anchor="ctr"/>
+            <a:lstStyle/>
+            <a:p>
+              <a:pPr algn="ctr"/>
+              <a:r>
+                <a:rPr lang="ro-RO" dirty="0" err="1"/>
+                <a:t>Person</a:t>
+              </a:r>
+              <a:endParaRPr lang="en-US" dirty="0"/>
+            </a:p>
+          </p:txBody>
+        </p:sp>
+        <p:sp>
+          <p:nvSpPr>
+            <p:cNvPr id="27" name="Dreptunghi 26">
+              <a:extLst>
+                <a:ext uri="{FF2B5EF4-FFF2-40B4-BE49-F238E27FC236}">
+                  <a16:creationId xmlns:a16="http://schemas.microsoft.com/office/drawing/2014/main" id="{671977F0-1064-465E-AB0B-2DE091BF6916}"/>
+                </a:ext>
+              </a:extLst>
+            </p:cNvPr>
+            <p:cNvSpPr/>
+            <p:nvPr/>
+          </p:nvSpPr>
+          <p:spPr>
+            <a:xfrm>
+              <a:off x="1170039" y="2772697"/>
+              <a:ext cx="1317522" cy="952499"/>
+            </a:xfrm>
+            <a:prstGeom prst="rect">
+              <a:avLst/>
+            </a:prstGeom>
+          </p:spPr>
+          <p:style>
+            <a:lnRef idx="2">
+              <a:schemeClr val="accent2"/>
+            </a:lnRef>
+            <a:fillRef idx="1">
+              <a:schemeClr val="lt1"/>
+            </a:fillRef>
+            <a:effectRef idx="0">
+              <a:schemeClr val="accent2"/>
+            </a:effectRef>
+            <a:fontRef idx="minor">
+              <a:schemeClr val="dk1"/>
+            </a:fontRef>
+          </p:style>
+          <p:txBody>
+            <a:bodyPr rtlCol="0" anchor="ctr"/>
+            <a:lstStyle/>
+            <a:p>
+              <a:r>
+                <a:rPr lang="ro-RO" sz="1400" dirty="0" err="1"/>
+                <a:t>Name</a:t>
+              </a:r>
+              <a:endParaRPr lang="ro-RO" sz="1400" dirty="0"/>
+            </a:p>
+            <a:p>
+              <a:r>
+                <a:rPr lang="ro-RO" sz="1400" dirty="0" err="1"/>
+                <a:t>Age</a:t>
+              </a:r>
+              <a:endParaRPr lang="ro-RO" sz="1400" dirty="0"/>
+            </a:p>
+            <a:p>
+              <a:r>
+                <a:rPr lang="en-US" sz="1400" dirty="0"/>
+                <a:t>Ticket</a:t>
+              </a:r>
+              <a:r>
+                <a:rPr lang="ro-RO" sz="1400" dirty="0" err="1"/>
+                <a:t>Strategy</a:t>
+              </a:r>
+              <a:endParaRPr lang="en-US" sz="1400" dirty="0"/>
+            </a:p>
+          </p:txBody>
+        </p:sp>
+      </p:grpSp>
+      <p:cxnSp>
+        <p:nvCxnSpPr>
+          <p:cNvPr id="30" name="Conector: cotit 29">
+            <a:extLst>
+              <a:ext uri="{FF2B5EF4-FFF2-40B4-BE49-F238E27FC236}">
+                <a16:creationId xmlns:a16="http://schemas.microsoft.com/office/drawing/2014/main" id="{1CC53EF1-E6FA-45F9-96B0-9B4869E5F4FD}"/>
+              </a:ext>
+            </a:extLst>
+          </p:cNvPr>
+          <p:cNvCxnSpPr>
+            <a:cxnSpLocks/>
+            <a:stCxn id="27" idx="3"/>
+            <a:endCxn id="40" idx="1"/>
+          </p:cNvCxnSpPr>
+          <p:nvPr/>
+        </p:nvCxnSpPr>
+        <p:spPr>
+          <a:xfrm flipV="1">
+            <a:off x="5472034" y="2892374"/>
+            <a:ext cx="1268962" cy="461425"/>
+          </a:xfrm>
+          <a:prstGeom prst="bentConnector3">
+            <a:avLst>
+              <a:gd name="adj1" fmla="val 50000"/>
+            </a:avLst>
+          </a:prstGeom>
+        </p:spPr>
+        <p:style>
+          <a:lnRef idx="1">
+            <a:schemeClr val="accent1"/>
+          </a:lnRef>
+          <a:fillRef idx="0">
+            <a:schemeClr val="accent1"/>
+          </a:fillRef>
+          <a:effectRef idx="0">
+            <a:schemeClr val="accent1"/>
+          </a:effectRef>
+          <a:fontRef idx="minor">
+            <a:schemeClr val="tx1"/>
+          </a:fontRef>
+        </p:style>
+      </p:cxnSp>
+    </p:spTree>
+    <p:extLst>
+      <p:ext uri="{BB962C8B-B14F-4D97-AF65-F5344CB8AC3E}">
+        <p14:creationId xmlns:p14="http://schemas.microsoft.com/office/powerpoint/2010/main" val="2391958531"/>
+      </p:ext>
+    </p:extLst>
+  </p:cSld>
+  <p:clrMapOvr>
+    <a:masterClrMapping/>
+  </p:clrMapOvr>
+</p:sld>
+</file>
+
+<file path=ppt/slides/slide46.xml><?xml version="1.0" encoding="utf-8"?>
+<p:sld xmlns:a="http://schemas.openxmlformats.org/drawingml/2006/main" xmlns:r="http://schemas.openxmlformats.org/officeDocument/2006/relationships" xmlns:p="http://schemas.openxmlformats.org/presentationml/2006/main">
+  <p:cSld>
+    <p:spTree>
+      <p:nvGrpSpPr>
+        <p:cNvPr id="1" name=""/>
+        <p:cNvGrpSpPr/>
+        <p:nvPr/>
+      </p:nvGrpSpPr>
+      <p:grpSpPr>
+        <a:xfrm>
+          <a:off x="0" y="0"/>
+          <a:ext cx="0" cy="0"/>
+          <a:chOff x="0" y="0"/>
+          <a:chExt cx="0" cy="0"/>
+        </a:xfrm>
+      </p:grpSpPr>
+      <p:sp>
+        <p:nvSpPr>
+          <p:cNvPr id="2" name="Titlu 1">
+            <a:extLst>
+              <a:ext uri="{FF2B5EF4-FFF2-40B4-BE49-F238E27FC236}">
+                <a16:creationId xmlns:a16="http://schemas.microsoft.com/office/drawing/2014/main" id="{1C062335-5AB7-402E-8ACD-703347C7FD47}"/>
+              </a:ext>
+            </a:extLst>
+          </p:cNvPr>
+          <p:cNvSpPr>
+            <a:spLocks noGrp="1"/>
+          </p:cNvSpPr>
+          <p:nvPr>
+            <p:ph type="title"/>
+          </p:nvPr>
+        </p:nvSpPr>
+        <p:spPr/>
+        <p:txBody>
+          <a:bodyPr/>
+          <a:lstStyle/>
+          <a:p>
+            <a:r>
+              <a:rPr lang="ro-RO" dirty="0"/>
+              <a:t>TO USE OR NOT TO USE </a:t>
+            </a:r>
+            <a:r>
+              <a:rPr lang="en-US" dirty="0"/>
+              <a:t>Open/Closed Principle</a:t>
+            </a:r>
+          </a:p>
+        </p:txBody>
+      </p:sp>
+      <p:sp>
+        <p:nvSpPr>
+          <p:cNvPr id="3" name="Substituent conținut 2">
+            <a:extLst>
+              <a:ext uri="{FF2B5EF4-FFF2-40B4-BE49-F238E27FC236}">
+                <a16:creationId xmlns:a16="http://schemas.microsoft.com/office/drawing/2014/main" id="{151F071B-B98A-42DE-8F6F-06900255D36E}"/>
+              </a:ext>
+            </a:extLst>
+          </p:cNvPr>
+          <p:cNvSpPr>
+            <a:spLocks noGrp="1"/>
+          </p:cNvSpPr>
+          <p:nvPr>
+            <p:ph idx="1"/>
+          </p:nvPr>
+        </p:nvSpPr>
+        <p:spPr/>
+        <p:txBody>
+          <a:bodyPr/>
+          <a:lstStyle/>
+          <a:p>
+            <a:pPr>
+              <a:buFont typeface="Arial" panose="020B0604020202020204" pitchFamily="34" charset="0"/>
+              <a:buChar char="•"/>
+            </a:pPr>
+            <a:r>
+              <a:rPr lang="en-US" dirty="0"/>
+              <a:t> </a:t>
+            </a:r>
+            <a:r>
+              <a:rPr lang="ro-RO" dirty="0" err="1"/>
+              <a:t>Advantages</a:t>
+            </a:r>
+            <a:r>
+              <a:rPr lang="ro-RO" dirty="0"/>
+              <a:t>:</a:t>
+            </a:r>
+          </a:p>
+          <a:p>
+            <a:pPr lvl="1">
+              <a:buFont typeface="Arial" panose="020B0604020202020204" pitchFamily="34" charset="0"/>
+              <a:buChar char="•"/>
+            </a:pPr>
+            <a:r>
+              <a:rPr lang="en-US" dirty="0"/>
+              <a:t>Less likely to introduce bugs</a:t>
+            </a:r>
+            <a:endParaRPr lang="ro-RO" dirty="0"/>
+          </a:p>
+          <a:p>
+            <a:pPr lvl="1">
+              <a:buFont typeface="Arial" panose="020B0604020202020204" pitchFamily="34" charset="0"/>
+              <a:buChar char="•"/>
+            </a:pPr>
+            <a:r>
+              <a:rPr lang="en-US" dirty="0"/>
+              <a:t>No need to recompile and deploy code that is already compiled and deployed</a:t>
+            </a:r>
+            <a:endParaRPr lang="ro-RO" dirty="0"/>
+          </a:p>
+          <a:p>
+            <a:pPr lvl="1">
+              <a:buFont typeface="Arial" panose="020B0604020202020204" pitchFamily="34" charset="0"/>
+              <a:buChar char="•"/>
+            </a:pPr>
+            <a:r>
+              <a:rPr lang="en-US" dirty="0"/>
+              <a:t>Simpler code</a:t>
+            </a:r>
+          </a:p>
+          <a:p>
+            <a:pPr lvl="2">
+              <a:buFont typeface="Arial" panose="020B0604020202020204" pitchFamily="34" charset="0"/>
+              <a:buChar char="•"/>
+            </a:pPr>
+            <a:r>
+              <a:rPr lang="en-US" dirty="0"/>
+              <a:t>Usually uses if / switch cases, making it more difficult to follow and test</a:t>
+            </a:r>
+            <a:endParaRPr lang="ro-RO" dirty="0"/>
+          </a:p>
+          <a:p>
+            <a:pPr lvl="2">
+              <a:buFont typeface="Arial" panose="020B0604020202020204" pitchFamily="34" charset="0"/>
+              <a:buChar char="•"/>
+            </a:pPr>
+            <a:endParaRPr lang="ro-RO" dirty="0"/>
+          </a:p>
+          <a:p>
+            <a:pPr>
+              <a:buFont typeface="Arial" panose="020B0604020202020204" pitchFamily="34" charset="0"/>
+              <a:buChar char="•"/>
+            </a:pPr>
+            <a:r>
+              <a:rPr lang="ro-RO" dirty="0"/>
+              <a:t> </a:t>
+            </a:r>
+            <a:r>
+              <a:rPr lang="ro-RO" dirty="0" err="1"/>
+              <a:t>Disadvantages</a:t>
+            </a:r>
+            <a:r>
+              <a:rPr lang="ro-RO" dirty="0"/>
+              <a:t>:</a:t>
+            </a:r>
+          </a:p>
+          <a:p>
+            <a:pPr lvl="1">
+              <a:buFont typeface="Arial" panose="020B0604020202020204" pitchFamily="34" charset="0"/>
+              <a:buChar char="•"/>
+            </a:pPr>
+            <a:r>
+              <a:rPr lang="ro-RO" dirty="0" err="1"/>
+              <a:t>Abstractions</a:t>
+            </a:r>
+            <a:r>
+              <a:rPr lang="ro-RO" dirty="0"/>
+              <a:t> </a:t>
+            </a:r>
+            <a:r>
+              <a:rPr lang="ro-RO" dirty="0" err="1"/>
+              <a:t>add</a:t>
+            </a:r>
+            <a:r>
+              <a:rPr lang="ro-RO" dirty="0"/>
+              <a:t> </a:t>
+            </a:r>
+            <a:r>
+              <a:rPr lang="ro-RO" dirty="0" err="1"/>
+              <a:t>complexity</a:t>
+            </a:r>
+            <a:endParaRPr lang="ro-RO" dirty="0"/>
+          </a:p>
+          <a:p>
+            <a:pPr lvl="1">
+              <a:buFont typeface="Arial" panose="020B0604020202020204" pitchFamily="34" charset="0"/>
+              <a:buChar char="•"/>
+            </a:pPr>
+            <a:r>
+              <a:rPr lang="ro-RO" dirty="0" err="1"/>
+              <a:t>Too</a:t>
+            </a:r>
+            <a:r>
+              <a:rPr lang="ro-RO" dirty="0"/>
+              <a:t> </a:t>
+            </a:r>
+            <a:r>
+              <a:rPr lang="ro-RO" dirty="0" err="1"/>
+              <a:t>many</a:t>
+            </a:r>
+            <a:r>
+              <a:rPr lang="ro-RO" dirty="0"/>
+              <a:t> </a:t>
+            </a:r>
+            <a:r>
+              <a:rPr lang="ro-RO" dirty="0" err="1"/>
+              <a:t>classes</a:t>
+            </a:r>
+            <a:endParaRPr lang="en-US" dirty="0"/>
+          </a:p>
+        </p:txBody>
+      </p:sp>
+    </p:spTree>
+    <p:extLst>
+      <p:ext uri="{BB962C8B-B14F-4D97-AF65-F5344CB8AC3E}">
+        <p14:creationId xmlns:p14="http://schemas.microsoft.com/office/powerpoint/2010/main" val="2916358456"/>
       </p:ext>
     </p:extLst>
   </p:cSld>
